--- a/instructors/04-Public_repositories.pptx
+++ b/instructors/04-Public_repositories.pptx
@@ -678,15 +678,16 @@
           <a:p>
             <a:r>
               <a:rPr lang="en-GB" dirty="0"/>
-              <a:t>Dryad is an international open-access repository of research data.  It is a </a:t>
-            </a:r>
-            <a:r>
-              <a:rPr lang="en-GB" dirty="0" err="1"/>
-              <a:t>nonprofit</a:t>
-            </a:r>
+              <a:t>Dryad is an international open-access repository of research data.  It is a nonprofit organization that provides long-term access to its contents at no cost to users. The base DPC per data submission is $120 USD. Access is free.</a:t>
+            </a:r>
+          </a:p>
+          <a:p>
+            <a:endParaRPr lang="en-GB" dirty="0"/>
+          </a:p>
+          <a:p>
             <a:r>
               <a:rPr lang="en-GB" dirty="0"/>
-              <a:t> organization that provides long-term access to its contents at no cost to users. The base DPC per data submission is $120 USD. Access is free.</a:t>
+              <a:t>Zenodo built and operated by CERN and OpenAIRE to ensure that everyone can join in Open Science.</a:t>
             </a:r>
           </a:p>
           <a:p>
@@ -694,54 +695,17 @@
           </a:p>
           <a:p>
             <a:r>
-              <a:rPr lang="en-GB" dirty="0" err="1"/>
-              <a:t>Zenodo</a:t>
-            </a:r>
-            <a:r>
               <a:rPr lang="en-GB" dirty="0"/>
-              <a:t> built and operated by CERN and </a:t>
-            </a:r>
-            <a:r>
-              <a:rPr lang="en-GB" dirty="0" err="1"/>
-              <a:t>OpenAIRE</a:t>
-            </a:r>
+              <a:t>Figshare is an online open access repository where researchers can preserve and share their research outputs, including figures, datasets, images, and videos. It is free to upload content and free to access, in adherence to the principle of open data. Figshare is one of a number of portfolio businesses supported by Digital Science, a subsidiary of Springer Nature.</a:t>
+            </a:r>
+          </a:p>
+          <a:p>
+            <a:endParaRPr lang="en-GB" dirty="0"/>
+          </a:p>
+          <a:p>
             <a:r>
               <a:rPr lang="en-GB" dirty="0"/>
-              <a:t> to ensure that everyone can join in Open Science.</a:t>
-            </a:r>
-          </a:p>
-          <a:p>
-            <a:endParaRPr lang="en-GB" dirty="0"/>
-          </a:p>
-          <a:p>
-            <a:r>
-              <a:rPr lang="en-GB" dirty="0" err="1"/>
-              <a:t>Figshare</a:t>
-            </a:r>
-            <a:r>
-              <a:rPr lang="en-GB" dirty="0"/>
-              <a:t> is an online open access repository where researchers can preserve and share their research outputs, including figures, datasets, images, and videos. It is free to upload content and free to access, in adherence to the principle of open data. </a:t>
-            </a:r>
-            <a:r>
-              <a:rPr lang="en-GB" dirty="0" err="1"/>
-              <a:t>Figshare</a:t>
-            </a:r>
-            <a:r>
-              <a:rPr lang="en-GB" dirty="0"/>
-              <a:t> is one of a number of portfolio businesses supported by Digital Science, a subsidiary of Springer Nature.</a:t>
-            </a:r>
-          </a:p>
-          <a:p>
-            <a:endParaRPr lang="en-GB" dirty="0"/>
-          </a:p>
-          <a:p>
-            <a:r>
-              <a:rPr lang="en-GB" dirty="0" err="1"/>
-              <a:t>Dataverse</a:t>
-            </a:r>
-            <a:r>
-              <a:rPr lang="en-GB" dirty="0"/>
-              <a:t> is funded by Harvard with additional support from the Alfred P. Sloan Foundation, National Science Foundation, National Institutes of Health, Helmsley Charitable Trust, IQSS's Henry A. Murray Research Archive, and many others. </a:t>
+              <a:t>Dataverse is funded by Harvard with additional support from the Alfred P. Sloan Foundation, National Science Foundation, National Institutes of Health, Helmsley Charitable Trust, IQSS's Henry A. Murray Research Archive, and many others. </a:t>
             </a:r>
           </a:p>
         </p:txBody>
@@ -765,7 +729,7 @@
               <a:rPr lang="en-GB" smtClean="0"/>
               <a:t>5</a:t>
             </a:fld>
-            <a:endParaRPr lang="en-GB"/>
+            <a:endParaRPr lang="en-GB" dirty="0"/>
           </a:p>
         </p:txBody>
       </p:sp>
@@ -4676,24 +4640,14 @@
           <a:lstStyle/>
           <a:p>
             <a:r>
-              <a:rPr lang="en-GB" sz="2400" b="0" i="0" dirty="0" err="1">
+              <a:rPr lang="en-GB" sz="2400" b="0" i="0" dirty="0">
                 <a:solidFill>
                   <a:srgbClr val="333333"/>
                 </a:solidFill>
                 <a:effectLst/>
                 <a:latin typeface="Ubuntu"/>
               </a:rPr>
-              <a:t>Zenodo</a:t>
-            </a:r>
-            <a:r>
-              <a:rPr lang="en-GB" sz="2400" b="0" i="0" dirty="0">
-                <a:solidFill>
-                  <a:srgbClr val="333333"/>
-                </a:solidFill>
-                <a:effectLst/>
-                <a:latin typeface="Ubuntu"/>
-              </a:rPr>
-              <a:t> is a good place to keep your data separate from paper. It gives access to all files, allowing you to cite the data as well (or instead of) the paper.</a:t>
+              <a:t>Zenodo is a good place to keep your data separate from paper. It gives access to all files, allowing you to cite the data as well (or instead of) the paper.</a:t>
             </a:r>
             <a:r>
               <a:rPr lang="en-GB" sz="2400" dirty="0"/>
@@ -4710,20 +4664,30 @@
                 <a:effectLst/>
                 <a:latin typeface="Ubuntu"/>
               </a:rPr>
-              <a:t>However, it is not (always) good for discovery, and does not enforce most </a:t>
-            </a:r>
-            <a:r>
-              <a:rPr lang="pl-PL" sz="2400" b="0" i="0" dirty="0" smtClean="0">
+              <a:t>However, it is not (always) good for discovery, and does not enforce </a:t>
+            </a:r>
+            <a:r>
+              <a:rPr lang="en-GB" sz="2400" b="0" i="0" dirty="0" smtClean="0">
                 <a:solidFill>
                   <a:srgbClr val="333333"/>
                 </a:solidFill>
                 <a:effectLst/>
                 <a:latin typeface="Ubuntu"/>
               </a:rPr>
+              <a:t>most  </a:t>
+            </a:r>
+            <a:r>
+              <a:rPr lang="pl-PL" sz="2400" b="0" i="0" dirty="0" smtClean="0">
+                <a:solidFill>
+                  <a:srgbClr val="333333"/>
+                </a:solidFill>
+                <a:effectLst/>
+                <a:latin typeface="Ubuntu"/>
+              </a:rPr>
               <a:t>m</a:t>
             </a:r>
             <a:r>
-              <a:rPr lang="en-GB" sz="2400" b="0" i="0" dirty="0" err="1" smtClean="0">
+              <a:rPr lang="en-GB" sz="2400" b="0" i="0" dirty="0" smtClean="0">
                 <a:solidFill>
                   <a:srgbClr val="333333"/>
                 </a:solidFill>
@@ -4855,23 +4819,7 @@
                   <a:srgbClr val="0070C0"/>
                 </a:solidFill>
               </a:rPr>
-              <a:t>[</a:t>
-            </a:r>
-            <a:r>
-              <a:rPr lang="en-GB" sz="2400" dirty="0" err="1">
-                <a:solidFill>
-                  <a:srgbClr val="0070C0"/>
-                </a:solidFill>
-              </a:rPr>
-              <a:t>UniProt</a:t>
-            </a:r>
-            <a:r>
-              <a:rPr lang="en-GB" sz="2400" dirty="0">
-                <a:solidFill>
-                  <a:srgbClr val="0070C0"/>
-                </a:solidFill>
-              </a:rPr>
-              <a:t>](https://www.uniprot.org/) – protein data</a:t>
+              <a:t>[UniProt](https://www.uniprot.org/) – protein data</a:t>
             </a:r>
             <a:endParaRPr lang="pl-PL" sz="2400" dirty="0">
               <a:solidFill>
@@ -4915,23 +4863,7 @@
                   <a:srgbClr val="0070C0"/>
                 </a:solidFill>
               </a:rPr>
-              <a:t>[</a:t>
-            </a:r>
-            <a:r>
-              <a:rPr lang="en-GB" sz="2400" dirty="0" err="1">
-                <a:solidFill>
-                  <a:srgbClr val="0070C0"/>
-                </a:solidFill>
-              </a:rPr>
-              <a:t>MetaboLights</a:t>
-            </a:r>
-            <a:r>
-              <a:rPr lang="en-GB" sz="2400" dirty="0">
-                <a:solidFill>
-                  <a:srgbClr val="0070C0"/>
-                </a:solidFill>
-              </a:rPr>
-              <a:t>](https://www.ebi.ac.uk/metabolights/) – metabolomics data</a:t>
+              <a:t>[MetaboLights](https://www.ebi.ac.uk/metabolights/) – metabolomics data</a:t>
             </a:r>
             <a:endParaRPr lang="pl-PL" sz="2400" dirty="0">
               <a:solidFill>
@@ -5333,7 +5265,47 @@
                   <a:srgbClr val="0070C0"/>
                 </a:solidFill>
               </a:rPr>
-              <a:t>API for data retrival / agregation /searching</a:t>
+              <a:t>API for data retrival </a:t>
+            </a:r>
+            <a:r>
+              <a:rPr lang="pl-PL" sz="2400">
+                <a:solidFill>
+                  <a:srgbClr val="0070C0"/>
+                </a:solidFill>
+              </a:rPr>
+              <a:t>/ </a:t>
+            </a:r>
+            <a:r>
+              <a:rPr lang="pl-PL" sz="2400" smtClean="0">
+                <a:solidFill>
+                  <a:srgbClr val="0070C0"/>
+                </a:solidFill>
+              </a:rPr>
+              <a:t>ag</a:t>
+            </a:r>
+            <a:r>
+              <a:rPr lang="en-GB" sz="2400" smtClean="0">
+                <a:solidFill>
+                  <a:srgbClr val="0070C0"/>
+                </a:solidFill>
+              </a:rPr>
+              <a:t>g</a:t>
+            </a:r>
+            <a:r>
+              <a:rPr lang="pl-PL" sz="2400" smtClean="0">
+                <a:solidFill>
+                  <a:srgbClr val="0070C0"/>
+                </a:solidFill>
+              </a:rPr>
+              <a:t>regation </a:t>
+            </a:r>
+            <a:r>
+              <a:rPr lang="pl-PL" sz="2400" dirty="0">
+                <a:solidFill>
+                  <a:srgbClr val="0070C0"/>
+                </a:solidFill>
+              </a:rPr>
+              <a:t>/searching</a:t>
             </a:r>
           </a:p>
           <a:p>
@@ -5945,7 +5917,7 @@
               <a:t>[</a:t>
             </a:r>
             <a:r>
-              <a:rPr lang="en-GB" sz="2000" dirty="0" err="1">
+              <a:rPr lang="en-GB" sz="2000" dirty="0">
                 <a:solidFill>
                   <a:srgbClr val="0070C0"/>
                 </a:solidFill>
@@ -6017,7 +5989,7 @@
               <a:t>[</a:t>
             </a:r>
             <a:r>
-              <a:rPr lang="en-GB" sz="2000" dirty="0" err="1">
+              <a:rPr lang="en-GB" sz="2000" dirty="0">
                 <a:solidFill>
                   <a:srgbClr val="0070C0"/>
                 </a:solidFill>
@@ -6047,7 +6019,7 @@
               <a:t>[</a:t>
             </a:r>
             <a:r>
-              <a:rPr lang="en-GB" sz="2000" dirty="0" err="1">
+              <a:rPr lang="en-GB" sz="2000" dirty="0">
                 <a:solidFill>
                   <a:srgbClr val="0070C0"/>
                 </a:solidFill>
@@ -6144,23 +6116,7 @@
                   <a:srgbClr val="0070C0"/>
                 </a:solidFill>
               </a:rPr>
-              <a:t>[</a:t>
-            </a:r>
-            <a:r>
-              <a:rPr lang="en-GB" sz="2000" dirty="0" err="1">
-                <a:solidFill>
-                  <a:srgbClr val="0070C0"/>
-                </a:solidFill>
-              </a:rPr>
-              <a:t>Wellcome</a:t>
-            </a:r>
-            <a:r>
-              <a:rPr lang="en-GB" sz="2000" dirty="0">
-                <a:solidFill>
-                  <a:srgbClr val="0070C0"/>
-                </a:solidFill>
-              </a:rPr>
-              <a:t> Open Research] - (https://wellcomeopenresearch.org/for-authors/data-guidelines) </a:t>
+              <a:t>[Wellcome Open Research] - (https://wellcomeopenresearch.org/for-authors/data-guidelines) </a:t>
             </a:r>
           </a:p>
         </p:txBody>
@@ -6362,7 +6318,7 @@
               </a:rPr>
               <a:t>(too) many options for each type</a:t>
             </a:r>
-            <a:endParaRPr lang="en-GB" sz="2400" dirty="0" err="1">
+            <a:endParaRPr lang="en-GB" sz="2400" dirty="0">
               <a:solidFill>
                 <a:srgbClr val="0070C0"/>
               </a:solidFill>
@@ -6730,7 +6686,7 @@
         <p:spPr>
           <a:xfrm>
             <a:off x="1831311" y="2021691"/>
-            <a:ext cx="7754815" cy="1429622"/>
+            <a:ext cx="7754815" cy="1477328"/>
           </a:xfrm>
           <a:prstGeom prst="rect">
             <a:avLst/>
@@ -6793,7 +6749,7 @@
               <a:t>GEO/SRA and ENA/</a:t>
             </a:r>
             <a:r>
-              <a:rPr lang="en-GB" sz="2000" b="0" i="0" dirty="0" err="1">
+              <a:rPr lang="en-GB" sz="2000" b="0" i="0" dirty="0">
                 <a:solidFill>
                   <a:srgbClr val="333333"/>
                 </a:solidFill>
@@ -7611,15 +7567,7 @@
                   <a:srgbClr val="0070C0"/>
                 </a:solidFill>
               </a:rPr>
-              <a:t>Repository records </a:t>
-            </a:r>
-            <a:r>
-              <a:rPr lang="en-GB" sz="2400" dirty="0" smtClean="0">
-                <a:solidFill>
-                  <a:srgbClr val="0070C0"/>
-                </a:solidFill>
-              </a:rPr>
-              <a:t>are another form of scientific outputs!</a:t>
+              <a:t>Repository records are another form of scientific outputs!</a:t>
             </a:r>
             <a:endParaRPr lang="en-GB" sz="2400" dirty="0">
               <a:solidFill>
@@ -7854,7 +7802,7 @@
               <a:t>Find suitable repository(</a:t>
             </a:r>
             <a:r>
-              <a:rPr lang="en-GB" sz="2400" dirty="0" err="1">
+              <a:rPr lang="en-GB" sz="2400" dirty="0">
                 <a:solidFill>
                   <a:srgbClr val="0070C0"/>
                 </a:solidFill>
@@ -8355,7 +8303,7 @@
                 <a14:useLocalDpi xmlns:a14="http://schemas.microsoft.com/office/drawing/2010/main" val="0"/>
               </a:ext>
               <a:ext uri="{96DAC541-7B7A-43D3-8B79-37D633B846F1}">
-                <asvg:svgBlip xmlns:asvg="http://schemas.microsoft.com/office/drawing/2016/SVG/main" xmlns="" r:embed="rId3"/>
+                <asvg:svgBlip xmlns="" xmlns:asvg="http://schemas.microsoft.com/office/drawing/2016/SVG/main" r:embed="rId3"/>
               </a:ext>
             </a:extLst>
           </a:blip>
@@ -8394,7 +8342,7 @@
                 <a14:useLocalDpi xmlns:a14="http://schemas.microsoft.com/office/drawing/2010/main" val="0"/>
               </a:ext>
               <a:ext uri="{96DAC541-7B7A-43D3-8B79-37D633B846F1}">
-                <asvg:svgBlip xmlns:asvg="http://schemas.microsoft.com/office/drawing/2016/SVG/main" xmlns="" r:embed="rId5"/>
+                <asvg:svgBlip xmlns="" xmlns:asvg="http://schemas.microsoft.com/office/drawing/2016/SVG/main" r:embed="rId5"/>
               </a:ext>
             </a:extLst>
           </a:blip>
@@ -8433,7 +8381,7 @@
                 <a14:useLocalDpi xmlns:a14="http://schemas.microsoft.com/office/drawing/2010/main" val="0"/>
               </a:ext>
               <a:ext uri="{96DAC541-7B7A-43D3-8B79-37D633B846F1}">
-                <asvg:svgBlip xmlns:asvg="http://schemas.microsoft.com/office/drawing/2016/SVG/main" xmlns="" r:embed="rId7"/>
+                <asvg:svgBlip xmlns="" xmlns:asvg="http://schemas.microsoft.com/office/drawing/2016/SVG/main" r:embed="rId7"/>
               </a:ext>
             </a:extLst>
           </a:blip>
@@ -8703,23 +8651,7 @@
                   <a:srgbClr val="0070C0"/>
                 </a:solidFill>
               </a:rPr>
-              <a:t>[</a:t>
-            </a:r>
-            <a:r>
-              <a:rPr lang="en-GB" sz="2400" dirty="0" err="1">
-                <a:solidFill>
-                  <a:srgbClr val="0070C0"/>
-                </a:solidFill>
-              </a:rPr>
-              <a:t>Zenodo</a:t>
-            </a:r>
-            <a:r>
-              <a:rPr lang="en-GB" sz="2400" dirty="0">
-                <a:solidFill>
-                  <a:srgbClr val="0070C0"/>
-                </a:solidFill>
-              </a:rPr>
-              <a:t>](</a:t>
+              <a:t>[Zenodo](</a:t>
             </a:r>
             <a:r>
               <a:rPr lang="en-GB" sz="2400" dirty="0">
@@ -8758,23 +8690,7 @@
                   <a:srgbClr val="0070C0"/>
                 </a:solidFill>
               </a:rPr>
-              <a:t>[</a:t>
-            </a:r>
-            <a:r>
-              <a:rPr lang="en-GB" sz="2400" dirty="0" err="1">
-                <a:solidFill>
-                  <a:srgbClr val="0070C0"/>
-                </a:solidFill>
-              </a:rPr>
-              <a:t>FigShare</a:t>
-            </a:r>
-            <a:r>
-              <a:rPr lang="en-GB" sz="2400" dirty="0">
-                <a:solidFill>
-                  <a:srgbClr val="0070C0"/>
-                </a:solidFill>
-              </a:rPr>
-              <a:t>](</a:t>
+              <a:t>[FigShare](</a:t>
             </a:r>
             <a:r>
               <a:rPr lang="en-GB" sz="2400" dirty="0">
@@ -8813,23 +8729,7 @@
                   <a:srgbClr val="0070C0"/>
                 </a:solidFill>
               </a:rPr>
-              <a:t>[</a:t>
-            </a:r>
-            <a:r>
-              <a:rPr lang="en-GB" sz="2400" dirty="0" err="1">
-                <a:solidFill>
-                  <a:srgbClr val="0070C0"/>
-                </a:solidFill>
-              </a:rPr>
-              <a:t>Dataverse</a:t>
-            </a:r>
-            <a:r>
-              <a:rPr lang="en-GB" sz="2400" dirty="0">
-                <a:solidFill>
-                  <a:srgbClr val="0070C0"/>
-                </a:solidFill>
-              </a:rPr>
-              <a:t>](</a:t>
+              <a:t>[Dataverse](</a:t>
             </a:r>
             <a:r>
               <a:rPr lang="en-GB" sz="2400" dirty="0">

--- a/instructors/04-Public_repositories.pptx
+++ b/instructors/04-Public_repositories.pptx
@@ -221,7 +221,7 @@
           <a:p>
             <a:fld id="{585C48AE-4A1E-9A43-835F-510354165F99}" type="datetimeFigureOut">
               <a:rPr lang="en-GB" smtClean="0"/>
-              <a:t>22/07/2022</a:t>
+              <a:t>23/07/2022</a:t>
             </a:fld>
             <a:endParaRPr lang="en-GB" dirty="0"/>
           </a:p>
@@ -895,7 +895,7 @@
           <a:p>
             <a:fld id="{5913FB77-D8DB-4AB9-8EA5-EE8C3B57A5E1}" type="datetimeFigureOut">
               <a:rPr lang="en-GB" smtClean="0"/>
-              <a:t>22/07/2022</a:t>
+              <a:t>23/07/2022</a:t>
             </a:fld>
             <a:endParaRPr lang="en-GB" dirty="0"/>
           </a:p>
@@ -1142,7 +1142,7 @@
           <a:p>
             <a:fld id="{5913FB77-D8DB-4AB9-8EA5-EE8C3B57A5E1}" type="datetimeFigureOut">
               <a:rPr lang="en-GB" smtClean="0"/>
-              <a:t>22/07/2022</a:t>
+              <a:t>23/07/2022</a:t>
             </a:fld>
             <a:endParaRPr lang="en-GB" dirty="0"/>
           </a:p>
@@ -1352,7 +1352,7 @@
           <a:p>
             <a:fld id="{5913FB77-D8DB-4AB9-8EA5-EE8C3B57A5E1}" type="datetimeFigureOut">
               <a:rPr lang="en-GB" smtClean="0"/>
-              <a:t>22/07/2022</a:t>
+              <a:t>23/07/2022</a:t>
             </a:fld>
             <a:endParaRPr lang="en-GB" dirty="0"/>
           </a:p>
@@ -1552,7 +1552,7 @@
           <a:p>
             <a:fld id="{5913FB77-D8DB-4AB9-8EA5-EE8C3B57A5E1}" type="datetimeFigureOut">
               <a:rPr lang="en-GB" smtClean="0"/>
-              <a:t>22/07/2022</a:t>
+              <a:t>23/07/2022</a:t>
             </a:fld>
             <a:endParaRPr lang="en-GB" dirty="0"/>
           </a:p>
@@ -1828,7 +1828,7 @@
           <a:p>
             <a:fld id="{5913FB77-D8DB-4AB9-8EA5-EE8C3B57A5E1}" type="datetimeFigureOut">
               <a:rPr lang="en-GB" smtClean="0"/>
-              <a:t>22/07/2022</a:t>
+              <a:t>23/07/2022</a:t>
             </a:fld>
             <a:endParaRPr lang="en-GB" dirty="0"/>
           </a:p>
@@ -2096,7 +2096,7 @@
           <a:p>
             <a:fld id="{5913FB77-D8DB-4AB9-8EA5-EE8C3B57A5E1}" type="datetimeFigureOut">
               <a:rPr lang="en-GB" smtClean="0"/>
-              <a:t>22/07/2022</a:t>
+              <a:t>23/07/2022</a:t>
             </a:fld>
             <a:endParaRPr lang="en-GB" dirty="0"/>
           </a:p>
@@ -2511,7 +2511,7 @@
           <a:p>
             <a:fld id="{5913FB77-D8DB-4AB9-8EA5-EE8C3B57A5E1}" type="datetimeFigureOut">
               <a:rPr lang="en-GB" smtClean="0"/>
-              <a:t>22/07/2022</a:t>
+              <a:t>23/07/2022</a:t>
             </a:fld>
             <a:endParaRPr lang="en-GB" dirty="0"/>
           </a:p>
@@ -2653,7 +2653,7 @@
           <a:p>
             <a:fld id="{5913FB77-D8DB-4AB9-8EA5-EE8C3B57A5E1}" type="datetimeFigureOut">
               <a:rPr lang="en-GB" smtClean="0"/>
-              <a:t>22/07/2022</a:t>
+              <a:t>23/07/2022</a:t>
             </a:fld>
             <a:endParaRPr lang="en-GB" dirty="0"/>
           </a:p>
@@ -2766,7 +2766,7 @@
           <a:p>
             <a:fld id="{5913FB77-D8DB-4AB9-8EA5-EE8C3B57A5E1}" type="datetimeFigureOut">
               <a:rPr lang="en-GB" smtClean="0"/>
-              <a:t>22/07/2022</a:t>
+              <a:t>23/07/2022</a:t>
             </a:fld>
             <a:endParaRPr lang="en-GB" dirty="0"/>
           </a:p>
@@ -3079,7 +3079,7 @@
           <a:p>
             <a:fld id="{5913FB77-D8DB-4AB9-8EA5-EE8C3B57A5E1}" type="datetimeFigureOut">
               <a:rPr lang="en-GB" smtClean="0"/>
-              <a:t>22/07/2022</a:t>
+              <a:t>23/07/2022</a:t>
             </a:fld>
             <a:endParaRPr lang="en-GB" dirty="0"/>
           </a:p>
@@ -3368,7 +3368,7 @@
           <a:p>
             <a:fld id="{5913FB77-D8DB-4AB9-8EA5-EE8C3B57A5E1}" type="datetimeFigureOut">
               <a:rPr lang="en-GB" smtClean="0"/>
-              <a:t>22/07/2022</a:t>
+              <a:t>23/07/2022</a:t>
             </a:fld>
             <a:endParaRPr lang="en-GB" dirty="0"/>
           </a:p>
@@ -3610,7 +3610,7 @@
             <a:fld id="{5913FB77-D8DB-4AB9-8EA5-EE8C3B57A5E1}" type="datetimeFigureOut">
               <a:rPr lang="en-GB" smtClean="0"/>
               <a:pPr/>
-              <a:t>22/07/2022</a:t>
+              <a:t>23/07/2022</a:t>
             </a:fld>
             <a:endParaRPr lang="en-GB" dirty="0"/>
           </a:p>
@@ -5662,12 +5662,9 @@
           <a:p>
             <a:r>
               <a:rPr lang="pl-PL" dirty="0"/>
-              <a:t>Dataset discovery</a:t>
-            </a:r>
-            <a:r>
-              <a:rPr lang="en-GB" dirty="0"/>
-              <a:t> - Solution</a:t>
-            </a:r>
+              <a:t>Domain specific repositories</a:t>
+            </a:r>
+            <a:endParaRPr lang="en-GB" dirty="0"/>
           </a:p>
         </p:txBody>
       </p:sp>
@@ -5914,23 +5911,7 @@
                   <a:srgbClr val="0070C0"/>
                 </a:solidFill>
               </a:rPr>
-              <a:t>[</a:t>
-            </a:r>
-            <a:r>
-              <a:rPr lang="en-GB" sz="2000" dirty="0">
-                <a:solidFill>
-                  <a:srgbClr val="0070C0"/>
-                </a:solidFill>
-              </a:rPr>
-              <a:t>eLife</a:t>
-            </a:r>
-            <a:r>
-              <a:rPr lang="en-GB" sz="2000" dirty="0">
-                <a:solidFill>
-                  <a:srgbClr val="0070C0"/>
-                </a:solidFill>
-              </a:rPr>
-              <a:t>] - (https://submit.elifesciences.org/html/elife_author_instructions.html#policies)</a:t>
+              <a:t>[eLife] - (https://submit.elifesciences.org/html/elife_author_instructions.html#policies)</a:t>
             </a:r>
           </a:p>
           <a:p>
@@ -5986,23 +5967,7 @@
                   <a:srgbClr val="0070C0"/>
                 </a:solidFill>
               </a:rPr>
-              <a:t>[</a:t>
-            </a:r>
-            <a:r>
-              <a:rPr lang="en-GB" sz="2000" dirty="0">
-                <a:solidFill>
-                  <a:srgbClr val="0070C0"/>
-                </a:solidFill>
-              </a:rPr>
-              <a:t>GIGAscience</a:t>
-            </a:r>
-            <a:r>
-              <a:rPr lang="en-GB" sz="2000" dirty="0">
-                <a:solidFill>
-                  <a:srgbClr val="0070C0"/>
-                </a:solidFill>
-              </a:rPr>
-              <a:t> - OUP] - (https://academic.oup.com/gigascience/pages/instructions_to_authors)</a:t>
+              <a:t>[GIGAscience - OUP] - (https://academic.oup.com/gigascience/pages/instructions_to_authors)</a:t>
             </a:r>
           </a:p>
           <a:p>
@@ -6016,23 +5981,7 @@
                   <a:srgbClr val="0070C0"/>
                 </a:solidFill>
               </a:rPr>
-              <a:t>[</a:t>
-            </a:r>
-            <a:r>
-              <a:rPr lang="en-GB" sz="2000" dirty="0">
-                <a:solidFill>
-                  <a:srgbClr val="0070C0"/>
-                </a:solidFill>
-              </a:rPr>
-              <a:t>PLoS</a:t>
-            </a:r>
-            <a:r>
-              <a:rPr lang="en-GB" sz="2000" dirty="0">
-                <a:solidFill>
-                  <a:srgbClr val="0070C0"/>
-                </a:solidFill>
-              </a:rPr>
-              <a:t>] - (https://journals.plos.org/plosbiology/s/recommended-repositories)</a:t>
+              <a:t>[PLoS] - (https://journals.plos.org/plosbiology/s/recommended-repositories)</a:t>
             </a:r>
           </a:p>
           <a:p>
@@ -6746,27 +6695,7 @@
                 <a:effectLst/>
                 <a:latin typeface="Ubuntu"/>
               </a:rPr>
-              <a:t>GEO/SRA and ENA/</a:t>
-            </a:r>
-            <a:r>
-              <a:rPr lang="en-GB" sz="2000" b="0" i="0" dirty="0">
-                <a:solidFill>
-                  <a:srgbClr val="333333"/>
-                </a:solidFill>
-                <a:effectLst/>
-                <a:latin typeface="Ubuntu"/>
-              </a:rPr>
-              <a:t>ArrayExpress</a:t>
-            </a:r>
-            <a:r>
-              <a:rPr lang="en-GB" sz="2000" b="0" i="0" dirty="0">
-                <a:solidFill>
-                  <a:srgbClr val="333333"/>
-                </a:solidFill>
-                <a:effectLst/>
-                <a:latin typeface="Ubuntu"/>
-              </a:rPr>
-              <a:t> are good examples. Interestingly these repositories do not issue a DOI.</a:t>
+              <a:t>GEO/SRA and ENA/ArrayExpress are good examples. Interestingly these repositories do not issue a DOI.</a:t>
             </a:r>
           </a:p>
         </p:txBody>
@@ -7774,7 +7703,7 @@
         <p:spPr>
           <a:xfrm>
             <a:off x="730192" y="1690688"/>
-            <a:ext cx="10981854" cy="3970318"/>
+            <a:ext cx="10981854" cy="3416320"/>
           </a:xfrm>
           <a:prstGeom prst="rect">
             <a:avLst/>
@@ -7799,23 +7728,7 @@
                   <a:srgbClr val="0070C0"/>
                 </a:solidFill>
               </a:rPr>
-              <a:t>Find suitable repository(</a:t>
-            </a:r>
-            <a:r>
-              <a:rPr lang="en-GB" sz="2400" dirty="0">
-                <a:solidFill>
-                  <a:srgbClr val="0070C0"/>
-                </a:solidFill>
-              </a:rPr>
-              <a:t>ies</a:t>
-            </a:r>
-            <a:r>
-              <a:rPr lang="en-GB" sz="2400" dirty="0">
-                <a:solidFill>
-                  <a:srgbClr val="0070C0"/>
-                </a:solidFill>
-              </a:rPr>
-              <a:t>) as soon as </a:t>
+              <a:t>Find suitable repository(ies) as soon as </a:t>
             </a:r>
             <a:r>
               <a:rPr lang="en-GB" sz="2400" dirty="0" smtClean="0">
@@ -8004,52 +7917,6 @@
                 </a:solidFill>
               </a:rPr>
               <a:t>’ records </a:t>
-            </a:r>
-            <a:endParaRPr lang="pl-PL" sz="2400" dirty="0">
-              <a:solidFill>
-                <a:srgbClr val="0070C0"/>
-              </a:solidFill>
-            </a:endParaRPr>
-          </a:p>
-          <a:p>
-            <a:pPr marL="285750" indent="-285750">
-              <a:lnSpc>
-                <a:spcPct val="150000"/>
-              </a:lnSpc>
-              <a:buFont typeface="Arial" panose="020B0604020202020204" pitchFamily="34" charset="0"/>
-              <a:buChar char="•"/>
-            </a:pPr>
-            <a:r>
-              <a:rPr lang="en-GB" sz="2400" dirty="0">
-                <a:solidFill>
-                  <a:srgbClr val="0070C0"/>
-                </a:solidFill>
-              </a:rPr>
-              <a:t>Add data availability</a:t>
-            </a:r>
-            <a:r>
-              <a:rPr lang="pl-PL" sz="2400" dirty="0">
-                <a:solidFill>
-                  <a:srgbClr val="0070C0"/>
-                </a:solidFill>
-              </a:rPr>
-              <a:t> section to your papers and list all the public </a:t>
-            </a:r>
-            <a:r>
-              <a:rPr lang="en-GB" sz="2400" dirty="0" smtClean="0">
-                <a:solidFill>
-                  <a:srgbClr val="0070C0"/>
-                </a:solidFill>
-              </a:rPr>
-              <a:t>r</a:t>
-            </a:r>
-            <a:r>
-              <a:rPr lang="pl-PL" sz="2400" dirty="0" smtClean="0">
-                <a:solidFill>
-                  <a:srgbClr val="0070C0"/>
-                </a:solidFill>
-              </a:rPr>
-              <a:t>ecords</a:t>
             </a:r>
             <a:endParaRPr lang="pl-PL" sz="2400" dirty="0">
               <a:solidFill>
@@ -8303,7 +8170,7 @@
                 <a14:useLocalDpi xmlns:a14="http://schemas.microsoft.com/office/drawing/2010/main" val="0"/>
               </a:ext>
               <a:ext uri="{96DAC541-7B7A-43D3-8B79-37D633B846F1}">
-                <asvg:svgBlip xmlns="" xmlns:asvg="http://schemas.microsoft.com/office/drawing/2016/SVG/main" r:embed="rId3"/>
+                <asvg:svgBlip xmlns:asvg="http://schemas.microsoft.com/office/drawing/2016/SVG/main" xmlns="" r:embed="rId3"/>
               </a:ext>
             </a:extLst>
           </a:blip>
@@ -8342,7 +8209,7 @@
                 <a14:useLocalDpi xmlns:a14="http://schemas.microsoft.com/office/drawing/2010/main" val="0"/>
               </a:ext>
               <a:ext uri="{96DAC541-7B7A-43D3-8B79-37D633B846F1}">
-                <asvg:svgBlip xmlns="" xmlns:asvg="http://schemas.microsoft.com/office/drawing/2016/SVG/main" r:embed="rId5"/>
+                <asvg:svgBlip xmlns:asvg="http://schemas.microsoft.com/office/drawing/2016/SVG/main" xmlns="" r:embed="rId5"/>
               </a:ext>
             </a:extLst>
           </a:blip>
@@ -8381,7 +8248,7 @@
                 <a14:useLocalDpi xmlns:a14="http://schemas.microsoft.com/office/drawing/2010/main" val="0"/>
               </a:ext>
               <a:ext uri="{96DAC541-7B7A-43D3-8B79-37D633B846F1}">
-                <asvg:svgBlip xmlns="" xmlns:asvg="http://schemas.microsoft.com/office/drawing/2016/SVG/main" r:embed="rId7"/>
+                <asvg:svgBlip xmlns:asvg="http://schemas.microsoft.com/office/drawing/2016/SVG/main" xmlns="" r:embed="rId7"/>
               </a:ext>
             </a:extLst>
           </a:blip>

--- a/instructors/04-Public_repositories.pptx
+++ b/instructors/04-Public_repositories.pptx
@@ -221,7 +221,7 @@
           <a:p>
             <a:fld id="{585C48AE-4A1E-9A43-835F-510354165F99}" type="datetimeFigureOut">
               <a:rPr lang="en-GB" smtClean="0"/>
-              <a:t>23/07/2022</a:t>
+              <a:t>19/08/2022</a:t>
             </a:fld>
             <a:endParaRPr lang="en-GB" dirty="0"/>
           </a:p>
@@ -705,8 +705,21 @@
           <a:p>
             <a:r>
               <a:rPr lang="en-GB" dirty="0"/>
-              <a:t>Dataverse is funded by Harvard with additional support from the Alfred P. Sloan Foundation, National Science Foundation, National Institutes of Health, Helmsley Charitable Trust, IQSS's Henry A. Murray Research Archive, and many others. </a:t>
-            </a:r>
+              <a:t>Dataverse is funded by Harvard with additional support from the Alfred P. Sloan Foundation, National Science Foundation, National Institutes of Health, Helmsley Charitable Trust, IQSS's Henry A. Murray Research Archive, and many others</a:t>
+            </a:r>
+            <a:r>
+              <a:rPr lang="en-GB"/>
+              <a:t>. </a:t>
+            </a:r>
+            <a:r>
+              <a:rPr lang="en-GB" smtClean="0"/>
+              <a:t>There are over</a:t>
+            </a:r>
+            <a:r>
+              <a:rPr lang="en-GB" baseline="0" smtClean="0"/>
+              <a:t> eighty repositories using the DataVerse project's repository software; the Harvard DataVerse repository accepts data from all researchers from any discipline. </a:t>
+            </a:r>
+            <a:endParaRPr lang="en-GB" dirty="0"/>
           </a:p>
         </p:txBody>
       </p:sp>
@@ -895,7 +908,7 @@
           <a:p>
             <a:fld id="{5913FB77-D8DB-4AB9-8EA5-EE8C3B57A5E1}" type="datetimeFigureOut">
               <a:rPr lang="en-GB" smtClean="0"/>
-              <a:t>23/07/2022</a:t>
+              <a:t>19/08/2022</a:t>
             </a:fld>
             <a:endParaRPr lang="en-GB" dirty="0"/>
           </a:p>
@@ -1142,7 +1155,7 @@
           <a:p>
             <a:fld id="{5913FB77-D8DB-4AB9-8EA5-EE8C3B57A5E1}" type="datetimeFigureOut">
               <a:rPr lang="en-GB" smtClean="0"/>
-              <a:t>23/07/2022</a:t>
+              <a:t>19/08/2022</a:t>
             </a:fld>
             <a:endParaRPr lang="en-GB" dirty="0"/>
           </a:p>
@@ -1352,7 +1365,7 @@
           <a:p>
             <a:fld id="{5913FB77-D8DB-4AB9-8EA5-EE8C3B57A5E1}" type="datetimeFigureOut">
               <a:rPr lang="en-GB" smtClean="0"/>
-              <a:t>23/07/2022</a:t>
+              <a:t>19/08/2022</a:t>
             </a:fld>
             <a:endParaRPr lang="en-GB" dirty="0"/>
           </a:p>
@@ -1552,7 +1565,7 @@
           <a:p>
             <a:fld id="{5913FB77-D8DB-4AB9-8EA5-EE8C3B57A5E1}" type="datetimeFigureOut">
               <a:rPr lang="en-GB" smtClean="0"/>
-              <a:t>23/07/2022</a:t>
+              <a:t>19/08/2022</a:t>
             </a:fld>
             <a:endParaRPr lang="en-GB" dirty="0"/>
           </a:p>
@@ -1828,7 +1841,7 @@
           <a:p>
             <a:fld id="{5913FB77-D8DB-4AB9-8EA5-EE8C3B57A5E1}" type="datetimeFigureOut">
               <a:rPr lang="en-GB" smtClean="0"/>
-              <a:t>23/07/2022</a:t>
+              <a:t>19/08/2022</a:t>
             </a:fld>
             <a:endParaRPr lang="en-GB" dirty="0"/>
           </a:p>
@@ -2096,7 +2109,7 @@
           <a:p>
             <a:fld id="{5913FB77-D8DB-4AB9-8EA5-EE8C3B57A5E1}" type="datetimeFigureOut">
               <a:rPr lang="en-GB" smtClean="0"/>
-              <a:t>23/07/2022</a:t>
+              <a:t>19/08/2022</a:t>
             </a:fld>
             <a:endParaRPr lang="en-GB" dirty="0"/>
           </a:p>
@@ -2511,7 +2524,7 @@
           <a:p>
             <a:fld id="{5913FB77-D8DB-4AB9-8EA5-EE8C3B57A5E1}" type="datetimeFigureOut">
               <a:rPr lang="en-GB" smtClean="0"/>
-              <a:t>23/07/2022</a:t>
+              <a:t>19/08/2022</a:t>
             </a:fld>
             <a:endParaRPr lang="en-GB" dirty="0"/>
           </a:p>
@@ -2653,7 +2666,7 @@
           <a:p>
             <a:fld id="{5913FB77-D8DB-4AB9-8EA5-EE8C3B57A5E1}" type="datetimeFigureOut">
               <a:rPr lang="en-GB" smtClean="0"/>
-              <a:t>23/07/2022</a:t>
+              <a:t>19/08/2022</a:t>
             </a:fld>
             <a:endParaRPr lang="en-GB" dirty="0"/>
           </a:p>
@@ -2766,7 +2779,7 @@
           <a:p>
             <a:fld id="{5913FB77-D8DB-4AB9-8EA5-EE8C3B57A5E1}" type="datetimeFigureOut">
               <a:rPr lang="en-GB" smtClean="0"/>
-              <a:t>23/07/2022</a:t>
+              <a:t>19/08/2022</a:t>
             </a:fld>
             <a:endParaRPr lang="en-GB" dirty="0"/>
           </a:p>
@@ -3079,7 +3092,7 @@
           <a:p>
             <a:fld id="{5913FB77-D8DB-4AB9-8EA5-EE8C3B57A5E1}" type="datetimeFigureOut">
               <a:rPr lang="en-GB" smtClean="0"/>
-              <a:t>23/07/2022</a:t>
+              <a:t>19/08/2022</a:t>
             </a:fld>
             <a:endParaRPr lang="en-GB" dirty="0"/>
           </a:p>
@@ -3368,7 +3381,7 @@
           <a:p>
             <a:fld id="{5913FB77-D8DB-4AB9-8EA5-EE8C3B57A5E1}" type="datetimeFigureOut">
               <a:rPr lang="en-GB" smtClean="0"/>
-              <a:t>23/07/2022</a:t>
+              <a:t>19/08/2022</a:t>
             </a:fld>
             <a:endParaRPr lang="en-GB" dirty="0"/>
           </a:p>
@@ -3610,7 +3623,7 @@
             <a:fld id="{5913FB77-D8DB-4AB9-8EA5-EE8C3B57A5E1}" type="datetimeFigureOut">
               <a:rPr lang="en-GB" smtClean="0"/>
               <a:pPr/>
-              <a:t>23/07/2022</a:t>
+              <a:t>19/08/2022</a:t>
             </a:fld>
             <a:endParaRPr lang="en-GB" dirty="0"/>
           </a:p>
@@ -4794,7 +4807,7 @@
         <p:spPr>
           <a:xfrm>
             <a:off x="624689" y="1690688"/>
-            <a:ext cx="10601608" cy="2943563"/>
+            <a:ext cx="10601608" cy="4708981"/>
           </a:xfrm>
           <a:prstGeom prst="rect">
             <a:avLst/>
@@ -4808,18 +4821,45 @@
           <a:p>
             <a:pPr marL="285750" indent="-285750">
               <a:lnSpc>
-                <a:spcPct val="200000"/>
+                <a:spcPct val="250000"/>
               </a:lnSpc>
               <a:buFont typeface="Arial" panose="020B0604020202020204" pitchFamily="34" charset="0"/>
               <a:buChar char="•"/>
+              <a:tabLst>
+                <a:tab pos="2241550" algn="l"/>
+              </a:tabLst>
             </a:pPr>
             <a:r>
+              <a:rPr lang="en-GB" sz="2400" smtClean="0">
+                <a:solidFill>
+                  <a:srgbClr val="0070C0"/>
+                </a:solidFill>
+              </a:rPr>
+              <a:t>UniProt	https</a:t>
+            </a:r>
+            <a:r>
+              <a:rPr lang="en-GB" sz="2400">
+                <a:solidFill>
+                  <a:srgbClr val="0070C0"/>
+                </a:solidFill>
+              </a:rPr>
+              <a:t>://</a:t>
+            </a:r>
+            <a:r>
+              <a:rPr lang="en-GB" sz="2400" smtClean="0">
+                <a:solidFill>
+                  <a:srgbClr val="0070C0"/>
+                </a:solidFill>
+              </a:rPr>
+              <a:t>www.uniprot.org </a:t>
+            </a:r>
+            <a:r>
               <a:rPr lang="en-GB" sz="2400" dirty="0">
                 <a:solidFill>
                   <a:srgbClr val="0070C0"/>
                 </a:solidFill>
               </a:rPr>
-              <a:t>[UniProt](https://www.uniprot.org/) – protein data</a:t>
+              <a:t>– protein data</a:t>
             </a:r>
             <a:endParaRPr lang="pl-PL" sz="2400" dirty="0">
               <a:solidFill>
@@ -4830,18 +4870,45 @@
           <a:p>
             <a:pPr marL="285750" indent="-285750">
               <a:lnSpc>
-                <a:spcPct val="200000"/>
+                <a:spcPct val="250000"/>
               </a:lnSpc>
               <a:buFont typeface="Arial" panose="020B0604020202020204" pitchFamily="34" charset="0"/>
               <a:buChar char="•"/>
+              <a:tabLst>
+                <a:tab pos="2241550" algn="l"/>
+              </a:tabLst>
             </a:pPr>
             <a:r>
+              <a:rPr lang="en-GB" sz="2400" smtClean="0">
+                <a:solidFill>
+                  <a:srgbClr val="0070C0"/>
+                </a:solidFill>
+              </a:rPr>
+              <a:t>GenBank	https</a:t>
+            </a:r>
+            <a:r>
+              <a:rPr lang="en-GB" sz="2400">
+                <a:solidFill>
+                  <a:srgbClr val="0070C0"/>
+                </a:solidFill>
+              </a:rPr>
+              <a:t>://</a:t>
+            </a:r>
+            <a:r>
+              <a:rPr lang="en-GB" sz="2400" smtClean="0">
+                <a:solidFill>
+                  <a:srgbClr val="0070C0"/>
+                </a:solidFill>
+              </a:rPr>
+              <a:t>www.ncbi.nlm.nih.gov/genbank </a:t>
+            </a:r>
+            <a:r>
               <a:rPr lang="en-GB" sz="2400" dirty="0">
                 <a:solidFill>
                   <a:srgbClr val="0070C0"/>
                 </a:solidFill>
               </a:rPr>
-              <a:t>[GenBank](https://www.ncbi.nlm.nih.gov/genbank/) – sequence data</a:t>
+              <a:t>– sequence data</a:t>
             </a:r>
             <a:endParaRPr lang="pl-PL" sz="2400" dirty="0">
               <a:solidFill>
@@ -4852,20 +4919,91 @@
           <a:p>
             <a:pPr marL="285750" indent="-285750">
               <a:lnSpc>
-                <a:spcPct val="200000"/>
+                <a:spcPct val="250000"/>
               </a:lnSpc>
               <a:buFont typeface="Arial" panose="020B0604020202020204" pitchFamily="34" charset="0"/>
               <a:buChar char="•"/>
+              <a:tabLst>
+                <a:tab pos="2241550" algn="l"/>
+              </a:tabLst>
             </a:pPr>
             <a:r>
+              <a:rPr lang="en-GB" sz="2400" smtClean="0">
+                <a:solidFill>
+                  <a:srgbClr val="0070C0"/>
+                </a:solidFill>
+              </a:rPr>
+              <a:t>GitHub	https</a:t>
+            </a:r>
+            <a:r>
+              <a:rPr lang="en-GB" sz="2400">
+                <a:solidFill>
+                  <a:srgbClr val="0070C0"/>
+                </a:solidFill>
+              </a:rPr>
+              <a:t>://</a:t>
+            </a:r>
+            <a:r>
+              <a:rPr lang="en-GB" sz="2400" smtClean="0">
+                <a:solidFill>
+                  <a:srgbClr val="0070C0"/>
+                </a:solidFill>
+              </a:rPr>
+              <a:t>github.com </a:t>
+            </a:r>
+            <a:r>
               <a:rPr lang="en-GB" sz="2400" dirty="0">
                 <a:solidFill>
                   <a:srgbClr val="0070C0"/>
                 </a:solidFill>
               </a:rPr>
-              <a:t>[MetaboLights](https://www.ebi.ac.uk/metabolights/) – metabolomics data</a:t>
-            </a:r>
-            <a:endParaRPr lang="pl-PL" sz="2400" dirty="0">
+              <a:t>– </a:t>
+            </a:r>
+            <a:r>
+              <a:rPr lang="en-GB" sz="2400">
+                <a:solidFill>
+                  <a:srgbClr val="0070C0"/>
+                </a:solidFill>
+              </a:rPr>
+              <a:t>for </a:t>
+            </a:r>
+            <a:r>
+              <a:rPr lang="en-GB" sz="2400" smtClean="0">
+                <a:solidFill>
+                  <a:srgbClr val="0070C0"/>
+                </a:solidFill>
+              </a:rPr>
+              <a:t>code</a:t>
+            </a:r>
+          </a:p>
+          <a:p>
+            <a:pPr marL="285750" indent="-285750">
+              <a:lnSpc>
+                <a:spcPct val="250000"/>
+              </a:lnSpc>
+              <a:buFont typeface="Arial" panose="020B0604020202020204" pitchFamily="34" charset="0"/>
+              <a:buChar char="•"/>
+              <a:tabLst>
+                <a:tab pos="2241550" algn="l"/>
+              </a:tabLst>
+            </a:pPr>
+            <a:r>
+              <a:rPr lang="en-GB" sz="2400" smtClean="0">
+                <a:solidFill>
+                  <a:srgbClr val="0070C0"/>
+                </a:solidFill>
+              </a:rPr>
+              <a:t>MetaboLights</a:t>
+            </a:r>
+            <a:r>
+              <a:rPr lang="en-GB" sz="2400">
+                <a:solidFill>
+                  <a:srgbClr val="0070C0"/>
+                </a:solidFill>
+              </a:rPr>
+              <a:t>	https://www.ebi.ac.uk/metabolights – metabolomics data</a:t>
+            </a:r>
+            <a:endParaRPr lang="pl-PL" sz="2400">
               <a:solidFill>
                 <a:srgbClr val="0070C0"/>
               </a:solidFill>
@@ -4874,19 +5012,19 @@
           <a:p>
             <a:pPr marL="285750" indent="-285750">
               <a:lnSpc>
-                <a:spcPct val="200000"/>
+                <a:spcPct val="250000"/>
               </a:lnSpc>
               <a:buFont typeface="Arial" panose="020B0604020202020204" pitchFamily="34" charset="0"/>
               <a:buChar char="•"/>
+              <a:tabLst>
+                <a:tab pos="2241550" algn="l"/>
+              </a:tabLst>
             </a:pPr>
-            <a:r>
-              <a:rPr lang="en-GB" sz="2400" dirty="0">
-                <a:solidFill>
-                  <a:srgbClr val="0070C0"/>
-                </a:solidFill>
-              </a:rPr>
-              <a:t>[GitHub](https://github.com/) – for code</a:t>
-            </a:r>
+            <a:endParaRPr lang="en-GB" sz="2400" dirty="0">
+              <a:solidFill>
+                <a:srgbClr val="0070C0"/>
+              </a:solidFill>
+            </a:endParaRPr>
           </a:p>
         </p:txBody>
       </p:sp>
@@ -4951,8 +5089,8 @@
         </p:blipFill>
         <p:spPr bwMode="auto">
           <a:xfrm>
-            <a:off x="7490780" y="1804416"/>
-            <a:ext cx="1688779" cy="773176"/>
+            <a:off x="8037861" y="1803518"/>
+            <a:ext cx="1994778" cy="913272"/>
           </a:xfrm>
           <a:prstGeom prst="rect">
             <a:avLst/>
@@ -4998,8 +5136,8 @@
         </p:blipFill>
         <p:spPr bwMode="auto">
           <a:xfrm>
-            <a:off x="9939785" y="2577592"/>
-            <a:ext cx="1350264" cy="675132"/>
+            <a:off x="10023159" y="2812762"/>
+            <a:ext cx="1776220" cy="888110"/>
           </a:xfrm>
           <a:prstGeom prst="rect">
             <a:avLst/>
@@ -5018,10 +5156,10 @@
       </p:pic>
       <p:pic>
         <p:nvPicPr>
-          <p:cNvPr id="2054" name="Picture 6">
-            <a:extLst>
-              <a:ext uri="{FF2B5EF4-FFF2-40B4-BE49-F238E27FC236}">
-                <a16:creationId xmlns:a16="http://schemas.microsoft.com/office/drawing/2014/main" id="{FD98CFB6-B4AA-AC41-8774-90BD2B95063A}"/>
+          <p:cNvPr id="2056" name="Picture 8" descr="GitHub Logo, history, meaning, symbol, PNG">
+            <a:extLst>
+              <a:ext uri="{FF2B5EF4-FFF2-40B4-BE49-F238E27FC236}">
+                <a16:creationId xmlns:a16="http://schemas.microsoft.com/office/drawing/2014/main" id="{D77323BD-87F2-9F4B-9997-733371BECEB4}"/>
               </a:ext>
             </a:extLst>
           </p:cNvPr>
@@ -5031,7 +5169,7 @@
           <p:nvPr/>
         </p:nvPicPr>
         <p:blipFill>
-          <a:blip r:embed="rId4">
+          <a:blip r:embed="rId4" cstate="hqprint">
             <a:extLst>
               <a:ext uri="{28A0092B-C50C-407E-A947-70E740481C1C}">
                 <a14:useLocalDpi xmlns:a14="http://schemas.microsoft.com/office/drawing/2010/main" val="0"/>
@@ -5045,8 +5183,8 @@
         </p:blipFill>
         <p:spPr bwMode="auto">
           <a:xfrm>
-            <a:off x="9179559" y="3803904"/>
-            <a:ext cx="2938780" cy="1175512"/>
+            <a:off x="8027831" y="3477296"/>
+            <a:ext cx="2219412" cy="1248419"/>
           </a:xfrm>
           <a:prstGeom prst="rect">
             <a:avLst/>
@@ -5065,10 +5203,10 @@
       </p:pic>
       <p:pic>
         <p:nvPicPr>
-          <p:cNvPr id="2056" name="Picture 8" descr="GitHub Logo, history, meaning, symbol, PNG">
-            <a:extLst>
-              <a:ext uri="{FF2B5EF4-FFF2-40B4-BE49-F238E27FC236}">
-                <a16:creationId xmlns:a16="http://schemas.microsoft.com/office/drawing/2014/main" id="{D77323BD-87F2-9F4B-9997-733371BECEB4}"/>
+          <p:cNvPr id="2054" name="Picture 6">
+            <a:extLst>
+              <a:ext uri="{FF2B5EF4-FFF2-40B4-BE49-F238E27FC236}">
+                <a16:creationId xmlns:a16="http://schemas.microsoft.com/office/drawing/2014/main" id="{FD98CFB6-B4AA-AC41-8774-90BD2B95063A}"/>
               </a:ext>
             </a:extLst>
           </p:cNvPr>
@@ -5078,7 +5216,7 @@
           <p:nvPr/>
         </p:nvPicPr>
         <p:blipFill>
-          <a:blip r:embed="rId5" cstate="hqprint">
+          <a:blip r:embed="rId5">
             <a:extLst>
               <a:ext uri="{28A0092B-C50C-407E-A947-70E740481C1C}">
                 <a14:useLocalDpi xmlns:a14="http://schemas.microsoft.com/office/drawing/2010/main" val="0"/>
@@ -5092,8 +5230,8 @@
         </p:blipFill>
         <p:spPr bwMode="auto">
           <a:xfrm>
-            <a:off x="6096000" y="3696367"/>
-            <a:ext cx="2356557" cy="1325563"/>
+            <a:off x="7917426" y="5190184"/>
+            <a:ext cx="2885968" cy="1154387"/>
           </a:xfrm>
           <a:prstGeom prst="rect">
             <a:avLst/>
@@ -5392,12 +5530,28 @@
           <a:lstStyle/>
           <a:p>
             <a:r>
+              <a:rPr lang="en-GB" smtClean="0">
+                <a:solidFill>
+                  <a:srgbClr val="0070C0"/>
+                </a:solidFill>
+              </a:rPr>
+              <a:t>Advantages of d</a:t>
+            </a:r>
+            <a:r>
+              <a:rPr lang="pl-PL" smtClean="0">
+                <a:solidFill>
+                  <a:srgbClr val="0070C0"/>
+                </a:solidFill>
+              </a:rPr>
+              <a:t>omain </a:t>
+            </a:r>
+            <a:r>
               <a:rPr lang="pl-PL" dirty="0">
                 <a:solidFill>
                   <a:srgbClr val="0070C0"/>
                 </a:solidFill>
               </a:rPr>
-              <a:t>Domain specific repositories</a:t>
+              <a:t>specific repositories</a:t>
             </a:r>
             <a:endParaRPr lang="en-GB" dirty="0">
               <a:solidFill>
@@ -8170,7 +8324,7 @@
                 <a14:useLocalDpi xmlns:a14="http://schemas.microsoft.com/office/drawing/2010/main" val="0"/>
               </a:ext>
               <a:ext uri="{96DAC541-7B7A-43D3-8B79-37D633B846F1}">
-                <asvg:svgBlip xmlns:asvg="http://schemas.microsoft.com/office/drawing/2016/SVG/main" xmlns="" r:embed="rId3"/>
+                <asvg:svgBlip xmlns="" xmlns:asvg="http://schemas.microsoft.com/office/drawing/2016/SVG/main" r:embed="rId3"/>
               </a:ext>
             </a:extLst>
           </a:blip>
@@ -8209,7 +8363,7 @@
                 <a14:useLocalDpi xmlns:a14="http://schemas.microsoft.com/office/drawing/2010/main" val="0"/>
               </a:ext>
               <a:ext uri="{96DAC541-7B7A-43D3-8B79-37D633B846F1}">
-                <asvg:svgBlip xmlns:asvg="http://schemas.microsoft.com/office/drawing/2016/SVG/main" xmlns="" r:embed="rId5"/>
+                <asvg:svgBlip xmlns="" xmlns:asvg="http://schemas.microsoft.com/office/drawing/2016/SVG/main" r:embed="rId5"/>
               </a:ext>
             </a:extLst>
           </a:blip>
@@ -8248,7 +8402,7 @@
                 <a14:useLocalDpi xmlns:a14="http://schemas.microsoft.com/office/drawing/2010/main" val="0"/>
               </a:ext>
               <a:ext uri="{96DAC541-7B7A-43D3-8B79-37D633B846F1}">
-                <asvg:svgBlip xmlns:asvg="http://schemas.microsoft.com/office/drawing/2016/SVG/main" xmlns="" r:embed="rId7"/>
+                <asvg:svgBlip xmlns="" xmlns:asvg="http://schemas.microsoft.com/office/drawing/2016/SVG/main" r:embed="rId7"/>
               </a:ext>
             </a:extLst>
           </a:blip>
@@ -8453,8 +8607,8 @@
         </p:nvSpPr>
         <p:spPr>
           <a:xfrm>
-            <a:off x="624689" y="1774196"/>
-            <a:ext cx="10601608" cy="2943563"/>
+            <a:off x="838201" y="1774196"/>
+            <a:ext cx="10388096" cy="3785652"/>
           </a:xfrm>
           <a:prstGeom prst="rect">
             <a:avLst/>
@@ -8468,35 +8622,42 @@
           <a:p>
             <a:pPr marL="285750" indent="-285750">
               <a:lnSpc>
-                <a:spcPct val="200000"/>
+                <a:spcPct val="250000"/>
               </a:lnSpc>
               <a:buFont typeface="Arial" panose="020B0604020202020204" pitchFamily="34" charset="0"/>
               <a:buChar char="•"/>
             </a:pPr>
             <a:r>
-              <a:rPr lang="en-GB" sz="2400" dirty="0">
-                <a:solidFill>
-                  <a:srgbClr val="0070C0"/>
-                </a:solidFill>
-              </a:rPr>
-              <a:t>[Dryad](</a:t>
-            </a:r>
-            <a:r>
-              <a:rPr lang="en-GB" sz="2400" dirty="0">
-                <a:solidFill>
-                  <a:srgbClr val="0070C0"/>
-                </a:solidFill>
-                <a:hlinkClick r:id="rId4"/>
-              </a:rPr>
-              <a:t>http://datadryad.org</a:t>
-            </a:r>
-            <a:r>
-              <a:rPr lang="en-GB" sz="2400" dirty="0">
-                <a:solidFill>
-                  <a:srgbClr val="0070C0"/>
-                </a:solidFill>
-              </a:rPr>
-              <a:t>)</a:t>
+              <a:rPr lang="en-GB" sz="2400" smtClean="0">
+                <a:solidFill>
+                  <a:srgbClr val="0070C0"/>
+                </a:solidFill>
+              </a:rPr>
+              <a:t>Dryad	</a:t>
+            </a:r>
+            <a:r>
+              <a:rPr lang="en-GB" sz="2400" smtClean="0">
+                <a:solidFill>
+                  <a:srgbClr val="0070C0"/>
+                </a:solidFill>
+              </a:rPr>
+              <a:t>	https</a:t>
+            </a:r>
+            <a:r>
+              <a:rPr lang="en-GB" sz="2400">
+                <a:solidFill>
+                  <a:srgbClr val="0070C0"/>
+                </a:solidFill>
+              </a:rPr>
+              <a:t>://</a:t>
+            </a:r>
+            <a:r>
+              <a:rPr lang="en-GB" sz="2400" smtClean="0">
+                <a:solidFill>
+                  <a:srgbClr val="0070C0"/>
+                </a:solidFill>
+              </a:rPr>
+              <a:t>datadryad.org </a:t>
             </a:r>
             <a:endParaRPr lang="pl-PL" sz="2400" dirty="0">
               <a:solidFill>
@@ -8507,35 +8668,42 @@
           <a:p>
             <a:pPr marL="285750" indent="-285750">
               <a:lnSpc>
-                <a:spcPct val="200000"/>
+                <a:spcPct val="250000"/>
               </a:lnSpc>
               <a:buFont typeface="Arial" panose="020B0604020202020204" pitchFamily="34" charset="0"/>
               <a:buChar char="•"/>
             </a:pPr>
             <a:r>
-              <a:rPr lang="en-GB" sz="2400" dirty="0">
-                <a:solidFill>
-                  <a:srgbClr val="0070C0"/>
-                </a:solidFill>
-              </a:rPr>
-              <a:t>[Zenodo](</a:t>
-            </a:r>
-            <a:r>
-              <a:rPr lang="en-GB" sz="2400" dirty="0">
-                <a:solidFill>
-                  <a:srgbClr val="0070C0"/>
-                </a:solidFill>
-                <a:hlinkClick r:id="rId5"/>
-              </a:rPr>
-              <a:t>http://zenodo.org</a:t>
-            </a:r>
-            <a:r>
-              <a:rPr lang="en-GB" sz="2400" dirty="0">
-                <a:solidFill>
-                  <a:srgbClr val="0070C0"/>
-                </a:solidFill>
-              </a:rPr>
-              <a:t>)</a:t>
+              <a:rPr lang="en-GB" sz="2400" smtClean="0">
+                <a:solidFill>
+                  <a:srgbClr val="0070C0"/>
+                </a:solidFill>
+              </a:rPr>
+              <a:t>Zenodo	</a:t>
+            </a:r>
+            <a:r>
+              <a:rPr lang="en-GB" sz="2400" smtClean="0">
+                <a:solidFill>
+                  <a:srgbClr val="0070C0"/>
+                </a:solidFill>
+              </a:rPr>
+              <a:t>	https</a:t>
+            </a:r>
+            <a:r>
+              <a:rPr lang="en-GB" sz="2400">
+                <a:solidFill>
+                  <a:srgbClr val="0070C0"/>
+                </a:solidFill>
+              </a:rPr>
+              <a:t>://</a:t>
+            </a:r>
+            <a:r>
+              <a:rPr lang="en-GB" sz="2400" smtClean="0">
+                <a:solidFill>
+                  <a:srgbClr val="0070C0"/>
+                </a:solidFill>
+              </a:rPr>
+              <a:t>zenodo.org </a:t>
             </a:r>
             <a:endParaRPr lang="pl-PL" sz="2400" dirty="0">
               <a:solidFill>
@@ -8546,35 +8714,42 @@
           <a:p>
             <a:pPr marL="285750" indent="-285750">
               <a:lnSpc>
-                <a:spcPct val="200000"/>
+                <a:spcPct val="250000"/>
               </a:lnSpc>
               <a:buFont typeface="Arial" panose="020B0604020202020204" pitchFamily="34" charset="0"/>
               <a:buChar char="•"/>
             </a:pPr>
             <a:r>
-              <a:rPr lang="en-GB" sz="2400" dirty="0">
-                <a:solidFill>
-                  <a:srgbClr val="0070C0"/>
-                </a:solidFill>
-              </a:rPr>
-              <a:t>[FigShare](</a:t>
-            </a:r>
-            <a:r>
-              <a:rPr lang="en-GB" sz="2400" dirty="0">
-                <a:solidFill>
-                  <a:srgbClr val="0070C0"/>
-                </a:solidFill>
-                <a:hlinkClick r:id="rId6"/>
-              </a:rPr>
-              <a:t>http://figshare.com</a:t>
-            </a:r>
-            <a:r>
-              <a:rPr lang="en-GB" sz="2400" dirty="0">
-                <a:solidFill>
-                  <a:srgbClr val="0070C0"/>
-                </a:solidFill>
-              </a:rPr>
-              <a:t>)</a:t>
+              <a:rPr lang="en-GB" sz="2400" smtClean="0">
+                <a:solidFill>
+                  <a:srgbClr val="0070C0"/>
+                </a:solidFill>
+              </a:rPr>
+              <a:t>FigShare	</a:t>
+            </a:r>
+            <a:r>
+              <a:rPr lang="en-GB" sz="2400" smtClean="0">
+                <a:solidFill>
+                  <a:srgbClr val="0070C0"/>
+                </a:solidFill>
+              </a:rPr>
+              <a:t>	https</a:t>
+            </a:r>
+            <a:r>
+              <a:rPr lang="en-GB" sz="2400">
+                <a:solidFill>
+                  <a:srgbClr val="0070C0"/>
+                </a:solidFill>
+              </a:rPr>
+              <a:t>://</a:t>
+            </a:r>
+            <a:r>
+              <a:rPr lang="en-GB" sz="2400" smtClean="0">
+                <a:solidFill>
+                  <a:srgbClr val="0070C0"/>
+                </a:solidFill>
+              </a:rPr>
+              <a:t>figshare.com </a:t>
             </a:r>
             <a:endParaRPr lang="pl-PL" sz="2400" dirty="0">
               <a:solidFill>
@@ -8585,35 +8760,50 @@
           <a:p>
             <a:pPr marL="285750" indent="-285750">
               <a:lnSpc>
-                <a:spcPct val="200000"/>
+                <a:spcPct val="250000"/>
               </a:lnSpc>
               <a:buFont typeface="Arial" panose="020B0604020202020204" pitchFamily="34" charset="0"/>
               <a:buChar char="•"/>
             </a:pPr>
             <a:r>
-              <a:rPr lang="en-GB" sz="2400" dirty="0">
-                <a:solidFill>
-                  <a:srgbClr val="0070C0"/>
-                </a:solidFill>
-              </a:rPr>
-              <a:t>[Dataverse](</a:t>
-            </a:r>
-            <a:r>
-              <a:rPr lang="en-GB" sz="2400" dirty="0">
-                <a:solidFill>
-                  <a:srgbClr val="0070C0"/>
-                </a:solidFill>
-                <a:hlinkClick r:id="rId7"/>
-              </a:rPr>
-              <a:t>http://dataverse.org</a:t>
-            </a:r>
-            <a:r>
-              <a:rPr lang="en-GB" sz="2400" dirty="0">
-                <a:solidFill>
-                  <a:srgbClr val="0070C0"/>
-                </a:solidFill>
-              </a:rPr>
-              <a:t>)</a:t>
+              <a:rPr lang="en-GB" sz="2400" smtClean="0">
+                <a:solidFill>
+                  <a:srgbClr val="0070C0"/>
+                </a:solidFill>
+              </a:rPr>
+              <a:t>Harvard Dataverse</a:t>
+            </a:r>
+            <a:r>
+              <a:rPr lang="en-GB" sz="2400" smtClean="0">
+                <a:solidFill>
+                  <a:srgbClr val="0070C0"/>
+                </a:solidFill>
+              </a:rPr>
+              <a:t>	</a:t>
+            </a:r>
+            <a:r>
+              <a:rPr lang="en-GB" sz="2400">
+                <a:solidFill>
+                  <a:srgbClr val="0070C0"/>
+                </a:solidFill>
+              </a:rPr>
+              <a:t>https</a:t>
+            </a:r>
+            <a:r>
+              <a:rPr lang="en-GB" sz="2400">
+                <a:solidFill>
+                  <a:srgbClr val="0070C0"/>
+                </a:solidFill>
+              </a:rPr>
+              <a:t>://</a:t>
+            </a:r>
+            <a:r>
+              <a:rPr lang="en-GB" sz="2400" smtClean="0">
+                <a:solidFill>
+                  <a:srgbClr val="0070C0"/>
+                </a:solidFill>
+              </a:rPr>
+              <a:t>dataverse.harvard.edu</a:t>
             </a:r>
             <a:endParaRPr lang="pl-PL" sz="2400" dirty="0">
               <a:solidFill>
@@ -8666,7 +8856,7 @@
           <p:nvPr/>
         </p:nvPicPr>
         <p:blipFill>
-          <a:blip r:embed="rId8" cstate="hqprint">
+          <a:blip r:embed="rId4" cstate="hqprint">
             <a:extLst>
               <a:ext uri="{28A0092B-C50C-407E-A947-70E740481C1C}">
                 <a14:useLocalDpi xmlns:a14="http://schemas.microsoft.com/office/drawing/2010/main" val="0"/>
@@ -8680,7 +8870,7 @@
         </p:blipFill>
         <p:spPr bwMode="auto">
           <a:xfrm>
-            <a:off x="5216889" y="1903853"/>
+            <a:off x="7684512" y="2166899"/>
             <a:ext cx="2186570" cy="363859"/>
           </a:xfrm>
           <a:prstGeom prst="rect">
@@ -8713,7 +8903,7 @@
           <p:nvPr/>
         </p:nvPicPr>
         <p:blipFill>
-          <a:blip r:embed="rId9" cstate="hqprint">
+          <a:blip r:embed="rId5" cstate="hqprint">
             <a:extLst>
               <a:ext uri="{28A0092B-C50C-407E-A947-70E740481C1C}">
                 <a14:useLocalDpi xmlns:a14="http://schemas.microsoft.com/office/drawing/2010/main" val="0"/>
@@ -8727,7 +8917,7 @@
         </p:blipFill>
         <p:spPr bwMode="auto">
           <a:xfrm>
-            <a:off x="4923005" y="2443283"/>
+            <a:off x="7315472" y="2756433"/>
             <a:ext cx="2345990" cy="938396"/>
           </a:xfrm>
           <a:prstGeom prst="rect">
@@ -8760,7 +8950,7 @@
           <p:nvPr/>
         </p:nvPicPr>
         <p:blipFill>
-          <a:blip r:embed="rId10">
+          <a:blip r:embed="rId6">
             <a:extLst>
               <a:ext uri="{28A0092B-C50C-407E-A947-70E740481C1C}">
                 <a14:useLocalDpi xmlns:a14="http://schemas.microsoft.com/office/drawing/2010/main" val="0"/>
@@ -8774,7 +8964,7 @@
         </p:blipFill>
         <p:spPr bwMode="auto">
           <a:xfrm>
-            <a:off x="5387577" y="3282766"/>
+            <a:off x="7717414" y="3758754"/>
             <a:ext cx="2286870" cy="862642"/>
           </a:xfrm>
           <a:prstGeom prst="rect">
@@ -8807,7 +8997,7 @@
           <p:nvPr/>
         </p:nvPicPr>
         <p:blipFill>
-          <a:blip r:embed="rId11">
+          <a:blip r:embed="rId7">
             <a:extLst>
               <a:ext uri="{28A0092B-C50C-407E-A947-70E740481C1C}">
                 <a14:useLocalDpi xmlns:a14="http://schemas.microsoft.com/office/drawing/2010/main" val="0"/>
@@ -8821,7 +9011,7 @@
         </p:blipFill>
         <p:spPr bwMode="auto">
           <a:xfrm>
-            <a:off x="5546498" y="4195974"/>
+            <a:off x="7700971" y="4659436"/>
             <a:ext cx="2456534" cy="938396"/>
           </a:xfrm>
           <a:prstGeom prst="rect">

--- a/instructors/04-Public_repositories.pptx
+++ b/instructors/04-Public_repositories.pptx
@@ -533,8 +533,23 @@
           <a:lstStyle/>
           <a:p>
             <a:r>
+              <a:rPr lang="en-GB" smtClean="0"/>
+              <a:t>IN A NUTSHELL:</a:t>
+            </a:r>
+            <a:r>
+              <a:rPr lang="en-GB" baseline="0" smtClean="0"/>
+              <a:t> </a:t>
+            </a:r>
+            <a:endParaRPr lang="en-GB" smtClean="0"/>
+          </a:p>
+          <a:p>
+            <a:r>
+              <a:rPr lang="en-GB" smtClean="0"/>
+              <a:t>Findable </a:t>
+            </a:r>
+            <a:r>
               <a:rPr lang="en-GB" dirty="0"/>
-              <a:t>Findable -&gt; </a:t>
+              <a:t>-&gt; </a:t>
             </a:r>
             <a:r>
               <a:rPr lang="en-GB" b="0" i="0" dirty="0">
@@ -4113,18 +4128,18 @@
           <a:lstStyle/>
           <a:p>
             <a:r>
-              <a:rPr lang="en-GB" dirty="0"/>
+              <a:rPr lang="en-GB"/>
               <a:t>Open </a:t>
             </a:r>
             <a:r>
-              <a:rPr lang="en-GB" dirty="0">
+              <a:rPr lang="en-GB" smtClean="0">
                 <a:hlinkClick r:id="rId2"/>
               </a:rPr>
-              <a:t>https://pad.carpentries.org/2022-02-18-ed-dash-fair</a:t>
-            </a:r>
-            <a:r>
-              <a:rPr lang="en-GB" dirty="0"/>
-              <a:t> </a:t>
+              <a:t>https://pad.carpentries.org/fair-4-leaders-begins-20YY-MM-DD</a:t>
+            </a:r>
+            <a:r>
+              <a:rPr lang="en-GB" smtClean="0"/>
+              <a:t>  </a:t>
             </a:r>
             <a:endParaRPr lang="en-GB" dirty="0">
               <a:highlight>
@@ -4227,6 +4242,13 @@
   <p:clrMapOvr>
     <a:masterClrMapping/>
   </p:clrMapOvr>
+  <p:timing>
+    <p:tnLst>
+      <p:par>
+        <p:cTn id="1" dur="indefinite" restart="never" nodeType="tmRoot"/>
+      </p:par>
+    </p:tnLst>
+  </p:timing>
 </p:sld>
 </file>
 
@@ -6709,6 +6731,13 @@
   <p:clrMapOvr>
     <a:masterClrMapping/>
   </p:clrMapOvr>
+  <p:timing>
+    <p:tnLst>
+      <p:par>
+        <p:cTn id="1" dur="indefinite" restart="never" nodeType="tmRoot"/>
+      </p:par>
+    </p:tnLst>
+  </p:timing>
 </p:sld>
 </file>
 
@@ -8197,7 +8226,7 @@
         <p:spPr>
           <a:xfrm>
             <a:off x="948099" y="1355649"/>
-            <a:ext cx="8837169" cy="3970318"/>
+            <a:ext cx="8837169" cy="5478423"/>
           </a:xfrm>
           <a:prstGeom prst="rect">
             <a:avLst/>
@@ -8216,68 +8245,81 @@
                   <a:srgbClr val="0070C0"/>
                 </a:solidFill>
               </a:rPr>
-              <a:t>Research data repositories are online repositories that enable the preservation, curation and publication of research ‘products’:</a:t>
-            </a:r>
-            <a:endParaRPr lang="pl-PL" sz="2800" dirty="0">
+              <a:t>Research data repositories are online repositories that enable the preservation, curation and publication of research ‘</a:t>
+            </a:r>
+            <a:r>
+              <a:rPr lang="en-GB" sz="2800">
+                <a:solidFill>
+                  <a:srgbClr val="0070C0"/>
+                </a:solidFill>
+              </a:rPr>
+              <a:t>products</a:t>
+            </a:r>
+            <a:r>
+              <a:rPr lang="en-GB" sz="2800" smtClean="0">
+                <a:solidFill>
+                  <a:srgbClr val="0070C0"/>
+                </a:solidFill>
+              </a:rPr>
+              <a:t>’:</a:t>
+            </a:r>
+          </a:p>
+          <a:p>
+            <a:pPr marL="457200" indent="-457200">
+              <a:lnSpc>
+                <a:spcPct val="250000"/>
+              </a:lnSpc>
+              <a:buFont typeface="Arial" panose="020B0604020202020204" pitchFamily="34" charset="0"/>
+              <a:buChar char="•"/>
+            </a:pPr>
+            <a:r>
+              <a:rPr lang="pl-PL" sz="2800" smtClean="0">
+                <a:solidFill>
+                  <a:srgbClr val="0070C0"/>
+                </a:solidFill>
+              </a:rPr>
+              <a:t>data</a:t>
+            </a:r>
+            <a:endParaRPr lang="en-GB" sz="2800" smtClean="0">
               <a:solidFill>
                 <a:srgbClr val="0070C0"/>
               </a:solidFill>
             </a:endParaRPr>
           </a:p>
           <a:p>
-            <a:endParaRPr lang="en-GB" sz="2800" dirty="0">
-              <a:solidFill>
-                <a:srgbClr val="0070C0"/>
-              </a:solidFill>
-            </a:endParaRPr>
-          </a:p>
-          <a:p>
             <a:pPr marL="457200" indent="-457200">
+              <a:lnSpc>
+                <a:spcPct val="250000"/>
+              </a:lnSpc>
               <a:buFont typeface="Arial" panose="020B0604020202020204" pitchFamily="34" charset="0"/>
               <a:buChar char="•"/>
             </a:pPr>
             <a:r>
-              <a:rPr lang="pl-PL" sz="2800" dirty="0">
-                <a:solidFill>
-                  <a:srgbClr val="0070C0"/>
-                </a:solidFill>
-              </a:rPr>
-              <a:t>data</a:t>
-            </a:r>
-            <a:endParaRPr lang="en-GB" sz="2800" dirty="0">
-              <a:solidFill>
-                <a:srgbClr val="0070C0"/>
-              </a:solidFill>
-            </a:endParaRPr>
+              <a:rPr lang="pl-PL" sz="2800" smtClean="0">
+                <a:solidFill>
+                  <a:srgbClr val="0070C0"/>
+                </a:solidFill>
+              </a:rPr>
+              <a:t>code</a:t>
+            </a:r>
           </a:p>
           <a:p>
             <a:pPr marL="457200" indent="-457200">
+              <a:lnSpc>
+                <a:spcPct val="250000"/>
+              </a:lnSpc>
               <a:buFont typeface="Arial" panose="020B0604020202020204" pitchFamily="34" charset="0"/>
               <a:buChar char="•"/>
             </a:pPr>
             <a:r>
-              <a:rPr lang="pl-PL" sz="2800" dirty="0">
-                <a:solidFill>
-                  <a:srgbClr val="0070C0"/>
-                </a:solidFill>
-              </a:rPr>
-              <a:t>code</a:t>
-            </a:r>
-          </a:p>
-          <a:p>
-            <a:pPr marL="457200" indent="-457200">
-              <a:buFont typeface="Arial" panose="020B0604020202020204" pitchFamily="34" charset="0"/>
-              <a:buChar char="•"/>
-            </a:pPr>
-            <a:r>
-              <a:rPr lang="pl-PL" sz="2800" dirty="0">
+              <a:rPr lang="pl-PL" sz="2800" smtClean="0">
                 <a:solidFill>
                   <a:srgbClr val="0070C0"/>
                 </a:solidFill>
               </a:rPr>
               <a:t>protocols</a:t>
             </a:r>
-            <a:endParaRPr lang="en-GB" sz="2800" dirty="0">
+            <a:endParaRPr lang="en-GB" sz="2800" smtClean="0">
               <a:solidFill>
                 <a:srgbClr val="0070C0"/>
               </a:solidFill>
@@ -8334,8 +8376,8 @@
         </p:blipFill>
         <p:spPr>
           <a:xfrm>
-            <a:off x="3027845" y="2794705"/>
-            <a:ext cx="634295" cy="634295"/>
+            <a:off x="2847538" y="2575764"/>
+            <a:ext cx="1273699" cy="1273699"/>
           </a:xfrm>
           <a:prstGeom prst="rect">
             <a:avLst/>
@@ -8373,8 +8415,8 @@
         </p:blipFill>
         <p:spPr>
           <a:xfrm>
-            <a:off x="2952667" y="3340808"/>
-            <a:ext cx="709473" cy="709473"/>
+            <a:off x="2662408" y="3668683"/>
+            <a:ext cx="1527248" cy="1527248"/>
           </a:xfrm>
           <a:prstGeom prst="rect">
             <a:avLst/>
@@ -8412,8 +8454,8 @@
         </p:blipFill>
         <p:spPr>
           <a:xfrm>
-            <a:off x="3662140" y="3735321"/>
-            <a:ext cx="709473" cy="709473"/>
+            <a:off x="2739685" y="5151998"/>
+            <a:ext cx="1287440" cy="1287440"/>
           </a:xfrm>
           <a:prstGeom prst="rect">
             <a:avLst/>
@@ -8633,15 +8675,7 @@
                   <a:srgbClr val="0070C0"/>
                 </a:solidFill>
               </a:rPr>
-              <a:t>Dryad	</a:t>
-            </a:r>
-            <a:r>
-              <a:rPr lang="en-GB" sz="2400" smtClean="0">
-                <a:solidFill>
-                  <a:srgbClr val="0070C0"/>
-                </a:solidFill>
-              </a:rPr>
-              <a:t>	https</a:t>
+              <a:t>Dryad		https</a:t>
             </a:r>
             <a:r>
               <a:rPr lang="en-GB" sz="2400">
@@ -8679,15 +8713,7 @@
                   <a:srgbClr val="0070C0"/>
                 </a:solidFill>
               </a:rPr>
-              <a:t>Zenodo	</a:t>
-            </a:r>
-            <a:r>
-              <a:rPr lang="en-GB" sz="2400" smtClean="0">
-                <a:solidFill>
-                  <a:srgbClr val="0070C0"/>
-                </a:solidFill>
-              </a:rPr>
-              <a:t>	https</a:t>
+              <a:t>Zenodo		https</a:t>
             </a:r>
             <a:r>
               <a:rPr lang="en-GB" sz="2400">
@@ -8725,15 +8751,7 @@
                   <a:srgbClr val="0070C0"/>
                 </a:solidFill>
               </a:rPr>
-              <a:t>FigShare	</a:t>
-            </a:r>
-            <a:r>
-              <a:rPr lang="en-GB" sz="2400" smtClean="0">
-                <a:solidFill>
-                  <a:srgbClr val="0070C0"/>
-                </a:solidFill>
-              </a:rPr>
-              <a:t>	https</a:t>
+              <a:t>FigShare		https</a:t>
             </a:r>
             <a:r>
               <a:rPr lang="en-GB" sz="2400">
@@ -8771,15 +8789,7 @@
                   <a:srgbClr val="0070C0"/>
                 </a:solidFill>
               </a:rPr>
-              <a:t>Harvard Dataverse</a:t>
-            </a:r>
-            <a:r>
-              <a:rPr lang="en-GB" sz="2400" smtClean="0">
-                <a:solidFill>
-                  <a:srgbClr val="0070C0"/>
-                </a:solidFill>
-              </a:rPr>
-              <a:t>	</a:t>
+              <a:t>Harvard Dataverse	</a:t>
             </a:r>
             <a:r>
               <a:rPr lang="en-GB" sz="2400">
@@ -8787,15 +8797,7 @@
                   <a:srgbClr val="0070C0"/>
                 </a:solidFill>
               </a:rPr>
-              <a:t>https</a:t>
-            </a:r>
-            <a:r>
-              <a:rPr lang="en-GB" sz="2400">
-                <a:solidFill>
-                  <a:srgbClr val="0070C0"/>
-                </a:solidFill>
-              </a:rPr>
-              <a:t>://</a:t>
+              <a:t>https://</a:t>
             </a:r>
             <a:r>
               <a:rPr lang="en-GB" sz="2400" smtClean="0">

--- a/instructors/04-Public_repositories.pptx
+++ b/instructors/04-Public_repositories.pptx
@@ -221,7 +221,7 @@
           <a:p>
             <a:fld id="{585C48AE-4A1E-9A43-835F-510354165F99}" type="datetimeFigureOut">
               <a:rPr lang="en-GB" smtClean="0"/>
-              <a:t>19/08/2022</a:t>
+              <a:t>22/08/2022</a:t>
             </a:fld>
             <a:endParaRPr lang="en-GB" dirty="0"/>
           </a:p>
@@ -923,7 +923,7 @@
           <a:p>
             <a:fld id="{5913FB77-D8DB-4AB9-8EA5-EE8C3B57A5E1}" type="datetimeFigureOut">
               <a:rPr lang="en-GB" smtClean="0"/>
-              <a:t>19/08/2022</a:t>
+              <a:t>22/08/2022</a:t>
             </a:fld>
             <a:endParaRPr lang="en-GB" dirty="0"/>
           </a:p>
@@ -1170,7 +1170,7 @@
           <a:p>
             <a:fld id="{5913FB77-D8DB-4AB9-8EA5-EE8C3B57A5E1}" type="datetimeFigureOut">
               <a:rPr lang="en-GB" smtClean="0"/>
-              <a:t>19/08/2022</a:t>
+              <a:t>22/08/2022</a:t>
             </a:fld>
             <a:endParaRPr lang="en-GB" dirty="0"/>
           </a:p>
@@ -1380,7 +1380,7 @@
           <a:p>
             <a:fld id="{5913FB77-D8DB-4AB9-8EA5-EE8C3B57A5E1}" type="datetimeFigureOut">
               <a:rPr lang="en-GB" smtClean="0"/>
-              <a:t>19/08/2022</a:t>
+              <a:t>22/08/2022</a:t>
             </a:fld>
             <a:endParaRPr lang="en-GB" dirty="0"/>
           </a:p>
@@ -1580,7 +1580,7 @@
           <a:p>
             <a:fld id="{5913FB77-D8DB-4AB9-8EA5-EE8C3B57A5E1}" type="datetimeFigureOut">
               <a:rPr lang="en-GB" smtClean="0"/>
-              <a:t>19/08/2022</a:t>
+              <a:t>22/08/2022</a:t>
             </a:fld>
             <a:endParaRPr lang="en-GB" dirty="0"/>
           </a:p>
@@ -1856,7 +1856,7 @@
           <a:p>
             <a:fld id="{5913FB77-D8DB-4AB9-8EA5-EE8C3B57A5E1}" type="datetimeFigureOut">
               <a:rPr lang="en-GB" smtClean="0"/>
-              <a:t>19/08/2022</a:t>
+              <a:t>22/08/2022</a:t>
             </a:fld>
             <a:endParaRPr lang="en-GB" dirty="0"/>
           </a:p>
@@ -2124,7 +2124,7 @@
           <a:p>
             <a:fld id="{5913FB77-D8DB-4AB9-8EA5-EE8C3B57A5E1}" type="datetimeFigureOut">
               <a:rPr lang="en-GB" smtClean="0"/>
-              <a:t>19/08/2022</a:t>
+              <a:t>22/08/2022</a:t>
             </a:fld>
             <a:endParaRPr lang="en-GB" dirty="0"/>
           </a:p>
@@ -2539,7 +2539,7 @@
           <a:p>
             <a:fld id="{5913FB77-D8DB-4AB9-8EA5-EE8C3B57A5E1}" type="datetimeFigureOut">
               <a:rPr lang="en-GB" smtClean="0"/>
-              <a:t>19/08/2022</a:t>
+              <a:t>22/08/2022</a:t>
             </a:fld>
             <a:endParaRPr lang="en-GB" dirty="0"/>
           </a:p>
@@ -2681,7 +2681,7 @@
           <a:p>
             <a:fld id="{5913FB77-D8DB-4AB9-8EA5-EE8C3B57A5E1}" type="datetimeFigureOut">
               <a:rPr lang="en-GB" smtClean="0"/>
-              <a:t>19/08/2022</a:t>
+              <a:t>22/08/2022</a:t>
             </a:fld>
             <a:endParaRPr lang="en-GB" dirty="0"/>
           </a:p>
@@ -2794,7 +2794,7 @@
           <a:p>
             <a:fld id="{5913FB77-D8DB-4AB9-8EA5-EE8C3B57A5E1}" type="datetimeFigureOut">
               <a:rPr lang="en-GB" smtClean="0"/>
-              <a:t>19/08/2022</a:t>
+              <a:t>22/08/2022</a:t>
             </a:fld>
             <a:endParaRPr lang="en-GB" dirty="0"/>
           </a:p>
@@ -3107,7 +3107,7 @@
           <a:p>
             <a:fld id="{5913FB77-D8DB-4AB9-8EA5-EE8C3B57A5E1}" type="datetimeFigureOut">
               <a:rPr lang="en-GB" smtClean="0"/>
-              <a:t>19/08/2022</a:t>
+              <a:t>22/08/2022</a:t>
             </a:fld>
             <a:endParaRPr lang="en-GB" dirty="0"/>
           </a:p>
@@ -3396,7 +3396,7 @@
           <a:p>
             <a:fld id="{5913FB77-D8DB-4AB9-8EA5-EE8C3B57A5E1}" type="datetimeFigureOut">
               <a:rPr lang="en-GB" smtClean="0"/>
-              <a:t>19/08/2022</a:t>
+              <a:t>22/08/2022</a:t>
             </a:fld>
             <a:endParaRPr lang="en-GB" dirty="0"/>
           </a:p>
@@ -3638,7 +3638,7 @@
             <a:fld id="{5913FB77-D8DB-4AB9-8EA5-EE8C3B57A5E1}" type="datetimeFigureOut">
               <a:rPr lang="en-GB" smtClean="0"/>
               <a:pPr/>
-              <a:t>19/08/2022</a:t>
+              <a:t>22/08/2022</a:t>
             </a:fld>
             <a:endParaRPr lang="en-GB" dirty="0"/>
           </a:p>
@@ -4099,102 +4099,117 @@
           <a:chExt cx="0" cy="0"/>
         </a:xfrm>
       </p:grpSpPr>
-      <p:sp>
-        <p:nvSpPr>
-          <p:cNvPr id="7" name="TextBox 6">
-            <a:extLst>
-              <a:ext uri="{FF2B5EF4-FFF2-40B4-BE49-F238E27FC236}">
-                <a16:creationId xmlns:a16="http://schemas.microsoft.com/office/drawing/2014/main" id="{441D6036-BCDA-4EC7-9653-F205FE226493}"/>
-              </a:ext>
-            </a:extLst>
-          </p:cNvPr>
-          <p:cNvSpPr txBox="1"/>
+      <p:grpSp>
+        <p:nvGrpSpPr>
+          <p:cNvPr id="3" name="Group 2"/>
+          <p:cNvGrpSpPr/>
           <p:nvPr/>
-        </p:nvSpPr>
-        <p:spPr>
+        </p:nvGrpSpPr>
+        <p:grpSpPr>
           <a:xfrm>
-            <a:off x="1092764" y="5835907"/>
-            <a:ext cx="6990079" cy="369332"/>
+            <a:off x="335498" y="5785681"/>
+            <a:ext cx="7747345" cy="469783"/>
+            <a:chOff x="335498" y="5785681"/>
+            <a:chExt cx="7747345" cy="469783"/>
           </a:xfrm>
-          <a:prstGeom prst="rect">
-            <a:avLst/>
-          </a:prstGeom>
-          <a:noFill/>
-        </p:spPr>
-        <p:txBody>
-          <a:bodyPr wrap="square">
-            <a:spAutoFit/>
-          </a:bodyPr>
-          <a:lstStyle/>
-          <a:p>
-            <a:r>
-              <a:rPr lang="en-GB"/>
-              <a:t>Open </a:t>
-            </a:r>
-            <a:r>
-              <a:rPr lang="en-GB" smtClean="0">
-                <a:hlinkClick r:id="rId2"/>
-              </a:rPr>
-              <a:t>https://pad.carpentries.org/fair-4-leaders-begins-20YY-MM-DD</a:t>
-            </a:r>
-            <a:r>
-              <a:rPr lang="en-GB" smtClean="0"/>
-              <a:t>  </a:t>
-            </a:r>
-            <a:endParaRPr lang="en-GB" dirty="0">
-              <a:highlight>
-                <a:srgbClr val="FFFF00"/>
-              </a:highlight>
-            </a:endParaRPr>
-          </a:p>
-        </p:txBody>
-      </p:sp>
-      <p:sp>
-        <p:nvSpPr>
-          <p:cNvPr id="8" name="Arrow: Down 7">
-            <a:extLst>
-              <a:ext uri="{FF2B5EF4-FFF2-40B4-BE49-F238E27FC236}">
-                <a16:creationId xmlns:a16="http://schemas.microsoft.com/office/drawing/2014/main" id="{490697C4-1D52-44B3-9145-1E4126021820}"/>
-              </a:ext>
-            </a:extLst>
-          </p:cNvPr>
-          <p:cNvSpPr/>
-          <p:nvPr/>
-        </p:nvSpPr>
-        <p:spPr>
-          <a:xfrm rot="16200000">
-            <a:off x="410999" y="5710180"/>
-            <a:ext cx="469783" cy="620786"/>
-          </a:xfrm>
-          <a:prstGeom prst="downArrow">
-            <a:avLst/>
-          </a:prstGeom>
-        </p:spPr>
-        <p:style>
-          <a:lnRef idx="2">
-            <a:schemeClr val="accent1">
-              <a:shade val="50000"/>
-            </a:schemeClr>
-          </a:lnRef>
-          <a:fillRef idx="1">
-            <a:schemeClr val="accent1"/>
-          </a:fillRef>
-          <a:effectRef idx="0">
-            <a:schemeClr val="accent1"/>
-          </a:effectRef>
-          <a:fontRef idx="minor">
-            <a:schemeClr val="lt1"/>
-          </a:fontRef>
-        </p:style>
-        <p:txBody>
-          <a:bodyPr rtlCol="0" anchor="ctr"/>
-          <a:lstStyle/>
-          <a:p>
-            <a:pPr algn="ctr"/>
-            <a:endParaRPr lang="en-GB" dirty="0"/>
-          </a:p>
-        </p:txBody>
-      </p:sp>
+        </p:grpSpPr>
+        <p:sp>
+          <p:nvSpPr>
+            <p:cNvPr id="7" name="TextBox 6">
+              <a:extLst>
+                <a:ext uri="{FF2B5EF4-FFF2-40B4-BE49-F238E27FC236}">
+                  <a16:creationId xmlns:a16="http://schemas.microsoft.com/office/drawing/2014/main" id="{441D6036-BCDA-4EC7-9653-F205FE226493}"/>
+                </a:ext>
+              </a:extLst>
+            </p:cNvPr>
+            <p:cNvSpPr txBox="1"/>
+            <p:nvPr/>
+          </p:nvSpPr>
+          <p:spPr>
+            <a:xfrm>
+              <a:off x="1092764" y="5835907"/>
+              <a:ext cx="6990079" cy="369332"/>
+            </a:xfrm>
+            <a:prstGeom prst="rect">
+              <a:avLst/>
+            </a:prstGeom>
+            <a:noFill/>
+          </p:spPr>
+          <p:txBody>
+            <a:bodyPr wrap="square">
+              <a:spAutoFit/>
+            </a:bodyPr>
+            <a:lstStyle/>
+            <a:p>
+              <a:r>
+                <a:rPr lang="en-GB"/>
+                <a:t>Open </a:t>
+              </a:r>
+              <a:r>
+                <a:rPr lang="en-GB" smtClean="0">
+                  <a:hlinkClick r:id="rId2"/>
+                </a:rPr>
+                <a:t>https://pad.carpentries.org/fair-4-leaders-begins-20YY-MM-DD</a:t>
+              </a:r>
+              <a:r>
+                <a:rPr lang="en-GB" smtClean="0"/>
+                <a:t>  </a:t>
+              </a:r>
+              <a:endParaRPr lang="en-GB" dirty="0">
+                <a:highlight>
+                  <a:srgbClr val="FFFF00"/>
+                </a:highlight>
+              </a:endParaRPr>
+            </a:p>
+          </p:txBody>
+        </p:sp>
+        <p:sp>
+          <p:nvSpPr>
+            <p:cNvPr id="8" name="Arrow: Down 7">
+              <a:extLst>
+                <a:ext uri="{FF2B5EF4-FFF2-40B4-BE49-F238E27FC236}">
+                  <a16:creationId xmlns:a16="http://schemas.microsoft.com/office/drawing/2014/main" id="{490697C4-1D52-44B3-9145-1E4126021820}"/>
+                </a:ext>
+              </a:extLst>
+            </p:cNvPr>
+            <p:cNvSpPr/>
+            <p:nvPr/>
+          </p:nvSpPr>
+          <p:spPr>
+            <a:xfrm rot="16200000">
+              <a:off x="410999" y="5710180"/>
+              <a:ext cx="469783" cy="620786"/>
+            </a:xfrm>
+            <a:prstGeom prst="downArrow">
+              <a:avLst/>
+            </a:prstGeom>
+          </p:spPr>
+          <p:style>
+            <a:lnRef idx="2">
+              <a:schemeClr val="accent1">
+                <a:shade val="50000"/>
+              </a:schemeClr>
+            </a:lnRef>
+            <a:fillRef idx="1">
+              <a:schemeClr val="accent1"/>
+            </a:fillRef>
+            <a:effectRef idx="0">
+              <a:schemeClr val="accent1"/>
+            </a:effectRef>
+            <a:fontRef idx="minor">
+              <a:schemeClr val="lt1"/>
+            </a:fontRef>
+          </p:style>
+          <p:txBody>
+            <a:bodyPr rtlCol="0" anchor="ctr"/>
+            <a:lstStyle/>
+            <a:p>
+              <a:pPr algn="ctr"/>
+              <a:endParaRPr lang="en-GB" dirty="0"/>
+            </a:p>
+          </p:txBody>
+        </p:sp>
+      </p:grpSp>
       <p:sp>
         <p:nvSpPr>
           <p:cNvPr id="2" name="Rectangle 1"/>
@@ -8366,7 +8381,7 @@
                 <a14:useLocalDpi xmlns:a14="http://schemas.microsoft.com/office/drawing/2010/main" val="0"/>
               </a:ext>
               <a:ext uri="{96DAC541-7B7A-43D3-8B79-37D633B846F1}">
-                <asvg:svgBlip xmlns="" xmlns:asvg="http://schemas.microsoft.com/office/drawing/2016/SVG/main" r:embed="rId3"/>
+                <asvg:svgBlip xmlns:asvg="http://schemas.microsoft.com/office/drawing/2016/SVG/main" xmlns="" r:embed="rId3"/>
               </a:ext>
             </a:extLst>
           </a:blip>
@@ -8405,7 +8420,7 @@
                 <a14:useLocalDpi xmlns:a14="http://schemas.microsoft.com/office/drawing/2010/main" val="0"/>
               </a:ext>
               <a:ext uri="{96DAC541-7B7A-43D3-8B79-37D633B846F1}">
-                <asvg:svgBlip xmlns="" xmlns:asvg="http://schemas.microsoft.com/office/drawing/2016/SVG/main" r:embed="rId5"/>
+                <asvg:svgBlip xmlns:asvg="http://schemas.microsoft.com/office/drawing/2016/SVG/main" xmlns="" r:embed="rId5"/>
               </a:ext>
             </a:extLst>
           </a:blip>
@@ -8444,7 +8459,7 @@
                 <a14:useLocalDpi xmlns:a14="http://schemas.microsoft.com/office/drawing/2010/main" val="0"/>
               </a:ext>
               <a:ext uri="{96DAC541-7B7A-43D3-8B79-37D633B846F1}">
-                <asvg:svgBlip xmlns="" xmlns:asvg="http://schemas.microsoft.com/office/drawing/2016/SVG/main" r:embed="rId7"/>
+                <asvg:svgBlip xmlns:asvg="http://schemas.microsoft.com/office/drawing/2016/SVG/main" xmlns="" r:embed="rId7"/>
               </a:ext>
             </a:extLst>
           </a:blip>

--- a/instructors/04-Public_repositories.pptx
+++ b/instructors/04-Public_repositories.pptx
@@ -5,7 +5,7 @@
     <p:sldMasterId id="2147483648" r:id="rId1"/>
   </p:sldMasterIdLst>
   <p:notesMasterIdLst>
-    <p:notesMasterId r:id="rId27"/>
+    <p:notesMasterId r:id="rId26"/>
   </p:notesMasterIdLst>
   <p:sldIdLst>
     <p:sldId id="280" r:id="rId2"/>
@@ -32,7 +32,6 @@
     <p:sldId id="322" r:id="rId23"/>
     <p:sldId id="307" r:id="rId24"/>
     <p:sldId id="321" r:id="rId25"/>
-    <p:sldId id="296" r:id="rId26"/>
   </p:sldIdLst>
   <p:sldSz cx="12192000" cy="6858000"/>
   <p:notesSz cx="6858000" cy="9144000"/>
@@ -221,7 +220,7 @@
           <a:p>
             <a:fld id="{585C48AE-4A1E-9A43-835F-510354165F99}" type="datetimeFigureOut">
               <a:rPr lang="en-GB" smtClean="0"/>
-              <a:t>22/08/2022</a:t>
+              <a:t>24/08/2022</a:t>
             </a:fld>
             <a:endParaRPr lang="en-GB" dirty="0"/>
           </a:p>
@@ -923,7 +922,7 @@
           <a:p>
             <a:fld id="{5913FB77-D8DB-4AB9-8EA5-EE8C3B57A5E1}" type="datetimeFigureOut">
               <a:rPr lang="en-GB" smtClean="0"/>
-              <a:t>22/08/2022</a:t>
+              <a:t>24/08/2022</a:t>
             </a:fld>
             <a:endParaRPr lang="en-GB" dirty="0"/>
           </a:p>
@@ -1170,7 +1169,7 @@
           <a:p>
             <a:fld id="{5913FB77-D8DB-4AB9-8EA5-EE8C3B57A5E1}" type="datetimeFigureOut">
               <a:rPr lang="en-GB" smtClean="0"/>
-              <a:t>22/08/2022</a:t>
+              <a:t>24/08/2022</a:t>
             </a:fld>
             <a:endParaRPr lang="en-GB" dirty="0"/>
           </a:p>
@@ -1380,7 +1379,7 @@
           <a:p>
             <a:fld id="{5913FB77-D8DB-4AB9-8EA5-EE8C3B57A5E1}" type="datetimeFigureOut">
               <a:rPr lang="en-GB" smtClean="0"/>
-              <a:t>22/08/2022</a:t>
+              <a:t>24/08/2022</a:t>
             </a:fld>
             <a:endParaRPr lang="en-GB" dirty="0"/>
           </a:p>
@@ -1580,7 +1579,7 @@
           <a:p>
             <a:fld id="{5913FB77-D8DB-4AB9-8EA5-EE8C3B57A5E1}" type="datetimeFigureOut">
               <a:rPr lang="en-GB" smtClean="0"/>
-              <a:t>22/08/2022</a:t>
+              <a:t>24/08/2022</a:t>
             </a:fld>
             <a:endParaRPr lang="en-GB" dirty="0"/>
           </a:p>
@@ -1856,7 +1855,7 @@
           <a:p>
             <a:fld id="{5913FB77-D8DB-4AB9-8EA5-EE8C3B57A5E1}" type="datetimeFigureOut">
               <a:rPr lang="en-GB" smtClean="0"/>
-              <a:t>22/08/2022</a:t>
+              <a:t>24/08/2022</a:t>
             </a:fld>
             <a:endParaRPr lang="en-GB" dirty="0"/>
           </a:p>
@@ -2124,7 +2123,7 @@
           <a:p>
             <a:fld id="{5913FB77-D8DB-4AB9-8EA5-EE8C3B57A5E1}" type="datetimeFigureOut">
               <a:rPr lang="en-GB" smtClean="0"/>
-              <a:t>22/08/2022</a:t>
+              <a:t>24/08/2022</a:t>
             </a:fld>
             <a:endParaRPr lang="en-GB" dirty="0"/>
           </a:p>
@@ -2539,7 +2538,7 @@
           <a:p>
             <a:fld id="{5913FB77-D8DB-4AB9-8EA5-EE8C3B57A5E1}" type="datetimeFigureOut">
               <a:rPr lang="en-GB" smtClean="0"/>
-              <a:t>22/08/2022</a:t>
+              <a:t>24/08/2022</a:t>
             </a:fld>
             <a:endParaRPr lang="en-GB" dirty="0"/>
           </a:p>
@@ -2681,7 +2680,7 @@
           <a:p>
             <a:fld id="{5913FB77-D8DB-4AB9-8EA5-EE8C3B57A5E1}" type="datetimeFigureOut">
               <a:rPr lang="en-GB" smtClean="0"/>
-              <a:t>22/08/2022</a:t>
+              <a:t>24/08/2022</a:t>
             </a:fld>
             <a:endParaRPr lang="en-GB" dirty="0"/>
           </a:p>
@@ -2794,7 +2793,7 @@
           <a:p>
             <a:fld id="{5913FB77-D8DB-4AB9-8EA5-EE8C3B57A5E1}" type="datetimeFigureOut">
               <a:rPr lang="en-GB" smtClean="0"/>
-              <a:t>22/08/2022</a:t>
+              <a:t>24/08/2022</a:t>
             </a:fld>
             <a:endParaRPr lang="en-GB" dirty="0"/>
           </a:p>
@@ -3107,7 +3106,7 @@
           <a:p>
             <a:fld id="{5913FB77-D8DB-4AB9-8EA5-EE8C3B57A5E1}" type="datetimeFigureOut">
               <a:rPr lang="en-GB" smtClean="0"/>
-              <a:t>22/08/2022</a:t>
+              <a:t>24/08/2022</a:t>
             </a:fld>
             <a:endParaRPr lang="en-GB" dirty="0"/>
           </a:p>
@@ -3396,7 +3395,7 @@
           <a:p>
             <a:fld id="{5913FB77-D8DB-4AB9-8EA5-EE8C3B57A5E1}" type="datetimeFigureOut">
               <a:rPr lang="en-GB" smtClean="0"/>
-              <a:t>22/08/2022</a:t>
+              <a:t>24/08/2022</a:t>
             </a:fld>
             <a:endParaRPr lang="en-GB" dirty="0"/>
           </a:p>
@@ -3638,7 +3637,7 @@
             <a:fld id="{5913FB77-D8DB-4AB9-8EA5-EE8C3B57A5E1}" type="datetimeFigureOut">
               <a:rPr lang="en-GB" smtClean="0"/>
               <a:pPr/>
-              <a:t>22/08/2022</a:t>
+              <a:t>24/08/2022</a:t>
             </a:fld>
             <a:endParaRPr lang="en-GB" dirty="0"/>
           </a:p>
@@ -4671,7 +4670,7 @@
         <p:spPr>
           <a:xfrm>
             <a:off x="838200" y="2649841"/>
-            <a:ext cx="10827702" cy="1569660"/>
+            <a:ext cx="10827702" cy="2308324"/>
           </a:xfrm>
           <a:prstGeom prst="rect">
             <a:avLst/>
@@ -4697,64 +4696,127 @@
                 <a:effectLst/>
                 <a:latin typeface="Ubuntu"/>
               </a:rPr>
-              <a:t>Zenodo is a good place to keep your data separate from paper. It gives access to all files, allowing you to cite the data as well (or instead of) the paper.</a:t>
-            </a:r>
-            <a:r>
-              <a:rPr lang="en-GB" sz="2400" dirty="0"/>
-              <a:t/>
-            </a:r>
-            <a:br>
-              <a:rPr lang="en-GB" sz="2400" dirty="0"/>
-            </a:br>
-            <a:r>
-              <a:rPr lang="en-GB" sz="2400" b="0" i="0" dirty="0">
+              <a:t>Zenodo is a good place to keep your data separate </a:t>
+            </a:r>
+            <a:r>
+              <a:rPr lang="en-GB" sz="2400" b="0" i="0">
                 <a:solidFill>
                   <a:srgbClr val="333333"/>
                 </a:solidFill>
                 <a:effectLst/>
                 <a:latin typeface="Ubuntu"/>
               </a:rPr>
-              <a:t>However, it is not (always) good for discovery, and does not enforce </a:t>
-            </a:r>
-            <a:r>
-              <a:rPr lang="en-GB" sz="2400" b="0" i="0" dirty="0" smtClean="0">
+              <a:t>from </a:t>
+            </a:r>
+            <a:r>
+              <a:rPr lang="en-GB" sz="2400" b="0" i="0" smtClean="0">
                 <a:solidFill>
                   <a:srgbClr val="333333"/>
                 </a:solidFill>
                 <a:effectLst/>
                 <a:latin typeface="Ubuntu"/>
               </a:rPr>
-              <a:t>most  </a:t>
-            </a:r>
-            <a:r>
-              <a:rPr lang="pl-PL" sz="2400" b="0" i="0" dirty="0" smtClean="0">
+              <a:t>your paper</a:t>
+            </a:r>
+            <a:r>
+              <a:rPr lang="en-GB" sz="2400" b="0" i="0" dirty="0">
                 <a:solidFill>
                   <a:srgbClr val="333333"/>
                 </a:solidFill>
                 <a:effectLst/>
                 <a:latin typeface="Ubuntu"/>
               </a:rPr>
-              <a:t>m</a:t>
-            </a:r>
-            <a:r>
-              <a:rPr lang="en-GB" sz="2400" b="0" i="0" dirty="0" smtClean="0">
+              <a:t>. It gives access to all files, allowing you to cite the data as well (or instead of) </a:t>
+            </a:r>
+            <a:r>
+              <a:rPr lang="en-GB" sz="2400" b="0" i="0">
                 <a:solidFill>
                   <a:srgbClr val="333333"/>
                 </a:solidFill>
                 <a:effectLst/>
                 <a:latin typeface="Ubuntu"/>
               </a:rPr>
-              <a:t>etadata</a:t>
-            </a:r>
-            <a:r>
-              <a:rPr lang="en-GB" sz="2400" b="0" i="0" dirty="0">
+              <a:t>the </a:t>
+            </a:r>
+            <a:r>
+              <a:rPr lang="en-GB" sz="2400" b="0" i="0" smtClean="0">
                 <a:solidFill>
                   <a:srgbClr val="333333"/>
                 </a:solidFill>
                 <a:effectLst/>
                 <a:latin typeface="Ubuntu"/>
               </a:rPr>
-              <a:t>!</a:t>
+              <a:t>paper. </a:t>
+            </a:r>
+          </a:p>
+          <a:p>
+            <a:endParaRPr lang="en-GB" sz="2400">
+              <a:solidFill>
+                <a:srgbClr val="333333"/>
+              </a:solidFill>
+              <a:latin typeface="Ubuntu"/>
+            </a:endParaRPr>
+          </a:p>
+          <a:p>
+            <a:r>
+              <a:rPr lang="en-GB" sz="2400" b="0" i="0" smtClean="0">
+                <a:solidFill>
+                  <a:srgbClr val="333333"/>
+                </a:solidFill>
+                <a:effectLst/>
+                <a:latin typeface="Ubuntu"/>
+              </a:rPr>
+              <a:t>However</a:t>
+            </a:r>
+            <a:r>
+              <a:rPr lang="en-GB" sz="2400" b="0" i="0" dirty="0">
+                <a:solidFill>
+                  <a:srgbClr val="333333"/>
+                </a:solidFill>
+                <a:effectLst/>
+                <a:latin typeface="Ubuntu"/>
+              </a:rPr>
+              <a:t>, it is not (always) good for discovery, and does not </a:t>
+            </a:r>
+            <a:r>
+              <a:rPr lang="en-GB" sz="2400" b="0" i="0">
+                <a:solidFill>
+                  <a:srgbClr val="333333"/>
+                </a:solidFill>
+                <a:effectLst/>
+                <a:latin typeface="Ubuntu"/>
+              </a:rPr>
+              <a:t>enforce </a:t>
+            </a:r>
+            <a:r>
+              <a:rPr lang="en-GB" sz="2400" b="0" i="0" smtClean="0">
+                <a:solidFill>
+                  <a:srgbClr val="333333"/>
+                </a:solidFill>
+                <a:effectLst/>
+                <a:latin typeface="Ubuntu"/>
+              </a:rPr>
+              <a:t>metadata standards, except that a very few </a:t>
+            </a:r>
+            <a:r>
+              <a:rPr lang="pl-PL" sz="2400" b="0" i="0" smtClean="0">
+                <a:solidFill>
+                  <a:srgbClr val="333333"/>
+                </a:solidFill>
+                <a:effectLst/>
+                <a:latin typeface="Ubuntu"/>
+              </a:rPr>
+              <a:t>m</a:t>
+            </a:r>
+            <a:r>
+              <a:rPr lang="en-GB" sz="2400" b="0" i="0" smtClean="0">
+                <a:solidFill>
+                  <a:srgbClr val="333333"/>
+                </a:solidFill>
+                <a:effectLst/>
+                <a:latin typeface="Ubuntu"/>
+              </a:rPr>
+              <a:t>etadata fields are mandatory! </a:t>
             </a:r>
             <a:endParaRPr lang="en-GB" sz="2400" dirty="0"/>
           </a:p>
@@ -6066,7 +6128,7 @@
         <p:spPr>
           <a:xfrm>
             <a:off x="838200" y="1483424"/>
-            <a:ext cx="10981854" cy="4708981"/>
+            <a:ext cx="10981854" cy="4401205"/>
           </a:xfrm>
           <a:prstGeom prst="rect">
             <a:avLst/>
@@ -6083,12 +6145,46 @@
               <a:buChar char="•"/>
             </a:pPr>
             <a:r>
+              <a:rPr lang="en-GB" sz="2000" smtClean="0">
+                <a:solidFill>
+                  <a:srgbClr val="0070C0"/>
+                </a:solidFill>
+              </a:rPr>
+              <a:t>BioMed </a:t>
+            </a:r>
+            <a:r>
               <a:rPr lang="en-GB" sz="2000" dirty="0">
                 <a:solidFill>
                   <a:srgbClr val="0070C0"/>
                 </a:solidFill>
               </a:rPr>
-              <a:t>[BioMed Central / Springer Nature] - (https://www.springernature.com/gp/authors/research-data-policy/recommended-repositories)</a:t>
+              <a:t>Central / </a:t>
+            </a:r>
+            <a:r>
+              <a:rPr lang="en-GB" sz="2000">
+                <a:solidFill>
+                  <a:srgbClr val="0070C0"/>
+                </a:solidFill>
+              </a:rPr>
+              <a:t>Springer </a:t>
+            </a:r>
+            <a:r>
+              <a:rPr lang="en-GB" sz="2000" smtClean="0">
+                <a:solidFill>
+                  <a:srgbClr val="0070C0"/>
+                </a:solidFill>
+              </a:rPr>
+              <a:t>Nature </a:t>
+            </a:r>
+            <a:r>
+              <a:rPr lang="en-GB" sz="2000" dirty="0">
+                <a:solidFill>
+                  <a:schemeClr val="bg1">
+                    <a:lumMod val="50000"/>
+                  </a:schemeClr>
+                </a:solidFill>
+              </a:rPr>
+              <a:t>- (https://www.springernature.com/gp/authors/research-data-policy/recommended-repositories)</a:t>
             </a:r>
           </a:p>
           <a:p>
@@ -6097,12 +6193,22 @@
               <a:buChar char="•"/>
             </a:pPr>
             <a:r>
+              <a:rPr lang="en-GB" sz="2000" smtClean="0">
+                <a:solidFill>
+                  <a:srgbClr val="0070C0"/>
+                </a:solidFill>
+              </a:rPr>
+              <a:t>eLife </a:t>
+            </a:r>
+            <a:r>
               <a:rPr lang="en-GB" sz="2000" dirty="0">
                 <a:solidFill>
-                  <a:srgbClr val="0070C0"/>
-                </a:solidFill>
-              </a:rPr>
-              <a:t>[eLife] - (https://submit.elifesciences.org/html/elife_author_instructions.html#policies)</a:t>
+                  <a:schemeClr val="bg1">
+                    <a:lumMod val="50000"/>
+                  </a:schemeClr>
+                </a:solidFill>
+              </a:rPr>
+              <a:t>- (https://submit.elifesciences.org/html/elife_author_instructions.html#policies)</a:t>
             </a:r>
           </a:p>
           <a:p>
@@ -6111,12 +6217,22 @@
               <a:buChar char="•"/>
             </a:pPr>
             <a:r>
+              <a:rPr lang="en-GB" sz="2000" smtClean="0">
+                <a:solidFill>
+                  <a:srgbClr val="0070C0"/>
+                </a:solidFill>
+              </a:rPr>
+              <a:t>Elsevier </a:t>
+            </a:r>
+            <a:r>
               <a:rPr lang="en-GB" sz="2000" dirty="0">
                 <a:solidFill>
-                  <a:srgbClr val="0070C0"/>
-                </a:solidFill>
-              </a:rPr>
-              <a:t>[Elsevier] - (https://www.elsevier.com/about/policies/research-data)</a:t>
+                  <a:schemeClr val="bg1">
+                    <a:lumMod val="50000"/>
+                  </a:schemeClr>
+                </a:solidFill>
+              </a:rPr>
+              <a:t>- (https://www.elsevier.com/about/policies/research-data)</a:t>
             </a:r>
           </a:p>
           <a:p>
@@ -6125,12 +6241,22 @@
               <a:buChar char="•"/>
             </a:pPr>
             <a:r>
+              <a:rPr lang="en-GB" sz="2000" smtClean="0">
+                <a:solidFill>
+                  <a:srgbClr val="0070C0"/>
+                </a:solidFill>
+              </a:rPr>
+              <a:t>EMBO Press </a:t>
+            </a:r>
+            <a:r>
               <a:rPr lang="en-GB" sz="2000" dirty="0">
                 <a:solidFill>
-                  <a:srgbClr val="0070C0"/>
-                </a:solidFill>
-              </a:rPr>
-              <a:t>[EMBO Press] - (https://www.embopress.org/page/journal/14602075/authorguide#datadeposition)</a:t>
+                  <a:schemeClr val="bg1">
+                    <a:lumMod val="50000"/>
+                  </a:schemeClr>
+                </a:solidFill>
+              </a:rPr>
+              <a:t>- (https://www.embopress.org/page/journal/14602075/authorguide#datadeposition)</a:t>
             </a:r>
           </a:p>
           <a:p>
@@ -6139,12 +6265,22 @@
               <a:buChar char="•"/>
             </a:pPr>
             <a:r>
+              <a:rPr lang="en-GB" sz="2000" smtClean="0">
+                <a:solidFill>
+                  <a:srgbClr val="0070C0"/>
+                </a:solidFill>
+              </a:rPr>
+              <a:t>F1000 Research </a:t>
+            </a:r>
+            <a:r>
               <a:rPr lang="en-GB" sz="2000" dirty="0">
                 <a:solidFill>
-                  <a:srgbClr val="0070C0"/>
-                </a:solidFill>
-              </a:rPr>
-              <a:t>[F1000 Research] - (https://f1000research.com/for-authors/data-guidelines)</a:t>
+                  <a:schemeClr val="bg1">
+                    <a:lumMod val="50000"/>
+                  </a:schemeClr>
+                </a:solidFill>
+              </a:rPr>
+              <a:t>- (https://f1000research.com/for-authors/data-guidelines)</a:t>
             </a:r>
           </a:p>
           <a:p>
@@ -6153,12 +6289,38 @@
               <a:buChar char="•"/>
             </a:pPr>
             <a:r>
+              <a:rPr lang="en-GB" sz="2000" smtClean="0">
+                <a:solidFill>
+                  <a:srgbClr val="0070C0"/>
+                </a:solidFill>
+              </a:rPr>
+              <a:t>GIGAscience </a:t>
+            </a:r>
+            <a:r>
+              <a:rPr lang="en-GB" sz="2000">
+                <a:solidFill>
+                  <a:srgbClr val="0070C0"/>
+                </a:solidFill>
+              </a:rPr>
+              <a:t>- </a:t>
+            </a:r>
+            <a:r>
+              <a:rPr lang="en-GB" sz="2000" smtClean="0">
+                <a:solidFill>
+                  <a:srgbClr val="0070C0"/>
+                </a:solidFill>
+              </a:rPr>
+              <a:t>OUP </a:t>
+            </a:r>
+            <a:r>
               <a:rPr lang="en-GB" sz="2000" dirty="0">
                 <a:solidFill>
-                  <a:srgbClr val="0070C0"/>
-                </a:solidFill>
-              </a:rPr>
-              <a:t>[GIGAscience - OUP] - (https://academic.oup.com/gigascience/pages/instructions_to_authors)</a:t>
+                  <a:schemeClr val="bg1">
+                    <a:lumMod val="50000"/>
+                  </a:schemeClr>
+                </a:solidFill>
+              </a:rPr>
+              <a:t>- (https://academic.oup.com/gigascience/pages/instructions_to_authors)</a:t>
             </a:r>
           </a:p>
           <a:p>
@@ -6167,12 +6329,22 @@
               <a:buChar char="•"/>
             </a:pPr>
             <a:r>
+              <a:rPr lang="en-GB" sz="2000" smtClean="0">
+                <a:solidFill>
+                  <a:srgbClr val="0070C0"/>
+                </a:solidFill>
+              </a:rPr>
+              <a:t>PLoS </a:t>
+            </a:r>
+            <a:r>
               <a:rPr lang="en-GB" sz="2000" dirty="0">
                 <a:solidFill>
-                  <a:srgbClr val="0070C0"/>
-                </a:solidFill>
-              </a:rPr>
-              <a:t>[PLoS] - (https://journals.plos.org/plosbiology/s/recommended-repositories)</a:t>
+                  <a:schemeClr val="bg1">
+                    <a:lumMod val="50000"/>
+                  </a:schemeClr>
+                </a:solidFill>
+              </a:rPr>
+              <a:t>- (https://journals.plos.org/plosbiology/s/recommended-repositories)</a:t>
             </a:r>
           </a:p>
           <a:p>
@@ -6181,12 +6353,46 @@
               <a:buChar char="•"/>
             </a:pPr>
             <a:r>
+              <a:rPr lang="en-GB" sz="2000" smtClean="0">
+                <a:solidFill>
+                  <a:srgbClr val="0070C0"/>
+                </a:solidFill>
+              </a:rPr>
+              <a:t>Scientific </a:t>
+            </a:r>
+            <a:r>
               <a:rPr lang="en-GB" sz="2000" dirty="0">
                 <a:solidFill>
                   <a:srgbClr val="0070C0"/>
                 </a:solidFill>
               </a:rPr>
-              <a:t>[Scientific Data - Nature] - (https://www.nature.com/sdata/policies/repositories)</a:t>
+              <a:t>Data </a:t>
+            </a:r>
+            <a:r>
+              <a:rPr lang="en-GB" sz="2000">
+                <a:solidFill>
+                  <a:srgbClr val="0070C0"/>
+                </a:solidFill>
+              </a:rPr>
+              <a:t>- </a:t>
+            </a:r>
+            <a:r>
+              <a:rPr lang="en-GB" sz="2000" smtClean="0">
+                <a:solidFill>
+                  <a:srgbClr val="0070C0"/>
+                </a:solidFill>
+              </a:rPr>
+              <a:t>Nature </a:t>
+            </a:r>
+            <a:r>
+              <a:rPr lang="en-GB" sz="2000" dirty="0">
+                <a:solidFill>
+                  <a:schemeClr val="bg1">
+                    <a:lumMod val="50000"/>
+                  </a:schemeClr>
+                </a:solidFill>
+              </a:rPr>
+              <a:t>- (https://www.nature.com/sdata/policies/repositories)</a:t>
             </a:r>
           </a:p>
           <a:p>
@@ -6195,12 +6401,38 @@
               <a:buChar char="•"/>
             </a:pPr>
             <a:r>
+              <a:rPr lang="en-GB" sz="2000" smtClean="0">
+                <a:solidFill>
+                  <a:srgbClr val="0070C0"/>
+                </a:solidFill>
+              </a:rPr>
+              <a:t>Taylor </a:t>
+            </a:r>
+            <a:r>
+              <a:rPr lang="en-GB" sz="2000">
+                <a:solidFill>
+                  <a:srgbClr val="0070C0"/>
+                </a:solidFill>
+              </a:rPr>
+              <a:t>and </a:t>
+            </a:r>
+            <a:r>
+              <a:rPr lang="en-GB" sz="2000" smtClean="0">
+                <a:solidFill>
+                  <a:srgbClr val="0070C0"/>
+                </a:solidFill>
+              </a:rPr>
+              <a:t>Francis </a:t>
+            </a:r>
+            <a:r>
               <a:rPr lang="en-GB" sz="2000" dirty="0">
                 <a:solidFill>
-                  <a:srgbClr val="0070C0"/>
-                </a:solidFill>
-              </a:rPr>
-              <a:t>[Taylor and Francis] - (https://authorservices.taylorandfrancis.com/data-sharing-policies/repositories/)</a:t>
+                  <a:schemeClr val="bg1">
+                    <a:lumMod val="50000"/>
+                  </a:schemeClr>
+                </a:solidFill>
+              </a:rPr>
+              <a:t>- (https://authorservices.taylorandfrancis.com/data-sharing-policies/repositories/)</a:t>
             </a:r>
           </a:p>
           <a:p>
@@ -6209,12 +6441,22 @@
               <a:buChar char="•"/>
             </a:pPr>
             <a:r>
+              <a:rPr lang="en-GB" sz="2000" smtClean="0">
+                <a:solidFill>
+                  <a:srgbClr val="0070C0"/>
+                </a:solidFill>
+              </a:rPr>
+              <a:t>BBSRC </a:t>
+            </a:r>
+            <a:r>
               <a:rPr lang="en-GB" sz="2000" dirty="0">
                 <a:solidFill>
-                  <a:srgbClr val="0070C0"/>
-                </a:solidFill>
-              </a:rPr>
-              <a:t>[BBSRC] - (https://bbsrc.ukri.org/research/resources/)</a:t>
+                  <a:schemeClr val="bg1">
+                    <a:lumMod val="50000"/>
+                  </a:schemeClr>
+                </a:solidFill>
+              </a:rPr>
+              <a:t>- (https://bbsrc.ukri.org/research/resources/)</a:t>
             </a:r>
           </a:p>
           <a:p>
@@ -6223,12 +6465,22 @@
               <a:buChar char="•"/>
             </a:pPr>
             <a:r>
+              <a:rPr lang="en-GB" sz="2000" smtClean="0">
+                <a:solidFill>
+                  <a:srgbClr val="0070C0"/>
+                </a:solidFill>
+              </a:rPr>
+              <a:t>NERC </a:t>
+            </a:r>
+            <a:r>
               <a:rPr lang="en-GB" sz="2000" dirty="0">
                 <a:solidFill>
-                  <a:srgbClr val="0070C0"/>
-                </a:solidFill>
-              </a:rPr>
-              <a:t>[NERC] - (https://nerc.ukri.org/research/sites/environmental-data-service-eds/policy/)</a:t>
+                  <a:schemeClr val="bg1">
+                    <a:lumMod val="50000"/>
+                  </a:schemeClr>
+                </a:solidFill>
+              </a:rPr>
+              <a:t>- (https://nerc.ukri.org/research/sites/environmental-data-service-eds/policy/)</a:t>
             </a:r>
           </a:p>
           <a:p>
@@ -6237,12 +6489,22 @@
               <a:buChar char="•"/>
             </a:pPr>
             <a:r>
+              <a:rPr lang="en-GB" sz="2000" smtClean="0">
+                <a:solidFill>
+                  <a:srgbClr val="0070C0"/>
+                </a:solidFill>
+              </a:rPr>
+              <a:t>Royal Society </a:t>
+            </a:r>
+            <a:r>
               <a:rPr lang="en-GB" sz="2000" dirty="0">
                 <a:solidFill>
-                  <a:srgbClr val="0070C0"/>
-                </a:solidFill>
-              </a:rPr>
-              <a:t>[Royal Society] - (https://royalsociety.org/journals/ethics-policies/data-sharing-mining/)</a:t>
+                  <a:schemeClr val="bg1">
+                    <a:lumMod val="50000"/>
+                  </a:schemeClr>
+                </a:solidFill>
+              </a:rPr>
+              <a:t>- (https://royalsociety.org/journals/ethics-policies/data-sharing-mining/)</a:t>
             </a:r>
           </a:p>
           <a:p>
@@ -6251,12 +6513,38 @@
               <a:buChar char="•"/>
             </a:pPr>
             <a:r>
+              <a:rPr lang="en-GB" sz="2000" smtClean="0">
+                <a:solidFill>
+                  <a:srgbClr val="0070C0"/>
+                </a:solidFill>
+              </a:rPr>
+              <a:t>Wellcome </a:t>
+            </a:r>
+            <a:r>
+              <a:rPr lang="en-GB" sz="2000">
+                <a:solidFill>
+                  <a:srgbClr val="0070C0"/>
+                </a:solidFill>
+              </a:rPr>
+              <a:t>Open </a:t>
+            </a:r>
+            <a:r>
+              <a:rPr lang="en-GB" sz="2000" smtClean="0">
+                <a:solidFill>
+                  <a:srgbClr val="0070C0"/>
+                </a:solidFill>
+              </a:rPr>
+              <a:t>Research </a:t>
+            </a:r>
+            <a:r>
               <a:rPr lang="en-GB" sz="2000" dirty="0">
                 <a:solidFill>
-                  <a:srgbClr val="0070C0"/>
-                </a:solidFill>
-              </a:rPr>
-              <a:t>[Wellcome Open Research] - (https://wellcomeopenresearch.org/for-authors/data-guidelines) </a:t>
+                  <a:schemeClr val="bg1">
+                    <a:lumMod val="50000"/>
+                  </a:schemeClr>
+                </a:solidFill>
+              </a:rPr>
+              <a:t>- (https://wellcomeopenresearch.org/for-authors/data-guidelines) </a:t>
             </a:r>
           </a:p>
         </p:txBody>
@@ -6988,10 +7276,18 @@
                   <a:srgbClr val="0070C0"/>
                 </a:solidFill>
               </a:rPr>
-              <a:t>of interaction</a:t>
-            </a:r>
-            <a:r>
-              <a:rPr lang="pl-PL" sz="2000" b="1" dirty="0">
+              <a:t>of </a:t>
+            </a:r>
+            <a:r>
+              <a:rPr lang="en-GB" sz="2000" b="1">
+                <a:solidFill>
+                  <a:srgbClr val="0070C0"/>
+                </a:solidFill>
+              </a:rPr>
+              <a:t>interaction</a:t>
+            </a:r>
+            <a:r>
+              <a:rPr lang="pl-PL" sz="2000" b="1" smtClean="0">
                 <a:solidFill>
                   <a:srgbClr val="0070C0"/>
                 </a:solidFill>
@@ -6999,12 +7295,12 @@
               <a:t>/interface</a:t>
             </a:r>
             <a:r>
-              <a:rPr lang="en-GB" sz="2000" b="1" dirty="0">
-                <a:solidFill>
-                  <a:srgbClr val="0070C0"/>
-                </a:solidFill>
-              </a:rPr>
-              <a:t>: </a:t>
+              <a:rPr lang="en-GB" sz="2000" b="1" smtClean="0">
+                <a:solidFill>
+                  <a:srgbClr val="0070C0"/>
+                </a:solidFill>
+              </a:rPr>
+              <a:t>/process: </a:t>
             </a:r>
             <a:r>
               <a:rPr lang="pl-PL" sz="2000" dirty="0">
@@ -7022,7 +7318,7 @@
               </a:rPr>
             </a:br>
             <a:r>
-              <a:rPr lang="pl-PL" sz="2000" dirty="0">
+              <a:rPr lang="pl-PL" sz="2000">
                 <a:solidFill>
                   <a:srgbClr val="0070C0"/>
                 </a:solidFill>
@@ -7035,7 +7331,55 @@
                   <a:srgbClr val="0070C0"/>
                 </a:solidFill>
               </a:rPr>
-              <a:t>is the interaction for purposes of data deposit or reuse efficient, </a:t>
+              <a:t>I</a:t>
+            </a:r>
+            <a:r>
+              <a:rPr lang="en-GB" sz="2000" smtClean="0">
+                <a:solidFill>
+                  <a:srgbClr val="0070C0"/>
+                </a:solidFill>
+              </a:rPr>
+              <a:t>s </a:t>
+            </a:r>
+            <a:r>
+              <a:rPr lang="en-GB" sz="2000">
+                <a:solidFill>
+                  <a:srgbClr val="0070C0"/>
+                </a:solidFill>
+              </a:rPr>
+              <a:t>the </a:t>
+            </a:r>
+            <a:r>
+              <a:rPr lang="en-GB" sz="2000" smtClean="0">
+                <a:solidFill>
+                  <a:srgbClr val="0070C0"/>
+                </a:solidFill>
+              </a:rPr>
+              <a:t>interaction </a:t>
+            </a:r>
+            <a:r>
+              <a:rPr lang="en-GB" sz="2000">
+                <a:solidFill>
+                  <a:srgbClr val="0070C0"/>
+                </a:solidFill>
+              </a:rPr>
+              <a:t>for </a:t>
+            </a:r>
+            <a:r>
+              <a:rPr lang="en-GB" sz="2000" smtClean="0">
+                <a:solidFill>
+                  <a:srgbClr val="0070C0"/>
+                </a:solidFill>
+              </a:rPr>
+              <a:t>the purposes </a:t>
+            </a:r>
+            <a:r>
+              <a:rPr lang="en-GB" sz="2000" dirty="0">
+                <a:solidFill>
+                  <a:srgbClr val="0070C0"/>
+                </a:solidFill>
+              </a:rPr>
+              <a:t>of data deposit or reuse efficient, </a:t>
             </a:r>
           </a:p>
           <a:p>
@@ -7088,7 +7432,7 @@
           </a:p>
           <a:p>
             <a:r>
-              <a:rPr lang="pl-PL" sz="2000" dirty="0">
+              <a:rPr lang="pl-PL" sz="2000">
                 <a:solidFill>
                   <a:srgbClr val="0070C0"/>
                 </a:solidFill>
@@ -7096,12 +7440,20 @@
               <a:t>	</a:t>
             </a:r>
             <a:r>
+              <a:rPr lang="en-GB" sz="2000" smtClean="0">
+                <a:solidFill>
+                  <a:srgbClr val="0070C0"/>
+                </a:solidFill>
+              </a:rPr>
+              <a:t>What </a:t>
+            </a:r>
+            <a:r>
               <a:rPr lang="en-GB" sz="2000" dirty="0">
                 <a:solidFill>
                   <a:srgbClr val="0070C0"/>
                 </a:solidFill>
               </a:rPr>
-              <a:t>what can I put in it? </a:t>
+              <a:t>can I put in it? </a:t>
             </a:r>
             <a:r>
               <a:rPr lang="pl-PL" sz="2000" dirty="0">
@@ -7119,12 +7471,20 @@
               </a:rPr>
             </a:br>
             <a:r>
-              <a:rPr lang="pl-PL" sz="2000" dirty="0">
-                <a:solidFill>
-                  <a:srgbClr val="0070C0"/>
-                </a:solidFill>
-              </a:rPr>
-              <a:t>	i</a:t>
+              <a:rPr lang="pl-PL" sz="2000">
+                <a:solidFill>
+                  <a:srgbClr val="0070C0"/>
+                </a:solidFill>
+              </a:rPr>
+              <a:t>	</a:t>
+            </a:r>
+            <a:r>
+              <a:rPr lang="en-GB" sz="2000" smtClean="0">
+                <a:solidFill>
+                  <a:srgbClr val="0070C0"/>
+                </a:solidFill>
+              </a:rPr>
+              <a:t>Is </a:t>
             </a:r>
             <a:r>
               <a:rPr lang="en-GB" sz="2000" dirty="0">
@@ -7132,7 +7492,7 @@
                   <a:srgbClr val="0070C0"/>
                 </a:solidFill>
               </a:rPr>
-              <a:t>s anyone else using it? </a:t>
+              <a:t>anyone else using it? </a:t>
             </a:r>
             <a:r>
               <a:rPr lang="pl-PL" sz="2000" dirty="0">
@@ -7150,12 +7510,20 @@
               </a:rPr>
             </a:br>
             <a:r>
-              <a:rPr lang="pl-PL" sz="2000" dirty="0">
-                <a:solidFill>
-                  <a:srgbClr val="0070C0"/>
-                </a:solidFill>
-              </a:rPr>
-              <a:t>	w</a:t>
+              <a:rPr lang="pl-PL" sz="2000">
+                <a:solidFill>
+                  <a:srgbClr val="0070C0"/>
+                </a:solidFill>
+              </a:rPr>
+              <a:t>	</a:t>
+            </a:r>
+            <a:r>
+              <a:rPr lang="en-GB" sz="2000" smtClean="0">
+                <a:solidFill>
+                  <a:srgbClr val="0070C0"/>
+                </a:solidFill>
+              </a:rPr>
+              <a:t>Will </a:t>
             </a:r>
             <a:r>
               <a:rPr lang="en-GB" sz="2000" dirty="0">
@@ -7163,7 +7531,7 @@
                   <a:srgbClr val="0070C0"/>
                 </a:solidFill>
               </a:rPr>
-              <a:t>ill others be able to find stuff deposited in it?</a:t>
+              <a:t>others be able to find stuff deposited in it?</a:t>
             </a:r>
             <a:r>
               <a:rPr lang="pl-PL" sz="2000" dirty="0">
@@ -7181,12 +7549,36 @@
               </a:rPr>
             </a:br>
             <a:r>
-              <a:rPr lang="pl-PL" sz="2000" dirty="0">
-                <a:solidFill>
-                  <a:srgbClr val="0070C0"/>
-                </a:solidFill>
-              </a:rPr>
-              <a:t>	is</a:t>
+              <a:rPr lang="pl-PL" sz="2000">
+                <a:solidFill>
+                  <a:srgbClr val="0070C0"/>
+                </a:solidFill>
+              </a:rPr>
+              <a:t>	</a:t>
+            </a:r>
+            <a:r>
+              <a:rPr lang="en-GB" sz="2000" smtClean="0">
+                <a:solidFill>
+                  <a:srgbClr val="0070C0"/>
+                </a:solidFill>
+              </a:rPr>
+              <a:t>I</a:t>
+            </a:r>
+            <a:r>
+              <a:rPr lang="pl-PL" sz="2000" smtClean="0">
+                <a:solidFill>
+                  <a:srgbClr val="0070C0"/>
+                </a:solidFill>
+              </a:rPr>
+              <a:t>s</a:t>
+            </a:r>
+            <a:r>
+              <a:rPr lang="en-GB" sz="2000" smtClean="0">
+                <a:solidFill>
+                  <a:srgbClr val="0070C0"/>
+                </a:solidFill>
+              </a:rPr>
+              <a:t> </a:t>
             </a:r>
             <a:r>
               <a:rPr lang="en-GB" sz="2000" dirty="0">
@@ -7194,7 +7586,7 @@
                   <a:srgbClr val="0070C0"/>
                 </a:solidFill>
               </a:rPr>
-              <a:t> the repository linked to other data repositories</a:t>
+              <a:t>the repository linked to other data repositories</a:t>
             </a:r>
             <a:r>
               <a:rPr lang="pl-PL" sz="2000" dirty="0">
@@ -7212,12 +7604,20 @@
               </a:rPr>
             </a:br>
             <a:r>
-              <a:rPr lang="pl-PL" sz="2000" dirty="0">
-                <a:solidFill>
-                  <a:srgbClr val="0070C0"/>
-                </a:solidFill>
-              </a:rPr>
-              <a:t>	c</a:t>
+              <a:rPr lang="pl-PL" sz="2000">
+                <a:solidFill>
+                  <a:srgbClr val="0070C0"/>
+                </a:solidFill>
+              </a:rPr>
+              <a:t>	</a:t>
+            </a:r>
+            <a:r>
+              <a:rPr lang="en-GB" sz="2000" smtClean="0">
+                <a:solidFill>
+                  <a:srgbClr val="0070C0"/>
+                </a:solidFill>
+              </a:rPr>
+              <a:t>Can </a:t>
             </a:r>
             <a:r>
               <a:rPr lang="en-GB" sz="2000" dirty="0">
@@ -7225,7 +7625,7 @@
                   <a:srgbClr val="0070C0"/>
                 </a:solidFill>
               </a:rPr>
-              <a:t>an others cite the data?</a:t>
+              <a:t>others cite the data?</a:t>
             </a:r>
             <a:endParaRPr lang="pl-PL" sz="2000" dirty="0">
               <a:solidFill>
@@ -7281,20 +7681,68 @@
               </a:rPr>
             </a:br>
             <a:r>
+              <a:rPr lang="pl-PL" sz="2000">
+                <a:solidFill>
+                  <a:srgbClr val="0070C0"/>
+                </a:solidFill>
+              </a:rPr>
+              <a:t>	</a:t>
+            </a:r>
+            <a:r>
+              <a:rPr lang="en-GB" sz="2000" dirty="0">
+                <a:solidFill>
+                  <a:srgbClr val="0070C0"/>
+                </a:solidFill>
+              </a:rPr>
+              <a:t>D</a:t>
+            </a:r>
+            <a:r>
+              <a:rPr lang="en-GB" sz="2000" smtClean="0">
+                <a:solidFill>
+                  <a:srgbClr val="0070C0"/>
+                </a:solidFill>
+              </a:rPr>
+              <a:t>oes </a:t>
+            </a:r>
+            <a:r>
+              <a:rPr lang="en-GB" sz="2000" dirty="0">
+                <a:solidFill>
+                  <a:srgbClr val="0070C0"/>
+                </a:solidFill>
+              </a:rPr>
+              <a:t>it </a:t>
+            </a:r>
+            <a:r>
+              <a:rPr lang="en-GB" sz="2000">
+                <a:solidFill>
+                  <a:srgbClr val="0070C0"/>
+                </a:solidFill>
+              </a:rPr>
+              <a:t>help </a:t>
+            </a:r>
+            <a:r>
+              <a:rPr lang="en-GB" sz="2000" smtClean="0">
+                <a:solidFill>
+                  <a:srgbClr val="0070C0"/>
+                </a:solidFill>
+              </a:rPr>
+              <a:t>me to meet </a:t>
+            </a:r>
+            <a:r>
+              <a:rPr lang="en-GB" sz="2000" dirty="0">
+                <a:solidFill>
+                  <a:srgbClr val="0070C0"/>
+                </a:solidFill>
+              </a:rPr>
+              <a:t>community standards</a:t>
+            </a:r>
+            <a:r>
               <a:rPr lang="pl-PL" sz="2000" dirty="0">
                 <a:solidFill>
                   <a:srgbClr val="0070C0"/>
                 </a:solidFill>
               </a:rPr>
-              <a:t>	</a:t>
-            </a:r>
-            <a:r>
-              <a:rPr lang="en-GB" sz="2000" dirty="0" smtClean="0">
-                <a:solidFill>
-                  <a:srgbClr val="0070C0"/>
-                </a:solidFill>
-              </a:rPr>
-              <a:t>does </a:t>
+              <a:t>,</a:t>
             </a:r>
             <a:r>
               <a:rPr lang="en-GB" sz="2000" dirty="0">
@@ -7302,55 +7750,23 @@
                   <a:srgbClr val="0070C0"/>
                 </a:solidFill>
               </a:rPr>
-              <a:t>it help meet</a:t>
-            </a:r>
-            <a:r>
-              <a:rPr lang="pl-PL" sz="2000" dirty="0">
-                <a:solidFill>
-                  <a:srgbClr val="0070C0"/>
-                </a:solidFill>
-              </a:rPr>
-              <a:t>ing</a:t>
-            </a:r>
-            <a:r>
-              <a:rPr lang="en-GB" sz="2000" dirty="0">
-                <a:solidFill>
-                  <a:srgbClr val="0070C0"/>
-                </a:solidFill>
-              </a:rPr>
-              <a:t> community standards</a:t>
-            </a:r>
-            <a:r>
-              <a:rPr lang="pl-PL" sz="2000" dirty="0">
-                <a:solidFill>
-                  <a:srgbClr val="0070C0"/>
-                </a:solidFill>
-              </a:rPr>
-              <a:t>,</a:t>
-            </a:r>
-            <a:r>
-              <a:rPr lang="en-GB" sz="2000" dirty="0">
-                <a:solidFill>
-                  <a:srgbClr val="0070C0"/>
-                </a:solidFill>
-              </a:rPr>
-              <a:t> good practice</a:t>
-            </a:r>
-            <a:r>
-              <a:rPr lang="pl-PL" sz="2000" dirty="0">
-                <a:solidFill>
-                  <a:srgbClr val="0070C0"/>
-                </a:solidFill>
-              </a:rPr>
-              <a:t>s</a:t>
-            </a:r>
-            <a:r>
-              <a:rPr lang="en-GB" sz="2000" dirty="0">
-                <a:solidFill>
-                  <a:srgbClr val="0070C0"/>
-                </a:solidFill>
-              </a:rPr>
               <a:t> </a:t>
+            </a:r>
+            <a:r>
+              <a:rPr lang="en-GB" sz="2000">
+                <a:solidFill>
+                  <a:srgbClr val="0070C0"/>
+                </a:solidFill>
+              </a:rPr>
+              <a:t>good </a:t>
+            </a:r>
+            <a:r>
+              <a:rPr lang="en-GB" sz="2000" smtClean="0">
+                <a:solidFill>
+                  <a:srgbClr val="0070C0"/>
+                </a:solidFill>
+              </a:rPr>
+              <a:t>practice </a:t>
             </a:r>
             <a:r>
               <a:rPr lang="pl-PL" sz="2000" dirty="0">
@@ -7384,12 +7800,28 @@
               </a:rPr>
             </a:br>
             <a:r>
-              <a:rPr lang="pl-PL" sz="2000" dirty="0">
-                <a:solidFill>
-                  <a:srgbClr val="0070C0"/>
-                </a:solidFill>
-              </a:rPr>
-              <a:t>	is </a:t>
+              <a:rPr lang="pl-PL" sz="2000">
+                <a:solidFill>
+                  <a:srgbClr val="0070C0"/>
+                </a:solidFill>
+              </a:rPr>
+              <a:t>	</a:t>
+            </a:r>
+            <a:r>
+              <a:rPr lang="en-GB" sz="2000" smtClean="0">
+                <a:solidFill>
+                  <a:srgbClr val="0070C0"/>
+                </a:solidFill>
+              </a:rPr>
+              <a:t>I</a:t>
+            </a:r>
+            <a:r>
+              <a:rPr lang="pl-PL" sz="2000" smtClean="0">
+                <a:solidFill>
+                  <a:srgbClr val="0070C0"/>
+                </a:solidFill>
+              </a:rPr>
+              <a:t>s </a:t>
             </a:r>
             <a:r>
               <a:rPr lang="en-GB" sz="2000" dirty="0" smtClean="0">
@@ -7528,7 +7960,7 @@
           <a:lstStyle/>
           <a:p>
             <a:r>
-              <a:rPr lang="en-GB" dirty="0" smtClean="0">
+              <a:rPr lang="en-GB" smtClean="0">
                 <a:solidFill>
                   <a:srgbClr val="0070C0"/>
                 </a:solidFill>
@@ -7536,7 +7968,7 @@
               <a:t>Using</a:t>
             </a:r>
             <a:r>
-              <a:rPr lang="pl-PL" dirty="0" smtClean="0">
+              <a:rPr lang="pl-PL" smtClean="0">
                 <a:solidFill>
                   <a:srgbClr val="0070C0"/>
                 </a:solidFill>
@@ -7544,12 +7976,20 @@
               <a:t> </a:t>
             </a:r>
             <a:r>
-              <a:rPr lang="pl-PL" dirty="0">
-                <a:solidFill>
-                  <a:srgbClr val="0070C0"/>
-                </a:solidFill>
-              </a:rPr>
-              <a:t>repository</a:t>
+              <a:rPr lang="pl-PL" smtClean="0">
+                <a:solidFill>
+                  <a:srgbClr val="0070C0"/>
+                </a:solidFill>
+              </a:rPr>
+              <a:t>repositor</a:t>
+            </a:r>
+            <a:r>
+              <a:rPr lang="en-GB" smtClean="0">
+                <a:solidFill>
+                  <a:srgbClr val="0070C0"/>
+                </a:solidFill>
+              </a:rPr>
+              <a:t>ies</a:t>
             </a:r>
             <a:endParaRPr lang="en-GB" dirty="0">
               <a:solidFill>
@@ -7694,7 +8134,23 @@
                   <a:srgbClr val="0070C0"/>
                 </a:solidFill>
               </a:rPr>
-              <a:t>Repository records are another form of scientific outputs!</a:t>
+              <a:t>Repository records are another form of </a:t>
+            </a:r>
+            <a:r>
+              <a:rPr lang="en-GB" sz="2400" smtClean="0">
+                <a:solidFill>
+                  <a:srgbClr val="0070C0"/>
+                </a:solidFill>
+              </a:rPr>
+              <a:t>scientific </a:t>
+            </a:r>
+            <a:r>
+              <a:rPr lang="en-GB" sz="2400" smtClean="0">
+                <a:solidFill>
+                  <a:srgbClr val="0070C0"/>
+                </a:solidFill>
+              </a:rPr>
+              <a:t>output!</a:t>
             </a:r>
             <a:endParaRPr lang="en-GB" sz="2400" dirty="0">
               <a:solidFill>
@@ -7711,7 +8167,7 @@
               <a:buChar char="•"/>
             </a:pPr>
             <a:r>
-              <a:rPr lang="en-GB" sz="2400" dirty="0" smtClean="0">
+              <a:rPr lang="en-GB" sz="2400" smtClean="0">
                 <a:solidFill>
                   <a:srgbClr val="0070C0"/>
                 </a:solidFill>
@@ -7719,12 +8175,60 @@
               <a:t>Add </a:t>
             </a:r>
             <a:r>
-              <a:rPr lang="en-GB" sz="2400" dirty="0">
-                <a:solidFill>
-                  <a:srgbClr val="0070C0"/>
-                </a:solidFill>
-              </a:rPr>
-              <a:t>data availability</a:t>
+              <a:rPr lang="en-GB" sz="2400" smtClean="0">
+                <a:solidFill>
+                  <a:srgbClr val="0070C0"/>
+                </a:solidFill>
+              </a:rPr>
+              <a:t>a good Data </a:t>
+            </a:r>
+            <a:r>
+              <a:rPr lang="en-GB" sz="2400">
+                <a:solidFill>
+                  <a:srgbClr val="0070C0"/>
+                </a:solidFill>
+              </a:rPr>
+              <a:t>A</a:t>
+            </a:r>
+            <a:r>
+              <a:rPr lang="en-GB" sz="2400" smtClean="0">
+                <a:solidFill>
+                  <a:srgbClr val="0070C0"/>
+                </a:solidFill>
+              </a:rPr>
+              <a:t>vailability</a:t>
+            </a:r>
+            <a:r>
+              <a:rPr lang="pl-PL" sz="2400" smtClean="0">
+                <a:solidFill>
+                  <a:srgbClr val="0070C0"/>
+                </a:solidFill>
+              </a:rPr>
+              <a:t> </a:t>
+            </a:r>
+            <a:r>
+              <a:rPr lang="en-GB" sz="2400">
+                <a:solidFill>
+                  <a:srgbClr val="0070C0"/>
+                </a:solidFill>
+              </a:rPr>
+              <a:t>S</a:t>
+            </a:r>
+            <a:r>
+              <a:rPr lang="en-GB" sz="2400" smtClean="0">
+                <a:solidFill>
+                  <a:srgbClr val="0070C0"/>
+                </a:solidFill>
+              </a:rPr>
+              <a:t>tatement</a:t>
+            </a:r>
+            <a:r>
+              <a:rPr lang="pl-PL" sz="2400" smtClean="0">
+                <a:solidFill>
+                  <a:srgbClr val="0070C0"/>
+                </a:solidFill>
+              </a:rPr>
+              <a:t> </a:t>
             </a:r>
             <a:r>
               <a:rPr lang="pl-PL" sz="2400" dirty="0">
@@ -7732,7 +8236,7 @@
                   <a:srgbClr val="0070C0"/>
                 </a:solidFill>
               </a:rPr>
-              <a:t> section to your papers and list all the public </a:t>
+              <a:t>to your papers and list all the public </a:t>
             </a:r>
             <a:r>
               <a:rPr lang="en-GB" sz="2400" dirty="0">
@@ -7951,12 +8455,52 @@
               <a:buChar char="•"/>
             </a:pPr>
             <a:r>
+              <a:rPr lang="en-GB" sz="2400" smtClean="0">
+                <a:solidFill>
+                  <a:srgbClr val="0070C0"/>
+                </a:solidFill>
+              </a:rPr>
+              <a:t>If the </a:t>
+            </a:r>
+            <a:r>
               <a:rPr lang="en-GB" sz="2400" dirty="0">
                 <a:solidFill>
                   <a:srgbClr val="0070C0"/>
                 </a:solidFill>
               </a:rPr>
-              <a:t>If repository permits embargo deposit </a:t>
+              <a:t>repository </a:t>
+            </a:r>
+            <a:r>
+              <a:rPr lang="en-GB" sz="2400">
+                <a:solidFill>
+                  <a:srgbClr val="0070C0"/>
+                </a:solidFill>
+              </a:rPr>
+              <a:t>permits </a:t>
+            </a:r>
+            <a:r>
+              <a:rPr lang="en-GB" sz="2400" smtClean="0">
+                <a:solidFill>
+                  <a:srgbClr val="0070C0"/>
+                </a:solidFill>
+              </a:rPr>
+              <a:t>embargo, </a:t>
+            </a:r>
+            <a:r>
+              <a:rPr lang="en-GB" sz="2400">
+                <a:solidFill>
+                  <a:srgbClr val="0070C0"/>
+                </a:solidFill>
+              </a:rPr>
+              <a:t>deposit </a:t>
+            </a:r>
+            <a:r>
+              <a:rPr lang="en-GB" sz="2400" smtClean="0">
+                <a:solidFill>
+                  <a:srgbClr val="0070C0"/>
+                </a:solidFill>
+              </a:rPr>
+              <a:t>your data </a:t>
             </a:r>
             <a:r>
               <a:rPr lang="en-GB" sz="2400" dirty="0" smtClean="0">
@@ -7964,7 +8508,7 @@
                   <a:srgbClr val="0070C0"/>
                 </a:solidFill>
               </a:rPr>
-              <a:t>data as </a:t>
+              <a:t>as </a:t>
             </a:r>
             <a:r>
               <a:rPr lang="en-GB" sz="2400" dirty="0">
@@ -8049,15 +8593,23 @@
                   <a:srgbClr val="0070C0"/>
                 </a:solidFill>
               </a:rPr>
-              <a:t>Deposit simultaneously to a very specialized repo and a „main stream” one</a:t>
-            </a:r>
-            <a:r>
-              <a:rPr lang="pl-PL" sz="2400" dirty="0">
-                <a:solidFill>
-                  <a:srgbClr val="0070C0"/>
-                </a:solidFill>
-              </a:rPr>
-              <a:t> (better </a:t>
+              <a:t>Deposit simultaneously to a very specialized repo and </a:t>
+            </a:r>
+            <a:r>
+              <a:rPr lang="en-GB" sz="2400">
+                <a:solidFill>
+                  <a:srgbClr val="0070C0"/>
+                </a:solidFill>
+              </a:rPr>
+              <a:t>a </a:t>
+            </a:r>
+            <a:r>
+              <a:rPr lang="en-GB" sz="2400" smtClean="0">
+                <a:solidFill>
+                  <a:srgbClr val="0070C0"/>
+                </a:solidFill>
+              </a:rPr>
+              <a:t>'mainstream</a:t>
             </a:r>
             <a:r>
               <a:rPr lang="en-GB" sz="2400" dirty="0">
@@ -8065,24 +8617,77 @@
                   <a:srgbClr val="0070C0"/>
                 </a:solidFill>
               </a:rPr>
-              <a:t>d</a:t>
-            </a:r>
-            <a:r>
-              <a:rPr lang="pl-PL" sz="2400" dirty="0" smtClean="0">
-                <a:solidFill>
-                  <a:srgbClr val="0070C0"/>
-                </a:solidFill>
-              </a:rPr>
-              <a:t>iscovery</a:t>
-            </a:r>
-            <a:r>
-              <a:rPr lang="pl-PL" sz="2400" dirty="0">
+              <a:t>'</a:t>
+            </a:r>
+            <a:r>
+              <a:rPr lang="en-GB" sz="2400" smtClean="0">
+                <a:solidFill>
+                  <a:srgbClr val="0070C0"/>
+                </a:solidFill>
+              </a:rPr>
+              <a:t> </a:t>
+            </a:r>
+            <a:r>
+              <a:rPr lang="en-GB" sz="2400">
+                <a:solidFill>
+                  <a:srgbClr val="0070C0"/>
+                </a:solidFill>
+              </a:rPr>
+              <a:t>one</a:t>
+            </a:r>
+            <a:r>
+              <a:rPr lang="pl-PL" sz="2400">
+                <a:solidFill>
+                  <a:srgbClr val="0070C0"/>
+                </a:solidFill>
+              </a:rPr>
+              <a:t> </a:t>
+            </a:r>
+            <a:r>
+              <a:rPr lang="pl-PL" sz="2400" smtClean="0">
+                <a:solidFill>
+                  <a:srgbClr val="0070C0"/>
+                </a:solidFill>
+              </a:rPr>
+              <a:t>(</a:t>
+            </a:r>
+            <a:r>
+              <a:rPr lang="en-GB" sz="2400" smtClean="0">
+                <a:solidFill>
+                  <a:srgbClr val="0070C0"/>
+                </a:solidFill>
+              </a:rPr>
+              <a:t>for </a:t>
+            </a:r>
+            <a:r>
+              <a:rPr lang="pl-PL" sz="2400" smtClean="0">
+                <a:solidFill>
+                  <a:srgbClr val="0070C0"/>
+                </a:solidFill>
+              </a:rPr>
+              <a:t>better </a:t>
+            </a:r>
+            <a:r>
+              <a:rPr lang="en-GB" sz="2400" smtClean="0">
+                <a:solidFill>
+                  <a:srgbClr val="0070C0"/>
+                </a:solidFill>
+              </a:rPr>
+              <a:t>findability</a:t>
+            </a:r>
+            <a:r>
+              <a:rPr lang="pl-PL" sz="2400" smtClean="0">
                 <a:solidFill>
                   <a:srgbClr val="0070C0"/>
                 </a:solidFill>
               </a:rPr>
               <a:t>)</a:t>
             </a:r>
+            <a:endParaRPr lang="pl-PL" sz="2400" dirty="0">
+              <a:solidFill>
+                <a:srgbClr val="0070C0"/>
+              </a:solidFill>
+            </a:endParaRPr>
           </a:p>
           <a:p>
             <a:pPr marL="285750" indent="-285750">
@@ -8170,36 +8775,6 @@
     <p:extLst>
       <p:ext uri="{BB962C8B-B14F-4D97-AF65-F5344CB8AC3E}">
         <p14:creationId xmlns:p14="http://schemas.microsoft.com/office/powerpoint/2010/main" val="894139397"/>
-      </p:ext>
-    </p:extLst>
-  </p:cSld>
-  <p:clrMapOvr>
-    <a:masterClrMapping/>
-  </p:clrMapOvr>
-</p:sld>
-</file>
-
-<file path=ppt/slides/slide25.xml><?xml version="1.0" encoding="utf-8"?>
-<p:sld xmlns:a="http://schemas.openxmlformats.org/drawingml/2006/main" xmlns:r="http://schemas.openxmlformats.org/officeDocument/2006/relationships" xmlns:p="http://schemas.openxmlformats.org/presentationml/2006/main">
-  <p:cSld>
-    <p:spTree>
-      <p:nvGrpSpPr>
-        <p:cNvPr id="1" name=""/>
-        <p:cNvGrpSpPr/>
-        <p:nvPr/>
-      </p:nvGrpSpPr>
-      <p:grpSpPr>
-        <a:xfrm>
-          <a:off x="0" y="0"/>
-          <a:ext cx="0" cy="0"/>
-          <a:chOff x="0" y="0"/>
-          <a:chExt cx="0" cy="0"/>
-        </a:xfrm>
-      </p:grpSpPr>
-    </p:spTree>
-    <p:extLst>
-      <p:ext uri="{BB962C8B-B14F-4D97-AF65-F5344CB8AC3E}">
-        <p14:creationId xmlns:p14="http://schemas.microsoft.com/office/powerpoint/2010/main" val="509458476"/>
       </p:ext>
     </p:extLst>
   </p:cSld>
@@ -8381,7 +8956,7 @@
                 <a14:useLocalDpi xmlns:a14="http://schemas.microsoft.com/office/drawing/2010/main" val="0"/>
               </a:ext>
               <a:ext uri="{96DAC541-7B7A-43D3-8B79-37D633B846F1}">
-                <asvg:svgBlip xmlns:asvg="http://schemas.microsoft.com/office/drawing/2016/SVG/main" xmlns="" r:embed="rId3"/>
+                <asvg:svgBlip xmlns="" xmlns:asvg="http://schemas.microsoft.com/office/drawing/2016/SVG/main" r:embed="rId3"/>
               </a:ext>
             </a:extLst>
           </a:blip>
@@ -8420,7 +8995,7 @@
                 <a14:useLocalDpi xmlns:a14="http://schemas.microsoft.com/office/drawing/2010/main" val="0"/>
               </a:ext>
               <a:ext uri="{96DAC541-7B7A-43D3-8B79-37D633B846F1}">
-                <asvg:svgBlip xmlns:asvg="http://schemas.microsoft.com/office/drawing/2016/SVG/main" xmlns="" r:embed="rId5"/>
+                <asvg:svgBlip xmlns="" xmlns:asvg="http://schemas.microsoft.com/office/drawing/2016/SVG/main" r:embed="rId5"/>
               </a:ext>
             </a:extLst>
           </a:blip>
@@ -8459,7 +9034,7 @@
                 <a14:useLocalDpi xmlns:a14="http://schemas.microsoft.com/office/drawing/2010/main" val="0"/>
               </a:ext>
               <a:ext uri="{96DAC541-7B7A-43D3-8B79-37D633B846F1}">
-                <asvg:svgBlip xmlns:asvg="http://schemas.microsoft.com/office/drawing/2016/SVG/main" xmlns="" r:embed="rId7"/>
+                <asvg:svgBlip xmlns="" xmlns:asvg="http://schemas.microsoft.com/office/drawing/2016/SVG/main" r:embed="rId7"/>
               </a:ext>
             </a:extLst>
           </a:blip>

--- a/instructors/04-Public_repositories.pptx
+++ b/instructors/04-Public_repositories.pptx
@@ -5,7 +5,7 @@
     <p:sldMasterId id="2147483648" r:id="rId1"/>
   </p:sldMasterIdLst>
   <p:notesMasterIdLst>
-    <p:notesMasterId r:id="rId26"/>
+    <p:notesMasterId r:id="rId22"/>
   </p:notesMasterIdLst>
   <p:sldIdLst>
     <p:sldId id="280" r:id="rId2"/>
@@ -14,24 +14,20 @@
     <p:sldId id="309" r:id="rId5"/>
     <p:sldId id="292" r:id="rId6"/>
     <p:sldId id="295" r:id="rId7"/>
-    <p:sldId id="311" r:id="rId8"/>
-    <p:sldId id="312" r:id="rId9"/>
-    <p:sldId id="313" r:id="rId10"/>
-    <p:sldId id="314" r:id="rId11"/>
-    <p:sldId id="298" r:id="rId12"/>
-    <p:sldId id="315" r:id="rId13"/>
-    <p:sldId id="320" r:id="rId14"/>
-    <p:sldId id="301" r:id="rId15"/>
-    <p:sldId id="300" r:id="rId16"/>
-    <p:sldId id="316" r:id="rId17"/>
-    <p:sldId id="302" r:id="rId18"/>
-    <p:sldId id="303" r:id="rId19"/>
-    <p:sldId id="308" r:id="rId20"/>
-    <p:sldId id="317" r:id="rId21"/>
-    <p:sldId id="304" r:id="rId22"/>
-    <p:sldId id="322" r:id="rId23"/>
-    <p:sldId id="307" r:id="rId24"/>
-    <p:sldId id="321" r:id="rId25"/>
+    <p:sldId id="298" r:id="rId8"/>
+    <p:sldId id="315" r:id="rId9"/>
+    <p:sldId id="320" r:id="rId10"/>
+    <p:sldId id="301" r:id="rId11"/>
+    <p:sldId id="300" r:id="rId12"/>
+    <p:sldId id="316" r:id="rId13"/>
+    <p:sldId id="302" r:id="rId14"/>
+    <p:sldId id="303" r:id="rId15"/>
+    <p:sldId id="308" r:id="rId16"/>
+    <p:sldId id="317" r:id="rId17"/>
+    <p:sldId id="304" r:id="rId18"/>
+    <p:sldId id="322" r:id="rId19"/>
+    <p:sldId id="307" r:id="rId20"/>
+    <p:sldId id="321" r:id="rId21"/>
   </p:sldIdLst>
   <p:sldSz cx="12192000" cy="6858000"/>
   <p:notesSz cx="6858000" cy="9144000"/>
@@ -220,7 +216,7 @@
           <a:p>
             <a:fld id="{585C48AE-4A1E-9A43-835F-510354165F99}" type="datetimeFigureOut">
               <a:rPr lang="en-GB" smtClean="0"/>
-              <a:t>24/08/2022</a:t>
+              <a:t>14/12/2022</a:t>
             </a:fld>
             <a:endParaRPr lang="en-GB" dirty="0"/>
           </a:p>
@@ -922,7 +918,7 @@
           <a:p>
             <a:fld id="{5913FB77-D8DB-4AB9-8EA5-EE8C3B57A5E1}" type="datetimeFigureOut">
               <a:rPr lang="en-GB" smtClean="0"/>
-              <a:t>24/08/2022</a:t>
+              <a:t>14/12/2022</a:t>
             </a:fld>
             <a:endParaRPr lang="en-GB" dirty="0"/>
           </a:p>
@@ -1169,7 +1165,7 @@
           <a:p>
             <a:fld id="{5913FB77-D8DB-4AB9-8EA5-EE8C3B57A5E1}" type="datetimeFigureOut">
               <a:rPr lang="en-GB" smtClean="0"/>
-              <a:t>24/08/2022</a:t>
+              <a:t>14/12/2022</a:t>
             </a:fld>
             <a:endParaRPr lang="en-GB" dirty="0"/>
           </a:p>
@@ -1379,7 +1375,7 @@
           <a:p>
             <a:fld id="{5913FB77-D8DB-4AB9-8EA5-EE8C3B57A5E1}" type="datetimeFigureOut">
               <a:rPr lang="en-GB" smtClean="0"/>
-              <a:t>24/08/2022</a:t>
+              <a:t>14/12/2022</a:t>
             </a:fld>
             <a:endParaRPr lang="en-GB" dirty="0"/>
           </a:p>
@@ -1579,7 +1575,7 @@
           <a:p>
             <a:fld id="{5913FB77-D8DB-4AB9-8EA5-EE8C3B57A5E1}" type="datetimeFigureOut">
               <a:rPr lang="en-GB" smtClean="0"/>
-              <a:t>24/08/2022</a:t>
+              <a:t>14/12/2022</a:t>
             </a:fld>
             <a:endParaRPr lang="en-GB" dirty="0"/>
           </a:p>
@@ -1855,7 +1851,7 @@
           <a:p>
             <a:fld id="{5913FB77-D8DB-4AB9-8EA5-EE8C3B57A5E1}" type="datetimeFigureOut">
               <a:rPr lang="en-GB" smtClean="0"/>
-              <a:t>24/08/2022</a:t>
+              <a:t>14/12/2022</a:t>
             </a:fld>
             <a:endParaRPr lang="en-GB" dirty="0"/>
           </a:p>
@@ -2123,7 +2119,7 @@
           <a:p>
             <a:fld id="{5913FB77-D8DB-4AB9-8EA5-EE8C3B57A5E1}" type="datetimeFigureOut">
               <a:rPr lang="en-GB" smtClean="0"/>
-              <a:t>24/08/2022</a:t>
+              <a:t>14/12/2022</a:t>
             </a:fld>
             <a:endParaRPr lang="en-GB" dirty="0"/>
           </a:p>
@@ -2538,7 +2534,7 @@
           <a:p>
             <a:fld id="{5913FB77-D8DB-4AB9-8EA5-EE8C3B57A5E1}" type="datetimeFigureOut">
               <a:rPr lang="en-GB" smtClean="0"/>
-              <a:t>24/08/2022</a:t>
+              <a:t>14/12/2022</a:t>
             </a:fld>
             <a:endParaRPr lang="en-GB" dirty="0"/>
           </a:p>
@@ -2680,7 +2676,7 @@
           <a:p>
             <a:fld id="{5913FB77-D8DB-4AB9-8EA5-EE8C3B57A5E1}" type="datetimeFigureOut">
               <a:rPr lang="en-GB" smtClean="0"/>
-              <a:t>24/08/2022</a:t>
+              <a:t>14/12/2022</a:t>
             </a:fld>
             <a:endParaRPr lang="en-GB" dirty="0"/>
           </a:p>
@@ -2793,7 +2789,7 @@
           <a:p>
             <a:fld id="{5913FB77-D8DB-4AB9-8EA5-EE8C3B57A5E1}" type="datetimeFigureOut">
               <a:rPr lang="en-GB" smtClean="0"/>
-              <a:t>24/08/2022</a:t>
+              <a:t>14/12/2022</a:t>
             </a:fld>
             <a:endParaRPr lang="en-GB" dirty="0"/>
           </a:p>
@@ -3106,7 +3102,7 @@
           <a:p>
             <a:fld id="{5913FB77-D8DB-4AB9-8EA5-EE8C3B57A5E1}" type="datetimeFigureOut">
               <a:rPr lang="en-GB" smtClean="0"/>
-              <a:t>24/08/2022</a:t>
+              <a:t>14/12/2022</a:t>
             </a:fld>
             <a:endParaRPr lang="en-GB" dirty="0"/>
           </a:p>
@@ -3395,7 +3391,7 @@
           <a:p>
             <a:fld id="{5913FB77-D8DB-4AB9-8EA5-EE8C3B57A5E1}" type="datetimeFigureOut">
               <a:rPr lang="en-GB" smtClean="0"/>
-              <a:t>24/08/2022</a:t>
+              <a:t>14/12/2022</a:t>
             </a:fld>
             <a:endParaRPr lang="en-GB" dirty="0"/>
           </a:p>
@@ -3637,7 +3633,7 @@
             <a:fld id="{5913FB77-D8DB-4AB9-8EA5-EE8C3B57A5E1}" type="datetimeFigureOut">
               <a:rPr lang="en-GB" smtClean="0"/>
               <a:pPr/>
-              <a:t>24/08/2022</a:t>
+              <a:t>14/12/2022</a:t>
             </a:fld>
             <a:endParaRPr lang="en-GB" dirty="0"/>
           </a:p>
@@ -4283,6 +4279,231 @@
           <a:chExt cx="0" cy="0"/>
         </a:xfrm>
       </p:grpSpPr>
+      <p:pic>
+        <p:nvPicPr>
+          <p:cNvPr id="4" name="Picture 2" descr="Ed_DaSH">
+            <a:extLst>
+              <a:ext uri="{FF2B5EF4-FFF2-40B4-BE49-F238E27FC236}">
+                <a16:creationId xmlns:a16="http://schemas.microsoft.com/office/drawing/2014/main" id="{A783256F-E39E-4712-96B0-240BD611CFEB}"/>
+              </a:ext>
+            </a:extLst>
+          </p:cNvPr>
+          <p:cNvPicPr>
+            <a:picLocks noChangeAspect="1" noChangeArrowheads="1"/>
+          </p:cNvPicPr>
+          <p:nvPr/>
+        </p:nvPicPr>
+        <p:blipFill>
+          <a:blip r:embed="rId2" cstate="hqprint">
+            <a:extLst>
+              <a:ext uri="{28A0092B-C50C-407E-A947-70E740481C1C}">
+                <a14:useLocalDpi xmlns:a14="http://schemas.microsoft.com/office/drawing/2010/main" val="0"/>
+              </a:ext>
+            </a:extLst>
+          </a:blip>
+          <a:srcRect/>
+          <a:stretch>
+            <a:fillRect/>
+          </a:stretch>
+        </p:blipFill>
+        <p:spPr bwMode="auto">
+          <a:xfrm>
+            <a:off x="10820670" y="5458691"/>
+            <a:ext cx="1289214" cy="1325418"/>
+          </a:xfrm>
+          <a:prstGeom prst="rect">
+            <a:avLst/>
+          </a:prstGeom>
+          <a:noFill/>
+          <a:extLst>
+            <a:ext uri="{909E8E84-426E-40DD-AFC4-6F175D3DCCD1}">
+              <a14:hiddenFill xmlns:a14="http://schemas.microsoft.com/office/drawing/2010/main">
+                <a:solidFill>
+                  <a:srgbClr val="FFFFFF"/>
+                </a:solidFill>
+              </a14:hiddenFill>
+            </a:ext>
+          </a:extLst>
+        </p:spPr>
+      </p:pic>
+      <p:sp>
+        <p:nvSpPr>
+          <p:cNvPr id="2" name="Rectangle 1"/>
+          <p:cNvSpPr/>
+          <p:nvPr/>
+        </p:nvSpPr>
+        <p:spPr>
+          <a:xfrm>
+            <a:off x="742384" y="2064189"/>
+            <a:ext cx="10981854" cy="2677656"/>
+          </a:xfrm>
+          <a:prstGeom prst="rect">
+            <a:avLst/>
+          </a:prstGeom>
+        </p:spPr>
+        <p:txBody>
+          <a:bodyPr wrap="square">
+            <a:spAutoFit/>
+          </a:bodyPr>
+          <a:lstStyle/>
+          <a:p>
+            <a:pPr marL="285750" indent="-285750">
+              <a:buFont typeface="Arial" panose="020B0604020202020204" pitchFamily="34" charset="0"/>
+              <a:buChar char="•"/>
+            </a:pPr>
+            <a:r>
+              <a:rPr lang="en-GB" sz="2400" dirty="0">
+                <a:solidFill>
+                  <a:srgbClr val="0070C0"/>
+                </a:solidFill>
+              </a:rPr>
+              <a:t>Higher exposure</a:t>
+            </a:r>
+            <a:endParaRPr lang="pl-PL" sz="2400" dirty="0">
+              <a:solidFill>
+                <a:srgbClr val="0070C0"/>
+              </a:solidFill>
+            </a:endParaRPr>
+          </a:p>
+          <a:p>
+            <a:pPr marL="285750" indent="-285750">
+              <a:buFont typeface="Arial" panose="020B0604020202020204" pitchFamily="34" charset="0"/>
+              <a:buChar char="•"/>
+            </a:pPr>
+            <a:r>
+              <a:rPr lang="pl-PL" sz="2400" dirty="0">
+                <a:solidFill>
+                  <a:srgbClr val="0070C0"/>
+                </a:solidFill>
+              </a:rPr>
+              <a:t>Data specific features (e.g. Visulization)</a:t>
+            </a:r>
+          </a:p>
+          <a:p>
+            <a:pPr marL="285750" indent="-285750">
+              <a:buFont typeface="Arial" panose="020B0604020202020204" pitchFamily="34" charset="0"/>
+              <a:buChar char="•"/>
+            </a:pPr>
+            <a:r>
+              <a:rPr lang="pl-PL" sz="2400" dirty="0">
+                <a:solidFill>
+                  <a:srgbClr val="0070C0"/>
+                </a:solidFill>
+              </a:rPr>
+              <a:t>Enforced minimal metadata</a:t>
+            </a:r>
+          </a:p>
+          <a:p>
+            <a:pPr marL="285750" indent="-285750">
+              <a:buFont typeface="Arial" panose="020B0604020202020204" pitchFamily="34" charset="0"/>
+              <a:buChar char="•"/>
+            </a:pPr>
+            <a:r>
+              <a:rPr lang="pl-PL" sz="2400" dirty="0">
+                <a:solidFill>
+                  <a:srgbClr val="0070C0"/>
+                </a:solidFill>
+              </a:rPr>
+              <a:t>API for data retrival </a:t>
+            </a:r>
+            <a:r>
+              <a:rPr lang="pl-PL" sz="2400">
+                <a:solidFill>
+                  <a:srgbClr val="0070C0"/>
+                </a:solidFill>
+              </a:rPr>
+              <a:t>/ </a:t>
+            </a:r>
+            <a:r>
+              <a:rPr lang="pl-PL" sz="2400" smtClean="0">
+                <a:solidFill>
+                  <a:srgbClr val="0070C0"/>
+                </a:solidFill>
+              </a:rPr>
+              <a:t>ag</a:t>
+            </a:r>
+            <a:r>
+              <a:rPr lang="en-GB" sz="2400" smtClean="0">
+                <a:solidFill>
+                  <a:srgbClr val="0070C0"/>
+                </a:solidFill>
+              </a:rPr>
+              <a:t>g</a:t>
+            </a:r>
+            <a:r>
+              <a:rPr lang="pl-PL" sz="2400" smtClean="0">
+                <a:solidFill>
+                  <a:srgbClr val="0070C0"/>
+                </a:solidFill>
+              </a:rPr>
+              <a:t>regation </a:t>
+            </a:r>
+            <a:r>
+              <a:rPr lang="pl-PL" sz="2400" dirty="0">
+                <a:solidFill>
+                  <a:srgbClr val="0070C0"/>
+                </a:solidFill>
+              </a:rPr>
+              <a:t>/searching</a:t>
+            </a:r>
+          </a:p>
+          <a:p>
+            <a:pPr marL="285750" indent="-285750">
+              <a:buFont typeface="Arial" panose="020B0604020202020204" pitchFamily="34" charset="0"/>
+              <a:buChar char="•"/>
+            </a:pPr>
+            <a:r>
+              <a:rPr lang="pl-PL" sz="2400" dirty="0">
+                <a:solidFill>
+                  <a:srgbClr val="0070C0"/>
+                </a:solidFill>
+              </a:rPr>
+              <a:t>Curated data</a:t>
+            </a:r>
+          </a:p>
+          <a:p>
+            <a:pPr marL="285750" indent="-285750">
+              <a:buFont typeface="Arial" panose="020B0604020202020204" pitchFamily="34" charset="0"/>
+              <a:buChar char="•"/>
+            </a:pPr>
+            <a:r>
+              <a:rPr lang="pl-PL" sz="2400" dirty="0">
+                <a:solidFill>
+                  <a:srgbClr val="0070C0"/>
+                </a:solidFill>
+              </a:rPr>
+              <a:t>Better searching</a:t>
+            </a:r>
+          </a:p>
+          <a:p>
+            <a:pPr marL="285750" indent="-285750">
+              <a:buFont typeface="Arial" panose="020B0604020202020204" pitchFamily="34" charset="0"/>
+              <a:buChar char="•"/>
+            </a:pPr>
+            <a:r>
+              <a:rPr lang="pl-PL" sz="2400" dirty="0">
+                <a:solidFill>
+                  <a:srgbClr val="0070C0"/>
+                </a:solidFill>
+              </a:rPr>
+              <a:t>Interlinking between data </a:t>
+            </a:r>
+            <a:r>
+              <a:rPr lang="pl-PL" sz="2400" dirty="0" err="1">
+                <a:solidFill>
+                  <a:srgbClr val="0070C0"/>
+                </a:solidFill>
+              </a:rPr>
+              <a:t>types</a:t>
+            </a:r>
+            <a:endParaRPr lang="pl-PL" sz="2400" dirty="0">
+              <a:solidFill>
+                <a:srgbClr val="0070C0"/>
+              </a:solidFill>
+            </a:endParaRPr>
+          </a:p>
+        </p:txBody>
+      </p:sp>
       <p:sp>
         <p:nvSpPr>
           <p:cNvPr id="5" name="Title 1">
@@ -4310,150 +4531,41 @@
           <a:lstStyle/>
           <a:p>
             <a:r>
+              <a:rPr lang="en-GB" smtClean="0">
+                <a:solidFill>
+                  <a:srgbClr val="0070C0"/>
+                </a:solidFill>
+              </a:rPr>
+              <a:t>Advantages of d</a:t>
+            </a:r>
+            <a:r>
+              <a:rPr lang="pl-PL" smtClean="0">
+                <a:solidFill>
+                  <a:srgbClr val="0070C0"/>
+                </a:solidFill>
+              </a:rPr>
+              <a:t>omain </a:t>
+            </a:r>
+            <a:r>
               <a:rPr lang="pl-PL" dirty="0">
                 <a:solidFill>
                   <a:srgbClr val="0070C0"/>
                 </a:solidFill>
               </a:rPr>
-              <a:t>Public record</a:t>
-            </a:r>
-            <a:r>
-              <a:rPr lang="en-GB" dirty="0">
-                <a:solidFill>
-                  <a:srgbClr val="0070C0"/>
-                </a:solidFill>
-              </a:rPr>
-              <a:t> - Solutions</a:t>
-            </a:r>
-          </a:p>
-        </p:txBody>
-      </p:sp>
-      <p:sp>
-        <p:nvSpPr>
-          <p:cNvPr id="6" name="TextBox 5">
-            <a:extLst>
-              <a:ext uri="{FF2B5EF4-FFF2-40B4-BE49-F238E27FC236}">
-                <a16:creationId xmlns:a16="http://schemas.microsoft.com/office/drawing/2014/main" id="{216805BD-FE46-4237-9C78-2FA56E8B599C}"/>
-              </a:ext>
-            </a:extLst>
-          </p:cNvPr>
-          <p:cNvSpPr txBox="1"/>
-          <p:nvPr/>
-        </p:nvSpPr>
-        <p:spPr>
-          <a:xfrm>
-            <a:off x="1085825" y="1674496"/>
-            <a:ext cx="10267975" cy="4467057"/>
-          </a:xfrm>
-          <a:prstGeom prst="rect">
-            <a:avLst/>
-          </a:prstGeom>
-          <a:noFill/>
-        </p:spPr>
-        <p:txBody>
-          <a:bodyPr wrap="square">
-            <a:spAutoFit/>
-          </a:bodyPr>
-          <a:lstStyle/>
-          <a:p>
-            <a:pPr algn="l">
-              <a:lnSpc>
-                <a:spcPct val="150000"/>
-              </a:lnSpc>
-            </a:pPr>
-            <a:r>
-              <a:rPr lang="en-GB" sz="2400" b="1" i="0" dirty="0">
-                <a:solidFill>
-                  <a:srgbClr val="333333"/>
-                </a:solidFill>
-                <a:effectLst/>
-                <a:latin typeface="Ubuntu"/>
-              </a:rPr>
-              <a:t>Reusable:</a:t>
-            </a:r>
-          </a:p>
-          <a:p>
-            <a:pPr algn="l">
-              <a:lnSpc>
-                <a:spcPct val="150000"/>
-              </a:lnSpc>
-              <a:buFont typeface="Arial" panose="020B0604020202020204" pitchFamily="34" charset="0"/>
-              <a:buChar char="•"/>
-            </a:pPr>
-            <a:r>
-              <a:rPr lang="en-GB" sz="2400" b="0" i="0" dirty="0">
-                <a:solidFill>
-                  <a:srgbClr val="333333"/>
-                </a:solidFill>
-                <a:effectLst/>
-                <a:latin typeface="Ubuntu"/>
-              </a:rPr>
-              <a:t>R1. (Meta)data are richly described with a plurality of accurate and relevant attributes - YES</a:t>
-            </a:r>
-          </a:p>
-          <a:p>
-            <a:pPr marL="742950" lvl="1" indent="-285750" algn="l">
-              <a:lnSpc>
-                <a:spcPct val="150000"/>
-              </a:lnSpc>
-              <a:buFont typeface="Arial" panose="020B0604020202020204" pitchFamily="34" charset="0"/>
-              <a:buChar char="•"/>
-            </a:pPr>
-            <a:r>
-              <a:rPr lang="en-GB" sz="2400" b="0" i="0" dirty="0">
-                <a:solidFill>
-                  <a:srgbClr val="333333"/>
-                </a:solidFill>
-                <a:effectLst/>
-                <a:latin typeface="Ubuntu"/>
-              </a:rPr>
-              <a:t>R1.1. (Meta)data are released with a clear and accessible data usage license - YES</a:t>
-            </a:r>
-          </a:p>
-          <a:p>
-            <a:pPr marL="742950" lvl="1" indent="-285750" algn="l">
-              <a:lnSpc>
-                <a:spcPct val="150000"/>
-              </a:lnSpc>
-              <a:buFont typeface="Arial" panose="020B0604020202020204" pitchFamily="34" charset="0"/>
-              <a:buChar char="•"/>
-            </a:pPr>
-            <a:r>
-              <a:rPr lang="en-GB" sz="2400" b="0" i="0" dirty="0">
-                <a:solidFill>
-                  <a:srgbClr val="333333"/>
-                </a:solidFill>
-                <a:effectLst/>
-                <a:latin typeface="Ubuntu"/>
-              </a:rPr>
-              <a:t>R1.2. (Meta)data are associated with detailed provenance - YES</a:t>
-            </a:r>
-          </a:p>
-          <a:p>
-            <a:pPr marL="742950" lvl="1" indent="-285750" algn="l">
-              <a:lnSpc>
-                <a:spcPct val="150000"/>
-              </a:lnSpc>
-              <a:buFont typeface="Arial" panose="020B0604020202020204" pitchFamily="34" charset="0"/>
-              <a:buChar char="•"/>
-            </a:pPr>
-            <a:r>
-              <a:rPr lang="en-GB" sz="2400" b="0" i="0" dirty="0">
-                <a:solidFill>
-                  <a:srgbClr val="333333"/>
-                </a:solidFill>
-                <a:effectLst/>
-                <a:latin typeface="Ubuntu"/>
-              </a:rPr>
-              <a:t>R1.3. (Meta)data meet domain-relevant community standards - YES/PARTIALLY</a:t>
-            </a:r>
+              <a:t>specific repositories</a:t>
+            </a:r>
+            <a:endParaRPr lang="en-GB" dirty="0">
+              <a:solidFill>
+                <a:srgbClr val="0070C0"/>
+              </a:solidFill>
+            </a:endParaRPr>
           </a:p>
         </p:txBody>
       </p:sp>
     </p:spTree>
     <p:extLst>
       <p:ext uri="{BB962C8B-B14F-4D97-AF65-F5344CB8AC3E}">
-        <p14:creationId xmlns:p14="http://schemas.microsoft.com/office/powerpoint/2010/main" val="2471381770"/>
+        <p14:creationId xmlns:p14="http://schemas.microsoft.com/office/powerpoint/2010/main" val="1646562172"/>
       </p:ext>
     </p:extLst>
   </p:cSld>
@@ -4480,38 +4592,53 @@
           <a:chExt cx="0" cy="0"/>
         </a:xfrm>
       </p:grpSpPr>
-      <p:sp>
-        <p:nvSpPr>
-          <p:cNvPr id="2" name="Rectangle 1"/>
-          <p:cNvSpPr/>
+      <p:pic>
+        <p:nvPicPr>
+          <p:cNvPr id="4" name="Picture 2" descr="Ed_DaSH">
+            <a:extLst>
+              <a:ext uri="{FF2B5EF4-FFF2-40B4-BE49-F238E27FC236}">
+                <a16:creationId xmlns:a16="http://schemas.microsoft.com/office/drawing/2014/main" id="{A783256F-E39E-4712-96B0-240BD611CFEB}"/>
+              </a:ext>
+            </a:extLst>
+          </p:cNvPr>
+          <p:cNvPicPr>
+            <a:picLocks noChangeAspect="1" noChangeArrowheads="1"/>
+          </p:cNvPicPr>
           <p:nvPr/>
-        </p:nvSpPr>
-        <p:spPr>
+        </p:nvPicPr>
+        <p:blipFill>
+          <a:blip r:embed="rId2" cstate="hqprint">
+            <a:extLst>
+              <a:ext uri="{28A0092B-C50C-407E-A947-70E740481C1C}">
+                <a14:useLocalDpi xmlns:a14="http://schemas.microsoft.com/office/drawing/2010/main" val="0"/>
+              </a:ext>
+            </a:extLst>
+          </a:blip>
+          <a:srcRect/>
+          <a:stretch>
+            <a:fillRect/>
+          </a:stretch>
+        </p:blipFill>
+        <p:spPr bwMode="auto">
           <a:xfrm>
-            <a:off x="3413663" y="3198167"/>
-            <a:ext cx="5364674" cy="461665"/>
+            <a:off x="10820670" y="5458691"/>
+            <a:ext cx="1289214" cy="1325418"/>
           </a:xfrm>
           <a:prstGeom prst="rect">
             <a:avLst/>
           </a:prstGeom>
+          <a:noFill/>
+          <a:extLst>
+            <a:ext uri="{909E8E84-426E-40DD-AFC4-6F175D3DCCD1}">
+              <a14:hiddenFill xmlns:a14="http://schemas.microsoft.com/office/drawing/2010/main">
+                <a:solidFill>
+                  <a:srgbClr val="FFFFFF"/>
+                </a:solidFill>
+              </a14:hiddenFill>
+            </a:ext>
+          </a:extLst>
         </p:spPr>
-        <p:txBody>
-          <a:bodyPr wrap="none">
-            <a:spAutoFit/>
-          </a:bodyPr>
-          <a:lstStyle/>
-          <a:p>
-            <a:r>
-              <a:rPr lang="en-GB" sz="2400" dirty="0">
-                <a:solidFill>
-                  <a:srgbClr val="0070C0"/>
-                </a:solidFill>
-              </a:rPr>
-              <a:t>https://doi.org/10.5281/zenodo.5045374</a:t>
-            </a:r>
-          </a:p>
-        </p:txBody>
-      </p:sp>
+      </p:pic>
       <p:sp>
         <p:nvSpPr>
           <p:cNvPr id="5" name="Title 1">
@@ -4544,7 +4671,7 @@
                   <a:srgbClr val="0070C0"/>
                 </a:solidFill>
               </a:rPr>
-              <a:t>Dataset discovery</a:t>
+              <a:t>Domain specific repositories</a:t>
             </a:r>
             <a:endParaRPr lang="en-GB" dirty="0">
               <a:solidFill>
@@ -4556,13 +4683,7 @@
       </p:sp>
       <p:sp>
         <p:nvSpPr>
-          <p:cNvPr id="4" name="Rectangle 3">
-            <a:extLst>
-              <a:ext uri="{FF2B5EF4-FFF2-40B4-BE49-F238E27FC236}">
-                <a16:creationId xmlns:a16="http://schemas.microsoft.com/office/drawing/2014/main" id="{CAA0BFB8-30CB-4548-8596-047DD833C1C6}"/>
-              </a:ext>
-            </a:extLst>
-          </p:cNvPr>
+          <p:cNvPr id="6" name="Rectangle 5"/>
           <p:cNvSpPr/>
           <p:nvPr/>
         </p:nvSpPr>
@@ -4596,15 +4717,7 @@
                   <a:srgbClr val="0070C0"/>
                 </a:solidFill>
               </a:rPr>
-              <a:t> </a:t>
-            </a:r>
-            <a:r>
-              <a:rPr lang="pl-PL" sz="4000" dirty="0" smtClean="0">
-                <a:solidFill>
-                  <a:srgbClr val="0070C0"/>
-                </a:solidFill>
-              </a:rPr>
-              <a:t>2</a:t>
+              <a:t> 3</a:t>
             </a:r>
             <a:endParaRPr lang="pl-PL" sz="4000" dirty="0">
               <a:solidFill>
@@ -4628,7 +4741,7 @@
     </p:spTree>
     <p:extLst>
       <p:ext uri="{BB962C8B-B14F-4D97-AF65-F5344CB8AC3E}">
-        <p14:creationId xmlns:p14="http://schemas.microsoft.com/office/powerpoint/2010/main" val="3474192978"/>
+        <p14:creationId xmlns:p14="http://schemas.microsoft.com/office/powerpoint/2010/main" val="4258755406"/>
       </p:ext>
     </p:extLst>
   </p:cSld>
@@ -4657,10 +4770,65 @@
       </p:grpSpPr>
       <p:sp>
         <p:nvSpPr>
+          <p:cNvPr id="4" name="Title 1">
+            <a:extLst>
+              <a:ext uri="{FF2B5EF4-FFF2-40B4-BE49-F238E27FC236}">
+                <a16:creationId xmlns:a16="http://schemas.microsoft.com/office/drawing/2014/main" id="{A11E7DE7-A0AD-425E-8044-DF65BF838ED7}"/>
+              </a:ext>
+            </a:extLst>
+          </p:cNvPr>
+          <p:cNvSpPr txBox="1">
+            <a:spLocks/>
+          </p:cNvSpPr>
+          <p:nvPr/>
+        </p:nvSpPr>
+        <p:spPr>
+          <a:xfrm>
+            <a:off x="990600" y="517525"/>
+            <a:ext cx="10515600" cy="1325563"/>
+          </a:xfrm>
+          <a:prstGeom prst="rect">
+            <a:avLst/>
+          </a:prstGeom>
+        </p:spPr>
+        <p:txBody>
+          <a:bodyPr vert="horz" lIns="91440" tIns="45720" rIns="91440" bIns="45720" rtlCol="0" anchor="ctr">
+            <a:normAutofit/>
+          </a:bodyPr>
+          <a:lstStyle>
+            <a:lvl1pPr algn="l" defTabSz="914400" rtl="0" eaLnBrk="1" latinLnBrk="0" hangingPunct="1">
+              <a:lnSpc>
+                <a:spcPct val="90000"/>
+              </a:lnSpc>
+              <a:spcBef>
+                <a:spcPct val="0"/>
+              </a:spcBef>
+              <a:buNone/>
+              <a:defRPr sz="4400" kern="1200">
+                <a:solidFill>
+                  <a:srgbClr val="0070C0"/>
+                </a:solidFill>
+                <a:latin typeface="+mj-lt"/>
+                <a:ea typeface="+mj-ea"/>
+                <a:cs typeface="+mj-cs"/>
+              </a:defRPr>
+            </a:lvl1pPr>
+          </a:lstStyle>
+          <a:p>
+            <a:r>
+              <a:rPr lang="pl-PL" dirty="0"/>
+              <a:t>Domain specific repositories</a:t>
+            </a:r>
+            <a:endParaRPr lang="en-GB" dirty="0"/>
+          </a:p>
+        </p:txBody>
+      </p:sp>
+      <p:sp>
+        <p:nvSpPr>
           <p:cNvPr id="5" name="TextBox 4">
             <a:extLst>
               <a:ext uri="{FF2B5EF4-FFF2-40B4-BE49-F238E27FC236}">
-                <a16:creationId xmlns:a16="http://schemas.microsoft.com/office/drawing/2014/main" id="{AADF90D3-6D01-481A-8133-6B0A81743C1D}"/>
+                <a16:creationId xmlns:a16="http://schemas.microsoft.com/office/drawing/2014/main" id="{1C55261F-33BF-4ECB-A99F-446565AB2E20}"/>
               </a:ext>
             </a:extLst>
           </p:cNvPr>
@@ -4669,8 +4837,8 @@
         </p:nvSpPr>
         <p:spPr>
           <a:xfrm>
-            <a:off x="838200" y="2649841"/>
-            <a:ext cx="10827702" cy="2308324"/>
+            <a:off x="1168958" y="2209850"/>
+            <a:ext cx="10158884" cy="2862322"/>
           </a:xfrm>
           <a:prstGeom prst="rect">
             <a:avLst/>
@@ -4688,35 +4856,49 @@
           </a:bodyPr>
           <a:lstStyle/>
           <a:p>
-            <a:r>
-              <a:rPr lang="en-GB" sz="2400" b="0" i="0" dirty="0">
+            <a:pPr algn="l">
+              <a:lnSpc>
+                <a:spcPct val="150000"/>
+              </a:lnSpc>
+            </a:pPr>
+            <a:r>
+              <a:rPr lang="en-GB" sz="2400" b="1" i="0" dirty="0">
                 <a:solidFill>
                   <a:srgbClr val="333333"/>
                 </a:solidFill>
                 <a:effectLst/>
                 <a:latin typeface="Ubuntu"/>
               </a:rPr>
-              <a:t>Zenodo is a good place to keep your data separate </a:t>
-            </a:r>
-            <a:r>
-              <a:rPr lang="en-GB" sz="2400" b="0" i="0">
+              <a:t>Some advantages are:</a:t>
+            </a:r>
+          </a:p>
+          <a:p>
+            <a:pPr algn="l">
+              <a:lnSpc>
+                <a:spcPct val="150000"/>
+              </a:lnSpc>
+              <a:buFont typeface="Arial" panose="020B0604020202020204" pitchFamily="34" charset="0"/>
+              <a:buChar char="•"/>
+            </a:pPr>
+            <a:r>
+              <a:rPr lang="pl-PL" sz="2400" b="0" i="0" dirty="0" smtClean="0">
                 <a:solidFill>
                   <a:srgbClr val="333333"/>
                 </a:solidFill>
                 <a:effectLst/>
                 <a:latin typeface="Ubuntu"/>
               </a:rPr>
-              <a:t>from </a:t>
-            </a:r>
-            <a:r>
-              <a:rPr lang="en-GB" sz="2400" b="0" i="0" smtClean="0">
+              <a:t> </a:t>
+            </a:r>
+            <a:r>
+              <a:rPr lang="en-GB" sz="2400" b="0" i="0" dirty="0" smtClean="0">
                 <a:solidFill>
                   <a:srgbClr val="333333"/>
                 </a:solidFill>
                 <a:effectLst/>
                 <a:latin typeface="Ubuntu"/>
               </a:rPr>
-              <a:t>your paper</a:t>
+              <a:t>The </a:t>
             </a:r>
             <a:r>
               <a:rPr lang="en-GB" sz="2400" b="0" i="0" dirty="0">
@@ -4726,143 +4908,85 @@
                 <a:effectLst/>
                 <a:latin typeface="Ubuntu"/>
               </a:rPr>
-              <a:t>. It gives access to all files, allowing you to cite the data as well (or instead of) </a:t>
-            </a:r>
-            <a:r>
-              <a:rPr lang="en-GB" sz="2400" b="0" i="0">
+              <a:t>repository is more relevant to your discipline than a generalist one.</a:t>
+            </a:r>
+          </a:p>
+          <a:p>
+            <a:pPr algn="l">
+              <a:lnSpc>
+                <a:spcPct val="150000"/>
+              </a:lnSpc>
+              <a:buFont typeface="Arial" panose="020B0604020202020204" pitchFamily="34" charset="0"/>
+              <a:buChar char="•"/>
+            </a:pPr>
+            <a:r>
+              <a:rPr lang="pl-PL" sz="2400" b="0" i="0" dirty="0" smtClean="0">
                 <a:solidFill>
                   <a:srgbClr val="333333"/>
                 </a:solidFill>
                 <a:effectLst/>
                 <a:latin typeface="Ubuntu"/>
               </a:rPr>
-              <a:t>the </a:t>
-            </a:r>
-            <a:r>
-              <a:rPr lang="en-GB" sz="2400" b="0" i="0" smtClean="0">
+              <a:t> </a:t>
+            </a:r>
+            <a:r>
+              <a:rPr lang="en-GB" sz="2400" b="0" i="0" dirty="0" smtClean="0">
                 <a:solidFill>
                   <a:srgbClr val="333333"/>
                 </a:solidFill>
                 <a:effectLst/>
                 <a:latin typeface="Ubuntu"/>
               </a:rPr>
-              <a:t>paper. </a:t>
-            </a:r>
-          </a:p>
-          <a:p>
-            <a:endParaRPr lang="en-GB" sz="2400">
-              <a:solidFill>
-                <a:srgbClr val="333333"/>
-              </a:solidFill>
-              <a:latin typeface="Ubuntu"/>
-            </a:endParaRPr>
-          </a:p>
-          <a:p>
-            <a:r>
-              <a:rPr lang="en-GB" sz="2400" b="0" i="0" smtClean="0">
+              <a:t>Higher </a:t>
+            </a:r>
+            <a:r>
+              <a:rPr lang="en-GB" sz="2400" b="0" i="0" dirty="0">
                 <a:solidFill>
                   <a:srgbClr val="333333"/>
                 </a:solidFill>
                 <a:effectLst/>
                 <a:latin typeface="Ubuntu"/>
               </a:rPr>
-              <a:t>However</a:t>
-            </a:r>
-            <a:r>
-              <a:rPr lang="en-GB" sz="2400" b="0" i="0" dirty="0">
+              <a:t>exposure (people looking for those specific types of data will usually first look at the specific repository).</a:t>
+            </a:r>
+          </a:p>
+          <a:p>
+            <a:pPr algn="l">
+              <a:lnSpc>
+                <a:spcPct val="150000"/>
+              </a:lnSpc>
+              <a:buFont typeface="Arial" panose="020B0604020202020204" pitchFamily="34" charset="0"/>
+              <a:buChar char="•"/>
+            </a:pPr>
+            <a:r>
+              <a:rPr lang="pl-PL" sz="2400" b="0" i="0" dirty="0" smtClean="0">
                 <a:solidFill>
                   <a:srgbClr val="333333"/>
                 </a:solidFill>
                 <a:effectLst/>
                 <a:latin typeface="Ubuntu"/>
               </a:rPr>
-              <a:t>, it is not (always) good for discovery, and does not </a:t>
-            </a:r>
-            <a:r>
-              <a:rPr lang="en-GB" sz="2400" b="0" i="0">
+              <a:t> </a:t>
+            </a:r>
+            <a:r>
+              <a:rPr lang="en-GB" sz="2400" b="0" i="0" dirty="0" smtClean="0">
                 <a:solidFill>
                   <a:srgbClr val="333333"/>
                 </a:solidFill>
                 <a:effectLst/>
                 <a:latin typeface="Ubuntu"/>
               </a:rPr>
-              <a:t>enforce </a:t>
-            </a:r>
-            <a:r>
-              <a:rPr lang="en-GB" sz="2400" b="0" i="0" smtClean="0">
+              <a:t>Higher </a:t>
+            </a:r>
+            <a:r>
+              <a:rPr lang="en-GB" sz="2400" b="0" i="0" dirty="0">
                 <a:solidFill>
                   <a:srgbClr val="333333"/>
                 </a:solidFill>
                 <a:effectLst/>
                 <a:latin typeface="Ubuntu"/>
               </a:rPr>
-              <a:t>metadata standards, except that a very few </a:t>
-            </a:r>
-            <a:r>
-              <a:rPr lang="pl-PL" sz="2400" b="0" i="0" smtClean="0">
-                <a:solidFill>
-                  <a:srgbClr val="333333"/>
-                </a:solidFill>
-                <a:effectLst/>
-                <a:latin typeface="Ubuntu"/>
-              </a:rPr>
-              <a:t>m</a:t>
-            </a:r>
-            <a:r>
-              <a:rPr lang="en-GB" sz="2400" b="0" i="0" smtClean="0">
-                <a:solidFill>
-                  <a:srgbClr val="333333"/>
-                </a:solidFill>
-                <a:effectLst/>
-                <a:latin typeface="Ubuntu"/>
-              </a:rPr>
-              <a:t>etadata fields are mandatory! </a:t>
-            </a:r>
-            <a:endParaRPr lang="en-GB" sz="2400" dirty="0"/>
-          </a:p>
-        </p:txBody>
-      </p:sp>
-      <p:sp>
-        <p:nvSpPr>
-          <p:cNvPr id="6" name="Title 1">
-            <a:extLst>
-              <a:ext uri="{FF2B5EF4-FFF2-40B4-BE49-F238E27FC236}">
-                <a16:creationId xmlns:a16="http://schemas.microsoft.com/office/drawing/2014/main" id="{666F9E5E-D8A2-49C1-876A-84EDD1D6D868}"/>
-              </a:ext>
-            </a:extLst>
-          </p:cNvPr>
-          <p:cNvSpPr>
-            <a:spLocks noGrp="1"/>
-          </p:cNvSpPr>
-          <p:nvPr>
-            <p:ph type="title"/>
-          </p:nvPr>
-        </p:nvSpPr>
-        <p:spPr>
-          <a:xfrm>
-            <a:off x="838200" y="365125"/>
-            <a:ext cx="10515600" cy="1325563"/>
-          </a:xfrm>
-        </p:spPr>
-        <p:txBody>
-          <a:bodyPr/>
-          <a:lstStyle/>
-          <a:p>
-            <a:r>
-              <a:rPr lang="pl-PL" dirty="0">
-                <a:solidFill>
-                  <a:srgbClr val="0070C0"/>
-                </a:solidFill>
-              </a:rPr>
-              <a:t>Dataset discovery</a:t>
-            </a:r>
-            <a:r>
-              <a:rPr lang="en-GB" dirty="0">
-                <a:solidFill>
-                  <a:srgbClr val="0070C0"/>
-                </a:solidFill>
-              </a:rPr>
-              <a:t> - Solution</a:t>
+              <a:t>number of citations (see above).</a:t>
             </a:r>
           </a:p>
         </p:txBody>
@@ -4870,7 +4994,7 @@
     </p:spTree>
     <p:extLst>
       <p:ext uri="{BB962C8B-B14F-4D97-AF65-F5344CB8AC3E}">
-        <p14:creationId xmlns:p14="http://schemas.microsoft.com/office/powerpoint/2010/main" val="2135189893"/>
+        <p14:creationId xmlns:p14="http://schemas.microsoft.com/office/powerpoint/2010/main" val="1656222730"/>
       </p:ext>
     </p:extLst>
   </p:cSld>
@@ -4905,8 +5029,8 @@
         </p:nvSpPr>
         <p:spPr>
           <a:xfrm>
-            <a:off x="624689" y="1690688"/>
-            <a:ext cx="10601608" cy="4708981"/>
+            <a:off x="838200" y="1483424"/>
+            <a:ext cx="10981854" cy="4401205"/>
           </a:xfrm>
           <a:prstGeom prst="rect">
             <a:avLst/>
@@ -4919,220 +5043,420 @@
           <a:lstStyle/>
           <a:p>
             <a:pPr marL="285750" indent="-285750">
-              <a:lnSpc>
-                <a:spcPct val="250000"/>
-              </a:lnSpc>
               <a:buFont typeface="Arial" panose="020B0604020202020204" pitchFamily="34" charset="0"/>
               <a:buChar char="•"/>
-              <a:tabLst>
-                <a:tab pos="2241550" algn="l"/>
-              </a:tabLst>
             </a:pPr>
             <a:r>
-              <a:rPr lang="en-GB" sz="2400" smtClean="0">
-                <a:solidFill>
-                  <a:srgbClr val="0070C0"/>
-                </a:solidFill>
-              </a:rPr>
-              <a:t>UniProt	https</a:t>
-            </a:r>
-            <a:r>
-              <a:rPr lang="en-GB" sz="2400">
-                <a:solidFill>
-                  <a:srgbClr val="0070C0"/>
-                </a:solidFill>
-              </a:rPr>
-              <a:t>://</a:t>
-            </a:r>
-            <a:r>
-              <a:rPr lang="en-GB" sz="2400" smtClean="0">
-                <a:solidFill>
-                  <a:srgbClr val="0070C0"/>
-                </a:solidFill>
-              </a:rPr>
-              <a:t>www.uniprot.org </a:t>
-            </a:r>
-            <a:r>
-              <a:rPr lang="en-GB" sz="2400" dirty="0">
-                <a:solidFill>
-                  <a:srgbClr val="0070C0"/>
-                </a:solidFill>
-              </a:rPr>
-              <a:t>– protein data</a:t>
-            </a:r>
-            <a:endParaRPr lang="pl-PL" sz="2400" dirty="0">
-              <a:solidFill>
-                <a:srgbClr val="0070C0"/>
-              </a:solidFill>
-            </a:endParaRPr>
+              <a:rPr lang="en-GB" sz="2000" smtClean="0">
+                <a:solidFill>
+                  <a:srgbClr val="0070C0"/>
+                </a:solidFill>
+              </a:rPr>
+              <a:t>BioMed </a:t>
+            </a:r>
+            <a:r>
+              <a:rPr lang="en-GB" sz="2000" dirty="0">
+                <a:solidFill>
+                  <a:srgbClr val="0070C0"/>
+                </a:solidFill>
+              </a:rPr>
+              <a:t>Central / </a:t>
+            </a:r>
+            <a:r>
+              <a:rPr lang="en-GB" sz="2000">
+                <a:solidFill>
+                  <a:srgbClr val="0070C0"/>
+                </a:solidFill>
+              </a:rPr>
+              <a:t>Springer </a:t>
+            </a:r>
+            <a:r>
+              <a:rPr lang="en-GB" sz="2000" smtClean="0">
+                <a:solidFill>
+                  <a:srgbClr val="0070C0"/>
+                </a:solidFill>
+              </a:rPr>
+              <a:t>Nature </a:t>
+            </a:r>
+            <a:r>
+              <a:rPr lang="en-GB" sz="2000" dirty="0">
+                <a:solidFill>
+                  <a:schemeClr val="bg1">
+                    <a:lumMod val="50000"/>
+                  </a:schemeClr>
+                </a:solidFill>
+              </a:rPr>
+              <a:t>- (https://www.springernature.com/gp/authors/research-data-policy/recommended-repositories)</a:t>
+            </a:r>
           </a:p>
           <a:p>
             <a:pPr marL="285750" indent="-285750">
-              <a:lnSpc>
-                <a:spcPct val="250000"/>
-              </a:lnSpc>
               <a:buFont typeface="Arial" panose="020B0604020202020204" pitchFamily="34" charset="0"/>
               <a:buChar char="•"/>
-              <a:tabLst>
-                <a:tab pos="2241550" algn="l"/>
-              </a:tabLst>
             </a:pPr>
             <a:r>
-              <a:rPr lang="en-GB" sz="2400" smtClean="0">
-                <a:solidFill>
-                  <a:srgbClr val="0070C0"/>
-                </a:solidFill>
-              </a:rPr>
-              <a:t>GenBank	https</a:t>
-            </a:r>
-            <a:r>
-              <a:rPr lang="en-GB" sz="2400">
-                <a:solidFill>
-                  <a:srgbClr val="0070C0"/>
-                </a:solidFill>
-              </a:rPr>
-              <a:t>://</a:t>
-            </a:r>
-            <a:r>
-              <a:rPr lang="en-GB" sz="2400" smtClean="0">
-                <a:solidFill>
-                  <a:srgbClr val="0070C0"/>
-                </a:solidFill>
-              </a:rPr>
-              <a:t>www.ncbi.nlm.nih.gov/genbank </a:t>
-            </a:r>
-            <a:r>
-              <a:rPr lang="en-GB" sz="2400" dirty="0">
-                <a:solidFill>
-                  <a:srgbClr val="0070C0"/>
-                </a:solidFill>
-              </a:rPr>
-              <a:t>– sequence data</a:t>
-            </a:r>
-            <a:endParaRPr lang="pl-PL" sz="2400" dirty="0">
-              <a:solidFill>
-                <a:srgbClr val="0070C0"/>
-              </a:solidFill>
-            </a:endParaRPr>
+              <a:rPr lang="en-GB" sz="2000" smtClean="0">
+                <a:solidFill>
+                  <a:srgbClr val="0070C0"/>
+                </a:solidFill>
+              </a:rPr>
+              <a:t>eLife </a:t>
+            </a:r>
+            <a:r>
+              <a:rPr lang="en-GB" sz="2000" dirty="0">
+                <a:solidFill>
+                  <a:schemeClr val="bg1">
+                    <a:lumMod val="50000"/>
+                  </a:schemeClr>
+                </a:solidFill>
+              </a:rPr>
+              <a:t>- (https://submit.elifesciences.org/html/elife_author_instructions.html#policies)</a:t>
+            </a:r>
           </a:p>
           <a:p>
             <a:pPr marL="285750" indent="-285750">
-              <a:lnSpc>
-                <a:spcPct val="250000"/>
-              </a:lnSpc>
               <a:buFont typeface="Arial" panose="020B0604020202020204" pitchFamily="34" charset="0"/>
               <a:buChar char="•"/>
-              <a:tabLst>
-                <a:tab pos="2241550" algn="l"/>
-              </a:tabLst>
             </a:pPr>
             <a:r>
-              <a:rPr lang="en-GB" sz="2400" smtClean="0">
-                <a:solidFill>
-                  <a:srgbClr val="0070C0"/>
-                </a:solidFill>
-              </a:rPr>
-              <a:t>GitHub	https</a:t>
-            </a:r>
-            <a:r>
-              <a:rPr lang="en-GB" sz="2400">
-                <a:solidFill>
-                  <a:srgbClr val="0070C0"/>
-                </a:solidFill>
-              </a:rPr>
-              <a:t>://</a:t>
-            </a:r>
-            <a:r>
-              <a:rPr lang="en-GB" sz="2400" smtClean="0">
-                <a:solidFill>
-                  <a:srgbClr val="0070C0"/>
-                </a:solidFill>
-              </a:rPr>
-              <a:t>github.com </a:t>
-            </a:r>
-            <a:r>
-              <a:rPr lang="en-GB" sz="2400" dirty="0">
-                <a:solidFill>
-                  <a:srgbClr val="0070C0"/>
-                </a:solidFill>
-              </a:rPr>
-              <a:t>– </a:t>
-            </a:r>
-            <a:r>
-              <a:rPr lang="en-GB" sz="2400">
-                <a:solidFill>
-                  <a:srgbClr val="0070C0"/>
-                </a:solidFill>
-              </a:rPr>
-              <a:t>for </a:t>
-            </a:r>
-            <a:r>
-              <a:rPr lang="en-GB" sz="2400" smtClean="0">
-                <a:solidFill>
-                  <a:srgbClr val="0070C0"/>
-                </a:solidFill>
-              </a:rPr>
-              <a:t>code</a:t>
+              <a:rPr lang="en-GB" sz="2000" smtClean="0">
+                <a:solidFill>
+                  <a:srgbClr val="0070C0"/>
+                </a:solidFill>
+              </a:rPr>
+              <a:t>Elsevier </a:t>
+            </a:r>
+            <a:r>
+              <a:rPr lang="en-GB" sz="2000" dirty="0">
+                <a:solidFill>
+                  <a:schemeClr val="bg1">
+                    <a:lumMod val="50000"/>
+                  </a:schemeClr>
+                </a:solidFill>
+              </a:rPr>
+              <a:t>- (https://www.elsevier.com/about/policies/research-data)</a:t>
             </a:r>
           </a:p>
           <a:p>
             <a:pPr marL="285750" indent="-285750">
-              <a:lnSpc>
-                <a:spcPct val="250000"/>
-              </a:lnSpc>
               <a:buFont typeface="Arial" panose="020B0604020202020204" pitchFamily="34" charset="0"/>
               <a:buChar char="•"/>
-              <a:tabLst>
-                <a:tab pos="2241550" algn="l"/>
-              </a:tabLst>
             </a:pPr>
             <a:r>
-              <a:rPr lang="en-GB" sz="2400" smtClean="0">
-                <a:solidFill>
-                  <a:srgbClr val="0070C0"/>
-                </a:solidFill>
-              </a:rPr>
-              <a:t>MetaboLights</a:t>
-            </a:r>
-            <a:r>
-              <a:rPr lang="en-GB" sz="2400">
-                <a:solidFill>
-                  <a:srgbClr val="0070C0"/>
-                </a:solidFill>
-              </a:rPr>
-              <a:t>	https://www.ebi.ac.uk/metabolights – metabolomics data</a:t>
-            </a:r>
-            <a:endParaRPr lang="pl-PL" sz="2400">
-              <a:solidFill>
-                <a:srgbClr val="0070C0"/>
-              </a:solidFill>
-            </a:endParaRPr>
+              <a:rPr lang="en-GB" sz="2000" smtClean="0">
+                <a:solidFill>
+                  <a:srgbClr val="0070C0"/>
+                </a:solidFill>
+              </a:rPr>
+              <a:t>EMBO Press </a:t>
+            </a:r>
+            <a:r>
+              <a:rPr lang="en-GB" sz="2000" dirty="0">
+                <a:solidFill>
+                  <a:schemeClr val="bg1">
+                    <a:lumMod val="50000"/>
+                  </a:schemeClr>
+                </a:solidFill>
+              </a:rPr>
+              <a:t>- (https://www.embopress.org/page/journal/14602075/authorguide#datadeposition)</a:t>
+            </a:r>
           </a:p>
           <a:p>
             <a:pPr marL="285750" indent="-285750">
-              <a:lnSpc>
-                <a:spcPct val="250000"/>
-              </a:lnSpc>
               <a:buFont typeface="Arial" panose="020B0604020202020204" pitchFamily="34" charset="0"/>
               <a:buChar char="•"/>
-              <a:tabLst>
-                <a:tab pos="2241550" algn="l"/>
-              </a:tabLst>
             </a:pPr>
-            <a:endParaRPr lang="en-GB" sz="2400" dirty="0">
-              <a:solidFill>
-                <a:srgbClr val="0070C0"/>
-              </a:solidFill>
-            </a:endParaRPr>
-          </a:p>
-        </p:txBody>
-      </p:sp>
-      <p:sp>
-        <p:nvSpPr>
-          <p:cNvPr id="3" name="Title 2">
-            <a:extLst>
-              <a:ext uri="{FF2B5EF4-FFF2-40B4-BE49-F238E27FC236}">
-                <a16:creationId xmlns:a16="http://schemas.microsoft.com/office/drawing/2014/main" id="{458D2671-D341-1A47-93B5-8F74B6359CCC}"/>
+            <a:r>
+              <a:rPr lang="en-GB" sz="2000" smtClean="0">
+                <a:solidFill>
+                  <a:srgbClr val="0070C0"/>
+                </a:solidFill>
+              </a:rPr>
+              <a:t>F1000 Research </a:t>
+            </a:r>
+            <a:r>
+              <a:rPr lang="en-GB" sz="2000" dirty="0">
+                <a:solidFill>
+                  <a:schemeClr val="bg1">
+                    <a:lumMod val="50000"/>
+                  </a:schemeClr>
+                </a:solidFill>
+              </a:rPr>
+              <a:t>- (https://f1000research.com/for-authors/data-guidelines)</a:t>
+            </a:r>
+          </a:p>
+          <a:p>
+            <a:pPr marL="285750" indent="-285750">
+              <a:buFont typeface="Arial" panose="020B0604020202020204" pitchFamily="34" charset="0"/>
+              <a:buChar char="•"/>
+            </a:pPr>
+            <a:r>
+              <a:rPr lang="en-GB" sz="2000" smtClean="0">
+                <a:solidFill>
+                  <a:srgbClr val="0070C0"/>
+                </a:solidFill>
+              </a:rPr>
+              <a:t>GIGAscience </a:t>
+            </a:r>
+            <a:r>
+              <a:rPr lang="en-GB" sz="2000">
+                <a:solidFill>
+                  <a:srgbClr val="0070C0"/>
+                </a:solidFill>
+              </a:rPr>
+              <a:t>- </a:t>
+            </a:r>
+            <a:r>
+              <a:rPr lang="en-GB" sz="2000" smtClean="0">
+                <a:solidFill>
+                  <a:srgbClr val="0070C0"/>
+                </a:solidFill>
+              </a:rPr>
+              <a:t>OUP </a:t>
+            </a:r>
+            <a:r>
+              <a:rPr lang="en-GB" sz="2000" dirty="0">
+                <a:solidFill>
+                  <a:schemeClr val="bg1">
+                    <a:lumMod val="50000"/>
+                  </a:schemeClr>
+                </a:solidFill>
+              </a:rPr>
+              <a:t>- (https://academic.oup.com/gigascience/pages/instructions_to_authors)</a:t>
+            </a:r>
+          </a:p>
+          <a:p>
+            <a:pPr marL="285750" indent="-285750">
+              <a:buFont typeface="Arial" panose="020B0604020202020204" pitchFamily="34" charset="0"/>
+              <a:buChar char="•"/>
+            </a:pPr>
+            <a:r>
+              <a:rPr lang="en-GB" sz="2000" smtClean="0">
+                <a:solidFill>
+                  <a:srgbClr val="0070C0"/>
+                </a:solidFill>
+              </a:rPr>
+              <a:t>PLoS </a:t>
+            </a:r>
+            <a:r>
+              <a:rPr lang="en-GB" sz="2000" dirty="0">
+                <a:solidFill>
+                  <a:schemeClr val="bg1">
+                    <a:lumMod val="50000"/>
+                  </a:schemeClr>
+                </a:solidFill>
+              </a:rPr>
+              <a:t>- (https://journals.plos.org/plosbiology/s/recommended-repositories)</a:t>
+            </a:r>
+          </a:p>
+          <a:p>
+            <a:pPr marL="285750" indent="-285750">
+              <a:buFont typeface="Arial" panose="020B0604020202020204" pitchFamily="34" charset="0"/>
+              <a:buChar char="•"/>
+            </a:pPr>
+            <a:r>
+              <a:rPr lang="en-GB" sz="2000" smtClean="0">
+                <a:solidFill>
+                  <a:srgbClr val="0070C0"/>
+                </a:solidFill>
+              </a:rPr>
+              <a:t>Scientific </a:t>
+            </a:r>
+            <a:r>
+              <a:rPr lang="en-GB" sz="2000" dirty="0">
+                <a:solidFill>
+                  <a:srgbClr val="0070C0"/>
+                </a:solidFill>
+              </a:rPr>
+              <a:t>Data </a:t>
+            </a:r>
+            <a:r>
+              <a:rPr lang="en-GB" sz="2000">
+                <a:solidFill>
+                  <a:srgbClr val="0070C0"/>
+                </a:solidFill>
+              </a:rPr>
+              <a:t>- </a:t>
+            </a:r>
+            <a:r>
+              <a:rPr lang="en-GB" sz="2000" smtClean="0">
+                <a:solidFill>
+                  <a:srgbClr val="0070C0"/>
+                </a:solidFill>
+              </a:rPr>
+              <a:t>Nature </a:t>
+            </a:r>
+            <a:r>
+              <a:rPr lang="en-GB" sz="2000" dirty="0">
+                <a:solidFill>
+                  <a:schemeClr val="bg1">
+                    <a:lumMod val="50000"/>
+                  </a:schemeClr>
+                </a:solidFill>
+              </a:rPr>
+              <a:t>- (https://www.nature.com/sdata/policies/repositories)</a:t>
+            </a:r>
+          </a:p>
+          <a:p>
+            <a:pPr marL="285750" indent="-285750">
+              <a:buFont typeface="Arial" panose="020B0604020202020204" pitchFamily="34" charset="0"/>
+              <a:buChar char="•"/>
+            </a:pPr>
+            <a:r>
+              <a:rPr lang="en-GB" sz="2000" smtClean="0">
+                <a:solidFill>
+                  <a:srgbClr val="0070C0"/>
+                </a:solidFill>
+              </a:rPr>
+              <a:t>Taylor </a:t>
+            </a:r>
+            <a:r>
+              <a:rPr lang="en-GB" sz="2000">
+                <a:solidFill>
+                  <a:srgbClr val="0070C0"/>
+                </a:solidFill>
+              </a:rPr>
+              <a:t>and </a:t>
+            </a:r>
+            <a:r>
+              <a:rPr lang="en-GB" sz="2000" smtClean="0">
+                <a:solidFill>
+                  <a:srgbClr val="0070C0"/>
+                </a:solidFill>
+              </a:rPr>
+              <a:t>Francis </a:t>
+            </a:r>
+            <a:r>
+              <a:rPr lang="en-GB" sz="2000" dirty="0">
+                <a:solidFill>
+                  <a:schemeClr val="bg1">
+                    <a:lumMod val="50000"/>
+                  </a:schemeClr>
+                </a:solidFill>
+              </a:rPr>
+              <a:t>- (https://authorservices.taylorandfrancis.com/data-sharing-policies/repositories/)</a:t>
+            </a:r>
+          </a:p>
+          <a:p>
+            <a:pPr marL="285750" indent="-285750">
+              <a:buFont typeface="Arial" panose="020B0604020202020204" pitchFamily="34" charset="0"/>
+              <a:buChar char="•"/>
+            </a:pPr>
+            <a:r>
+              <a:rPr lang="en-GB" sz="2000" smtClean="0">
+                <a:solidFill>
+                  <a:srgbClr val="0070C0"/>
+                </a:solidFill>
+              </a:rPr>
+              <a:t>BBSRC </a:t>
+            </a:r>
+            <a:r>
+              <a:rPr lang="en-GB" sz="2000" dirty="0">
+                <a:solidFill>
+                  <a:schemeClr val="bg1">
+                    <a:lumMod val="50000"/>
+                  </a:schemeClr>
+                </a:solidFill>
+              </a:rPr>
+              <a:t>- (https://bbsrc.ukri.org/research/resources/)</a:t>
+            </a:r>
+          </a:p>
+          <a:p>
+            <a:pPr marL="285750" indent="-285750">
+              <a:buFont typeface="Arial" panose="020B0604020202020204" pitchFamily="34" charset="0"/>
+              <a:buChar char="•"/>
+            </a:pPr>
+            <a:r>
+              <a:rPr lang="en-GB" sz="2000" smtClean="0">
+                <a:solidFill>
+                  <a:srgbClr val="0070C0"/>
+                </a:solidFill>
+              </a:rPr>
+              <a:t>NERC </a:t>
+            </a:r>
+            <a:r>
+              <a:rPr lang="en-GB" sz="2000" dirty="0">
+                <a:solidFill>
+                  <a:schemeClr val="bg1">
+                    <a:lumMod val="50000"/>
+                  </a:schemeClr>
+                </a:solidFill>
+              </a:rPr>
+              <a:t>- (https://nerc.ukri.org/research/sites/environmental-data-service-eds/policy/)</a:t>
+            </a:r>
+          </a:p>
+          <a:p>
+            <a:pPr marL="285750" indent="-285750">
+              <a:buFont typeface="Arial" panose="020B0604020202020204" pitchFamily="34" charset="0"/>
+              <a:buChar char="•"/>
+            </a:pPr>
+            <a:r>
+              <a:rPr lang="en-GB" sz="2000" smtClean="0">
+                <a:solidFill>
+                  <a:srgbClr val="0070C0"/>
+                </a:solidFill>
+              </a:rPr>
+              <a:t>Royal Society </a:t>
+            </a:r>
+            <a:r>
+              <a:rPr lang="en-GB" sz="2000" dirty="0">
+                <a:solidFill>
+                  <a:schemeClr val="bg1">
+                    <a:lumMod val="50000"/>
+                  </a:schemeClr>
+                </a:solidFill>
+              </a:rPr>
+              <a:t>- (https://royalsociety.org/journals/ethics-policies/data-sharing-mining/)</a:t>
+            </a:r>
+          </a:p>
+          <a:p>
+            <a:pPr marL="285750" indent="-285750">
+              <a:buFont typeface="Arial" panose="020B0604020202020204" pitchFamily="34" charset="0"/>
+              <a:buChar char="•"/>
+            </a:pPr>
+            <a:r>
+              <a:rPr lang="en-GB" sz="2000" smtClean="0">
+                <a:solidFill>
+                  <a:srgbClr val="0070C0"/>
+                </a:solidFill>
+              </a:rPr>
+              <a:t>Wellcome </a:t>
+            </a:r>
+            <a:r>
+              <a:rPr lang="en-GB" sz="2000">
+                <a:solidFill>
+                  <a:srgbClr val="0070C0"/>
+                </a:solidFill>
+              </a:rPr>
+              <a:t>Open </a:t>
+            </a:r>
+            <a:r>
+              <a:rPr lang="en-GB" sz="2000" smtClean="0">
+                <a:solidFill>
+                  <a:srgbClr val="0070C0"/>
+                </a:solidFill>
+              </a:rPr>
+              <a:t>Research </a:t>
+            </a:r>
+            <a:r>
+              <a:rPr lang="en-GB" sz="2000" dirty="0">
+                <a:solidFill>
+                  <a:schemeClr val="bg1">
+                    <a:lumMod val="50000"/>
+                  </a:schemeClr>
+                </a:solidFill>
+              </a:rPr>
+              <a:t>- (https://wellcomeopenresearch.org/for-authors/data-guidelines) </a:t>
+            </a:r>
+          </a:p>
+        </p:txBody>
+      </p:sp>
+      <p:sp>
+        <p:nvSpPr>
+          <p:cNvPr id="5" name="Title 1">
+            <a:extLst>
+              <a:ext uri="{FF2B5EF4-FFF2-40B4-BE49-F238E27FC236}">
+                <a16:creationId xmlns:a16="http://schemas.microsoft.com/office/drawing/2014/main" id="{775BFE92-9990-4094-B7B2-01514614F16E}"/>
               </a:ext>
             </a:extLst>
           </p:cNvPr>
@@ -5143,214 +5467,36 @@
             <p:ph type="title"/>
           </p:nvPr>
         </p:nvSpPr>
-        <p:spPr/>
+        <p:spPr>
+          <a:xfrm>
+            <a:off x="838200" y="365125"/>
+            <a:ext cx="10515600" cy="1325563"/>
+          </a:xfrm>
+        </p:spPr>
         <p:txBody>
           <a:bodyPr/>
           <a:lstStyle/>
           <a:p>
             <a:r>
-              <a:rPr lang="en-GB" dirty="0" smtClean="0"/>
-              <a:t>“</a:t>
-            </a:r>
-            <a:r>
-              <a:rPr lang="en-GB" dirty="0"/>
-              <a:t>domain” (type) specific repositories</a:t>
-            </a:r>
-          </a:p>
-        </p:txBody>
-      </p:sp>
-      <p:pic>
-        <p:nvPicPr>
-          <p:cNvPr id="2050" name="Picture 2" descr="UniProt">
-            <a:extLst>
-              <a:ext uri="{FF2B5EF4-FFF2-40B4-BE49-F238E27FC236}">
-                <a16:creationId xmlns:a16="http://schemas.microsoft.com/office/drawing/2014/main" id="{3E325F39-92E3-B641-B988-F7B0F994C522}"/>
-              </a:ext>
-            </a:extLst>
-          </p:cNvPr>
-          <p:cNvPicPr>
-            <a:picLocks noChangeAspect="1" noChangeArrowheads="1"/>
-          </p:cNvPicPr>
-          <p:nvPr/>
-        </p:nvPicPr>
-        <p:blipFill>
-          <a:blip r:embed="rId2">
-            <a:extLst>
-              <a:ext uri="{28A0092B-C50C-407E-A947-70E740481C1C}">
-                <a14:useLocalDpi xmlns:a14="http://schemas.microsoft.com/office/drawing/2010/main" val="0"/>
-              </a:ext>
-            </a:extLst>
-          </a:blip>
-          <a:srcRect/>
-          <a:stretch>
-            <a:fillRect/>
-          </a:stretch>
-        </p:blipFill>
-        <p:spPr bwMode="auto">
-          <a:xfrm>
-            <a:off x="8037861" y="1803518"/>
-            <a:ext cx="1994778" cy="913272"/>
-          </a:xfrm>
-          <a:prstGeom prst="rect">
-            <a:avLst/>
-          </a:prstGeom>
-          <a:noFill/>
-          <a:extLst>
-            <a:ext uri="{909E8E84-426E-40DD-AFC4-6F175D3DCCD1}">
-              <a14:hiddenFill xmlns:a14="http://schemas.microsoft.com/office/drawing/2010/main">
-                <a:solidFill>
-                  <a:srgbClr val="FFFFFF"/>
-                </a:solidFill>
-              </a14:hiddenFill>
-            </a:ext>
-          </a:extLst>
-        </p:spPr>
-      </p:pic>
-      <p:pic>
-        <p:nvPicPr>
-          <p:cNvPr id="2052" name="Picture 4" descr="The European Bioinformatics Institute &amp;lt; EMBL-EBI">
-            <a:extLst>
-              <a:ext uri="{FF2B5EF4-FFF2-40B4-BE49-F238E27FC236}">
-                <a16:creationId xmlns:a16="http://schemas.microsoft.com/office/drawing/2014/main" id="{C448B260-5264-EC48-8176-47F538376762}"/>
-              </a:ext>
-            </a:extLst>
-          </p:cNvPr>
-          <p:cNvPicPr>
-            <a:picLocks noChangeAspect="1" noChangeArrowheads="1"/>
-          </p:cNvPicPr>
-          <p:nvPr/>
-        </p:nvPicPr>
-        <p:blipFill>
-          <a:blip r:embed="rId3">
-            <a:extLst>
-              <a:ext uri="{28A0092B-C50C-407E-A947-70E740481C1C}">
-                <a14:useLocalDpi xmlns:a14="http://schemas.microsoft.com/office/drawing/2010/main" val="0"/>
-              </a:ext>
-            </a:extLst>
-          </a:blip>
-          <a:srcRect/>
-          <a:stretch>
-            <a:fillRect/>
-          </a:stretch>
-        </p:blipFill>
-        <p:spPr bwMode="auto">
-          <a:xfrm>
-            <a:off x="10023159" y="2812762"/>
-            <a:ext cx="1776220" cy="888110"/>
-          </a:xfrm>
-          <a:prstGeom prst="rect">
-            <a:avLst/>
-          </a:prstGeom>
-          <a:noFill/>
-          <a:extLst>
-            <a:ext uri="{909E8E84-426E-40DD-AFC4-6F175D3DCCD1}">
-              <a14:hiddenFill xmlns:a14="http://schemas.microsoft.com/office/drawing/2010/main">
-                <a:solidFill>
-                  <a:srgbClr val="FFFFFF"/>
-                </a:solidFill>
-              </a14:hiddenFill>
-            </a:ext>
-          </a:extLst>
-        </p:spPr>
-      </p:pic>
-      <p:pic>
-        <p:nvPicPr>
-          <p:cNvPr id="2056" name="Picture 8" descr="GitHub Logo, history, meaning, symbol, PNG">
-            <a:extLst>
-              <a:ext uri="{FF2B5EF4-FFF2-40B4-BE49-F238E27FC236}">
-                <a16:creationId xmlns:a16="http://schemas.microsoft.com/office/drawing/2014/main" id="{D77323BD-87F2-9F4B-9997-733371BECEB4}"/>
-              </a:ext>
-            </a:extLst>
-          </p:cNvPr>
-          <p:cNvPicPr>
-            <a:picLocks noChangeAspect="1" noChangeArrowheads="1"/>
-          </p:cNvPicPr>
-          <p:nvPr/>
-        </p:nvPicPr>
-        <p:blipFill>
-          <a:blip r:embed="rId4" cstate="hqprint">
-            <a:extLst>
-              <a:ext uri="{28A0092B-C50C-407E-A947-70E740481C1C}">
-                <a14:useLocalDpi xmlns:a14="http://schemas.microsoft.com/office/drawing/2010/main" val="0"/>
-              </a:ext>
-            </a:extLst>
-          </a:blip>
-          <a:srcRect/>
-          <a:stretch>
-            <a:fillRect/>
-          </a:stretch>
-        </p:blipFill>
-        <p:spPr bwMode="auto">
-          <a:xfrm>
-            <a:off x="8027831" y="3477296"/>
-            <a:ext cx="2219412" cy="1248419"/>
-          </a:xfrm>
-          <a:prstGeom prst="rect">
-            <a:avLst/>
-          </a:prstGeom>
-          <a:noFill/>
-          <a:extLst>
-            <a:ext uri="{909E8E84-426E-40DD-AFC4-6F175D3DCCD1}">
-              <a14:hiddenFill xmlns:a14="http://schemas.microsoft.com/office/drawing/2010/main">
-                <a:solidFill>
-                  <a:srgbClr val="FFFFFF"/>
-                </a:solidFill>
-              </a14:hiddenFill>
-            </a:ext>
-          </a:extLst>
-        </p:spPr>
-      </p:pic>
-      <p:pic>
-        <p:nvPicPr>
-          <p:cNvPr id="2054" name="Picture 6">
-            <a:extLst>
-              <a:ext uri="{FF2B5EF4-FFF2-40B4-BE49-F238E27FC236}">
-                <a16:creationId xmlns:a16="http://schemas.microsoft.com/office/drawing/2014/main" id="{FD98CFB6-B4AA-AC41-8774-90BD2B95063A}"/>
-              </a:ext>
-            </a:extLst>
-          </p:cNvPr>
-          <p:cNvPicPr>
-            <a:picLocks noChangeAspect="1" noChangeArrowheads="1"/>
-          </p:cNvPicPr>
-          <p:nvPr/>
-        </p:nvPicPr>
-        <p:blipFill>
-          <a:blip r:embed="rId5">
-            <a:extLst>
-              <a:ext uri="{28A0092B-C50C-407E-A947-70E740481C1C}">
-                <a14:useLocalDpi xmlns:a14="http://schemas.microsoft.com/office/drawing/2010/main" val="0"/>
-              </a:ext>
-            </a:extLst>
-          </a:blip>
-          <a:srcRect/>
-          <a:stretch>
-            <a:fillRect/>
-          </a:stretch>
-        </p:blipFill>
-        <p:spPr bwMode="auto">
-          <a:xfrm>
-            <a:off x="7917426" y="5190184"/>
-            <a:ext cx="2885968" cy="1154387"/>
-          </a:xfrm>
-          <a:prstGeom prst="rect">
-            <a:avLst/>
-          </a:prstGeom>
-          <a:noFill/>
-          <a:extLst>
-            <a:ext uri="{909E8E84-426E-40DD-AFC4-6F175D3DCCD1}">
-              <a14:hiddenFill xmlns:a14="http://schemas.microsoft.com/office/drawing/2010/main">
-                <a:solidFill>
-                  <a:srgbClr val="FFFFFF"/>
-                </a:solidFill>
-              </a14:hiddenFill>
-            </a:ext>
-          </a:extLst>
-        </p:spPr>
-      </p:pic>
+              <a:rPr lang="en-GB" dirty="0" smtClean="0">
+                <a:solidFill>
+                  <a:srgbClr val="0070C0"/>
+                </a:solidFill>
+              </a:rPr>
+              <a:t>Finding repositories – use recommendations</a:t>
+            </a:r>
+            <a:endParaRPr lang="en-GB" dirty="0">
+              <a:solidFill>
+                <a:srgbClr val="0070C0"/>
+              </a:solidFill>
+            </a:endParaRPr>
+          </a:p>
+        </p:txBody>
+      </p:sp>
     </p:spTree>
     <p:extLst>
       <p:ext uri="{BB962C8B-B14F-4D97-AF65-F5344CB8AC3E}">
-        <p14:creationId xmlns:p14="http://schemas.microsoft.com/office/powerpoint/2010/main" val="781096633"/>
+        <p14:creationId xmlns:p14="http://schemas.microsoft.com/office/powerpoint/2010/main" val="2392727602"/>
       </p:ext>
     </p:extLst>
   </p:cSld>
@@ -5377,53 +5523,6 @@
           <a:chExt cx="0" cy="0"/>
         </a:xfrm>
       </p:grpSpPr>
-      <p:pic>
-        <p:nvPicPr>
-          <p:cNvPr id="4" name="Picture 2" descr="Ed_DaSH">
-            <a:extLst>
-              <a:ext uri="{FF2B5EF4-FFF2-40B4-BE49-F238E27FC236}">
-                <a16:creationId xmlns:a16="http://schemas.microsoft.com/office/drawing/2014/main" id="{A783256F-E39E-4712-96B0-240BD611CFEB}"/>
-              </a:ext>
-            </a:extLst>
-          </p:cNvPr>
-          <p:cNvPicPr>
-            <a:picLocks noChangeAspect="1" noChangeArrowheads="1"/>
-          </p:cNvPicPr>
-          <p:nvPr/>
-        </p:nvPicPr>
-        <p:blipFill>
-          <a:blip r:embed="rId2" cstate="hqprint">
-            <a:extLst>
-              <a:ext uri="{28A0092B-C50C-407E-A947-70E740481C1C}">
-                <a14:useLocalDpi xmlns:a14="http://schemas.microsoft.com/office/drawing/2010/main" val="0"/>
-              </a:ext>
-            </a:extLst>
-          </a:blip>
-          <a:srcRect/>
-          <a:stretch>
-            <a:fillRect/>
-          </a:stretch>
-        </p:blipFill>
-        <p:spPr bwMode="auto">
-          <a:xfrm>
-            <a:off x="10820670" y="5458691"/>
-            <a:ext cx="1289214" cy="1325418"/>
-          </a:xfrm>
-          <a:prstGeom prst="rect">
-            <a:avLst/>
-          </a:prstGeom>
-          <a:noFill/>
-          <a:extLst>
-            <a:ext uri="{909E8E84-426E-40DD-AFC4-6F175D3DCCD1}">
-              <a14:hiddenFill xmlns:a14="http://schemas.microsoft.com/office/drawing/2010/main">
-                <a:solidFill>
-                  <a:srgbClr val="FFFFFF"/>
-                </a:solidFill>
-              </a14:hiddenFill>
-            </a:ext>
-          </a:extLst>
-        </p:spPr>
-      </p:pic>
       <p:sp>
         <p:nvSpPr>
           <p:cNvPr id="2" name="Rectangle 1"/>
@@ -5433,7 +5532,7 @@
         <p:spPr>
           <a:xfrm>
             <a:off x="742384" y="2064189"/>
-            <a:ext cx="10981854" cy="2677656"/>
+            <a:ext cx="10981854" cy="3416320"/>
           </a:xfrm>
           <a:prstGeom prst="rect">
             <a:avLst/>
@@ -5445,18 +5544,24 @@
           </a:bodyPr>
           <a:lstStyle/>
           <a:p>
-            <a:pPr marL="285750" indent="-285750">
-              <a:buFont typeface="Arial" panose="020B0604020202020204" pitchFamily="34" charset="0"/>
-              <a:buChar char="•"/>
-            </a:pPr>
-            <a:r>
-              <a:rPr lang="en-GB" sz="2400" dirty="0">
-                <a:solidFill>
-                  <a:srgbClr val="0070C0"/>
-                </a:solidFill>
-              </a:rPr>
-              <a:t>Higher exposure</a:t>
-            </a:r>
+            <a:r>
+              <a:rPr lang="pl-PL" sz="2400" dirty="0" err="1">
+                <a:solidFill>
+                  <a:srgbClr val="0070C0"/>
+                </a:solidFill>
+              </a:rPr>
+              <a:t>FAIRSharing.org</a:t>
+            </a:r>
+            <a:r>
+              <a:rPr lang="pl-PL" sz="2400" dirty="0">
+                <a:solidFill>
+                  <a:srgbClr val="0070C0"/>
+                </a:solidFill>
+              </a:rPr>
+              <a:t> – search engine</a:t>
+            </a:r>
+          </a:p>
+          <a:p>
             <a:endParaRPr lang="pl-PL" sz="2400" dirty="0">
               <a:solidFill>
                 <a:srgbClr val="0070C0"/>
@@ -5464,7 +5569,14 @@
             </a:endParaRPr>
           </a:p>
           <a:p>
-            <a:pPr marL="285750" indent="-285750">
+            <a:endParaRPr lang="pl-PL" sz="2400" dirty="0">
+              <a:solidFill>
+                <a:srgbClr val="0070C0"/>
+              </a:solidFill>
+            </a:endParaRPr>
+          </a:p>
+          <a:p>
+            <a:pPr marL="342900" indent="-342900">
               <a:buFont typeface="Arial" panose="020B0604020202020204" pitchFamily="34" charset="0"/>
               <a:buChar char="•"/>
             </a:pPr>
@@ -5474,11 +5586,11 @@
                   <a:srgbClr val="0070C0"/>
                 </a:solidFill>
               </a:rPr>
-              <a:t>Data specific features (e.g. Visulization)</a:t>
-            </a:r>
-          </a:p>
-          <a:p>
-            <a:pPr marL="285750" indent="-285750">
+              <a:t>Repositories</a:t>
+            </a:r>
+          </a:p>
+          <a:p>
+            <a:pPr marL="342900" indent="-342900">
               <a:buFont typeface="Arial" panose="020B0604020202020204" pitchFamily="34" charset="0"/>
               <a:buChar char="•"/>
             </a:pPr>
@@ -5488,11 +5600,11 @@
                   <a:srgbClr val="0070C0"/>
                 </a:solidFill>
               </a:rPr>
-              <a:t>Enforced minimal metadata</a:t>
-            </a:r>
-          </a:p>
-          <a:p>
-            <a:pPr marL="285750" indent="-285750">
+              <a:t>Data standards</a:t>
+            </a:r>
+          </a:p>
+          <a:p>
+            <a:pPr marL="342900" indent="-342900">
               <a:buFont typeface="Arial" panose="020B0604020202020204" pitchFamily="34" charset="0"/>
               <a:buChar char="•"/>
             </a:pPr>
@@ -5502,99 +5614,41 @@
                   <a:srgbClr val="0070C0"/>
                 </a:solidFill>
               </a:rPr>
-              <a:t>API for data retrival </a:t>
-            </a:r>
-            <a:r>
-              <a:rPr lang="pl-PL" sz="2400">
-                <a:solidFill>
-                  <a:srgbClr val="0070C0"/>
-                </a:solidFill>
-              </a:rPr>
-              <a:t>/ </a:t>
-            </a:r>
-            <a:r>
-              <a:rPr lang="pl-PL" sz="2400" smtClean="0">
-                <a:solidFill>
-                  <a:srgbClr val="0070C0"/>
-                </a:solidFill>
-              </a:rPr>
-              <a:t>ag</a:t>
-            </a:r>
-            <a:r>
-              <a:rPr lang="en-GB" sz="2400" smtClean="0">
-                <a:solidFill>
-                  <a:srgbClr val="0070C0"/>
-                </a:solidFill>
-              </a:rPr>
-              <a:t>g</a:t>
-            </a:r>
-            <a:r>
-              <a:rPr lang="pl-PL" sz="2400" smtClean="0">
-                <a:solidFill>
-                  <a:srgbClr val="0070C0"/>
-                </a:solidFill>
-              </a:rPr>
-              <a:t>regation </a:t>
-            </a:r>
+              <a:t>Policies</a:t>
+            </a:r>
+          </a:p>
+          <a:p>
+            <a:pPr marL="285750" indent="-285750">
+              <a:buFontTx/>
+              <a:buChar char="-"/>
+            </a:pPr>
+            <a:endParaRPr lang="pl-PL" sz="2400" dirty="0">
+              <a:solidFill>
+                <a:srgbClr val="0070C0"/>
+              </a:solidFill>
+            </a:endParaRPr>
+          </a:p>
+          <a:p>
+            <a:pPr marL="285750" indent="-285750">
+              <a:buFontTx/>
+              <a:buChar char="-"/>
+            </a:pPr>
+            <a:endParaRPr lang="pl-PL" sz="2400" dirty="0">
+              <a:solidFill>
+                <a:srgbClr val="0070C0"/>
+              </a:solidFill>
+            </a:endParaRPr>
+          </a:p>
+          <a:p>
             <a:r>
               <a:rPr lang="pl-PL" sz="2400" dirty="0">
                 <a:solidFill>
                   <a:srgbClr val="0070C0"/>
                 </a:solidFill>
               </a:rPr>
-              <a:t>/searching</a:t>
-            </a:r>
-          </a:p>
-          <a:p>
-            <a:pPr marL="285750" indent="-285750">
-              <a:buFont typeface="Arial" panose="020B0604020202020204" pitchFamily="34" charset="0"/>
-              <a:buChar char="•"/>
-            </a:pPr>
-            <a:r>
-              <a:rPr lang="pl-PL" sz="2400" dirty="0">
-                <a:solidFill>
-                  <a:srgbClr val="0070C0"/>
-                </a:solidFill>
-              </a:rPr>
-              <a:t>Curated data</a:t>
-            </a:r>
-          </a:p>
-          <a:p>
-            <a:pPr marL="285750" indent="-285750">
-              <a:buFont typeface="Arial" panose="020B0604020202020204" pitchFamily="34" charset="0"/>
-              <a:buChar char="•"/>
-            </a:pPr>
-            <a:r>
-              <a:rPr lang="pl-PL" sz="2400" dirty="0">
-                <a:solidFill>
-                  <a:srgbClr val="0070C0"/>
-                </a:solidFill>
-              </a:rPr>
-              <a:t>Better searching</a:t>
-            </a:r>
-          </a:p>
-          <a:p>
-            <a:pPr marL="285750" indent="-285750">
-              <a:buFont typeface="Arial" panose="020B0604020202020204" pitchFamily="34" charset="0"/>
-              <a:buChar char="•"/>
-            </a:pPr>
-            <a:r>
-              <a:rPr lang="pl-PL" sz="2400" dirty="0">
-                <a:solidFill>
-                  <a:srgbClr val="0070C0"/>
-                </a:solidFill>
-              </a:rPr>
-              <a:t>Interlinking between data </a:t>
-            </a:r>
-            <a:r>
-              <a:rPr lang="pl-PL" sz="2400" dirty="0" err="1">
-                <a:solidFill>
-                  <a:srgbClr val="0070C0"/>
-                </a:solidFill>
-              </a:rPr>
-              <a:t>types</a:t>
-            </a:r>
-            <a:endParaRPr lang="pl-PL" sz="2400" dirty="0">
+              <a:t>(too) many options for each type</a:t>
+            </a:r>
+            <a:endParaRPr lang="en-GB" sz="2400" dirty="0">
               <a:solidFill>
                 <a:srgbClr val="0070C0"/>
               </a:solidFill>
@@ -5629,20 +5683,12 @@
           <a:lstStyle/>
           <a:p>
             <a:r>
-              <a:rPr lang="en-GB" smtClean="0">
-                <a:solidFill>
-                  <a:srgbClr val="0070C0"/>
-                </a:solidFill>
-              </a:rPr>
-              <a:t>Advantages of d</a:t>
-            </a:r>
-            <a:r>
-              <a:rPr lang="pl-PL" smtClean="0">
-                <a:solidFill>
-                  <a:srgbClr val="0070C0"/>
-                </a:solidFill>
-              </a:rPr>
-              <a:t>omain </a:t>
+              <a:rPr lang="pl-PL" dirty="0" err="1">
+                <a:solidFill>
+                  <a:srgbClr val="0070C0"/>
+                </a:solidFill>
+              </a:rPr>
+              <a:t>Finding</a:t>
             </a:r>
             <a:r>
               <a:rPr lang="pl-PL" dirty="0">
@@ -5650,7 +5696,15 @@
                   <a:srgbClr val="0070C0"/>
                 </a:solidFill>
               </a:rPr>
-              <a:t>specific repositories</a:t>
+              <a:t> </a:t>
+            </a:r>
+            <a:r>
+              <a:rPr lang="pl-PL" dirty="0" err="1">
+                <a:solidFill>
+                  <a:srgbClr val="0070C0"/>
+                </a:solidFill>
+              </a:rPr>
+              <a:t>repositories</a:t>
             </a:r>
             <a:endParaRPr lang="en-GB" dirty="0">
               <a:solidFill>
@@ -5663,7 +5717,7 @@
     </p:spTree>
     <p:extLst>
       <p:ext uri="{BB962C8B-B14F-4D97-AF65-F5344CB8AC3E}">
-        <p14:creationId xmlns:p14="http://schemas.microsoft.com/office/powerpoint/2010/main" val="1646562172"/>
+        <p14:creationId xmlns:p14="http://schemas.microsoft.com/office/powerpoint/2010/main" val="1889911849"/>
       </p:ext>
     </p:extLst>
   </p:cSld>
@@ -5690,53 +5744,6 @@
           <a:chExt cx="0" cy="0"/>
         </a:xfrm>
       </p:grpSpPr>
-      <p:pic>
-        <p:nvPicPr>
-          <p:cNvPr id="4" name="Picture 2" descr="Ed_DaSH">
-            <a:extLst>
-              <a:ext uri="{FF2B5EF4-FFF2-40B4-BE49-F238E27FC236}">
-                <a16:creationId xmlns:a16="http://schemas.microsoft.com/office/drawing/2014/main" id="{A783256F-E39E-4712-96B0-240BD611CFEB}"/>
-              </a:ext>
-            </a:extLst>
-          </p:cNvPr>
-          <p:cNvPicPr>
-            <a:picLocks noChangeAspect="1" noChangeArrowheads="1"/>
-          </p:cNvPicPr>
-          <p:nvPr/>
-        </p:nvPicPr>
-        <p:blipFill>
-          <a:blip r:embed="rId2" cstate="hqprint">
-            <a:extLst>
-              <a:ext uri="{28A0092B-C50C-407E-A947-70E740481C1C}">
-                <a14:useLocalDpi xmlns:a14="http://schemas.microsoft.com/office/drawing/2010/main" val="0"/>
-              </a:ext>
-            </a:extLst>
-          </a:blip>
-          <a:srcRect/>
-          <a:stretch>
-            <a:fillRect/>
-          </a:stretch>
-        </p:blipFill>
-        <p:spPr bwMode="auto">
-          <a:xfrm>
-            <a:off x="10820670" y="5458691"/>
-            <a:ext cx="1289214" cy="1325418"/>
-          </a:xfrm>
-          <a:prstGeom prst="rect">
-            <a:avLst/>
-          </a:prstGeom>
-          <a:noFill/>
-          <a:extLst>
-            <a:ext uri="{909E8E84-426E-40DD-AFC4-6F175D3DCCD1}">
-              <a14:hiddenFill xmlns:a14="http://schemas.microsoft.com/office/drawing/2010/main">
-                <a:solidFill>
-                  <a:srgbClr val="FFFFFF"/>
-                </a:solidFill>
-              </a14:hiddenFill>
-            </a:ext>
-          </a:extLst>
-        </p:spPr>
-      </p:pic>
       <p:sp>
         <p:nvSpPr>
           <p:cNvPr id="5" name="Title 1">
@@ -5769,7 +5776,7 @@
                   <a:srgbClr val="0070C0"/>
                 </a:solidFill>
               </a:rPr>
-              <a:t>Domain specific repositories</a:t>
+              <a:t>Finding repository</a:t>
             </a:r>
             <a:endParaRPr lang="en-GB" dirty="0">
               <a:solidFill>
@@ -5781,13 +5788,19 @@
       </p:sp>
       <p:sp>
         <p:nvSpPr>
-          <p:cNvPr id="6" name="Rectangle 5"/>
+          <p:cNvPr id="6" name="Rectangle 5">
+            <a:extLst>
+              <a:ext uri="{FF2B5EF4-FFF2-40B4-BE49-F238E27FC236}">
+                <a16:creationId xmlns:a16="http://schemas.microsoft.com/office/drawing/2014/main" id="{22F34A1D-F400-3A41-84C5-6FDD05616677}"/>
+              </a:ext>
+            </a:extLst>
+          </p:cNvPr>
           <p:cNvSpPr/>
           <p:nvPr/>
         </p:nvSpPr>
         <p:spPr>
           <a:xfrm>
-            <a:off x="605073" y="1977256"/>
+            <a:off x="693616" y="2951946"/>
             <a:ext cx="10981854" cy="1323439"/>
           </a:xfrm>
           <a:prstGeom prst="rect">
@@ -5815,7 +5828,7 @@
                   <a:srgbClr val="0070C0"/>
                 </a:solidFill>
               </a:rPr>
-              <a:t> 3</a:t>
+              <a:t> 4</a:t>
             </a:r>
             <a:endParaRPr lang="pl-PL" sz="4000" dirty="0">
               <a:solidFill>
@@ -5839,7 +5852,7 @@
     </p:spTree>
     <p:extLst>
       <p:ext uri="{BB962C8B-B14F-4D97-AF65-F5344CB8AC3E}">
-        <p14:creationId xmlns:p14="http://schemas.microsoft.com/office/powerpoint/2010/main" val="4258755406"/>
+        <p14:creationId xmlns:p14="http://schemas.microsoft.com/office/powerpoint/2010/main" val="213822311"/>
       </p:ext>
     </p:extLst>
   </p:cSld>
@@ -5868,85 +5881,70 @@
       </p:grpSpPr>
       <p:sp>
         <p:nvSpPr>
-          <p:cNvPr id="4" name="Title 1">
-            <a:extLst>
-              <a:ext uri="{FF2B5EF4-FFF2-40B4-BE49-F238E27FC236}">
-                <a16:creationId xmlns:a16="http://schemas.microsoft.com/office/drawing/2014/main" id="{A11E7DE7-A0AD-425E-8044-DF65BF838ED7}"/>
-              </a:ext>
-            </a:extLst>
-          </p:cNvPr>
-          <p:cNvSpPr txBox="1">
-            <a:spLocks/>
+          <p:cNvPr id="5" name="Title 1">
+            <a:extLst>
+              <a:ext uri="{FF2B5EF4-FFF2-40B4-BE49-F238E27FC236}">
+                <a16:creationId xmlns:a16="http://schemas.microsoft.com/office/drawing/2014/main" id="{775BFE92-9990-4094-B7B2-01514614F16E}"/>
+              </a:ext>
+            </a:extLst>
+          </p:cNvPr>
+          <p:cNvSpPr>
+            <a:spLocks noGrp="1"/>
           </p:cNvSpPr>
-          <p:nvPr/>
+          <p:nvPr>
+            <p:ph type="title"/>
+          </p:nvPr>
         </p:nvSpPr>
         <p:spPr>
           <a:xfrm>
-            <a:off x="990600" y="517525"/>
+            <a:off x="838200" y="365125"/>
             <a:ext cx="10515600" cy="1325563"/>
+          </a:xfrm>
+        </p:spPr>
+        <p:txBody>
+          <a:bodyPr/>
+          <a:lstStyle/>
+          <a:p>
+            <a:r>
+              <a:rPr lang="pl-PL" dirty="0">
+                <a:solidFill>
+                  <a:srgbClr val="0070C0"/>
+                </a:solidFill>
+              </a:rPr>
+              <a:t>Finding repository</a:t>
+            </a:r>
+            <a:r>
+              <a:rPr lang="en-GB" dirty="0">
+                <a:solidFill>
+                  <a:srgbClr val="0070C0"/>
+                </a:solidFill>
+              </a:rPr>
+              <a:t> - Solution</a:t>
+            </a:r>
+          </a:p>
+        </p:txBody>
+      </p:sp>
+      <p:sp>
+        <p:nvSpPr>
+          <p:cNvPr id="7" name="TextBox 6">
+            <a:extLst>
+              <a:ext uri="{FF2B5EF4-FFF2-40B4-BE49-F238E27FC236}">
+                <a16:creationId xmlns:a16="http://schemas.microsoft.com/office/drawing/2014/main" id="{20AB0459-2566-4B4F-B318-FA9C6A08F0E4}"/>
+              </a:ext>
+            </a:extLst>
+          </p:cNvPr>
+          <p:cNvSpPr txBox="1"/>
+          <p:nvPr/>
+        </p:nvSpPr>
+        <p:spPr>
+          <a:xfrm>
+            <a:off x="1831311" y="2021691"/>
+            <a:ext cx="7754815" cy="1015663"/>
           </a:xfrm>
           <a:prstGeom prst="rect">
             <a:avLst/>
           </a:prstGeom>
-        </p:spPr>
-        <p:txBody>
-          <a:bodyPr vert="horz" lIns="91440" tIns="45720" rIns="91440" bIns="45720" rtlCol="0" anchor="ctr">
-            <a:normAutofit/>
-          </a:bodyPr>
-          <a:lstStyle>
-            <a:lvl1pPr algn="l" defTabSz="914400" rtl="0" eaLnBrk="1" latinLnBrk="0" hangingPunct="1">
-              <a:lnSpc>
-                <a:spcPct val="90000"/>
-              </a:lnSpc>
-              <a:spcBef>
-                <a:spcPct val="0"/>
-              </a:spcBef>
-              <a:buNone/>
-              <a:defRPr sz="4400" kern="1200">
-                <a:solidFill>
-                  <a:srgbClr val="0070C0"/>
-                </a:solidFill>
-                <a:latin typeface="+mj-lt"/>
-                <a:ea typeface="+mj-ea"/>
-                <a:cs typeface="+mj-cs"/>
-              </a:defRPr>
-            </a:lvl1pPr>
-          </a:lstStyle>
-          <a:p>
-            <a:r>
-              <a:rPr lang="pl-PL" dirty="0"/>
-              <a:t>Domain specific repositories</a:t>
-            </a:r>
-            <a:endParaRPr lang="en-GB" dirty="0"/>
-          </a:p>
-        </p:txBody>
-      </p:sp>
-      <p:sp>
-        <p:nvSpPr>
-          <p:cNvPr id="5" name="TextBox 4">
-            <a:extLst>
-              <a:ext uri="{FF2B5EF4-FFF2-40B4-BE49-F238E27FC236}">
-                <a16:creationId xmlns:a16="http://schemas.microsoft.com/office/drawing/2014/main" id="{1C55261F-33BF-4ECB-A99F-446565AB2E20}"/>
-              </a:ext>
-            </a:extLst>
-          </p:cNvPr>
-          <p:cNvSpPr txBox="1"/>
-          <p:nvPr/>
-        </p:nvSpPr>
-        <p:spPr>
-          <a:xfrm>
-            <a:off x="1168958" y="2209850"/>
-            <a:ext cx="10158884" cy="2862322"/>
-          </a:xfrm>
-          <a:prstGeom prst="rect">
-            <a:avLst/>
-          </a:prstGeom>
-          <a:solidFill>
-            <a:schemeClr val="accent1">
-              <a:lumMod val="20000"/>
-              <a:lumOff val="80000"/>
-            </a:schemeClr>
-          </a:solidFill>
+          <a:noFill/>
         </p:spPr>
         <p:txBody>
           <a:bodyPr wrap="square">
@@ -5954,137 +5952,54 @@
           </a:bodyPr>
           <a:lstStyle/>
           <a:p>
-            <a:pPr algn="l">
+            <a:pPr>
               <a:lnSpc>
                 <a:spcPct val="150000"/>
               </a:lnSpc>
             </a:pPr>
             <a:r>
-              <a:rPr lang="en-GB" sz="2400" b="1" i="0" dirty="0">
+              <a:rPr lang="en-GB" sz="2000" b="1" i="0" dirty="0">
                 <a:solidFill>
                   <a:srgbClr val="333333"/>
                 </a:solidFill>
                 <a:effectLst/>
                 <a:latin typeface="Ubuntu"/>
               </a:rPr>
-              <a:t>Some advantages are:</a:t>
-            </a:r>
-          </a:p>
-          <a:p>
-            <a:pPr algn="l">
+              <a:t>Find a repo for </a:t>
+            </a:r>
+            <a:r>
+              <a:rPr lang="en-GB" sz="2000" b="1" i="0" dirty="0" smtClean="0">
+                <a:solidFill>
+                  <a:srgbClr val="333333"/>
+                </a:solidFill>
+                <a:effectLst/>
+                <a:latin typeface="Ubuntu"/>
+              </a:rPr>
+              <a:t>genomics data:</a:t>
+            </a:r>
+            <a:endParaRPr lang="en-GB" sz="2000" b="1" i="0" dirty="0">
+              <a:solidFill>
+                <a:srgbClr val="333333"/>
+              </a:solidFill>
+              <a:effectLst/>
+              <a:latin typeface="Ubuntu"/>
+            </a:endParaRPr>
+          </a:p>
+          <a:p>
+            <a:pPr>
               <a:lnSpc>
                 <a:spcPct val="150000"/>
               </a:lnSpc>
-              <a:buFont typeface="Arial" panose="020B0604020202020204" pitchFamily="34" charset="0"/>
-              <a:buChar char="•"/>
             </a:pPr>
             <a:r>
-              <a:rPr lang="pl-PL" sz="2400" b="0" i="0" dirty="0" smtClean="0">
+              <a:rPr lang="en-GB" sz="2000" b="0" i="0" dirty="0">
                 <a:solidFill>
                   <a:srgbClr val="333333"/>
                 </a:solidFill>
                 <a:effectLst/>
                 <a:latin typeface="Ubuntu"/>
               </a:rPr>
-              <a:t> </a:t>
-            </a:r>
-            <a:r>
-              <a:rPr lang="en-GB" sz="2400" b="0" i="0" dirty="0" smtClean="0">
-                <a:solidFill>
-                  <a:srgbClr val="333333"/>
-                </a:solidFill>
-                <a:effectLst/>
-                <a:latin typeface="Ubuntu"/>
-              </a:rPr>
-              <a:t>The </a:t>
-            </a:r>
-            <a:r>
-              <a:rPr lang="en-GB" sz="2400" b="0" i="0" dirty="0">
-                <a:solidFill>
-                  <a:srgbClr val="333333"/>
-                </a:solidFill>
-                <a:effectLst/>
-                <a:latin typeface="Ubuntu"/>
-              </a:rPr>
-              <a:t>repository is more relevant to your discipline than a generalist one.</a:t>
-            </a:r>
-          </a:p>
-          <a:p>
-            <a:pPr algn="l">
-              <a:lnSpc>
-                <a:spcPct val="150000"/>
-              </a:lnSpc>
-              <a:buFont typeface="Arial" panose="020B0604020202020204" pitchFamily="34" charset="0"/>
-              <a:buChar char="•"/>
-            </a:pPr>
-            <a:r>
-              <a:rPr lang="pl-PL" sz="2400" b="0" i="0" dirty="0" smtClean="0">
-                <a:solidFill>
-                  <a:srgbClr val="333333"/>
-                </a:solidFill>
-                <a:effectLst/>
-                <a:latin typeface="Ubuntu"/>
-              </a:rPr>
-              <a:t> </a:t>
-            </a:r>
-            <a:r>
-              <a:rPr lang="en-GB" sz="2400" b="0" i="0" dirty="0" smtClean="0">
-                <a:solidFill>
-                  <a:srgbClr val="333333"/>
-                </a:solidFill>
-                <a:effectLst/>
-                <a:latin typeface="Ubuntu"/>
-              </a:rPr>
-              <a:t>Higher </a:t>
-            </a:r>
-            <a:r>
-              <a:rPr lang="en-GB" sz="2400" b="0" i="0" dirty="0">
-                <a:solidFill>
-                  <a:srgbClr val="333333"/>
-                </a:solidFill>
-                <a:effectLst/>
-                <a:latin typeface="Ubuntu"/>
-              </a:rPr>
-              <a:t>exposure (people looking for those specific types of data will usually first look at the specific repository).</a:t>
-            </a:r>
-          </a:p>
-          <a:p>
-            <a:pPr algn="l">
-              <a:lnSpc>
-                <a:spcPct val="150000"/>
-              </a:lnSpc>
-              <a:buFont typeface="Arial" panose="020B0604020202020204" pitchFamily="34" charset="0"/>
-              <a:buChar char="•"/>
-            </a:pPr>
-            <a:r>
-              <a:rPr lang="pl-PL" sz="2400" b="0" i="0" dirty="0" smtClean="0">
-                <a:solidFill>
-                  <a:srgbClr val="333333"/>
-                </a:solidFill>
-                <a:effectLst/>
-                <a:latin typeface="Ubuntu"/>
-              </a:rPr>
-              <a:t> </a:t>
-            </a:r>
-            <a:r>
-              <a:rPr lang="en-GB" sz="2400" b="0" i="0" dirty="0" smtClean="0">
-                <a:solidFill>
-                  <a:srgbClr val="333333"/>
-                </a:solidFill>
-                <a:effectLst/>
-                <a:latin typeface="Ubuntu"/>
-              </a:rPr>
-              <a:t>Higher </a:t>
-            </a:r>
-            <a:r>
-              <a:rPr lang="en-GB" sz="2400" b="0" i="0" dirty="0">
-                <a:solidFill>
-                  <a:srgbClr val="333333"/>
-                </a:solidFill>
-                <a:effectLst/>
-                <a:latin typeface="Ubuntu"/>
-              </a:rPr>
-              <a:t>number of citations (see above).</a:t>
+              <a:t>GEO/SRA and ENA/ArrayExpress are good examples. </a:t>
             </a:r>
           </a:p>
         </p:txBody>
@@ -6092,7 +6007,7 @@
     </p:spTree>
     <p:extLst>
       <p:ext uri="{BB962C8B-B14F-4D97-AF65-F5344CB8AC3E}">
-        <p14:creationId xmlns:p14="http://schemas.microsoft.com/office/powerpoint/2010/main" val="1656222730"/>
+        <p14:creationId xmlns:p14="http://schemas.microsoft.com/office/powerpoint/2010/main" val="489845771"/>
       </p:ext>
     </p:extLst>
   </p:cSld>
@@ -6127,8 +6042,8 @@
         </p:nvSpPr>
         <p:spPr>
           <a:xfrm>
-            <a:off x="838200" y="1483424"/>
-            <a:ext cx="10981854" cy="4401205"/>
+            <a:off x="742384" y="1451031"/>
+            <a:ext cx="10981854" cy="5016758"/>
           </a:xfrm>
           <a:prstGeom prst="rect">
             <a:avLst/>
@@ -6140,17 +6055,141 @@
           </a:bodyPr>
           <a:lstStyle/>
           <a:p>
-            <a:pPr marL="285750" indent="-285750">
-              <a:buFont typeface="Arial" panose="020B0604020202020204" pitchFamily="34" charset="0"/>
-              <a:buChar char="•"/>
-            </a:pPr>
+            <a:r>
+              <a:rPr lang="en-GB" sz="2000" b="1" dirty="0" smtClean="0">
+                <a:solidFill>
+                  <a:srgbClr val="0070C0"/>
+                </a:solidFill>
+              </a:rPr>
+              <a:t>1. Who is behind it? What is its funding?</a:t>
+            </a:r>
+          </a:p>
+          <a:p>
+            <a:endParaRPr lang="pl-PL" sz="2000" dirty="0">
+              <a:solidFill>
+                <a:srgbClr val="0070C0"/>
+              </a:solidFill>
+            </a:endParaRPr>
+          </a:p>
+          <a:p>
+            <a:r>
+              <a:rPr lang="pl-PL" sz="2000" b="1" dirty="0">
+                <a:solidFill>
+                  <a:srgbClr val="0070C0"/>
+                </a:solidFill>
+              </a:rPr>
+              <a:t>2. </a:t>
+            </a:r>
+            <a:r>
+              <a:rPr lang="en-GB" sz="2000" b="1" dirty="0" smtClean="0">
+                <a:solidFill>
+                  <a:srgbClr val="0070C0"/>
+                </a:solidFill>
+              </a:rPr>
+              <a:t>Quality </a:t>
+            </a:r>
+            <a:r>
+              <a:rPr lang="en-GB" sz="2000" b="1" dirty="0">
+                <a:solidFill>
+                  <a:srgbClr val="0070C0"/>
+                </a:solidFill>
+              </a:rPr>
+              <a:t>of </a:t>
+            </a:r>
+            <a:r>
+              <a:rPr lang="en-GB" sz="2000" b="1">
+                <a:solidFill>
+                  <a:srgbClr val="0070C0"/>
+                </a:solidFill>
+              </a:rPr>
+              <a:t>interaction</a:t>
+            </a:r>
+            <a:r>
+              <a:rPr lang="pl-PL" sz="2000" b="1" smtClean="0">
+                <a:solidFill>
+                  <a:srgbClr val="0070C0"/>
+                </a:solidFill>
+              </a:rPr>
+              <a:t>/interface</a:t>
+            </a:r>
+            <a:r>
+              <a:rPr lang="en-GB" sz="2000" b="1" smtClean="0">
+                <a:solidFill>
+                  <a:srgbClr val="0070C0"/>
+                </a:solidFill>
+              </a:rPr>
+              <a:t>/process: </a:t>
+            </a:r>
+            <a:r>
+              <a:rPr lang="pl-PL" sz="2000" dirty="0">
+                <a:solidFill>
+                  <a:srgbClr val="0070C0"/>
+                </a:solidFill>
+              </a:rPr>
+              <a:t/>
+            </a:r>
+            <a:br>
+              <a:rPr lang="pl-PL" sz="2000" dirty="0">
+                <a:solidFill>
+                  <a:srgbClr val="0070C0"/>
+                </a:solidFill>
+              </a:rPr>
+            </a:br>
+            <a:r>
+              <a:rPr lang="pl-PL" sz="2000">
+                <a:solidFill>
+                  <a:srgbClr val="0070C0"/>
+                </a:solidFill>
+              </a:rPr>
+              <a:t>	</a:t>
+            </a:r>
+            <a:r>
+              <a:rPr lang="en-GB" sz="2000" dirty="0">
+                <a:solidFill>
+                  <a:srgbClr val="0070C0"/>
+                </a:solidFill>
+              </a:rPr>
+              <a:t>I</a:t>
+            </a:r>
             <a:r>
               <a:rPr lang="en-GB" sz="2000" smtClean="0">
                 <a:solidFill>
                   <a:srgbClr val="0070C0"/>
                 </a:solidFill>
               </a:rPr>
-              <a:t>BioMed </a:t>
+              <a:t>s </a:t>
+            </a:r>
+            <a:r>
+              <a:rPr lang="en-GB" sz="2000">
+                <a:solidFill>
+                  <a:srgbClr val="0070C0"/>
+                </a:solidFill>
+              </a:rPr>
+              <a:t>the </a:t>
+            </a:r>
+            <a:r>
+              <a:rPr lang="en-GB" sz="2000" smtClean="0">
+                <a:solidFill>
+                  <a:srgbClr val="0070C0"/>
+                </a:solidFill>
+              </a:rPr>
+              <a:t>interaction </a:t>
+            </a:r>
+            <a:r>
+              <a:rPr lang="en-GB" sz="2000">
+                <a:solidFill>
+                  <a:srgbClr val="0070C0"/>
+                </a:solidFill>
+              </a:rPr>
+              <a:t>for </a:t>
+            </a:r>
+            <a:r>
+              <a:rPr lang="en-GB" sz="2000" smtClean="0">
+                <a:solidFill>
+                  <a:srgbClr val="0070C0"/>
+                </a:solidFill>
+              </a:rPr>
+              <a:t>the purposes </a:t>
             </a:r>
             <a:r>
               <a:rPr lang="en-GB" sz="2000" dirty="0">
@@ -6158,7 +6197,338 @@
                   <a:srgbClr val="0070C0"/>
                 </a:solidFill>
               </a:rPr>
-              <a:t>Central / </a:t>
+              <a:t>of data deposit or reuse efficient, </a:t>
+            </a:r>
+          </a:p>
+          <a:p>
+            <a:r>
+              <a:rPr lang="en-GB" sz="2000" dirty="0">
+                <a:solidFill>
+                  <a:srgbClr val="0070C0"/>
+                </a:solidFill>
+              </a:rPr>
+              <a:t>	effective and satisfactory for you?</a:t>
+            </a:r>
+          </a:p>
+          <a:p>
+            <a:endParaRPr lang="pl-PL" sz="2000" dirty="0">
+              <a:solidFill>
+                <a:srgbClr val="0070C0"/>
+              </a:solidFill>
+            </a:endParaRPr>
+          </a:p>
+          <a:p>
+            <a:r>
+              <a:rPr lang="pl-PL" sz="2000" b="1" dirty="0">
+                <a:solidFill>
+                  <a:srgbClr val="0070C0"/>
+                </a:solidFill>
+              </a:rPr>
+              <a:t>3. </a:t>
+            </a:r>
+            <a:r>
+              <a:rPr lang="en-GB" sz="2000" b="1" dirty="0" smtClean="0">
+                <a:solidFill>
+                  <a:srgbClr val="0070C0"/>
+                </a:solidFill>
+              </a:rPr>
+              <a:t>Take-up </a:t>
+            </a:r>
+            <a:r>
+              <a:rPr lang="en-GB" sz="2000" b="1" dirty="0">
+                <a:solidFill>
+                  <a:srgbClr val="0070C0"/>
+                </a:solidFill>
+              </a:rPr>
+              <a:t>and impact: </a:t>
+            </a:r>
+            <a:endParaRPr lang="pl-PL" sz="2000" b="1" dirty="0">
+              <a:solidFill>
+                <a:srgbClr val="0070C0"/>
+              </a:solidFill>
+            </a:endParaRPr>
+          </a:p>
+          <a:p>
+            <a:r>
+              <a:rPr lang="pl-PL" sz="2000">
+                <a:solidFill>
+                  <a:srgbClr val="0070C0"/>
+                </a:solidFill>
+              </a:rPr>
+              <a:t>	</a:t>
+            </a:r>
+            <a:r>
+              <a:rPr lang="en-GB" sz="2000" smtClean="0">
+                <a:solidFill>
+                  <a:srgbClr val="0070C0"/>
+                </a:solidFill>
+              </a:rPr>
+              <a:t>What </a:t>
+            </a:r>
+            <a:r>
+              <a:rPr lang="en-GB" sz="2000" dirty="0">
+                <a:solidFill>
+                  <a:srgbClr val="0070C0"/>
+                </a:solidFill>
+              </a:rPr>
+              <a:t>can I put in it? </a:t>
+            </a:r>
+            <a:r>
+              <a:rPr lang="pl-PL" sz="2000" dirty="0">
+                <a:solidFill>
+                  <a:srgbClr val="0070C0"/>
+                </a:solidFill>
+              </a:rPr>
+              <a:t/>
+            </a:r>
+            <a:br>
+              <a:rPr lang="pl-PL" sz="2000" dirty="0">
+                <a:solidFill>
+                  <a:srgbClr val="0070C0"/>
+                </a:solidFill>
+              </a:rPr>
+            </a:br>
+            <a:r>
+              <a:rPr lang="pl-PL" sz="2000">
+                <a:solidFill>
+                  <a:srgbClr val="0070C0"/>
+                </a:solidFill>
+              </a:rPr>
+              <a:t>	</a:t>
+            </a:r>
+            <a:r>
+              <a:rPr lang="en-GB" sz="2000" smtClean="0">
+                <a:solidFill>
+                  <a:srgbClr val="0070C0"/>
+                </a:solidFill>
+              </a:rPr>
+              <a:t>Is </a:t>
+            </a:r>
+            <a:r>
+              <a:rPr lang="en-GB" sz="2000" dirty="0">
+                <a:solidFill>
+                  <a:srgbClr val="0070C0"/>
+                </a:solidFill>
+              </a:rPr>
+              <a:t>anyone else using it? </a:t>
+            </a:r>
+            <a:r>
+              <a:rPr lang="pl-PL" sz="2000" dirty="0">
+                <a:solidFill>
+                  <a:srgbClr val="0070C0"/>
+                </a:solidFill>
+              </a:rPr>
+              <a:t/>
+            </a:r>
+            <a:br>
+              <a:rPr lang="pl-PL" sz="2000" dirty="0">
+                <a:solidFill>
+                  <a:srgbClr val="0070C0"/>
+                </a:solidFill>
+              </a:rPr>
+            </a:br>
+            <a:r>
+              <a:rPr lang="pl-PL" sz="2000">
+                <a:solidFill>
+                  <a:srgbClr val="0070C0"/>
+                </a:solidFill>
+              </a:rPr>
+              <a:t>	</a:t>
+            </a:r>
+            <a:r>
+              <a:rPr lang="en-GB" sz="2000" smtClean="0">
+                <a:solidFill>
+                  <a:srgbClr val="0070C0"/>
+                </a:solidFill>
+              </a:rPr>
+              <a:t>Will </a:t>
+            </a:r>
+            <a:r>
+              <a:rPr lang="en-GB" sz="2000" dirty="0">
+                <a:solidFill>
+                  <a:srgbClr val="0070C0"/>
+                </a:solidFill>
+              </a:rPr>
+              <a:t>others be able to find stuff deposited in it?</a:t>
+            </a:r>
+            <a:r>
+              <a:rPr lang="pl-PL" sz="2000" dirty="0">
+                <a:solidFill>
+                  <a:srgbClr val="0070C0"/>
+                </a:solidFill>
+              </a:rPr>
+              <a:t/>
+            </a:r>
+            <a:br>
+              <a:rPr lang="pl-PL" sz="2000" dirty="0">
+                <a:solidFill>
+                  <a:srgbClr val="0070C0"/>
+                </a:solidFill>
+              </a:rPr>
+            </a:br>
+            <a:r>
+              <a:rPr lang="pl-PL" sz="2000">
+                <a:solidFill>
+                  <a:srgbClr val="0070C0"/>
+                </a:solidFill>
+              </a:rPr>
+              <a:t>	</a:t>
+            </a:r>
+            <a:r>
+              <a:rPr lang="en-GB" sz="2000" smtClean="0">
+                <a:solidFill>
+                  <a:srgbClr val="0070C0"/>
+                </a:solidFill>
+              </a:rPr>
+              <a:t>I</a:t>
+            </a:r>
+            <a:r>
+              <a:rPr lang="pl-PL" sz="2000" smtClean="0">
+                <a:solidFill>
+                  <a:srgbClr val="0070C0"/>
+                </a:solidFill>
+              </a:rPr>
+              <a:t>s</a:t>
+            </a:r>
+            <a:r>
+              <a:rPr lang="en-GB" sz="2000" smtClean="0">
+                <a:solidFill>
+                  <a:srgbClr val="0070C0"/>
+                </a:solidFill>
+              </a:rPr>
+              <a:t> </a:t>
+            </a:r>
+            <a:r>
+              <a:rPr lang="en-GB" sz="2000" dirty="0">
+                <a:solidFill>
+                  <a:srgbClr val="0070C0"/>
+                </a:solidFill>
+              </a:rPr>
+              <a:t>the repository linked to other data repositories</a:t>
+            </a:r>
+            <a:r>
+              <a:rPr lang="pl-PL" sz="2000" dirty="0">
+                <a:solidFill>
+                  <a:srgbClr val="0070C0"/>
+                </a:solidFill>
+              </a:rPr>
+              <a:t>?</a:t>
+            </a:r>
+            <a:br>
+              <a:rPr lang="pl-PL" sz="2000" dirty="0">
+                <a:solidFill>
+                  <a:srgbClr val="0070C0"/>
+                </a:solidFill>
+              </a:rPr>
+            </a:br>
+            <a:r>
+              <a:rPr lang="pl-PL" sz="2000">
+                <a:solidFill>
+                  <a:srgbClr val="0070C0"/>
+                </a:solidFill>
+              </a:rPr>
+              <a:t>	</a:t>
+            </a:r>
+            <a:r>
+              <a:rPr lang="en-GB" sz="2000" smtClean="0">
+                <a:solidFill>
+                  <a:srgbClr val="0070C0"/>
+                </a:solidFill>
+              </a:rPr>
+              <a:t>Can </a:t>
+            </a:r>
+            <a:r>
+              <a:rPr lang="en-GB" sz="2000" dirty="0">
+                <a:solidFill>
+                  <a:srgbClr val="0070C0"/>
+                </a:solidFill>
+              </a:rPr>
+              <a:t>others cite the data?</a:t>
+            </a:r>
+            <a:endParaRPr lang="pl-PL" sz="2000" dirty="0">
+              <a:solidFill>
+                <a:srgbClr val="0070C0"/>
+              </a:solidFill>
+            </a:endParaRPr>
+          </a:p>
+          <a:p>
+            <a:endParaRPr lang="en-GB" sz="2000" dirty="0">
+              <a:solidFill>
+                <a:srgbClr val="0070C0"/>
+              </a:solidFill>
+            </a:endParaRPr>
+          </a:p>
+          <a:p>
+            <a:r>
+              <a:rPr lang="pl-PL" sz="2000" b="1" dirty="0">
+                <a:solidFill>
+                  <a:srgbClr val="0070C0"/>
+                </a:solidFill>
+              </a:rPr>
+              <a:t>4. </a:t>
+            </a:r>
+            <a:r>
+              <a:rPr lang="en-GB" sz="2000" b="1" dirty="0" smtClean="0">
+                <a:solidFill>
+                  <a:srgbClr val="0070C0"/>
+                </a:solidFill>
+              </a:rPr>
+              <a:t>Policy </a:t>
+            </a:r>
+            <a:r>
+              <a:rPr lang="en-GB" sz="2000" b="1" dirty="0">
+                <a:solidFill>
+                  <a:srgbClr val="0070C0"/>
+                </a:solidFill>
+              </a:rPr>
+              <a:t>and process: </a:t>
+            </a:r>
+            <a:r>
+              <a:rPr lang="pl-PL" sz="2000" dirty="0">
+                <a:solidFill>
+                  <a:srgbClr val="0070C0"/>
+                </a:solidFill>
+              </a:rPr>
+              <a:t/>
+            </a:r>
+            <a:br>
+              <a:rPr lang="pl-PL" sz="2000" dirty="0">
+                <a:solidFill>
+                  <a:srgbClr val="0070C0"/>
+                </a:solidFill>
+              </a:rPr>
+            </a:br>
+            <a:r>
+              <a:rPr lang="pl-PL" sz="2000">
+                <a:solidFill>
+                  <a:srgbClr val="0070C0"/>
+                </a:solidFill>
+              </a:rPr>
+              <a:t>	</a:t>
+            </a:r>
+            <a:r>
+              <a:rPr lang="en-GB" sz="2000" dirty="0">
+                <a:solidFill>
+                  <a:srgbClr val="0070C0"/>
+                </a:solidFill>
+              </a:rPr>
+              <a:t>D</a:t>
+            </a:r>
+            <a:r>
+              <a:rPr lang="en-GB" sz="2000" smtClean="0">
+                <a:solidFill>
+                  <a:srgbClr val="0070C0"/>
+                </a:solidFill>
+              </a:rPr>
+              <a:t>oes </a:t>
+            </a:r>
+            <a:r>
+              <a:rPr lang="en-GB" sz="2000" dirty="0">
+                <a:solidFill>
+                  <a:srgbClr val="0070C0"/>
+                </a:solidFill>
+              </a:rPr>
+              <a:t>it </a:t>
             </a:r>
             <a:r>
               <a:rPr lang="en-GB" sz="2000">
@@ -6166,7 +6536,7 @@
                   <a:srgbClr val="0070C0"/>
                 </a:solidFill>
               </a:rPr>
-              <a:t>Springer </a:t>
+              <a:t>help </a:t>
             </a:r>
             <a:r>
               <a:rPr lang="en-GB" sz="2000" smtClean="0">
@@ -6174,377 +6544,142 @@
                   <a:srgbClr val="0070C0"/>
                 </a:solidFill>
               </a:rPr>
-              <a:t>Nature </a:t>
+              <a:t>me to meet </a:t>
             </a:r>
             <a:r>
               <a:rPr lang="en-GB" sz="2000" dirty="0">
                 <a:solidFill>
-                  <a:schemeClr val="bg1">
-                    <a:lumMod val="50000"/>
-                  </a:schemeClr>
-                </a:solidFill>
-              </a:rPr>
-              <a:t>- (https://www.springernature.com/gp/authors/research-data-policy/recommended-repositories)</a:t>
-            </a:r>
-          </a:p>
-          <a:p>
-            <a:pPr marL="285750" indent="-285750">
-              <a:buFont typeface="Arial" panose="020B0604020202020204" pitchFamily="34" charset="0"/>
-              <a:buChar char="•"/>
-            </a:pPr>
+                  <a:srgbClr val="0070C0"/>
+                </a:solidFill>
+              </a:rPr>
+              <a:t>community standards</a:t>
+            </a:r>
+            <a:r>
+              <a:rPr lang="pl-PL" sz="2000" dirty="0">
+                <a:solidFill>
+                  <a:srgbClr val="0070C0"/>
+                </a:solidFill>
+              </a:rPr>
+              <a:t>,</a:t>
+            </a:r>
+            <a:r>
+              <a:rPr lang="en-GB" sz="2000" dirty="0">
+                <a:solidFill>
+                  <a:srgbClr val="0070C0"/>
+                </a:solidFill>
+              </a:rPr>
+              <a:t> </a:t>
+            </a:r>
+            <a:r>
+              <a:rPr lang="en-GB" sz="2000">
+                <a:solidFill>
+                  <a:srgbClr val="0070C0"/>
+                </a:solidFill>
+              </a:rPr>
+              <a:t>good </a:t>
+            </a:r>
             <a:r>
               <a:rPr lang="en-GB" sz="2000" smtClean="0">
                 <a:solidFill>
                   <a:srgbClr val="0070C0"/>
                 </a:solidFill>
               </a:rPr>
-              <a:t>eLife </a:t>
+              <a:t>practice </a:t>
+            </a:r>
+            <a:r>
+              <a:rPr lang="pl-PL" sz="2000" dirty="0">
+                <a:solidFill>
+                  <a:srgbClr val="0070C0"/>
+                </a:solidFill>
+              </a:rPr>
+              <a:t>and</a:t>
             </a:r>
             <a:r>
               <a:rPr lang="en-GB" sz="2000" dirty="0">
                 <a:solidFill>
-                  <a:schemeClr val="bg1">
-                    <a:lumMod val="50000"/>
-                  </a:schemeClr>
-                </a:solidFill>
-              </a:rPr>
-              <a:t>- (https://submit.elifesciences.org/html/elife_author_instructions.html#policies)</a:t>
-            </a:r>
-          </a:p>
-          <a:p>
-            <a:pPr marL="285750" indent="-285750">
-              <a:buFont typeface="Arial" panose="020B0604020202020204" pitchFamily="34" charset="0"/>
-              <a:buChar char="•"/>
-            </a:pPr>
+                  <a:srgbClr val="0070C0"/>
+                </a:solidFill>
+              </a:rPr>
+              <a:t> policies</a:t>
+            </a:r>
+            <a:r>
+              <a:rPr lang="pl-PL" sz="2000" dirty="0">
+                <a:solidFill>
+                  <a:srgbClr val="0070C0"/>
+                </a:solidFill>
+              </a:rPr>
+              <a:t>?</a:t>
+            </a:r>
+            <a:br>
+              <a:rPr lang="pl-PL" sz="2000" dirty="0">
+                <a:solidFill>
+                  <a:srgbClr val="0070C0"/>
+                </a:solidFill>
+              </a:rPr>
+            </a:br>
+            <a:r>
+              <a:rPr lang="pl-PL" sz="2000">
+                <a:solidFill>
+                  <a:srgbClr val="0070C0"/>
+                </a:solidFill>
+              </a:rPr>
+              <a:t>	</a:t>
+            </a:r>
             <a:r>
               <a:rPr lang="en-GB" sz="2000" smtClean="0">
                 <a:solidFill>
                   <a:srgbClr val="0070C0"/>
                 </a:solidFill>
               </a:rPr>
-              <a:t>Elsevier </a:t>
-            </a:r>
-            <a:r>
-              <a:rPr lang="en-GB" sz="2000" dirty="0">
-                <a:solidFill>
-                  <a:schemeClr val="bg1">
-                    <a:lumMod val="50000"/>
-                  </a:schemeClr>
-                </a:solidFill>
-              </a:rPr>
-              <a:t>- (https://www.elsevier.com/about/policies/research-data)</a:t>
-            </a:r>
-          </a:p>
-          <a:p>
-            <a:pPr marL="285750" indent="-285750">
-              <a:buFont typeface="Arial" panose="020B0604020202020204" pitchFamily="34" charset="0"/>
-              <a:buChar char="•"/>
-            </a:pPr>
-            <a:r>
-              <a:rPr lang="en-GB" sz="2000" smtClean="0">
-                <a:solidFill>
-                  <a:srgbClr val="0070C0"/>
-                </a:solidFill>
-              </a:rPr>
-              <a:t>EMBO Press </a:t>
-            </a:r>
-            <a:r>
-              <a:rPr lang="en-GB" sz="2000" dirty="0">
-                <a:solidFill>
-                  <a:schemeClr val="bg1">
-                    <a:lumMod val="50000"/>
-                  </a:schemeClr>
-                </a:solidFill>
-              </a:rPr>
-              <a:t>- (https://www.embopress.org/page/journal/14602075/authorguide#datadeposition)</a:t>
-            </a:r>
-          </a:p>
-          <a:p>
-            <a:pPr marL="285750" indent="-285750">
-              <a:buFont typeface="Arial" panose="020B0604020202020204" pitchFamily="34" charset="0"/>
-              <a:buChar char="•"/>
-            </a:pPr>
-            <a:r>
-              <a:rPr lang="en-GB" sz="2000" smtClean="0">
-                <a:solidFill>
-                  <a:srgbClr val="0070C0"/>
-                </a:solidFill>
-              </a:rPr>
-              <a:t>F1000 Research </a:t>
-            </a:r>
-            <a:r>
-              <a:rPr lang="en-GB" sz="2000" dirty="0">
-                <a:solidFill>
-                  <a:schemeClr val="bg1">
-                    <a:lumMod val="50000"/>
-                  </a:schemeClr>
-                </a:solidFill>
-              </a:rPr>
-              <a:t>- (https://f1000research.com/for-authors/data-guidelines)</a:t>
-            </a:r>
-          </a:p>
-          <a:p>
-            <a:pPr marL="285750" indent="-285750">
-              <a:buFont typeface="Arial" panose="020B0604020202020204" pitchFamily="34" charset="0"/>
-              <a:buChar char="•"/>
-            </a:pPr>
-            <a:r>
-              <a:rPr lang="en-GB" sz="2000" smtClean="0">
-                <a:solidFill>
-                  <a:srgbClr val="0070C0"/>
-                </a:solidFill>
-              </a:rPr>
-              <a:t>GIGAscience </a:t>
-            </a:r>
-            <a:r>
-              <a:rPr lang="en-GB" sz="2000">
-                <a:solidFill>
-                  <a:srgbClr val="0070C0"/>
-                </a:solidFill>
-              </a:rPr>
-              <a:t>- </a:t>
-            </a:r>
-            <a:r>
-              <a:rPr lang="en-GB" sz="2000" smtClean="0">
-                <a:solidFill>
-                  <a:srgbClr val="0070C0"/>
-                </a:solidFill>
-              </a:rPr>
-              <a:t>OUP </a:t>
-            </a:r>
-            <a:r>
-              <a:rPr lang="en-GB" sz="2000" dirty="0">
-                <a:solidFill>
-                  <a:schemeClr val="bg1">
-                    <a:lumMod val="50000"/>
-                  </a:schemeClr>
-                </a:solidFill>
-              </a:rPr>
-              <a:t>- (https://academic.oup.com/gigascience/pages/instructions_to_authors)</a:t>
-            </a:r>
-          </a:p>
-          <a:p>
-            <a:pPr marL="285750" indent="-285750">
-              <a:buFont typeface="Arial" panose="020B0604020202020204" pitchFamily="34" charset="0"/>
-              <a:buChar char="•"/>
-            </a:pPr>
-            <a:r>
-              <a:rPr lang="en-GB" sz="2000" smtClean="0">
-                <a:solidFill>
-                  <a:srgbClr val="0070C0"/>
-                </a:solidFill>
-              </a:rPr>
-              <a:t>PLoS </a:t>
-            </a:r>
-            <a:r>
-              <a:rPr lang="en-GB" sz="2000" dirty="0">
-                <a:solidFill>
-                  <a:schemeClr val="bg1">
-                    <a:lumMod val="50000"/>
-                  </a:schemeClr>
-                </a:solidFill>
-              </a:rPr>
-              <a:t>- (https://journals.plos.org/plosbiology/s/recommended-repositories)</a:t>
-            </a:r>
-          </a:p>
-          <a:p>
-            <a:pPr marL="285750" indent="-285750">
-              <a:buFont typeface="Arial" panose="020B0604020202020204" pitchFamily="34" charset="0"/>
-              <a:buChar char="•"/>
-            </a:pPr>
-            <a:r>
-              <a:rPr lang="en-GB" sz="2000" smtClean="0">
-                <a:solidFill>
-                  <a:srgbClr val="0070C0"/>
-                </a:solidFill>
-              </a:rPr>
-              <a:t>Scientific </a:t>
-            </a:r>
-            <a:r>
-              <a:rPr lang="en-GB" sz="2000" dirty="0">
-                <a:solidFill>
-                  <a:srgbClr val="0070C0"/>
-                </a:solidFill>
-              </a:rPr>
-              <a:t>Data </a:t>
-            </a:r>
-            <a:r>
-              <a:rPr lang="en-GB" sz="2000">
-                <a:solidFill>
-                  <a:srgbClr val="0070C0"/>
-                </a:solidFill>
-              </a:rPr>
-              <a:t>- </a:t>
-            </a:r>
-            <a:r>
-              <a:rPr lang="en-GB" sz="2000" smtClean="0">
-                <a:solidFill>
-                  <a:srgbClr val="0070C0"/>
-                </a:solidFill>
-              </a:rPr>
-              <a:t>Nature </a:t>
-            </a:r>
-            <a:r>
-              <a:rPr lang="en-GB" sz="2000" dirty="0">
-                <a:solidFill>
-                  <a:schemeClr val="bg1">
-                    <a:lumMod val="50000"/>
-                  </a:schemeClr>
-                </a:solidFill>
-              </a:rPr>
-              <a:t>- (https://www.nature.com/sdata/policies/repositories)</a:t>
-            </a:r>
-          </a:p>
-          <a:p>
-            <a:pPr marL="285750" indent="-285750">
-              <a:buFont typeface="Arial" panose="020B0604020202020204" pitchFamily="34" charset="0"/>
-              <a:buChar char="•"/>
-            </a:pPr>
-            <a:r>
-              <a:rPr lang="en-GB" sz="2000" smtClean="0">
-                <a:solidFill>
-                  <a:srgbClr val="0070C0"/>
-                </a:solidFill>
-              </a:rPr>
-              <a:t>Taylor </a:t>
-            </a:r>
-            <a:r>
-              <a:rPr lang="en-GB" sz="2000">
-                <a:solidFill>
-                  <a:srgbClr val="0070C0"/>
-                </a:solidFill>
-              </a:rPr>
-              <a:t>and </a:t>
-            </a:r>
-            <a:r>
-              <a:rPr lang="en-GB" sz="2000" smtClean="0">
-                <a:solidFill>
-                  <a:srgbClr val="0070C0"/>
-                </a:solidFill>
-              </a:rPr>
-              <a:t>Francis </a:t>
-            </a:r>
-            <a:r>
-              <a:rPr lang="en-GB" sz="2000" dirty="0">
-                <a:solidFill>
-                  <a:schemeClr val="bg1">
-                    <a:lumMod val="50000"/>
-                  </a:schemeClr>
-                </a:solidFill>
-              </a:rPr>
-              <a:t>- (https://authorservices.taylorandfrancis.com/data-sharing-policies/repositories/)</a:t>
-            </a:r>
-          </a:p>
-          <a:p>
-            <a:pPr marL="285750" indent="-285750">
-              <a:buFont typeface="Arial" panose="020B0604020202020204" pitchFamily="34" charset="0"/>
-              <a:buChar char="•"/>
-            </a:pPr>
-            <a:r>
-              <a:rPr lang="en-GB" sz="2000" smtClean="0">
-                <a:solidFill>
-                  <a:srgbClr val="0070C0"/>
-                </a:solidFill>
-              </a:rPr>
-              <a:t>BBSRC </a:t>
-            </a:r>
-            <a:r>
-              <a:rPr lang="en-GB" sz="2000" dirty="0">
-                <a:solidFill>
-                  <a:schemeClr val="bg1">
-                    <a:lumMod val="50000"/>
-                  </a:schemeClr>
-                </a:solidFill>
-              </a:rPr>
-              <a:t>- (https://bbsrc.ukri.org/research/resources/)</a:t>
-            </a:r>
-          </a:p>
-          <a:p>
-            <a:pPr marL="285750" indent="-285750">
-              <a:buFont typeface="Arial" panose="020B0604020202020204" pitchFamily="34" charset="0"/>
-              <a:buChar char="•"/>
-            </a:pPr>
-            <a:r>
-              <a:rPr lang="en-GB" sz="2000" smtClean="0">
-                <a:solidFill>
-                  <a:srgbClr val="0070C0"/>
-                </a:solidFill>
-              </a:rPr>
-              <a:t>NERC </a:t>
-            </a:r>
-            <a:r>
-              <a:rPr lang="en-GB" sz="2000" dirty="0">
-                <a:solidFill>
-                  <a:schemeClr val="bg1">
-                    <a:lumMod val="50000"/>
-                  </a:schemeClr>
-                </a:solidFill>
-              </a:rPr>
-              <a:t>- (https://nerc.ukri.org/research/sites/environmental-data-service-eds/policy/)</a:t>
-            </a:r>
-          </a:p>
-          <a:p>
-            <a:pPr marL="285750" indent="-285750">
-              <a:buFont typeface="Arial" panose="020B0604020202020204" pitchFamily="34" charset="0"/>
-              <a:buChar char="•"/>
-            </a:pPr>
-            <a:r>
-              <a:rPr lang="en-GB" sz="2000" smtClean="0">
-                <a:solidFill>
-                  <a:srgbClr val="0070C0"/>
-                </a:solidFill>
-              </a:rPr>
-              <a:t>Royal Society </a:t>
-            </a:r>
-            <a:r>
-              <a:rPr lang="en-GB" sz="2000" dirty="0">
-                <a:solidFill>
-                  <a:schemeClr val="bg1">
-                    <a:lumMod val="50000"/>
-                  </a:schemeClr>
-                </a:solidFill>
-              </a:rPr>
-              <a:t>- (https://royalsociety.org/journals/ethics-policies/data-sharing-mining/)</a:t>
-            </a:r>
-          </a:p>
-          <a:p>
-            <a:pPr marL="285750" indent="-285750">
-              <a:buFont typeface="Arial" panose="020B0604020202020204" pitchFamily="34" charset="0"/>
-              <a:buChar char="•"/>
-            </a:pPr>
-            <a:r>
-              <a:rPr lang="en-GB" sz="2000" smtClean="0">
-                <a:solidFill>
-                  <a:srgbClr val="0070C0"/>
-                </a:solidFill>
-              </a:rPr>
-              <a:t>Wellcome </a:t>
-            </a:r>
-            <a:r>
-              <a:rPr lang="en-GB" sz="2000">
-                <a:solidFill>
-                  <a:srgbClr val="0070C0"/>
-                </a:solidFill>
-              </a:rPr>
-              <a:t>Open </a:t>
-            </a:r>
-            <a:r>
-              <a:rPr lang="en-GB" sz="2000" smtClean="0">
-                <a:solidFill>
-                  <a:srgbClr val="0070C0"/>
-                </a:solidFill>
-              </a:rPr>
-              <a:t>Research </a:t>
-            </a:r>
-            <a:r>
-              <a:rPr lang="en-GB" sz="2000" dirty="0">
-                <a:solidFill>
-                  <a:schemeClr val="bg1">
-                    <a:lumMod val="50000"/>
-                  </a:schemeClr>
-                </a:solidFill>
-              </a:rPr>
-              <a:t>- (https://wellcomeopenresearch.org/for-authors/data-guidelines) </a:t>
+              <a:t>I</a:t>
+            </a:r>
+            <a:r>
+              <a:rPr lang="pl-PL" sz="2000" smtClean="0">
+                <a:solidFill>
+                  <a:srgbClr val="0070C0"/>
+                </a:solidFill>
+              </a:rPr>
+              <a:t>s </a:t>
+            </a:r>
+            <a:r>
+              <a:rPr lang="en-GB" sz="2000" dirty="0" smtClean="0">
+                <a:solidFill>
+                  <a:srgbClr val="0070C0"/>
+                </a:solidFill>
+              </a:rPr>
+              <a:t>it</a:t>
+            </a:r>
+            <a:r>
+              <a:rPr lang="pl-PL" sz="2000" dirty="0" smtClean="0">
+                <a:solidFill>
+                  <a:srgbClr val="0070C0"/>
+                </a:solidFill>
+              </a:rPr>
+              <a:t> </a:t>
+            </a:r>
+            <a:r>
+              <a:rPr lang="en-GB" sz="2000" dirty="0" smtClean="0">
+                <a:solidFill>
+                  <a:srgbClr val="0070C0"/>
+                </a:solidFill>
+              </a:rPr>
+              <a:t>c</a:t>
+            </a:r>
+            <a:r>
+              <a:rPr lang="pl-PL" sz="2000" dirty="0" smtClean="0">
+                <a:solidFill>
+                  <a:srgbClr val="0070C0"/>
+                </a:solidFill>
+              </a:rPr>
+              <a:t>urated</a:t>
+            </a:r>
+            <a:r>
+              <a:rPr lang="pl-PL" sz="2000" dirty="0">
+                <a:solidFill>
+                  <a:srgbClr val="0070C0"/>
+                </a:solidFill>
+              </a:rPr>
+              <a:t>?</a:t>
             </a:r>
           </a:p>
         </p:txBody>
@@ -6576,25 +6711,20 @@
           <a:lstStyle/>
           <a:p>
             <a:r>
-              <a:rPr lang="en-GB" dirty="0" smtClean="0">
-                <a:solidFill>
-                  <a:srgbClr val="0070C0"/>
-                </a:solidFill>
-              </a:rPr>
-              <a:t>Finding repositories – use recommendations</a:t>
-            </a:r>
-            <a:endParaRPr lang="en-GB" dirty="0">
-              <a:solidFill>
-                <a:srgbClr val="0070C0"/>
-              </a:solidFill>
-            </a:endParaRPr>
+              <a:rPr lang="en-GB" dirty="0">
+                <a:solidFill>
+                  <a:srgbClr val="0070C0"/>
+                </a:solidFill>
+              </a:rPr>
+              <a:t>Evaluating a data repository</a:t>
+            </a:r>
           </a:p>
         </p:txBody>
       </p:sp>
     </p:spTree>
     <p:extLst>
       <p:ext uri="{BB962C8B-B14F-4D97-AF65-F5344CB8AC3E}">
-        <p14:creationId xmlns:p14="http://schemas.microsoft.com/office/powerpoint/2010/main" val="2392727602"/>
+        <p14:creationId xmlns:p14="http://schemas.microsoft.com/office/powerpoint/2010/main" val="2410312540"/>
       </p:ext>
     </p:extLst>
   </p:cSld>
@@ -6623,139 +6753,6 @@
       </p:grpSpPr>
       <p:sp>
         <p:nvSpPr>
-          <p:cNvPr id="2" name="Rectangle 1"/>
-          <p:cNvSpPr/>
-          <p:nvPr/>
-        </p:nvSpPr>
-        <p:spPr>
-          <a:xfrm>
-            <a:off x="742384" y="2064189"/>
-            <a:ext cx="10981854" cy="3416320"/>
-          </a:xfrm>
-          <a:prstGeom prst="rect">
-            <a:avLst/>
-          </a:prstGeom>
-        </p:spPr>
-        <p:txBody>
-          <a:bodyPr wrap="square">
-            <a:spAutoFit/>
-          </a:bodyPr>
-          <a:lstStyle/>
-          <a:p>
-            <a:r>
-              <a:rPr lang="pl-PL" sz="2400" dirty="0" err="1">
-                <a:solidFill>
-                  <a:srgbClr val="0070C0"/>
-                </a:solidFill>
-              </a:rPr>
-              <a:t>FAIRSharing.org</a:t>
-            </a:r>
-            <a:r>
-              <a:rPr lang="pl-PL" sz="2400" dirty="0">
-                <a:solidFill>
-                  <a:srgbClr val="0070C0"/>
-                </a:solidFill>
-              </a:rPr>
-              <a:t> – search engine</a:t>
-            </a:r>
-          </a:p>
-          <a:p>
-            <a:endParaRPr lang="pl-PL" sz="2400" dirty="0">
-              <a:solidFill>
-                <a:srgbClr val="0070C0"/>
-              </a:solidFill>
-            </a:endParaRPr>
-          </a:p>
-          <a:p>
-            <a:endParaRPr lang="pl-PL" sz="2400" dirty="0">
-              <a:solidFill>
-                <a:srgbClr val="0070C0"/>
-              </a:solidFill>
-            </a:endParaRPr>
-          </a:p>
-          <a:p>
-            <a:pPr marL="342900" indent="-342900">
-              <a:buFont typeface="Arial" panose="020B0604020202020204" pitchFamily="34" charset="0"/>
-              <a:buChar char="•"/>
-            </a:pPr>
-            <a:r>
-              <a:rPr lang="pl-PL" sz="2400" dirty="0">
-                <a:solidFill>
-                  <a:srgbClr val="0070C0"/>
-                </a:solidFill>
-              </a:rPr>
-              <a:t>Repositories</a:t>
-            </a:r>
-          </a:p>
-          <a:p>
-            <a:pPr marL="342900" indent="-342900">
-              <a:buFont typeface="Arial" panose="020B0604020202020204" pitchFamily="34" charset="0"/>
-              <a:buChar char="•"/>
-            </a:pPr>
-            <a:r>
-              <a:rPr lang="pl-PL" sz="2400" dirty="0">
-                <a:solidFill>
-                  <a:srgbClr val="0070C0"/>
-                </a:solidFill>
-              </a:rPr>
-              <a:t>Data standards</a:t>
-            </a:r>
-          </a:p>
-          <a:p>
-            <a:pPr marL="342900" indent="-342900">
-              <a:buFont typeface="Arial" panose="020B0604020202020204" pitchFamily="34" charset="0"/>
-              <a:buChar char="•"/>
-            </a:pPr>
-            <a:r>
-              <a:rPr lang="pl-PL" sz="2400" dirty="0">
-                <a:solidFill>
-                  <a:srgbClr val="0070C0"/>
-                </a:solidFill>
-              </a:rPr>
-              <a:t>Policies</a:t>
-            </a:r>
-          </a:p>
-          <a:p>
-            <a:pPr marL="285750" indent="-285750">
-              <a:buFontTx/>
-              <a:buChar char="-"/>
-            </a:pPr>
-            <a:endParaRPr lang="pl-PL" sz="2400" dirty="0">
-              <a:solidFill>
-                <a:srgbClr val="0070C0"/>
-              </a:solidFill>
-            </a:endParaRPr>
-          </a:p>
-          <a:p>
-            <a:pPr marL="285750" indent="-285750">
-              <a:buFontTx/>
-              <a:buChar char="-"/>
-            </a:pPr>
-            <a:endParaRPr lang="pl-PL" sz="2400" dirty="0">
-              <a:solidFill>
-                <a:srgbClr val="0070C0"/>
-              </a:solidFill>
-            </a:endParaRPr>
-          </a:p>
-          <a:p>
-            <a:r>
-              <a:rPr lang="pl-PL" sz="2400" dirty="0">
-                <a:solidFill>
-                  <a:srgbClr val="0070C0"/>
-                </a:solidFill>
-              </a:rPr>
-              <a:t>(too) many options for each type</a:t>
-            </a:r>
-            <a:endParaRPr lang="en-GB" sz="2400" dirty="0">
-              <a:solidFill>
-                <a:srgbClr val="0070C0"/>
-              </a:solidFill>
-            </a:endParaRPr>
-          </a:p>
-        </p:txBody>
-      </p:sp>
-      <p:sp>
-        <p:nvSpPr>
           <p:cNvPr id="5" name="Title 1">
             <a:extLst>
               <a:ext uri="{FF2B5EF4-FFF2-40B4-BE49-F238E27FC236}">
@@ -6781,28 +6778,28 @@
           <a:lstStyle/>
           <a:p>
             <a:r>
-              <a:rPr lang="pl-PL" dirty="0" err="1">
-                <a:solidFill>
-                  <a:srgbClr val="0070C0"/>
-                </a:solidFill>
-              </a:rPr>
-              <a:t>Finding</a:t>
-            </a:r>
-            <a:r>
-              <a:rPr lang="pl-PL" dirty="0">
-                <a:solidFill>
-                  <a:srgbClr val="0070C0"/>
-                </a:solidFill>
-              </a:rPr>
-              <a:t> </a:t>
-            </a:r>
-            <a:r>
-              <a:rPr lang="pl-PL" dirty="0" err="1">
-                <a:solidFill>
-                  <a:srgbClr val="0070C0"/>
-                </a:solidFill>
-              </a:rPr>
-              <a:t>repositories</a:t>
+              <a:rPr lang="en-GB" smtClean="0">
+                <a:solidFill>
+                  <a:srgbClr val="0070C0"/>
+                </a:solidFill>
+              </a:rPr>
+              <a:t>Using</a:t>
+            </a:r>
+            <a:r>
+              <a:rPr lang="pl-PL" smtClean="0">
+                <a:solidFill>
+                  <a:srgbClr val="0070C0"/>
+                </a:solidFill>
+              </a:rPr>
+              <a:t> repositor</a:t>
+            </a:r>
+            <a:r>
+              <a:rPr lang="en-GB" smtClean="0">
+                <a:solidFill>
+                  <a:srgbClr val="0070C0"/>
+                </a:solidFill>
+              </a:rPr>
+              <a:t>ies</a:t>
             </a:r>
             <a:endParaRPr lang="en-GB" dirty="0">
               <a:solidFill>
@@ -6812,10 +6809,81 @@
           </a:p>
         </p:txBody>
       </p:sp>
+      <p:sp>
+        <p:nvSpPr>
+          <p:cNvPr id="6" name="Rectangle 5">
+            <a:extLst>
+              <a:ext uri="{FF2B5EF4-FFF2-40B4-BE49-F238E27FC236}">
+                <a16:creationId xmlns:a16="http://schemas.microsoft.com/office/drawing/2014/main" id="{22F34A1D-F400-3A41-84C5-6FDD05616677}"/>
+              </a:ext>
+            </a:extLst>
+          </p:cNvPr>
+          <p:cNvSpPr/>
+          <p:nvPr/>
+        </p:nvSpPr>
+        <p:spPr>
+          <a:xfrm>
+            <a:off x="693616" y="2951946"/>
+            <a:ext cx="10981854" cy="1323439"/>
+          </a:xfrm>
+          <a:prstGeom prst="rect">
+            <a:avLst/>
+          </a:prstGeom>
+        </p:spPr>
+        <p:txBody>
+          <a:bodyPr wrap="square">
+            <a:spAutoFit/>
+          </a:bodyPr>
+          <a:lstStyle/>
+          <a:p>
+            <a:pPr algn="ctr"/>
+            <a:r>
+              <a:rPr lang="pl-PL" sz="4000" dirty="0">
+                <a:solidFill>
+                  <a:srgbClr val="0070C0"/>
+                </a:solidFill>
+              </a:rPr>
+              <a:t>Exercise</a:t>
+            </a:r>
+            <a:r>
+              <a:rPr lang="en-GB" sz="4000" dirty="0">
+                <a:solidFill>
+                  <a:srgbClr val="0070C0"/>
+                </a:solidFill>
+              </a:rPr>
+              <a:t> </a:t>
+            </a:r>
+            <a:r>
+              <a:rPr lang="en-GB" sz="4000" dirty="0" smtClean="0">
+                <a:solidFill>
+                  <a:srgbClr val="0070C0"/>
+                </a:solidFill>
+              </a:rPr>
+              <a:t>5</a:t>
+            </a:r>
+            <a:endParaRPr lang="pl-PL" sz="4000" dirty="0">
+              <a:solidFill>
+                <a:srgbClr val="0070C0"/>
+              </a:solidFill>
+            </a:endParaRPr>
+          </a:p>
+          <a:p>
+            <a:pPr marL="285750" indent="-285750" algn="ctr">
+              <a:buFont typeface="Arial" panose="020B0604020202020204" pitchFamily="34" charset="0"/>
+              <a:buChar char="•"/>
+            </a:pPr>
+            <a:endParaRPr lang="en-GB" sz="4000" dirty="0">
+              <a:solidFill>
+                <a:srgbClr val="0070C0"/>
+              </a:solidFill>
+            </a:endParaRPr>
+          </a:p>
+        </p:txBody>
+      </p:sp>
     </p:spTree>
     <p:extLst>
       <p:ext uri="{BB962C8B-B14F-4D97-AF65-F5344CB8AC3E}">
-        <p14:creationId xmlns:p14="http://schemas.microsoft.com/office/powerpoint/2010/main" val="1889911849"/>
+        <p14:creationId xmlns:p14="http://schemas.microsoft.com/office/powerpoint/2010/main" val="889010474"/>
       </p:ext>
     </p:extLst>
   </p:cSld>
@@ -6844,6 +6912,206 @@
       </p:grpSpPr>
       <p:sp>
         <p:nvSpPr>
+          <p:cNvPr id="2" name="Rectangle 1"/>
+          <p:cNvSpPr/>
+          <p:nvPr/>
+        </p:nvSpPr>
+        <p:spPr>
+          <a:xfrm>
+            <a:off x="730192" y="1690688"/>
+            <a:ext cx="10981854" cy="1754326"/>
+          </a:xfrm>
+          <a:prstGeom prst="rect">
+            <a:avLst/>
+          </a:prstGeom>
+        </p:spPr>
+        <p:txBody>
+          <a:bodyPr wrap="square">
+            <a:spAutoFit/>
+          </a:bodyPr>
+          <a:lstStyle/>
+          <a:p>
+            <a:pPr marL="285750" indent="-285750">
+              <a:lnSpc>
+                <a:spcPct val="150000"/>
+              </a:lnSpc>
+              <a:buFont typeface="Arial" panose="020B0604020202020204" pitchFamily="34" charset="0"/>
+              <a:buChar char="•"/>
+            </a:pPr>
+            <a:r>
+              <a:rPr lang="en-GB" sz="2400" dirty="0" smtClean="0">
+                <a:solidFill>
+                  <a:srgbClr val="0070C0"/>
+                </a:solidFill>
+              </a:rPr>
+              <a:t>Repository records are another form of scientific output!</a:t>
+            </a:r>
+            <a:endParaRPr lang="en-GB" sz="2400" dirty="0">
+              <a:solidFill>
+                <a:srgbClr val="0070C0"/>
+              </a:solidFill>
+            </a:endParaRPr>
+          </a:p>
+          <a:p>
+            <a:pPr marL="285750" indent="-285750">
+              <a:lnSpc>
+                <a:spcPct val="150000"/>
+              </a:lnSpc>
+              <a:buFont typeface="Arial" panose="020B0604020202020204" pitchFamily="34" charset="0"/>
+              <a:buChar char="•"/>
+            </a:pPr>
+            <a:r>
+              <a:rPr lang="en-GB" sz="2400" dirty="0" smtClean="0">
+                <a:solidFill>
+                  <a:srgbClr val="0070C0"/>
+                </a:solidFill>
+              </a:rPr>
+              <a:t>Add a good Data </a:t>
+            </a:r>
+            <a:r>
+              <a:rPr lang="en-GB" sz="2400" dirty="0">
+                <a:solidFill>
+                  <a:srgbClr val="0070C0"/>
+                </a:solidFill>
+              </a:rPr>
+              <a:t>A</a:t>
+            </a:r>
+            <a:r>
+              <a:rPr lang="en-GB" sz="2400" dirty="0" smtClean="0">
+                <a:solidFill>
+                  <a:srgbClr val="0070C0"/>
+                </a:solidFill>
+              </a:rPr>
+              <a:t>vailability</a:t>
+            </a:r>
+            <a:r>
+              <a:rPr lang="pl-PL" sz="2400" dirty="0" smtClean="0">
+                <a:solidFill>
+                  <a:srgbClr val="0070C0"/>
+                </a:solidFill>
+              </a:rPr>
+              <a:t> </a:t>
+            </a:r>
+            <a:r>
+              <a:rPr lang="en-GB" sz="2400" dirty="0">
+                <a:solidFill>
+                  <a:srgbClr val="0070C0"/>
+                </a:solidFill>
+              </a:rPr>
+              <a:t>S</a:t>
+            </a:r>
+            <a:r>
+              <a:rPr lang="en-GB" sz="2400" dirty="0" smtClean="0">
+                <a:solidFill>
+                  <a:srgbClr val="0070C0"/>
+                </a:solidFill>
+              </a:rPr>
+              <a:t>tatement</a:t>
+            </a:r>
+            <a:r>
+              <a:rPr lang="pl-PL" sz="2400" dirty="0" smtClean="0">
+                <a:solidFill>
+                  <a:srgbClr val="0070C0"/>
+                </a:solidFill>
+              </a:rPr>
+              <a:t> </a:t>
+            </a:r>
+            <a:r>
+              <a:rPr lang="pl-PL" sz="2400" dirty="0">
+                <a:solidFill>
+                  <a:srgbClr val="0070C0"/>
+                </a:solidFill>
+              </a:rPr>
+              <a:t>to your papers and list all the public </a:t>
+            </a:r>
+            <a:r>
+              <a:rPr lang="en-GB" sz="2400" dirty="0">
+                <a:solidFill>
+                  <a:srgbClr val="0070C0"/>
+                </a:solidFill>
+              </a:rPr>
+              <a:t>r</a:t>
+            </a:r>
+            <a:r>
+              <a:rPr lang="pl-PL" sz="2400" dirty="0" smtClean="0">
+                <a:solidFill>
+                  <a:srgbClr val="0070C0"/>
+                </a:solidFill>
+              </a:rPr>
+              <a:t>ecords</a:t>
+            </a:r>
+            <a:endParaRPr lang="pl-PL" sz="2400" dirty="0">
+              <a:solidFill>
+                <a:srgbClr val="0070C0"/>
+              </a:solidFill>
+            </a:endParaRPr>
+          </a:p>
+          <a:p>
+            <a:pPr marL="285750" indent="-285750">
+              <a:lnSpc>
+                <a:spcPct val="150000"/>
+              </a:lnSpc>
+              <a:buFont typeface="Arial" panose="020B0604020202020204" pitchFamily="34" charset="0"/>
+              <a:buChar char="•"/>
+            </a:pPr>
+            <a:r>
+              <a:rPr lang="pl-PL" sz="2400" dirty="0">
+                <a:solidFill>
+                  <a:srgbClr val="0070C0"/>
+                </a:solidFill>
+              </a:rPr>
+              <a:t>List </a:t>
+            </a:r>
+            <a:r>
+              <a:rPr lang="pl-PL" sz="2400" dirty="0" smtClean="0">
+                <a:solidFill>
+                  <a:srgbClr val="0070C0"/>
+                </a:solidFill>
+              </a:rPr>
+              <a:t>data </a:t>
+            </a:r>
+            <a:r>
+              <a:rPr lang="pl-PL" sz="2400" dirty="0">
+                <a:solidFill>
+                  <a:srgbClr val="0070C0"/>
+                </a:solidFill>
+              </a:rPr>
+              <a:t>sets in </a:t>
+            </a:r>
+            <a:r>
+              <a:rPr lang="en-GB" sz="2400" dirty="0" smtClean="0">
+                <a:solidFill>
+                  <a:srgbClr val="0070C0"/>
+                </a:solidFill>
+              </a:rPr>
+              <a:t>your </a:t>
+            </a:r>
+            <a:r>
+              <a:rPr lang="pl-PL" sz="2400" dirty="0" smtClean="0">
+                <a:solidFill>
+                  <a:srgbClr val="0070C0"/>
+                </a:solidFill>
+              </a:rPr>
+              <a:t>ORCID</a:t>
+            </a:r>
+            <a:r>
+              <a:rPr lang="en-GB" sz="2400" dirty="0" smtClean="0">
+                <a:solidFill>
+                  <a:srgbClr val="0070C0"/>
+                </a:solidFill>
+              </a:rPr>
+              <a:t> record</a:t>
+            </a:r>
+            <a:endParaRPr lang="en-GB" sz="2400" dirty="0">
+              <a:solidFill>
+                <a:srgbClr val="0070C0"/>
+              </a:solidFill>
+            </a:endParaRPr>
+          </a:p>
+        </p:txBody>
+      </p:sp>
+      <p:sp>
+        <p:nvSpPr>
           <p:cNvPr id="5" name="Title 1">
             <a:extLst>
               <a:ext uri="{FF2B5EF4-FFF2-40B4-BE49-F238E27FC236}">
@@ -6874,7 +7142,7 @@
                   <a:srgbClr val="0070C0"/>
                 </a:solidFill>
               </a:rPr>
-              <a:t>Finding repository</a:t>
+              <a:t>Repositories Summary</a:t>
             </a:r>
             <a:endParaRPr lang="en-GB" dirty="0">
               <a:solidFill>
@@ -6884,73 +7152,10 @@
           </a:p>
         </p:txBody>
       </p:sp>
-      <p:sp>
-        <p:nvSpPr>
-          <p:cNvPr id="6" name="Rectangle 5">
-            <a:extLst>
-              <a:ext uri="{FF2B5EF4-FFF2-40B4-BE49-F238E27FC236}">
-                <a16:creationId xmlns:a16="http://schemas.microsoft.com/office/drawing/2014/main" id="{22F34A1D-F400-3A41-84C5-6FDD05616677}"/>
-              </a:ext>
-            </a:extLst>
-          </p:cNvPr>
-          <p:cNvSpPr/>
-          <p:nvPr/>
-        </p:nvSpPr>
-        <p:spPr>
-          <a:xfrm>
-            <a:off x="693616" y="2951946"/>
-            <a:ext cx="10981854" cy="1323439"/>
-          </a:xfrm>
-          <a:prstGeom prst="rect">
-            <a:avLst/>
-          </a:prstGeom>
-        </p:spPr>
-        <p:txBody>
-          <a:bodyPr wrap="square">
-            <a:spAutoFit/>
-          </a:bodyPr>
-          <a:lstStyle/>
-          <a:p>
-            <a:pPr algn="ctr"/>
-            <a:r>
-              <a:rPr lang="pl-PL" sz="4000" dirty="0">
-                <a:solidFill>
-                  <a:srgbClr val="0070C0"/>
-                </a:solidFill>
-              </a:rPr>
-              <a:t>Exercise</a:t>
-            </a:r>
-            <a:r>
-              <a:rPr lang="en-GB" sz="4000" dirty="0">
-                <a:solidFill>
-                  <a:srgbClr val="0070C0"/>
-                </a:solidFill>
-              </a:rPr>
-              <a:t> 4</a:t>
-            </a:r>
-            <a:endParaRPr lang="pl-PL" sz="4000" dirty="0">
-              <a:solidFill>
-                <a:srgbClr val="0070C0"/>
-              </a:solidFill>
-            </a:endParaRPr>
-          </a:p>
-          <a:p>
-            <a:pPr marL="285750" indent="-285750" algn="ctr">
-              <a:buFont typeface="Arial" panose="020B0604020202020204" pitchFamily="34" charset="0"/>
-              <a:buChar char="•"/>
-            </a:pPr>
-            <a:endParaRPr lang="en-GB" sz="4000" dirty="0">
-              <a:solidFill>
-                <a:srgbClr val="0070C0"/>
-              </a:solidFill>
-            </a:endParaRPr>
-          </a:p>
-        </p:txBody>
-      </p:sp>
     </p:spTree>
     <p:extLst>
       <p:ext uri="{BB962C8B-B14F-4D97-AF65-F5344CB8AC3E}">
-        <p14:creationId xmlns:p14="http://schemas.microsoft.com/office/powerpoint/2010/main" val="213822311"/>
+        <p14:creationId xmlns:p14="http://schemas.microsoft.com/office/powerpoint/2010/main" val="2464484896"/>
       </p:ext>
     </p:extLst>
   </p:cSld>
@@ -7063,1341 +7268,6 @@
       </p:grpSpPr>
       <p:sp>
         <p:nvSpPr>
-          <p:cNvPr id="5" name="Title 1">
-            <a:extLst>
-              <a:ext uri="{FF2B5EF4-FFF2-40B4-BE49-F238E27FC236}">
-                <a16:creationId xmlns:a16="http://schemas.microsoft.com/office/drawing/2014/main" id="{775BFE92-9990-4094-B7B2-01514614F16E}"/>
-              </a:ext>
-            </a:extLst>
-          </p:cNvPr>
-          <p:cNvSpPr>
-            <a:spLocks noGrp="1"/>
-          </p:cNvSpPr>
-          <p:nvPr>
-            <p:ph type="title"/>
-          </p:nvPr>
-        </p:nvSpPr>
-        <p:spPr>
-          <a:xfrm>
-            <a:off x="838200" y="365125"/>
-            <a:ext cx="10515600" cy="1325563"/>
-          </a:xfrm>
-        </p:spPr>
-        <p:txBody>
-          <a:bodyPr/>
-          <a:lstStyle/>
-          <a:p>
-            <a:r>
-              <a:rPr lang="pl-PL" dirty="0">
-                <a:solidFill>
-                  <a:srgbClr val="0070C0"/>
-                </a:solidFill>
-              </a:rPr>
-              <a:t>Finding repository</a:t>
-            </a:r>
-            <a:r>
-              <a:rPr lang="en-GB" dirty="0">
-                <a:solidFill>
-                  <a:srgbClr val="0070C0"/>
-                </a:solidFill>
-              </a:rPr>
-              <a:t> - Solution</a:t>
-            </a:r>
-          </a:p>
-        </p:txBody>
-      </p:sp>
-      <p:sp>
-        <p:nvSpPr>
-          <p:cNvPr id="7" name="TextBox 6">
-            <a:extLst>
-              <a:ext uri="{FF2B5EF4-FFF2-40B4-BE49-F238E27FC236}">
-                <a16:creationId xmlns:a16="http://schemas.microsoft.com/office/drawing/2014/main" id="{20AB0459-2566-4B4F-B318-FA9C6A08F0E4}"/>
-              </a:ext>
-            </a:extLst>
-          </p:cNvPr>
-          <p:cNvSpPr txBox="1"/>
-          <p:nvPr/>
-        </p:nvSpPr>
-        <p:spPr>
-          <a:xfrm>
-            <a:off x="1831311" y="2021691"/>
-            <a:ext cx="7754815" cy="1477328"/>
-          </a:xfrm>
-          <a:prstGeom prst="rect">
-            <a:avLst/>
-          </a:prstGeom>
-          <a:noFill/>
-        </p:spPr>
-        <p:txBody>
-          <a:bodyPr wrap="square">
-            <a:spAutoFit/>
-          </a:bodyPr>
-          <a:lstStyle/>
-          <a:p>
-            <a:pPr>
-              <a:lnSpc>
-                <a:spcPct val="150000"/>
-              </a:lnSpc>
-            </a:pPr>
-            <a:r>
-              <a:rPr lang="en-GB" sz="2000" b="1" i="0" dirty="0">
-                <a:solidFill>
-                  <a:srgbClr val="333333"/>
-                </a:solidFill>
-                <a:effectLst/>
-                <a:latin typeface="Ubuntu"/>
-              </a:rPr>
-              <a:t>Find a repo for </a:t>
-            </a:r>
-            <a:r>
-              <a:rPr lang="en-GB" sz="2000" b="1" i="0" dirty="0" smtClean="0">
-                <a:solidFill>
-                  <a:srgbClr val="333333"/>
-                </a:solidFill>
-                <a:effectLst/>
-                <a:latin typeface="Ubuntu"/>
-              </a:rPr>
-              <a:t>genomics data:</a:t>
-            </a:r>
-            <a:endParaRPr lang="en-GB" sz="2000" b="1" i="0" dirty="0">
-              <a:solidFill>
-                <a:srgbClr val="333333"/>
-              </a:solidFill>
-              <a:effectLst/>
-              <a:latin typeface="Ubuntu"/>
-            </a:endParaRPr>
-          </a:p>
-          <a:p>
-            <a:pPr>
-              <a:lnSpc>
-                <a:spcPct val="150000"/>
-              </a:lnSpc>
-            </a:pPr>
-            <a:r>
-              <a:rPr lang="en-GB" sz="2000" b="0" i="0" dirty="0">
-                <a:solidFill>
-                  <a:srgbClr val="333333"/>
-                </a:solidFill>
-                <a:effectLst/>
-                <a:latin typeface="Ubuntu"/>
-              </a:rPr>
-              <a:t>GEO/SRA and ENA/ArrayExpress are good examples. Interestingly these repositories do not issue a DOI.</a:t>
-            </a:r>
-          </a:p>
-        </p:txBody>
-      </p:sp>
-    </p:spTree>
-    <p:extLst>
-      <p:ext uri="{BB962C8B-B14F-4D97-AF65-F5344CB8AC3E}">
-        <p14:creationId xmlns:p14="http://schemas.microsoft.com/office/powerpoint/2010/main" val="489845771"/>
-      </p:ext>
-    </p:extLst>
-  </p:cSld>
-  <p:clrMapOvr>
-    <a:masterClrMapping/>
-  </p:clrMapOvr>
-</p:sld>
-</file>
-
-<file path=ppt/slides/slide21.xml><?xml version="1.0" encoding="utf-8"?>
-<p:sld xmlns:a="http://schemas.openxmlformats.org/drawingml/2006/main" xmlns:r="http://schemas.openxmlformats.org/officeDocument/2006/relationships" xmlns:p="http://schemas.openxmlformats.org/presentationml/2006/main">
-  <p:cSld>
-    <p:spTree>
-      <p:nvGrpSpPr>
-        <p:cNvPr id="1" name=""/>
-        <p:cNvGrpSpPr/>
-        <p:nvPr/>
-      </p:nvGrpSpPr>
-      <p:grpSpPr>
-        <a:xfrm>
-          <a:off x="0" y="0"/>
-          <a:ext cx="0" cy="0"/>
-          <a:chOff x="0" y="0"/>
-          <a:chExt cx="0" cy="0"/>
-        </a:xfrm>
-      </p:grpSpPr>
-      <p:sp>
-        <p:nvSpPr>
-          <p:cNvPr id="2" name="Rectangle 1"/>
-          <p:cNvSpPr/>
-          <p:nvPr/>
-        </p:nvSpPr>
-        <p:spPr>
-          <a:xfrm>
-            <a:off x="742384" y="1451031"/>
-            <a:ext cx="10981854" cy="5016758"/>
-          </a:xfrm>
-          <a:prstGeom prst="rect">
-            <a:avLst/>
-          </a:prstGeom>
-        </p:spPr>
-        <p:txBody>
-          <a:bodyPr wrap="square">
-            <a:spAutoFit/>
-          </a:bodyPr>
-          <a:lstStyle/>
-          <a:p>
-            <a:r>
-              <a:rPr lang="en-GB" sz="2000" b="1" dirty="0" smtClean="0">
-                <a:solidFill>
-                  <a:srgbClr val="0070C0"/>
-                </a:solidFill>
-              </a:rPr>
-              <a:t>1. Who is behind it? What is its funding?</a:t>
-            </a:r>
-          </a:p>
-          <a:p>
-            <a:endParaRPr lang="pl-PL" sz="2000" dirty="0">
-              <a:solidFill>
-                <a:srgbClr val="0070C0"/>
-              </a:solidFill>
-            </a:endParaRPr>
-          </a:p>
-          <a:p>
-            <a:r>
-              <a:rPr lang="pl-PL" sz="2000" b="1" dirty="0">
-                <a:solidFill>
-                  <a:srgbClr val="0070C0"/>
-                </a:solidFill>
-              </a:rPr>
-              <a:t>2. </a:t>
-            </a:r>
-            <a:r>
-              <a:rPr lang="en-GB" sz="2000" b="1" dirty="0" smtClean="0">
-                <a:solidFill>
-                  <a:srgbClr val="0070C0"/>
-                </a:solidFill>
-              </a:rPr>
-              <a:t>Quality </a:t>
-            </a:r>
-            <a:r>
-              <a:rPr lang="en-GB" sz="2000" b="1" dirty="0">
-                <a:solidFill>
-                  <a:srgbClr val="0070C0"/>
-                </a:solidFill>
-              </a:rPr>
-              <a:t>of </a:t>
-            </a:r>
-            <a:r>
-              <a:rPr lang="en-GB" sz="2000" b="1">
-                <a:solidFill>
-                  <a:srgbClr val="0070C0"/>
-                </a:solidFill>
-              </a:rPr>
-              <a:t>interaction</a:t>
-            </a:r>
-            <a:r>
-              <a:rPr lang="pl-PL" sz="2000" b="1" smtClean="0">
-                <a:solidFill>
-                  <a:srgbClr val="0070C0"/>
-                </a:solidFill>
-              </a:rPr>
-              <a:t>/interface</a:t>
-            </a:r>
-            <a:r>
-              <a:rPr lang="en-GB" sz="2000" b="1" smtClean="0">
-                <a:solidFill>
-                  <a:srgbClr val="0070C0"/>
-                </a:solidFill>
-              </a:rPr>
-              <a:t>/process: </a:t>
-            </a:r>
-            <a:r>
-              <a:rPr lang="pl-PL" sz="2000" dirty="0">
-                <a:solidFill>
-                  <a:srgbClr val="0070C0"/>
-                </a:solidFill>
-              </a:rPr>
-              <a:t/>
-            </a:r>
-            <a:br>
-              <a:rPr lang="pl-PL" sz="2000" dirty="0">
-                <a:solidFill>
-                  <a:srgbClr val="0070C0"/>
-                </a:solidFill>
-              </a:rPr>
-            </a:br>
-            <a:r>
-              <a:rPr lang="pl-PL" sz="2000">
-                <a:solidFill>
-                  <a:srgbClr val="0070C0"/>
-                </a:solidFill>
-              </a:rPr>
-              <a:t>	</a:t>
-            </a:r>
-            <a:r>
-              <a:rPr lang="en-GB" sz="2000" dirty="0">
-                <a:solidFill>
-                  <a:srgbClr val="0070C0"/>
-                </a:solidFill>
-              </a:rPr>
-              <a:t>I</a:t>
-            </a:r>
-            <a:r>
-              <a:rPr lang="en-GB" sz="2000" smtClean="0">
-                <a:solidFill>
-                  <a:srgbClr val="0070C0"/>
-                </a:solidFill>
-              </a:rPr>
-              <a:t>s </a:t>
-            </a:r>
-            <a:r>
-              <a:rPr lang="en-GB" sz="2000">
-                <a:solidFill>
-                  <a:srgbClr val="0070C0"/>
-                </a:solidFill>
-              </a:rPr>
-              <a:t>the </a:t>
-            </a:r>
-            <a:r>
-              <a:rPr lang="en-GB" sz="2000" smtClean="0">
-                <a:solidFill>
-                  <a:srgbClr val="0070C0"/>
-                </a:solidFill>
-              </a:rPr>
-              <a:t>interaction </a:t>
-            </a:r>
-            <a:r>
-              <a:rPr lang="en-GB" sz="2000">
-                <a:solidFill>
-                  <a:srgbClr val="0070C0"/>
-                </a:solidFill>
-              </a:rPr>
-              <a:t>for </a:t>
-            </a:r>
-            <a:r>
-              <a:rPr lang="en-GB" sz="2000" smtClean="0">
-                <a:solidFill>
-                  <a:srgbClr val="0070C0"/>
-                </a:solidFill>
-              </a:rPr>
-              <a:t>the purposes </a:t>
-            </a:r>
-            <a:r>
-              <a:rPr lang="en-GB" sz="2000" dirty="0">
-                <a:solidFill>
-                  <a:srgbClr val="0070C0"/>
-                </a:solidFill>
-              </a:rPr>
-              <a:t>of data deposit or reuse efficient, </a:t>
-            </a:r>
-          </a:p>
-          <a:p>
-            <a:r>
-              <a:rPr lang="en-GB" sz="2000" dirty="0">
-                <a:solidFill>
-                  <a:srgbClr val="0070C0"/>
-                </a:solidFill>
-              </a:rPr>
-              <a:t>	effective and satisfactory for you?</a:t>
-            </a:r>
-          </a:p>
-          <a:p>
-            <a:endParaRPr lang="pl-PL" sz="2000" dirty="0">
-              <a:solidFill>
-                <a:srgbClr val="0070C0"/>
-              </a:solidFill>
-            </a:endParaRPr>
-          </a:p>
-          <a:p>
-            <a:r>
-              <a:rPr lang="pl-PL" sz="2000" b="1" dirty="0">
-                <a:solidFill>
-                  <a:srgbClr val="0070C0"/>
-                </a:solidFill>
-              </a:rPr>
-              <a:t>3. </a:t>
-            </a:r>
-            <a:r>
-              <a:rPr lang="en-GB" sz="2000" b="1" dirty="0" smtClean="0">
-                <a:solidFill>
-                  <a:srgbClr val="0070C0"/>
-                </a:solidFill>
-              </a:rPr>
-              <a:t>Take-up </a:t>
-            </a:r>
-            <a:r>
-              <a:rPr lang="en-GB" sz="2000" b="1" dirty="0">
-                <a:solidFill>
-                  <a:srgbClr val="0070C0"/>
-                </a:solidFill>
-              </a:rPr>
-              <a:t>and impact: </a:t>
-            </a:r>
-            <a:endParaRPr lang="pl-PL" sz="2000" b="1" dirty="0">
-              <a:solidFill>
-                <a:srgbClr val="0070C0"/>
-              </a:solidFill>
-            </a:endParaRPr>
-          </a:p>
-          <a:p>
-            <a:r>
-              <a:rPr lang="pl-PL" sz="2000">
-                <a:solidFill>
-                  <a:srgbClr val="0070C0"/>
-                </a:solidFill>
-              </a:rPr>
-              <a:t>	</a:t>
-            </a:r>
-            <a:r>
-              <a:rPr lang="en-GB" sz="2000" smtClean="0">
-                <a:solidFill>
-                  <a:srgbClr val="0070C0"/>
-                </a:solidFill>
-              </a:rPr>
-              <a:t>What </a:t>
-            </a:r>
-            <a:r>
-              <a:rPr lang="en-GB" sz="2000" dirty="0">
-                <a:solidFill>
-                  <a:srgbClr val="0070C0"/>
-                </a:solidFill>
-              </a:rPr>
-              <a:t>can I put in it? </a:t>
-            </a:r>
-            <a:r>
-              <a:rPr lang="pl-PL" sz="2000" dirty="0">
-                <a:solidFill>
-                  <a:srgbClr val="0070C0"/>
-                </a:solidFill>
-              </a:rPr>
-              <a:t/>
-            </a:r>
-            <a:br>
-              <a:rPr lang="pl-PL" sz="2000" dirty="0">
-                <a:solidFill>
-                  <a:srgbClr val="0070C0"/>
-                </a:solidFill>
-              </a:rPr>
-            </a:br>
-            <a:r>
-              <a:rPr lang="pl-PL" sz="2000">
-                <a:solidFill>
-                  <a:srgbClr val="0070C0"/>
-                </a:solidFill>
-              </a:rPr>
-              <a:t>	</a:t>
-            </a:r>
-            <a:r>
-              <a:rPr lang="en-GB" sz="2000" smtClean="0">
-                <a:solidFill>
-                  <a:srgbClr val="0070C0"/>
-                </a:solidFill>
-              </a:rPr>
-              <a:t>Is </a:t>
-            </a:r>
-            <a:r>
-              <a:rPr lang="en-GB" sz="2000" dirty="0">
-                <a:solidFill>
-                  <a:srgbClr val="0070C0"/>
-                </a:solidFill>
-              </a:rPr>
-              <a:t>anyone else using it? </a:t>
-            </a:r>
-            <a:r>
-              <a:rPr lang="pl-PL" sz="2000" dirty="0">
-                <a:solidFill>
-                  <a:srgbClr val="0070C0"/>
-                </a:solidFill>
-              </a:rPr>
-              <a:t/>
-            </a:r>
-            <a:br>
-              <a:rPr lang="pl-PL" sz="2000" dirty="0">
-                <a:solidFill>
-                  <a:srgbClr val="0070C0"/>
-                </a:solidFill>
-              </a:rPr>
-            </a:br>
-            <a:r>
-              <a:rPr lang="pl-PL" sz="2000">
-                <a:solidFill>
-                  <a:srgbClr val="0070C0"/>
-                </a:solidFill>
-              </a:rPr>
-              <a:t>	</a:t>
-            </a:r>
-            <a:r>
-              <a:rPr lang="en-GB" sz="2000" smtClean="0">
-                <a:solidFill>
-                  <a:srgbClr val="0070C0"/>
-                </a:solidFill>
-              </a:rPr>
-              <a:t>Will </a:t>
-            </a:r>
-            <a:r>
-              <a:rPr lang="en-GB" sz="2000" dirty="0">
-                <a:solidFill>
-                  <a:srgbClr val="0070C0"/>
-                </a:solidFill>
-              </a:rPr>
-              <a:t>others be able to find stuff deposited in it?</a:t>
-            </a:r>
-            <a:r>
-              <a:rPr lang="pl-PL" sz="2000" dirty="0">
-                <a:solidFill>
-                  <a:srgbClr val="0070C0"/>
-                </a:solidFill>
-              </a:rPr>
-              <a:t/>
-            </a:r>
-            <a:br>
-              <a:rPr lang="pl-PL" sz="2000" dirty="0">
-                <a:solidFill>
-                  <a:srgbClr val="0070C0"/>
-                </a:solidFill>
-              </a:rPr>
-            </a:br>
-            <a:r>
-              <a:rPr lang="pl-PL" sz="2000">
-                <a:solidFill>
-                  <a:srgbClr val="0070C0"/>
-                </a:solidFill>
-              </a:rPr>
-              <a:t>	</a:t>
-            </a:r>
-            <a:r>
-              <a:rPr lang="en-GB" sz="2000" smtClean="0">
-                <a:solidFill>
-                  <a:srgbClr val="0070C0"/>
-                </a:solidFill>
-              </a:rPr>
-              <a:t>I</a:t>
-            </a:r>
-            <a:r>
-              <a:rPr lang="pl-PL" sz="2000" smtClean="0">
-                <a:solidFill>
-                  <a:srgbClr val="0070C0"/>
-                </a:solidFill>
-              </a:rPr>
-              <a:t>s</a:t>
-            </a:r>
-            <a:r>
-              <a:rPr lang="en-GB" sz="2000" smtClean="0">
-                <a:solidFill>
-                  <a:srgbClr val="0070C0"/>
-                </a:solidFill>
-              </a:rPr>
-              <a:t> </a:t>
-            </a:r>
-            <a:r>
-              <a:rPr lang="en-GB" sz="2000" dirty="0">
-                <a:solidFill>
-                  <a:srgbClr val="0070C0"/>
-                </a:solidFill>
-              </a:rPr>
-              <a:t>the repository linked to other data repositories</a:t>
-            </a:r>
-            <a:r>
-              <a:rPr lang="pl-PL" sz="2000" dirty="0">
-                <a:solidFill>
-                  <a:srgbClr val="0070C0"/>
-                </a:solidFill>
-              </a:rPr>
-              <a:t>?</a:t>
-            </a:r>
-            <a:br>
-              <a:rPr lang="pl-PL" sz="2000" dirty="0">
-                <a:solidFill>
-                  <a:srgbClr val="0070C0"/>
-                </a:solidFill>
-              </a:rPr>
-            </a:br>
-            <a:r>
-              <a:rPr lang="pl-PL" sz="2000">
-                <a:solidFill>
-                  <a:srgbClr val="0070C0"/>
-                </a:solidFill>
-              </a:rPr>
-              <a:t>	</a:t>
-            </a:r>
-            <a:r>
-              <a:rPr lang="en-GB" sz="2000" smtClean="0">
-                <a:solidFill>
-                  <a:srgbClr val="0070C0"/>
-                </a:solidFill>
-              </a:rPr>
-              <a:t>Can </a:t>
-            </a:r>
-            <a:r>
-              <a:rPr lang="en-GB" sz="2000" dirty="0">
-                <a:solidFill>
-                  <a:srgbClr val="0070C0"/>
-                </a:solidFill>
-              </a:rPr>
-              <a:t>others cite the data?</a:t>
-            </a:r>
-            <a:endParaRPr lang="pl-PL" sz="2000" dirty="0">
-              <a:solidFill>
-                <a:srgbClr val="0070C0"/>
-              </a:solidFill>
-            </a:endParaRPr>
-          </a:p>
-          <a:p>
-            <a:endParaRPr lang="en-GB" sz="2000" dirty="0">
-              <a:solidFill>
-                <a:srgbClr val="0070C0"/>
-              </a:solidFill>
-            </a:endParaRPr>
-          </a:p>
-          <a:p>
-            <a:r>
-              <a:rPr lang="pl-PL" sz="2000" b="1" dirty="0">
-                <a:solidFill>
-                  <a:srgbClr val="0070C0"/>
-                </a:solidFill>
-              </a:rPr>
-              <a:t>4. </a:t>
-            </a:r>
-            <a:r>
-              <a:rPr lang="en-GB" sz="2000" b="1" dirty="0" smtClean="0">
-                <a:solidFill>
-                  <a:srgbClr val="0070C0"/>
-                </a:solidFill>
-              </a:rPr>
-              <a:t>Policy </a:t>
-            </a:r>
-            <a:r>
-              <a:rPr lang="en-GB" sz="2000" b="1" dirty="0">
-                <a:solidFill>
-                  <a:srgbClr val="0070C0"/>
-                </a:solidFill>
-              </a:rPr>
-              <a:t>and process: </a:t>
-            </a:r>
-            <a:r>
-              <a:rPr lang="pl-PL" sz="2000" dirty="0">
-                <a:solidFill>
-                  <a:srgbClr val="0070C0"/>
-                </a:solidFill>
-              </a:rPr>
-              <a:t/>
-            </a:r>
-            <a:br>
-              <a:rPr lang="pl-PL" sz="2000" dirty="0">
-                <a:solidFill>
-                  <a:srgbClr val="0070C0"/>
-                </a:solidFill>
-              </a:rPr>
-            </a:br>
-            <a:r>
-              <a:rPr lang="pl-PL" sz="2000">
-                <a:solidFill>
-                  <a:srgbClr val="0070C0"/>
-                </a:solidFill>
-              </a:rPr>
-              <a:t>	</a:t>
-            </a:r>
-            <a:r>
-              <a:rPr lang="en-GB" sz="2000" dirty="0">
-                <a:solidFill>
-                  <a:srgbClr val="0070C0"/>
-                </a:solidFill>
-              </a:rPr>
-              <a:t>D</a:t>
-            </a:r>
-            <a:r>
-              <a:rPr lang="en-GB" sz="2000" smtClean="0">
-                <a:solidFill>
-                  <a:srgbClr val="0070C0"/>
-                </a:solidFill>
-              </a:rPr>
-              <a:t>oes </a:t>
-            </a:r>
-            <a:r>
-              <a:rPr lang="en-GB" sz="2000" dirty="0">
-                <a:solidFill>
-                  <a:srgbClr val="0070C0"/>
-                </a:solidFill>
-              </a:rPr>
-              <a:t>it </a:t>
-            </a:r>
-            <a:r>
-              <a:rPr lang="en-GB" sz="2000">
-                <a:solidFill>
-                  <a:srgbClr val="0070C0"/>
-                </a:solidFill>
-              </a:rPr>
-              <a:t>help </a:t>
-            </a:r>
-            <a:r>
-              <a:rPr lang="en-GB" sz="2000" smtClean="0">
-                <a:solidFill>
-                  <a:srgbClr val="0070C0"/>
-                </a:solidFill>
-              </a:rPr>
-              <a:t>me to meet </a:t>
-            </a:r>
-            <a:r>
-              <a:rPr lang="en-GB" sz="2000" dirty="0">
-                <a:solidFill>
-                  <a:srgbClr val="0070C0"/>
-                </a:solidFill>
-              </a:rPr>
-              <a:t>community standards</a:t>
-            </a:r>
-            <a:r>
-              <a:rPr lang="pl-PL" sz="2000" dirty="0">
-                <a:solidFill>
-                  <a:srgbClr val="0070C0"/>
-                </a:solidFill>
-              </a:rPr>
-              <a:t>,</a:t>
-            </a:r>
-            <a:r>
-              <a:rPr lang="en-GB" sz="2000" dirty="0">
-                <a:solidFill>
-                  <a:srgbClr val="0070C0"/>
-                </a:solidFill>
-              </a:rPr>
-              <a:t> </a:t>
-            </a:r>
-            <a:r>
-              <a:rPr lang="en-GB" sz="2000">
-                <a:solidFill>
-                  <a:srgbClr val="0070C0"/>
-                </a:solidFill>
-              </a:rPr>
-              <a:t>good </a:t>
-            </a:r>
-            <a:r>
-              <a:rPr lang="en-GB" sz="2000" smtClean="0">
-                <a:solidFill>
-                  <a:srgbClr val="0070C0"/>
-                </a:solidFill>
-              </a:rPr>
-              <a:t>practice </a:t>
-            </a:r>
-            <a:r>
-              <a:rPr lang="pl-PL" sz="2000" dirty="0">
-                <a:solidFill>
-                  <a:srgbClr val="0070C0"/>
-                </a:solidFill>
-              </a:rPr>
-              <a:t>and</a:t>
-            </a:r>
-            <a:r>
-              <a:rPr lang="en-GB" sz="2000" dirty="0">
-                <a:solidFill>
-                  <a:srgbClr val="0070C0"/>
-                </a:solidFill>
-              </a:rPr>
-              <a:t> policies</a:t>
-            </a:r>
-            <a:r>
-              <a:rPr lang="pl-PL" sz="2000" dirty="0">
-                <a:solidFill>
-                  <a:srgbClr val="0070C0"/>
-                </a:solidFill>
-              </a:rPr>
-              <a:t>?</a:t>
-            </a:r>
-            <a:br>
-              <a:rPr lang="pl-PL" sz="2000" dirty="0">
-                <a:solidFill>
-                  <a:srgbClr val="0070C0"/>
-                </a:solidFill>
-              </a:rPr>
-            </a:br>
-            <a:r>
-              <a:rPr lang="pl-PL" sz="2000">
-                <a:solidFill>
-                  <a:srgbClr val="0070C0"/>
-                </a:solidFill>
-              </a:rPr>
-              <a:t>	</a:t>
-            </a:r>
-            <a:r>
-              <a:rPr lang="en-GB" sz="2000" smtClean="0">
-                <a:solidFill>
-                  <a:srgbClr val="0070C0"/>
-                </a:solidFill>
-              </a:rPr>
-              <a:t>I</a:t>
-            </a:r>
-            <a:r>
-              <a:rPr lang="pl-PL" sz="2000" smtClean="0">
-                <a:solidFill>
-                  <a:srgbClr val="0070C0"/>
-                </a:solidFill>
-              </a:rPr>
-              <a:t>s </a:t>
-            </a:r>
-            <a:r>
-              <a:rPr lang="en-GB" sz="2000" dirty="0" smtClean="0">
-                <a:solidFill>
-                  <a:srgbClr val="0070C0"/>
-                </a:solidFill>
-              </a:rPr>
-              <a:t>it</a:t>
-            </a:r>
-            <a:r>
-              <a:rPr lang="pl-PL" sz="2000" dirty="0" smtClean="0">
-                <a:solidFill>
-                  <a:srgbClr val="0070C0"/>
-                </a:solidFill>
-              </a:rPr>
-              <a:t> </a:t>
-            </a:r>
-            <a:r>
-              <a:rPr lang="en-GB" sz="2000" dirty="0" smtClean="0">
-                <a:solidFill>
-                  <a:srgbClr val="0070C0"/>
-                </a:solidFill>
-              </a:rPr>
-              <a:t>c</a:t>
-            </a:r>
-            <a:r>
-              <a:rPr lang="pl-PL" sz="2000" dirty="0" smtClean="0">
-                <a:solidFill>
-                  <a:srgbClr val="0070C0"/>
-                </a:solidFill>
-              </a:rPr>
-              <a:t>urated</a:t>
-            </a:r>
-            <a:r>
-              <a:rPr lang="pl-PL" sz="2000" dirty="0">
-                <a:solidFill>
-                  <a:srgbClr val="0070C0"/>
-                </a:solidFill>
-              </a:rPr>
-              <a:t>?</a:t>
-            </a:r>
-          </a:p>
-        </p:txBody>
-      </p:sp>
-      <p:sp>
-        <p:nvSpPr>
-          <p:cNvPr id="5" name="Title 1">
-            <a:extLst>
-              <a:ext uri="{FF2B5EF4-FFF2-40B4-BE49-F238E27FC236}">
-                <a16:creationId xmlns:a16="http://schemas.microsoft.com/office/drawing/2014/main" id="{775BFE92-9990-4094-B7B2-01514614F16E}"/>
-              </a:ext>
-            </a:extLst>
-          </p:cNvPr>
-          <p:cNvSpPr>
-            <a:spLocks noGrp="1"/>
-          </p:cNvSpPr>
-          <p:nvPr>
-            <p:ph type="title"/>
-          </p:nvPr>
-        </p:nvSpPr>
-        <p:spPr>
-          <a:xfrm>
-            <a:off x="838200" y="365125"/>
-            <a:ext cx="10515600" cy="1325563"/>
-          </a:xfrm>
-        </p:spPr>
-        <p:txBody>
-          <a:bodyPr/>
-          <a:lstStyle/>
-          <a:p>
-            <a:r>
-              <a:rPr lang="en-GB" dirty="0">
-                <a:solidFill>
-                  <a:srgbClr val="0070C0"/>
-                </a:solidFill>
-              </a:rPr>
-              <a:t>Evaluating a data repository</a:t>
-            </a:r>
-          </a:p>
-        </p:txBody>
-      </p:sp>
-    </p:spTree>
-    <p:extLst>
-      <p:ext uri="{BB962C8B-B14F-4D97-AF65-F5344CB8AC3E}">
-        <p14:creationId xmlns:p14="http://schemas.microsoft.com/office/powerpoint/2010/main" val="2410312540"/>
-      </p:ext>
-    </p:extLst>
-  </p:cSld>
-  <p:clrMapOvr>
-    <a:masterClrMapping/>
-  </p:clrMapOvr>
-</p:sld>
-</file>
-
-<file path=ppt/slides/slide22.xml><?xml version="1.0" encoding="utf-8"?>
-<p:sld xmlns:a="http://schemas.openxmlformats.org/drawingml/2006/main" xmlns:r="http://schemas.openxmlformats.org/officeDocument/2006/relationships" xmlns:p="http://schemas.openxmlformats.org/presentationml/2006/main">
-  <p:cSld>
-    <p:spTree>
-      <p:nvGrpSpPr>
-        <p:cNvPr id="1" name=""/>
-        <p:cNvGrpSpPr/>
-        <p:nvPr/>
-      </p:nvGrpSpPr>
-      <p:grpSpPr>
-        <a:xfrm>
-          <a:off x="0" y="0"/>
-          <a:ext cx="0" cy="0"/>
-          <a:chOff x="0" y="0"/>
-          <a:chExt cx="0" cy="0"/>
-        </a:xfrm>
-      </p:grpSpPr>
-      <p:sp>
-        <p:nvSpPr>
-          <p:cNvPr id="5" name="Title 1">
-            <a:extLst>
-              <a:ext uri="{FF2B5EF4-FFF2-40B4-BE49-F238E27FC236}">
-                <a16:creationId xmlns:a16="http://schemas.microsoft.com/office/drawing/2014/main" id="{775BFE92-9990-4094-B7B2-01514614F16E}"/>
-              </a:ext>
-            </a:extLst>
-          </p:cNvPr>
-          <p:cNvSpPr>
-            <a:spLocks noGrp="1"/>
-          </p:cNvSpPr>
-          <p:nvPr>
-            <p:ph type="title"/>
-          </p:nvPr>
-        </p:nvSpPr>
-        <p:spPr>
-          <a:xfrm>
-            <a:off x="838200" y="365125"/>
-            <a:ext cx="10515600" cy="1325563"/>
-          </a:xfrm>
-        </p:spPr>
-        <p:txBody>
-          <a:bodyPr/>
-          <a:lstStyle/>
-          <a:p>
-            <a:r>
-              <a:rPr lang="en-GB" smtClean="0">
-                <a:solidFill>
-                  <a:srgbClr val="0070C0"/>
-                </a:solidFill>
-              </a:rPr>
-              <a:t>Using</a:t>
-            </a:r>
-            <a:r>
-              <a:rPr lang="pl-PL" smtClean="0">
-                <a:solidFill>
-                  <a:srgbClr val="0070C0"/>
-                </a:solidFill>
-              </a:rPr>
-              <a:t> </a:t>
-            </a:r>
-            <a:r>
-              <a:rPr lang="pl-PL" smtClean="0">
-                <a:solidFill>
-                  <a:srgbClr val="0070C0"/>
-                </a:solidFill>
-              </a:rPr>
-              <a:t>repositor</a:t>
-            </a:r>
-            <a:r>
-              <a:rPr lang="en-GB" smtClean="0">
-                <a:solidFill>
-                  <a:srgbClr val="0070C0"/>
-                </a:solidFill>
-              </a:rPr>
-              <a:t>ies</a:t>
-            </a:r>
-            <a:endParaRPr lang="en-GB" dirty="0">
-              <a:solidFill>
-                <a:srgbClr val="0070C0"/>
-              </a:solidFill>
-            </a:endParaRPr>
-          </a:p>
-        </p:txBody>
-      </p:sp>
-      <p:sp>
-        <p:nvSpPr>
-          <p:cNvPr id="6" name="Rectangle 5">
-            <a:extLst>
-              <a:ext uri="{FF2B5EF4-FFF2-40B4-BE49-F238E27FC236}">
-                <a16:creationId xmlns:a16="http://schemas.microsoft.com/office/drawing/2014/main" id="{22F34A1D-F400-3A41-84C5-6FDD05616677}"/>
-              </a:ext>
-            </a:extLst>
-          </p:cNvPr>
-          <p:cNvSpPr/>
-          <p:nvPr/>
-        </p:nvSpPr>
-        <p:spPr>
-          <a:xfrm>
-            <a:off x="693616" y="2951946"/>
-            <a:ext cx="10981854" cy="1323439"/>
-          </a:xfrm>
-          <a:prstGeom prst="rect">
-            <a:avLst/>
-          </a:prstGeom>
-        </p:spPr>
-        <p:txBody>
-          <a:bodyPr wrap="square">
-            <a:spAutoFit/>
-          </a:bodyPr>
-          <a:lstStyle/>
-          <a:p>
-            <a:pPr algn="ctr"/>
-            <a:r>
-              <a:rPr lang="pl-PL" sz="4000" dirty="0">
-                <a:solidFill>
-                  <a:srgbClr val="0070C0"/>
-                </a:solidFill>
-              </a:rPr>
-              <a:t>Exercise</a:t>
-            </a:r>
-            <a:r>
-              <a:rPr lang="en-GB" sz="4000" dirty="0">
-                <a:solidFill>
-                  <a:srgbClr val="0070C0"/>
-                </a:solidFill>
-              </a:rPr>
-              <a:t> </a:t>
-            </a:r>
-            <a:r>
-              <a:rPr lang="en-GB" sz="4000" dirty="0" smtClean="0">
-                <a:solidFill>
-                  <a:srgbClr val="0070C0"/>
-                </a:solidFill>
-              </a:rPr>
-              <a:t>5</a:t>
-            </a:r>
-            <a:endParaRPr lang="pl-PL" sz="4000" dirty="0">
-              <a:solidFill>
-                <a:srgbClr val="0070C0"/>
-              </a:solidFill>
-            </a:endParaRPr>
-          </a:p>
-          <a:p>
-            <a:pPr marL="285750" indent="-285750" algn="ctr">
-              <a:buFont typeface="Arial" panose="020B0604020202020204" pitchFamily="34" charset="0"/>
-              <a:buChar char="•"/>
-            </a:pPr>
-            <a:endParaRPr lang="en-GB" sz="4000" dirty="0">
-              <a:solidFill>
-                <a:srgbClr val="0070C0"/>
-              </a:solidFill>
-            </a:endParaRPr>
-          </a:p>
-        </p:txBody>
-      </p:sp>
-    </p:spTree>
-    <p:extLst>
-      <p:ext uri="{BB962C8B-B14F-4D97-AF65-F5344CB8AC3E}">
-        <p14:creationId xmlns:p14="http://schemas.microsoft.com/office/powerpoint/2010/main" val="889010474"/>
-      </p:ext>
-    </p:extLst>
-  </p:cSld>
-  <p:clrMapOvr>
-    <a:masterClrMapping/>
-  </p:clrMapOvr>
-</p:sld>
-</file>
-
-<file path=ppt/slides/slide23.xml><?xml version="1.0" encoding="utf-8"?>
-<p:sld xmlns:a="http://schemas.openxmlformats.org/drawingml/2006/main" xmlns:r="http://schemas.openxmlformats.org/officeDocument/2006/relationships" xmlns:p="http://schemas.openxmlformats.org/presentationml/2006/main">
-  <p:cSld>
-    <p:spTree>
-      <p:nvGrpSpPr>
-        <p:cNvPr id="1" name=""/>
-        <p:cNvGrpSpPr/>
-        <p:nvPr/>
-      </p:nvGrpSpPr>
-      <p:grpSpPr>
-        <a:xfrm>
-          <a:off x="0" y="0"/>
-          <a:ext cx="0" cy="0"/>
-          <a:chOff x="0" y="0"/>
-          <a:chExt cx="0" cy="0"/>
-        </a:xfrm>
-      </p:grpSpPr>
-      <p:sp>
-        <p:nvSpPr>
-          <p:cNvPr id="2" name="Rectangle 1"/>
-          <p:cNvSpPr/>
-          <p:nvPr/>
-        </p:nvSpPr>
-        <p:spPr>
-          <a:xfrm>
-            <a:off x="730192" y="1690688"/>
-            <a:ext cx="10981854" cy="1754326"/>
-          </a:xfrm>
-          <a:prstGeom prst="rect">
-            <a:avLst/>
-          </a:prstGeom>
-        </p:spPr>
-        <p:txBody>
-          <a:bodyPr wrap="square">
-            <a:spAutoFit/>
-          </a:bodyPr>
-          <a:lstStyle/>
-          <a:p>
-            <a:pPr marL="285750" indent="-285750">
-              <a:lnSpc>
-                <a:spcPct val="150000"/>
-              </a:lnSpc>
-              <a:buFont typeface="Arial" panose="020B0604020202020204" pitchFamily="34" charset="0"/>
-              <a:buChar char="•"/>
-            </a:pPr>
-            <a:r>
-              <a:rPr lang="en-GB" sz="2400" dirty="0" smtClean="0">
-                <a:solidFill>
-                  <a:srgbClr val="0070C0"/>
-                </a:solidFill>
-              </a:rPr>
-              <a:t>Repository records are another form of </a:t>
-            </a:r>
-            <a:r>
-              <a:rPr lang="en-GB" sz="2400" smtClean="0">
-                <a:solidFill>
-                  <a:srgbClr val="0070C0"/>
-                </a:solidFill>
-              </a:rPr>
-              <a:t>scientific </a:t>
-            </a:r>
-            <a:r>
-              <a:rPr lang="en-GB" sz="2400" smtClean="0">
-                <a:solidFill>
-                  <a:srgbClr val="0070C0"/>
-                </a:solidFill>
-              </a:rPr>
-              <a:t>output!</a:t>
-            </a:r>
-            <a:endParaRPr lang="en-GB" sz="2400" dirty="0">
-              <a:solidFill>
-                <a:srgbClr val="0070C0"/>
-              </a:solidFill>
-            </a:endParaRPr>
-          </a:p>
-          <a:p>
-            <a:pPr marL="285750" indent="-285750">
-              <a:lnSpc>
-                <a:spcPct val="150000"/>
-              </a:lnSpc>
-              <a:buFont typeface="Arial" panose="020B0604020202020204" pitchFamily="34" charset="0"/>
-              <a:buChar char="•"/>
-            </a:pPr>
-            <a:r>
-              <a:rPr lang="en-GB" sz="2400" smtClean="0">
-                <a:solidFill>
-                  <a:srgbClr val="0070C0"/>
-                </a:solidFill>
-              </a:rPr>
-              <a:t>Add </a:t>
-            </a:r>
-            <a:r>
-              <a:rPr lang="en-GB" sz="2400" smtClean="0">
-                <a:solidFill>
-                  <a:srgbClr val="0070C0"/>
-                </a:solidFill>
-              </a:rPr>
-              <a:t>a good Data </a:t>
-            </a:r>
-            <a:r>
-              <a:rPr lang="en-GB" sz="2400">
-                <a:solidFill>
-                  <a:srgbClr val="0070C0"/>
-                </a:solidFill>
-              </a:rPr>
-              <a:t>A</a:t>
-            </a:r>
-            <a:r>
-              <a:rPr lang="en-GB" sz="2400" smtClean="0">
-                <a:solidFill>
-                  <a:srgbClr val="0070C0"/>
-                </a:solidFill>
-              </a:rPr>
-              <a:t>vailability</a:t>
-            </a:r>
-            <a:r>
-              <a:rPr lang="pl-PL" sz="2400" smtClean="0">
-                <a:solidFill>
-                  <a:srgbClr val="0070C0"/>
-                </a:solidFill>
-              </a:rPr>
-              <a:t> </a:t>
-            </a:r>
-            <a:r>
-              <a:rPr lang="en-GB" sz="2400">
-                <a:solidFill>
-                  <a:srgbClr val="0070C0"/>
-                </a:solidFill>
-              </a:rPr>
-              <a:t>S</a:t>
-            </a:r>
-            <a:r>
-              <a:rPr lang="en-GB" sz="2400" smtClean="0">
-                <a:solidFill>
-                  <a:srgbClr val="0070C0"/>
-                </a:solidFill>
-              </a:rPr>
-              <a:t>tatement</a:t>
-            </a:r>
-            <a:r>
-              <a:rPr lang="pl-PL" sz="2400" smtClean="0">
-                <a:solidFill>
-                  <a:srgbClr val="0070C0"/>
-                </a:solidFill>
-              </a:rPr>
-              <a:t> </a:t>
-            </a:r>
-            <a:r>
-              <a:rPr lang="pl-PL" sz="2400" dirty="0">
-                <a:solidFill>
-                  <a:srgbClr val="0070C0"/>
-                </a:solidFill>
-              </a:rPr>
-              <a:t>to your papers and list all the public </a:t>
-            </a:r>
-            <a:r>
-              <a:rPr lang="en-GB" sz="2400" dirty="0">
-                <a:solidFill>
-                  <a:srgbClr val="0070C0"/>
-                </a:solidFill>
-              </a:rPr>
-              <a:t>r</a:t>
-            </a:r>
-            <a:r>
-              <a:rPr lang="pl-PL" sz="2400" dirty="0" smtClean="0">
-                <a:solidFill>
-                  <a:srgbClr val="0070C0"/>
-                </a:solidFill>
-              </a:rPr>
-              <a:t>ecords</a:t>
-            </a:r>
-            <a:endParaRPr lang="pl-PL" sz="2400" dirty="0">
-              <a:solidFill>
-                <a:srgbClr val="0070C0"/>
-              </a:solidFill>
-            </a:endParaRPr>
-          </a:p>
-          <a:p>
-            <a:pPr marL="285750" indent="-285750">
-              <a:lnSpc>
-                <a:spcPct val="150000"/>
-              </a:lnSpc>
-              <a:buFont typeface="Arial" panose="020B0604020202020204" pitchFamily="34" charset="0"/>
-              <a:buChar char="•"/>
-            </a:pPr>
-            <a:r>
-              <a:rPr lang="pl-PL" sz="2400" dirty="0">
-                <a:solidFill>
-                  <a:srgbClr val="0070C0"/>
-                </a:solidFill>
-              </a:rPr>
-              <a:t>List </a:t>
-            </a:r>
-            <a:r>
-              <a:rPr lang="pl-PL" sz="2400" dirty="0" smtClean="0">
-                <a:solidFill>
-                  <a:srgbClr val="0070C0"/>
-                </a:solidFill>
-              </a:rPr>
-              <a:t>data </a:t>
-            </a:r>
-            <a:r>
-              <a:rPr lang="pl-PL" sz="2400" dirty="0">
-                <a:solidFill>
-                  <a:srgbClr val="0070C0"/>
-                </a:solidFill>
-              </a:rPr>
-              <a:t>sets in </a:t>
-            </a:r>
-            <a:r>
-              <a:rPr lang="en-GB" sz="2400" dirty="0" smtClean="0">
-                <a:solidFill>
-                  <a:srgbClr val="0070C0"/>
-                </a:solidFill>
-              </a:rPr>
-              <a:t>your </a:t>
-            </a:r>
-            <a:r>
-              <a:rPr lang="pl-PL" sz="2400" dirty="0" smtClean="0">
-                <a:solidFill>
-                  <a:srgbClr val="0070C0"/>
-                </a:solidFill>
-              </a:rPr>
-              <a:t>ORCID</a:t>
-            </a:r>
-            <a:r>
-              <a:rPr lang="en-GB" sz="2400" dirty="0" smtClean="0">
-                <a:solidFill>
-                  <a:srgbClr val="0070C0"/>
-                </a:solidFill>
-              </a:rPr>
-              <a:t> record</a:t>
-            </a:r>
-            <a:endParaRPr lang="en-GB" sz="2400" dirty="0">
-              <a:solidFill>
-                <a:srgbClr val="0070C0"/>
-              </a:solidFill>
-            </a:endParaRPr>
-          </a:p>
-        </p:txBody>
-      </p:sp>
-      <p:sp>
-        <p:nvSpPr>
-          <p:cNvPr id="5" name="Title 1">
-            <a:extLst>
-              <a:ext uri="{FF2B5EF4-FFF2-40B4-BE49-F238E27FC236}">
-                <a16:creationId xmlns:a16="http://schemas.microsoft.com/office/drawing/2014/main" id="{775BFE92-9990-4094-B7B2-01514614F16E}"/>
-              </a:ext>
-            </a:extLst>
-          </p:cNvPr>
-          <p:cNvSpPr>
-            <a:spLocks noGrp="1"/>
-          </p:cNvSpPr>
-          <p:nvPr>
-            <p:ph type="title"/>
-          </p:nvPr>
-        </p:nvSpPr>
-        <p:spPr>
-          <a:xfrm>
-            <a:off x="838200" y="365125"/>
-            <a:ext cx="10515600" cy="1325563"/>
-          </a:xfrm>
-        </p:spPr>
-        <p:txBody>
-          <a:bodyPr/>
-          <a:lstStyle/>
-          <a:p>
-            <a:r>
-              <a:rPr lang="pl-PL" dirty="0">
-                <a:solidFill>
-                  <a:srgbClr val="0070C0"/>
-                </a:solidFill>
-              </a:rPr>
-              <a:t>Repositories Summary</a:t>
-            </a:r>
-            <a:endParaRPr lang="en-GB" dirty="0">
-              <a:solidFill>
-                <a:srgbClr val="0070C0"/>
-              </a:solidFill>
-            </a:endParaRPr>
-          </a:p>
-        </p:txBody>
-      </p:sp>
-    </p:spTree>
-    <p:extLst>
-      <p:ext uri="{BB962C8B-B14F-4D97-AF65-F5344CB8AC3E}">
-        <p14:creationId xmlns:p14="http://schemas.microsoft.com/office/powerpoint/2010/main" val="2464484896"/>
-      </p:ext>
-    </p:extLst>
-  </p:cSld>
-  <p:clrMapOvr>
-    <a:masterClrMapping/>
-  </p:clrMapOvr>
-</p:sld>
-</file>
-
-<file path=ppt/slides/slide24.xml><?xml version="1.0" encoding="utf-8"?>
-<p:sld xmlns:a="http://schemas.openxmlformats.org/drawingml/2006/main" xmlns:r="http://schemas.openxmlformats.org/officeDocument/2006/relationships" xmlns:p="http://schemas.openxmlformats.org/presentationml/2006/main">
-  <p:cSld>
-    <p:spTree>
-      <p:nvGrpSpPr>
-        <p:cNvPr id="1" name=""/>
-        <p:cNvGrpSpPr/>
-        <p:nvPr/>
-      </p:nvGrpSpPr>
-      <p:grpSpPr>
-        <a:xfrm>
-          <a:off x="0" y="0"/>
-          <a:ext cx="0" cy="0"/>
-          <a:chOff x="0" y="0"/>
-          <a:chExt cx="0" cy="0"/>
-        </a:xfrm>
-      </p:grpSpPr>
-      <p:sp>
-        <p:nvSpPr>
           <p:cNvPr id="2" name="Rectangle 1"/>
           <p:cNvSpPr/>
           <p:nvPr/>
@@ -8956,7 +7826,7 @@
                 <a14:useLocalDpi xmlns:a14="http://schemas.microsoft.com/office/drawing/2010/main" val="0"/>
               </a:ext>
               <a:ext uri="{96DAC541-7B7A-43D3-8B79-37D633B846F1}">
-                <asvg:svgBlip xmlns="" xmlns:asvg="http://schemas.microsoft.com/office/drawing/2016/SVG/main" r:embed="rId3"/>
+                <asvg:svgBlip xmlns:asvg="http://schemas.microsoft.com/office/drawing/2016/SVG/main" xmlns="" r:embed="rId3"/>
               </a:ext>
             </a:extLst>
           </a:blip>
@@ -8995,7 +7865,7 @@
                 <a14:useLocalDpi xmlns:a14="http://schemas.microsoft.com/office/drawing/2010/main" val="0"/>
               </a:ext>
               <a:ext uri="{96DAC541-7B7A-43D3-8B79-37D633B846F1}">
-                <asvg:svgBlip xmlns="" xmlns:asvg="http://schemas.microsoft.com/office/drawing/2016/SVG/main" r:embed="rId5"/>
+                <asvg:svgBlip xmlns:asvg="http://schemas.microsoft.com/office/drawing/2016/SVG/main" xmlns="" r:embed="rId5"/>
               </a:ext>
             </a:extLst>
           </a:blip>
@@ -9034,7 +7904,7 @@
                 <a14:useLocalDpi xmlns:a14="http://schemas.microsoft.com/office/drawing/2010/main" val="0"/>
               </a:ext>
               <a:ext uri="{96DAC541-7B7A-43D3-8B79-37D633B846F1}">
-                <asvg:svgBlip xmlns="" xmlns:asvg="http://schemas.microsoft.com/office/drawing/2016/SVG/main" r:embed="rId7"/>
+                <asvg:svgBlip xmlns:asvg="http://schemas.microsoft.com/office/drawing/2016/SVG/main" xmlns="" r:embed="rId7"/>
               </a:ext>
             </a:extLst>
           </a:blip>
@@ -9812,6 +8682,38 @@
       </p:grpSpPr>
       <p:sp>
         <p:nvSpPr>
+          <p:cNvPr id="2" name="Rectangle 1"/>
+          <p:cNvSpPr/>
+          <p:nvPr/>
+        </p:nvSpPr>
+        <p:spPr>
+          <a:xfrm>
+            <a:off x="3413663" y="3198167"/>
+            <a:ext cx="5364674" cy="461665"/>
+          </a:xfrm>
+          <a:prstGeom prst="rect">
+            <a:avLst/>
+          </a:prstGeom>
+        </p:spPr>
+        <p:txBody>
+          <a:bodyPr wrap="none">
+            <a:spAutoFit/>
+          </a:bodyPr>
+          <a:lstStyle/>
+          <a:p>
+            <a:r>
+              <a:rPr lang="en-GB" sz="2400" dirty="0">
+                <a:solidFill>
+                  <a:srgbClr val="0070C0"/>
+                </a:solidFill>
+              </a:rPr>
+              <a:t>https://doi.org/10.5281/zenodo.5045374</a:t>
+            </a:r>
+          </a:p>
+        </p:txBody>
+      </p:sp>
+      <p:sp>
+        <p:nvSpPr>
           <p:cNvPr id="5" name="Title 1">
             <a:extLst>
               <a:ext uri="{FF2B5EF4-FFF2-40B4-BE49-F238E27FC236}">
@@ -9842,40 +8744,36 @@
                   <a:srgbClr val="0070C0"/>
                 </a:solidFill>
               </a:rPr>
-              <a:t>Public record</a:t>
-            </a:r>
-            <a:r>
-              <a:rPr lang="en-GB" dirty="0">
-                <a:solidFill>
-                  <a:srgbClr val="0070C0"/>
-                </a:solidFill>
-              </a:rPr>
-              <a:t> - Solutions</a:t>
-            </a:r>
-          </a:p>
-        </p:txBody>
-      </p:sp>
-      <p:sp>
-        <p:nvSpPr>
-          <p:cNvPr id="6" name="TextBox 5">
-            <a:extLst>
-              <a:ext uri="{FF2B5EF4-FFF2-40B4-BE49-F238E27FC236}">
-                <a16:creationId xmlns:a16="http://schemas.microsoft.com/office/drawing/2014/main" id="{216805BD-FE46-4237-9C78-2FA56E8B599C}"/>
-              </a:ext>
-            </a:extLst>
-          </p:cNvPr>
-          <p:cNvSpPr txBox="1"/>
+              <a:t>Dataset discovery</a:t>
+            </a:r>
+            <a:endParaRPr lang="en-GB" dirty="0">
+              <a:solidFill>
+                <a:srgbClr val="0070C0"/>
+              </a:solidFill>
+            </a:endParaRPr>
+          </a:p>
+        </p:txBody>
+      </p:sp>
+      <p:sp>
+        <p:nvSpPr>
+          <p:cNvPr id="4" name="Rectangle 3">
+            <a:extLst>
+              <a:ext uri="{FF2B5EF4-FFF2-40B4-BE49-F238E27FC236}">
+                <a16:creationId xmlns:a16="http://schemas.microsoft.com/office/drawing/2014/main" id="{CAA0BFB8-30CB-4548-8596-047DD833C1C6}"/>
+              </a:ext>
+            </a:extLst>
+          </p:cNvPr>
+          <p:cNvSpPr/>
           <p:nvPr/>
         </p:nvSpPr>
         <p:spPr>
           <a:xfrm>
-            <a:off x="1117041" y="1957980"/>
-            <a:ext cx="9957917" cy="3359061"/>
+            <a:off x="605073" y="1977256"/>
+            <a:ext cx="10981854" cy="1323439"/>
           </a:xfrm>
           <a:prstGeom prst="rect">
             <a:avLst/>
           </a:prstGeom>
-          <a:noFill/>
         </p:spPr>
         <p:txBody>
           <a:bodyPr wrap="square">
@@ -9883,104 +8781,54 @@
           </a:bodyPr>
           <a:lstStyle/>
           <a:p>
-            <a:pPr algn="l">
-              <a:lnSpc>
-                <a:spcPct val="150000"/>
-              </a:lnSpc>
-            </a:pPr>
-            <a:r>
-              <a:rPr lang="en-GB" sz="2400" b="1" i="0" dirty="0">
-                <a:solidFill>
-                  <a:srgbClr val="333333"/>
-                </a:solidFill>
-                <a:effectLst/>
-                <a:latin typeface="Ubuntu"/>
-              </a:rPr>
-              <a:t>Findable:</a:t>
-            </a:r>
-          </a:p>
-          <a:p>
-            <a:pPr algn="l">
-              <a:lnSpc>
-                <a:spcPct val="150000"/>
-              </a:lnSpc>
+            <a:pPr algn="ctr"/>
+            <a:r>
+              <a:rPr lang="pl-PL" sz="4000" dirty="0">
+                <a:solidFill>
+                  <a:srgbClr val="0070C0"/>
+                </a:solidFill>
+              </a:rPr>
+              <a:t>Exercise</a:t>
+            </a:r>
+            <a:r>
+              <a:rPr lang="en-GB" sz="4000" dirty="0">
+                <a:solidFill>
+                  <a:srgbClr val="0070C0"/>
+                </a:solidFill>
+              </a:rPr>
+              <a:t> </a:t>
+            </a:r>
+            <a:r>
+              <a:rPr lang="pl-PL" sz="4000" dirty="0" smtClean="0">
+                <a:solidFill>
+                  <a:srgbClr val="0070C0"/>
+                </a:solidFill>
+              </a:rPr>
+              <a:t>2</a:t>
+            </a:r>
+            <a:endParaRPr lang="pl-PL" sz="4000" dirty="0">
+              <a:solidFill>
+                <a:srgbClr val="0070C0"/>
+              </a:solidFill>
+            </a:endParaRPr>
+          </a:p>
+          <a:p>
+            <a:pPr marL="285750" indent="-285750" algn="ctr">
               <a:buFont typeface="Arial" panose="020B0604020202020204" pitchFamily="34" charset="0"/>
               <a:buChar char="•"/>
             </a:pPr>
-            <a:r>
-              <a:rPr lang="en-GB" sz="2400" b="0" i="0" dirty="0">
-                <a:solidFill>
-                  <a:srgbClr val="333333"/>
-                </a:solidFill>
-                <a:effectLst/>
-                <a:latin typeface="Ubuntu"/>
-              </a:rPr>
-              <a:t>F1. (Meta)data are assigned a globally unique and persistent identifier - YES</a:t>
-            </a:r>
-          </a:p>
-          <a:p>
-            <a:pPr algn="l">
-              <a:lnSpc>
-                <a:spcPct val="150000"/>
-              </a:lnSpc>
-              <a:buFont typeface="Arial" panose="020B0604020202020204" pitchFamily="34" charset="0"/>
-              <a:buChar char="•"/>
-            </a:pPr>
-            <a:r>
-              <a:rPr lang="en-GB" sz="2400" b="0" i="0" dirty="0">
-                <a:solidFill>
-                  <a:srgbClr val="333333"/>
-                </a:solidFill>
-                <a:effectLst/>
-                <a:latin typeface="Ubuntu"/>
-              </a:rPr>
-              <a:t>F2. Data are described with rich metadata (defined by R1 below)- YES</a:t>
-            </a:r>
-          </a:p>
-          <a:p>
-            <a:pPr algn="l">
-              <a:lnSpc>
-                <a:spcPct val="150000"/>
-              </a:lnSpc>
-              <a:buFont typeface="Arial" panose="020B0604020202020204" pitchFamily="34" charset="0"/>
-              <a:buChar char="•"/>
-            </a:pPr>
-            <a:r>
-              <a:rPr lang="en-GB" sz="2400" b="0" i="0" dirty="0">
-                <a:solidFill>
-                  <a:srgbClr val="333333"/>
-                </a:solidFill>
-                <a:effectLst/>
-                <a:latin typeface="Ubuntu"/>
-              </a:rPr>
-              <a:t>F3. Metadata clearly and explicitly include the identifier of the data they describe - YES</a:t>
-            </a:r>
-          </a:p>
-          <a:p>
-            <a:pPr algn="l">
-              <a:lnSpc>
-                <a:spcPct val="150000"/>
-              </a:lnSpc>
-              <a:buFont typeface="Arial" panose="020B0604020202020204" pitchFamily="34" charset="0"/>
-              <a:buChar char="•"/>
-            </a:pPr>
-            <a:r>
-              <a:rPr lang="en-GB" sz="2400" b="0" i="0" dirty="0">
-                <a:solidFill>
-                  <a:srgbClr val="333333"/>
-                </a:solidFill>
-                <a:effectLst/>
-                <a:latin typeface="Ubuntu"/>
-              </a:rPr>
-              <a:t>F4. (Meta)data are registered or indexed in a searchable resource - YES</a:t>
-            </a:r>
+            <a:endParaRPr lang="en-GB" sz="4000" dirty="0">
+              <a:solidFill>
+                <a:srgbClr val="0070C0"/>
+              </a:solidFill>
+            </a:endParaRPr>
           </a:p>
         </p:txBody>
       </p:sp>
     </p:spTree>
     <p:extLst>
       <p:ext uri="{BB962C8B-B14F-4D97-AF65-F5344CB8AC3E}">
-        <p14:creationId xmlns:p14="http://schemas.microsoft.com/office/powerpoint/2010/main" val="999536205"/>
+        <p14:creationId xmlns:p14="http://schemas.microsoft.com/office/powerpoint/2010/main" val="3474192978"/>
       </p:ext>
     </p:extLst>
   </p:cSld>
@@ -10009,10 +8857,177 @@
       </p:grpSpPr>
       <p:sp>
         <p:nvSpPr>
-          <p:cNvPr id="5" name="Title 1">
-            <a:extLst>
-              <a:ext uri="{FF2B5EF4-FFF2-40B4-BE49-F238E27FC236}">
-                <a16:creationId xmlns:a16="http://schemas.microsoft.com/office/drawing/2014/main" id="{775BFE92-9990-4094-B7B2-01514614F16E}"/>
+          <p:cNvPr id="5" name="TextBox 4">
+            <a:extLst>
+              <a:ext uri="{FF2B5EF4-FFF2-40B4-BE49-F238E27FC236}">
+                <a16:creationId xmlns:a16="http://schemas.microsoft.com/office/drawing/2014/main" id="{AADF90D3-6D01-481A-8133-6B0A81743C1D}"/>
+              </a:ext>
+            </a:extLst>
+          </p:cNvPr>
+          <p:cNvSpPr txBox="1"/>
+          <p:nvPr/>
+        </p:nvSpPr>
+        <p:spPr>
+          <a:xfrm>
+            <a:off x="838200" y="2649841"/>
+            <a:ext cx="10827702" cy="2308324"/>
+          </a:xfrm>
+          <a:prstGeom prst="rect">
+            <a:avLst/>
+          </a:prstGeom>
+          <a:solidFill>
+            <a:schemeClr val="accent1">
+              <a:lumMod val="20000"/>
+              <a:lumOff val="80000"/>
+            </a:schemeClr>
+          </a:solidFill>
+        </p:spPr>
+        <p:txBody>
+          <a:bodyPr wrap="square">
+            <a:spAutoFit/>
+          </a:bodyPr>
+          <a:lstStyle/>
+          <a:p>
+            <a:r>
+              <a:rPr lang="en-GB" sz="2400" b="0" i="0" dirty="0">
+                <a:solidFill>
+                  <a:srgbClr val="333333"/>
+                </a:solidFill>
+                <a:effectLst/>
+                <a:latin typeface="Ubuntu"/>
+              </a:rPr>
+              <a:t>Zenodo is a good place to keep your data separate </a:t>
+            </a:r>
+            <a:r>
+              <a:rPr lang="en-GB" sz="2400" b="0" i="0">
+                <a:solidFill>
+                  <a:srgbClr val="333333"/>
+                </a:solidFill>
+                <a:effectLst/>
+                <a:latin typeface="Ubuntu"/>
+              </a:rPr>
+              <a:t>from </a:t>
+            </a:r>
+            <a:r>
+              <a:rPr lang="en-GB" sz="2400" b="0" i="0" smtClean="0">
+                <a:solidFill>
+                  <a:srgbClr val="333333"/>
+                </a:solidFill>
+                <a:effectLst/>
+                <a:latin typeface="Ubuntu"/>
+              </a:rPr>
+              <a:t>your paper</a:t>
+            </a:r>
+            <a:r>
+              <a:rPr lang="en-GB" sz="2400" b="0" i="0" dirty="0">
+                <a:solidFill>
+                  <a:srgbClr val="333333"/>
+                </a:solidFill>
+                <a:effectLst/>
+                <a:latin typeface="Ubuntu"/>
+              </a:rPr>
+              <a:t>. It gives access to all files, allowing you to cite the data as well (or instead of) </a:t>
+            </a:r>
+            <a:r>
+              <a:rPr lang="en-GB" sz="2400" b="0" i="0">
+                <a:solidFill>
+                  <a:srgbClr val="333333"/>
+                </a:solidFill>
+                <a:effectLst/>
+                <a:latin typeface="Ubuntu"/>
+              </a:rPr>
+              <a:t>the </a:t>
+            </a:r>
+            <a:r>
+              <a:rPr lang="en-GB" sz="2400" b="0" i="0" smtClean="0">
+                <a:solidFill>
+                  <a:srgbClr val="333333"/>
+                </a:solidFill>
+                <a:effectLst/>
+                <a:latin typeface="Ubuntu"/>
+              </a:rPr>
+              <a:t>paper. </a:t>
+            </a:r>
+          </a:p>
+          <a:p>
+            <a:endParaRPr lang="en-GB" sz="2400">
+              <a:solidFill>
+                <a:srgbClr val="333333"/>
+              </a:solidFill>
+              <a:latin typeface="Ubuntu"/>
+            </a:endParaRPr>
+          </a:p>
+          <a:p>
+            <a:r>
+              <a:rPr lang="en-GB" sz="2400" b="0" i="0" smtClean="0">
+                <a:solidFill>
+                  <a:srgbClr val="333333"/>
+                </a:solidFill>
+                <a:effectLst/>
+                <a:latin typeface="Ubuntu"/>
+              </a:rPr>
+              <a:t>However</a:t>
+            </a:r>
+            <a:r>
+              <a:rPr lang="en-GB" sz="2400" b="0" i="0" dirty="0">
+                <a:solidFill>
+                  <a:srgbClr val="333333"/>
+                </a:solidFill>
+                <a:effectLst/>
+                <a:latin typeface="Ubuntu"/>
+              </a:rPr>
+              <a:t>, it is not (always) good for discovery, and does not </a:t>
+            </a:r>
+            <a:r>
+              <a:rPr lang="en-GB" sz="2400" b="0" i="0">
+                <a:solidFill>
+                  <a:srgbClr val="333333"/>
+                </a:solidFill>
+                <a:effectLst/>
+                <a:latin typeface="Ubuntu"/>
+              </a:rPr>
+              <a:t>enforce </a:t>
+            </a:r>
+            <a:r>
+              <a:rPr lang="en-GB" sz="2400" b="0" i="0" smtClean="0">
+                <a:solidFill>
+                  <a:srgbClr val="333333"/>
+                </a:solidFill>
+                <a:effectLst/>
+                <a:latin typeface="Ubuntu"/>
+              </a:rPr>
+              <a:t>metadata standards, except that a very few </a:t>
+            </a:r>
+            <a:r>
+              <a:rPr lang="pl-PL" sz="2400" b="0" i="0" smtClean="0">
+                <a:solidFill>
+                  <a:srgbClr val="333333"/>
+                </a:solidFill>
+                <a:effectLst/>
+                <a:latin typeface="Ubuntu"/>
+              </a:rPr>
+              <a:t>m</a:t>
+            </a:r>
+            <a:r>
+              <a:rPr lang="en-GB" sz="2400" b="0" i="0" smtClean="0">
+                <a:solidFill>
+                  <a:srgbClr val="333333"/>
+                </a:solidFill>
+                <a:effectLst/>
+                <a:latin typeface="Ubuntu"/>
+              </a:rPr>
+              <a:t>etadata fields are mandatory! </a:t>
+            </a:r>
+            <a:endParaRPr lang="en-GB" sz="2400" dirty="0"/>
+          </a:p>
+        </p:txBody>
+      </p:sp>
+      <p:sp>
+        <p:nvSpPr>
+          <p:cNvPr id="6" name="Title 1">
+            <a:extLst>
+              <a:ext uri="{FF2B5EF4-FFF2-40B4-BE49-F238E27FC236}">
+                <a16:creationId xmlns:a16="http://schemas.microsoft.com/office/drawing/2014/main" id="{666F9E5E-D8A2-49C1-876A-84EDD1D6D868}"/>
               </a:ext>
             </a:extLst>
           </p:cNvPr>
@@ -10039,7 +9054,7 @@
                   <a:srgbClr val="0070C0"/>
                 </a:solidFill>
               </a:rPr>
-              <a:t>Public record</a:t>
+              <a:t>Dataset discovery</a:t>
             </a:r>
             <a:r>
               <a:rPr lang="en-GB" dirty="0">
@@ -10047,91 +9062,7 @@
                   <a:srgbClr val="0070C0"/>
                 </a:solidFill>
               </a:rPr>
-              <a:t> - Solutions</a:t>
-            </a:r>
-          </a:p>
-        </p:txBody>
-      </p:sp>
-      <p:sp>
-        <p:nvSpPr>
-          <p:cNvPr id="6" name="TextBox 5">
-            <a:extLst>
-              <a:ext uri="{FF2B5EF4-FFF2-40B4-BE49-F238E27FC236}">
-                <a16:creationId xmlns:a16="http://schemas.microsoft.com/office/drawing/2014/main" id="{216805BD-FE46-4237-9C78-2FA56E8B599C}"/>
-              </a:ext>
-            </a:extLst>
-          </p:cNvPr>
-          <p:cNvSpPr txBox="1"/>
-          <p:nvPr/>
-        </p:nvSpPr>
-        <p:spPr>
-          <a:xfrm>
-            <a:off x="1117041" y="1957980"/>
-            <a:ext cx="9957917" cy="2251065"/>
-          </a:xfrm>
-          <a:prstGeom prst="rect">
-            <a:avLst/>
-          </a:prstGeom>
-          <a:noFill/>
-        </p:spPr>
-        <p:txBody>
-          <a:bodyPr wrap="square">
-            <a:spAutoFit/>
-          </a:bodyPr>
-          <a:lstStyle/>
-          <a:p>
-            <a:pPr algn="l">
-              <a:lnSpc>
-                <a:spcPct val="150000"/>
-              </a:lnSpc>
-            </a:pPr>
-            <a:r>
-              <a:rPr lang="en-GB" sz="2400" b="1" i="0" dirty="0">
-                <a:solidFill>
-                  <a:srgbClr val="333333"/>
-                </a:solidFill>
-                <a:effectLst/>
-                <a:latin typeface="Ubuntu"/>
-              </a:rPr>
-              <a:t>Accessible:</a:t>
-            </a:r>
-          </a:p>
-          <a:p>
-            <a:pPr algn="l">
-              <a:lnSpc>
-                <a:spcPct val="150000"/>
-              </a:lnSpc>
-              <a:buFont typeface="Arial" panose="020B0604020202020204" pitchFamily="34" charset="0"/>
-              <a:buChar char="•"/>
-            </a:pPr>
-            <a:r>
-              <a:rPr lang="en-GB" sz="2400" b="0" i="0" dirty="0">
-                <a:solidFill>
-                  <a:srgbClr val="333333"/>
-                </a:solidFill>
-                <a:effectLst/>
-                <a:latin typeface="Ubuntu"/>
-              </a:rPr>
-              <a:t>A1. (Meta)data are retrievable by their identifier using a standardised communications protocol - YES</a:t>
-            </a:r>
-          </a:p>
-          <a:p>
-            <a:pPr algn="l">
-              <a:lnSpc>
-                <a:spcPct val="150000"/>
-              </a:lnSpc>
-              <a:buFont typeface="Arial" panose="020B0604020202020204" pitchFamily="34" charset="0"/>
-              <a:buChar char="•"/>
-            </a:pPr>
-            <a:r>
-              <a:rPr lang="en-GB" sz="2400" b="0" i="0" dirty="0">
-                <a:solidFill>
-                  <a:srgbClr val="333333"/>
-                </a:solidFill>
-                <a:effectLst/>
-                <a:latin typeface="Ubuntu"/>
-              </a:rPr>
-              <a:t>A2. Metadata are accessible, even when the data are no longer available - YES</a:t>
+              <a:t> - Solution</a:t>
             </a:r>
           </a:p>
         </p:txBody>
@@ -10139,7 +9070,7 @@
     </p:spTree>
     <p:extLst>
       <p:ext uri="{BB962C8B-B14F-4D97-AF65-F5344CB8AC3E}">
-        <p14:creationId xmlns:p14="http://schemas.microsoft.com/office/powerpoint/2010/main" val="1475107681"/>
+        <p14:creationId xmlns:p14="http://schemas.microsoft.com/office/powerpoint/2010/main" val="2135189893"/>
       </p:ext>
     </p:extLst>
   </p:cSld>
@@ -10168,10 +9099,240 @@
       </p:grpSpPr>
       <p:sp>
         <p:nvSpPr>
-          <p:cNvPr id="5" name="Title 1">
-            <a:extLst>
-              <a:ext uri="{FF2B5EF4-FFF2-40B4-BE49-F238E27FC236}">
-                <a16:creationId xmlns:a16="http://schemas.microsoft.com/office/drawing/2014/main" id="{775BFE92-9990-4094-B7B2-01514614F16E}"/>
+          <p:cNvPr id="2" name="Rectangle 1"/>
+          <p:cNvSpPr/>
+          <p:nvPr/>
+        </p:nvSpPr>
+        <p:spPr>
+          <a:xfrm>
+            <a:off x="624689" y="1690688"/>
+            <a:ext cx="10601608" cy="4708981"/>
+          </a:xfrm>
+          <a:prstGeom prst="rect">
+            <a:avLst/>
+          </a:prstGeom>
+        </p:spPr>
+        <p:txBody>
+          <a:bodyPr wrap="square">
+            <a:spAutoFit/>
+          </a:bodyPr>
+          <a:lstStyle/>
+          <a:p>
+            <a:pPr marL="285750" indent="-285750">
+              <a:lnSpc>
+                <a:spcPct val="250000"/>
+              </a:lnSpc>
+              <a:buFont typeface="Arial" panose="020B0604020202020204" pitchFamily="34" charset="0"/>
+              <a:buChar char="•"/>
+              <a:tabLst>
+                <a:tab pos="2241550" algn="l"/>
+              </a:tabLst>
+            </a:pPr>
+            <a:r>
+              <a:rPr lang="en-GB" sz="2400" smtClean="0">
+                <a:solidFill>
+                  <a:srgbClr val="0070C0"/>
+                </a:solidFill>
+              </a:rPr>
+              <a:t>UniProt	https</a:t>
+            </a:r>
+            <a:r>
+              <a:rPr lang="en-GB" sz="2400">
+                <a:solidFill>
+                  <a:srgbClr val="0070C0"/>
+                </a:solidFill>
+              </a:rPr>
+              <a:t>://</a:t>
+            </a:r>
+            <a:r>
+              <a:rPr lang="en-GB" sz="2400" smtClean="0">
+                <a:solidFill>
+                  <a:srgbClr val="0070C0"/>
+                </a:solidFill>
+              </a:rPr>
+              <a:t>www.uniprot.org </a:t>
+            </a:r>
+            <a:r>
+              <a:rPr lang="en-GB" sz="2400" dirty="0">
+                <a:solidFill>
+                  <a:srgbClr val="0070C0"/>
+                </a:solidFill>
+              </a:rPr>
+              <a:t>– protein data</a:t>
+            </a:r>
+            <a:endParaRPr lang="pl-PL" sz="2400" dirty="0">
+              <a:solidFill>
+                <a:srgbClr val="0070C0"/>
+              </a:solidFill>
+            </a:endParaRPr>
+          </a:p>
+          <a:p>
+            <a:pPr marL="285750" indent="-285750">
+              <a:lnSpc>
+                <a:spcPct val="250000"/>
+              </a:lnSpc>
+              <a:buFont typeface="Arial" panose="020B0604020202020204" pitchFamily="34" charset="0"/>
+              <a:buChar char="•"/>
+              <a:tabLst>
+                <a:tab pos="2241550" algn="l"/>
+              </a:tabLst>
+            </a:pPr>
+            <a:r>
+              <a:rPr lang="en-GB" sz="2400" smtClean="0">
+                <a:solidFill>
+                  <a:srgbClr val="0070C0"/>
+                </a:solidFill>
+              </a:rPr>
+              <a:t>GenBank	https</a:t>
+            </a:r>
+            <a:r>
+              <a:rPr lang="en-GB" sz="2400">
+                <a:solidFill>
+                  <a:srgbClr val="0070C0"/>
+                </a:solidFill>
+              </a:rPr>
+              <a:t>://</a:t>
+            </a:r>
+            <a:r>
+              <a:rPr lang="en-GB" sz="2400" smtClean="0">
+                <a:solidFill>
+                  <a:srgbClr val="0070C0"/>
+                </a:solidFill>
+              </a:rPr>
+              <a:t>www.ncbi.nlm.nih.gov/genbank </a:t>
+            </a:r>
+            <a:r>
+              <a:rPr lang="en-GB" sz="2400" dirty="0">
+                <a:solidFill>
+                  <a:srgbClr val="0070C0"/>
+                </a:solidFill>
+              </a:rPr>
+              <a:t>– sequence data</a:t>
+            </a:r>
+            <a:endParaRPr lang="pl-PL" sz="2400" dirty="0">
+              <a:solidFill>
+                <a:srgbClr val="0070C0"/>
+              </a:solidFill>
+            </a:endParaRPr>
+          </a:p>
+          <a:p>
+            <a:pPr marL="285750" indent="-285750">
+              <a:lnSpc>
+                <a:spcPct val="250000"/>
+              </a:lnSpc>
+              <a:buFont typeface="Arial" panose="020B0604020202020204" pitchFamily="34" charset="0"/>
+              <a:buChar char="•"/>
+              <a:tabLst>
+                <a:tab pos="2241550" algn="l"/>
+              </a:tabLst>
+            </a:pPr>
+            <a:r>
+              <a:rPr lang="en-GB" sz="2400" smtClean="0">
+                <a:solidFill>
+                  <a:srgbClr val="0070C0"/>
+                </a:solidFill>
+              </a:rPr>
+              <a:t>GitHub	https</a:t>
+            </a:r>
+            <a:r>
+              <a:rPr lang="en-GB" sz="2400">
+                <a:solidFill>
+                  <a:srgbClr val="0070C0"/>
+                </a:solidFill>
+              </a:rPr>
+              <a:t>://</a:t>
+            </a:r>
+            <a:r>
+              <a:rPr lang="en-GB" sz="2400" smtClean="0">
+                <a:solidFill>
+                  <a:srgbClr val="0070C0"/>
+                </a:solidFill>
+              </a:rPr>
+              <a:t>github.com </a:t>
+            </a:r>
+            <a:r>
+              <a:rPr lang="en-GB" sz="2400" dirty="0">
+                <a:solidFill>
+                  <a:srgbClr val="0070C0"/>
+                </a:solidFill>
+              </a:rPr>
+              <a:t>– </a:t>
+            </a:r>
+            <a:r>
+              <a:rPr lang="en-GB" sz="2400">
+                <a:solidFill>
+                  <a:srgbClr val="0070C0"/>
+                </a:solidFill>
+              </a:rPr>
+              <a:t>for </a:t>
+            </a:r>
+            <a:r>
+              <a:rPr lang="en-GB" sz="2400" smtClean="0">
+                <a:solidFill>
+                  <a:srgbClr val="0070C0"/>
+                </a:solidFill>
+              </a:rPr>
+              <a:t>code</a:t>
+            </a:r>
+          </a:p>
+          <a:p>
+            <a:pPr marL="285750" indent="-285750">
+              <a:lnSpc>
+                <a:spcPct val="250000"/>
+              </a:lnSpc>
+              <a:buFont typeface="Arial" panose="020B0604020202020204" pitchFamily="34" charset="0"/>
+              <a:buChar char="•"/>
+              <a:tabLst>
+                <a:tab pos="2241550" algn="l"/>
+              </a:tabLst>
+            </a:pPr>
+            <a:r>
+              <a:rPr lang="en-GB" sz="2400" smtClean="0">
+                <a:solidFill>
+                  <a:srgbClr val="0070C0"/>
+                </a:solidFill>
+              </a:rPr>
+              <a:t>MetaboLights</a:t>
+            </a:r>
+            <a:r>
+              <a:rPr lang="en-GB" sz="2400">
+                <a:solidFill>
+                  <a:srgbClr val="0070C0"/>
+                </a:solidFill>
+              </a:rPr>
+              <a:t>	https://www.ebi.ac.uk/metabolights – metabolomics data</a:t>
+            </a:r>
+            <a:endParaRPr lang="pl-PL" sz="2400">
+              <a:solidFill>
+                <a:srgbClr val="0070C0"/>
+              </a:solidFill>
+            </a:endParaRPr>
+          </a:p>
+          <a:p>
+            <a:pPr marL="285750" indent="-285750">
+              <a:lnSpc>
+                <a:spcPct val="250000"/>
+              </a:lnSpc>
+              <a:buFont typeface="Arial" panose="020B0604020202020204" pitchFamily="34" charset="0"/>
+              <a:buChar char="•"/>
+              <a:tabLst>
+                <a:tab pos="2241550" algn="l"/>
+              </a:tabLst>
+            </a:pPr>
+            <a:endParaRPr lang="en-GB" sz="2400" dirty="0">
+              <a:solidFill>
+                <a:srgbClr val="0070C0"/>
+              </a:solidFill>
+            </a:endParaRPr>
+          </a:p>
+        </p:txBody>
+      </p:sp>
+      <p:sp>
+        <p:nvSpPr>
+          <p:cNvPr id="3" name="Title 2">
+            <a:extLst>
+              <a:ext uri="{FF2B5EF4-FFF2-40B4-BE49-F238E27FC236}">
+                <a16:creationId xmlns:a16="http://schemas.microsoft.com/office/drawing/2014/main" id="{458D2671-D341-1A47-93B5-8F74B6359CCC}"/>
               </a:ext>
             </a:extLst>
           </p:cNvPr>
@@ -10182,142 +9343,214 @@
             <p:ph type="title"/>
           </p:nvPr>
         </p:nvSpPr>
-        <p:spPr>
-          <a:xfrm>
-            <a:off x="838200" y="365125"/>
-            <a:ext cx="10515600" cy="1325563"/>
-          </a:xfrm>
-        </p:spPr>
+        <p:spPr/>
         <p:txBody>
           <a:bodyPr/>
           <a:lstStyle/>
           <a:p>
             <a:r>
-              <a:rPr lang="pl-PL" dirty="0">
-                <a:solidFill>
-                  <a:srgbClr val="0070C0"/>
-                </a:solidFill>
-              </a:rPr>
-              <a:t>Public record</a:t>
-            </a:r>
-            <a:r>
-              <a:rPr lang="en-GB" dirty="0">
-                <a:solidFill>
-                  <a:srgbClr val="0070C0"/>
-                </a:solidFill>
-              </a:rPr>
-              <a:t> - Solutions</a:t>
-            </a:r>
-          </a:p>
-        </p:txBody>
-      </p:sp>
-      <p:sp>
-        <p:nvSpPr>
-          <p:cNvPr id="6" name="TextBox 5">
-            <a:extLst>
-              <a:ext uri="{FF2B5EF4-FFF2-40B4-BE49-F238E27FC236}">
-                <a16:creationId xmlns:a16="http://schemas.microsoft.com/office/drawing/2014/main" id="{216805BD-FE46-4237-9C78-2FA56E8B599C}"/>
-              </a:ext>
-            </a:extLst>
-          </p:cNvPr>
-          <p:cNvSpPr txBox="1"/>
+              <a:rPr lang="en-GB" dirty="0" smtClean="0"/>
+              <a:t>“</a:t>
+            </a:r>
+            <a:r>
+              <a:rPr lang="en-GB" dirty="0"/>
+              <a:t>domain” (type) specific repositories</a:t>
+            </a:r>
+          </a:p>
+        </p:txBody>
+      </p:sp>
+      <p:pic>
+        <p:nvPicPr>
+          <p:cNvPr id="2050" name="Picture 2" descr="UniProt">
+            <a:extLst>
+              <a:ext uri="{FF2B5EF4-FFF2-40B4-BE49-F238E27FC236}">
+                <a16:creationId xmlns:a16="http://schemas.microsoft.com/office/drawing/2014/main" id="{3E325F39-92E3-B641-B988-F7B0F994C522}"/>
+              </a:ext>
+            </a:extLst>
+          </p:cNvPr>
+          <p:cNvPicPr>
+            <a:picLocks noChangeAspect="1" noChangeArrowheads="1"/>
+          </p:cNvPicPr>
           <p:nvPr/>
-        </p:nvSpPr>
-        <p:spPr>
+        </p:nvPicPr>
+        <p:blipFill>
+          <a:blip r:embed="rId2">
+            <a:extLst>
+              <a:ext uri="{28A0092B-C50C-407E-A947-70E740481C1C}">
+                <a14:useLocalDpi xmlns:a14="http://schemas.microsoft.com/office/drawing/2010/main" val="0"/>
+              </a:ext>
+            </a:extLst>
+          </a:blip>
+          <a:srcRect/>
+          <a:stretch>
+            <a:fillRect/>
+          </a:stretch>
+        </p:blipFill>
+        <p:spPr bwMode="auto">
           <a:xfrm>
-            <a:off x="1117041" y="1957980"/>
-            <a:ext cx="9957917" cy="2805063"/>
+            <a:off x="8037861" y="1803518"/>
+            <a:ext cx="1994778" cy="913272"/>
           </a:xfrm>
           <a:prstGeom prst="rect">
             <a:avLst/>
           </a:prstGeom>
           <a:noFill/>
+          <a:extLst>
+            <a:ext uri="{909E8E84-426E-40DD-AFC4-6F175D3DCCD1}">
+              <a14:hiddenFill xmlns:a14="http://schemas.microsoft.com/office/drawing/2010/main">
+                <a:solidFill>
+                  <a:srgbClr val="FFFFFF"/>
+                </a:solidFill>
+              </a14:hiddenFill>
+            </a:ext>
+          </a:extLst>
         </p:spPr>
-        <p:txBody>
-          <a:bodyPr wrap="square">
-            <a:spAutoFit/>
-          </a:bodyPr>
-          <a:lstStyle/>
-          <a:p>
-            <a:pPr algn="l">
-              <a:lnSpc>
-                <a:spcPct val="150000"/>
-              </a:lnSpc>
-            </a:pPr>
-            <a:r>
-              <a:rPr lang="en-GB" sz="2400" b="1" i="0" dirty="0">
-                <a:solidFill>
-                  <a:srgbClr val="333333"/>
-                </a:solidFill>
-                <a:effectLst/>
-                <a:latin typeface="Ubuntu"/>
-              </a:rPr>
-              <a:t>Interoperable:</a:t>
-            </a:r>
-          </a:p>
-          <a:p>
-            <a:pPr algn="l">
-              <a:lnSpc>
-                <a:spcPct val="150000"/>
-              </a:lnSpc>
-              <a:buFont typeface="Arial" panose="020B0604020202020204" pitchFamily="34" charset="0"/>
-              <a:buChar char="•"/>
-            </a:pPr>
-            <a:r>
-              <a:rPr lang="en-GB" sz="2400" b="0" i="0" dirty="0">
-                <a:solidFill>
-                  <a:srgbClr val="333333"/>
-                </a:solidFill>
-                <a:effectLst/>
-                <a:latin typeface="Ubuntu"/>
-              </a:rPr>
-              <a:t>I1. (Meta)data use a formal, accessible, shared, and broadly applicable language for knowledge representation. - YES</a:t>
-            </a:r>
-          </a:p>
-          <a:p>
-            <a:pPr algn="l">
-              <a:lnSpc>
-                <a:spcPct val="150000"/>
-              </a:lnSpc>
-              <a:buFont typeface="Arial" panose="020B0604020202020204" pitchFamily="34" charset="0"/>
-              <a:buChar char="•"/>
-            </a:pPr>
-            <a:r>
-              <a:rPr lang="en-GB" sz="2400" b="0" i="0" dirty="0">
-                <a:solidFill>
-                  <a:srgbClr val="333333"/>
-                </a:solidFill>
-                <a:effectLst/>
-                <a:latin typeface="Ubuntu"/>
-              </a:rPr>
-              <a:t>I2. (Meta)data use vocabularies that follow FAIR principles - PARTIALLY</a:t>
-            </a:r>
-          </a:p>
-          <a:p>
-            <a:pPr algn="l">
-              <a:lnSpc>
-                <a:spcPct val="150000"/>
-              </a:lnSpc>
-              <a:buFont typeface="Arial" panose="020B0604020202020204" pitchFamily="34" charset="0"/>
-              <a:buChar char="•"/>
-            </a:pPr>
-            <a:r>
-              <a:rPr lang="en-GB" sz="2400" b="0" i="0" dirty="0">
-                <a:solidFill>
-                  <a:srgbClr val="333333"/>
-                </a:solidFill>
-                <a:effectLst/>
-                <a:latin typeface="Ubuntu"/>
-              </a:rPr>
-              <a:t>I3. (Meta)data include qualified references to other (meta)data - YES</a:t>
-            </a:r>
-          </a:p>
-        </p:txBody>
-      </p:sp>
+      </p:pic>
+      <p:pic>
+        <p:nvPicPr>
+          <p:cNvPr id="2052" name="Picture 4" descr="The European Bioinformatics Institute &amp;lt; EMBL-EBI">
+            <a:extLst>
+              <a:ext uri="{FF2B5EF4-FFF2-40B4-BE49-F238E27FC236}">
+                <a16:creationId xmlns:a16="http://schemas.microsoft.com/office/drawing/2014/main" id="{C448B260-5264-EC48-8176-47F538376762}"/>
+              </a:ext>
+            </a:extLst>
+          </p:cNvPr>
+          <p:cNvPicPr>
+            <a:picLocks noChangeAspect="1" noChangeArrowheads="1"/>
+          </p:cNvPicPr>
+          <p:nvPr/>
+        </p:nvPicPr>
+        <p:blipFill>
+          <a:blip r:embed="rId3">
+            <a:extLst>
+              <a:ext uri="{28A0092B-C50C-407E-A947-70E740481C1C}">
+                <a14:useLocalDpi xmlns:a14="http://schemas.microsoft.com/office/drawing/2010/main" val="0"/>
+              </a:ext>
+            </a:extLst>
+          </a:blip>
+          <a:srcRect/>
+          <a:stretch>
+            <a:fillRect/>
+          </a:stretch>
+        </p:blipFill>
+        <p:spPr bwMode="auto">
+          <a:xfrm>
+            <a:off x="10023159" y="2812762"/>
+            <a:ext cx="1776220" cy="888110"/>
+          </a:xfrm>
+          <a:prstGeom prst="rect">
+            <a:avLst/>
+          </a:prstGeom>
+          <a:noFill/>
+          <a:extLst>
+            <a:ext uri="{909E8E84-426E-40DD-AFC4-6F175D3DCCD1}">
+              <a14:hiddenFill xmlns:a14="http://schemas.microsoft.com/office/drawing/2010/main">
+                <a:solidFill>
+                  <a:srgbClr val="FFFFFF"/>
+                </a:solidFill>
+              </a14:hiddenFill>
+            </a:ext>
+          </a:extLst>
+        </p:spPr>
+      </p:pic>
+      <p:pic>
+        <p:nvPicPr>
+          <p:cNvPr id="2056" name="Picture 8" descr="GitHub Logo, history, meaning, symbol, PNG">
+            <a:extLst>
+              <a:ext uri="{FF2B5EF4-FFF2-40B4-BE49-F238E27FC236}">
+                <a16:creationId xmlns:a16="http://schemas.microsoft.com/office/drawing/2014/main" id="{D77323BD-87F2-9F4B-9997-733371BECEB4}"/>
+              </a:ext>
+            </a:extLst>
+          </p:cNvPr>
+          <p:cNvPicPr>
+            <a:picLocks noChangeAspect="1" noChangeArrowheads="1"/>
+          </p:cNvPicPr>
+          <p:nvPr/>
+        </p:nvPicPr>
+        <p:blipFill>
+          <a:blip r:embed="rId4" cstate="hqprint">
+            <a:extLst>
+              <a:ext uri="{28A0092B-C50C-407E-A947-70E740481C1C}">
+                <a14:useLocalDpi xmlns:a14="http://schemas.microsoft.com/office/drawing/2010/main" val="0"/>
+              </a:ext>
+            </a:extLst>
+          </a:blip>
+          <a:srcRect/>
+          <a:stretch>
+            <a:fillRect/>
+          </a:stretch>
+        </p:blipFill>
+        <p:spPr bwMode="auto">
+          <a:xfrm>
+            <a:off x="8027831" y="3477296"/>
+            <a:ext cx="2219412" cy="1248419"/>
+          </a:xfrm>
+          <a:prstGeom prst="rect">
+            <a:avLst/>
+          </a:prstGeom>
+          <a:noFill/>
+          <a:extLst>
+            <a:ext uri="{909E8E84-426E-40DD-AFC4-6F175D3DCCD1}">
+              <a14:hiddenFill xmlns:a14="http://schemas.microsoft.com/office/drawing/2010/main">
+                <a:solidFill>
+                  <a:srgbClr val="FFFFFF"/>
+                </a:solidFill>
+              </a14:hiddenFill>
+            </a:ext>
+          </a:extLst>
+        </p:spPr>
+      </p:pic>
+      <p:pic>
+        <p:nvPicPr>
+          <p:cNvPr id="2054" name="Picture 6">
+            <a:extLst>
+              <a:ext uri="{FF2B5EF4-FFF2-40B4-BE49-F238E27FC236}">
+                <a16:creationId xmlns:a16="http://schemas.microsoft.com/office/drawing/2014/main" id="{FD98CFB6-B4AA-AC41-8774-90BD2B95063A}"/>
+              </a:ext>
+            </a:extLst>
+          </p:cNvPr>
+          <p:cNvPicPr>
+            <a:picLocks noChangeAspect="1" noChangeArrowheads="1"/>
+          </p:cNvPicPr>
+          <p:nvPr/>
+        </p:nvPicPr>
+        <p:blipFill>
+          <a:blip r:embed="rId5">
+            <a:extLst>
+              <a:ext uri="{28A0092B-C50C-407E-A947-70E740481C1C}">
+                <a14:useLocalDpi xmlns:a14="http://schemas.microsoft.com/office/drawing/2010/main" val="0"/>
+              </a:ext>
+            </a:extLst>
+          </a:blip>
+          <a:srcRect/>
+          <a:stretch>
+            <a:fillRect/>
+          </a:stretch>
+        </p:blipFill>
+        <p:spPr bwMode="auto">
+          <a:xfrm>
+            <a:off x="7917426" y="5190184"/>
+            <a:ext cx="2885968" cy="1154387"/>
+          </a:xfrm>
+          <a:prstGeom prst="rect">
+            <a:avLst/>
+          </a:prstGeom>
+          <a:noFill/>
+          <a:extLst>
+            <a:ext uri="{909E8E84-426E-40DD-AFC4-6F175D3DCCD1}">
+              <a14:hiddenFill xmlns:a14="http://schemas.microsoft.com/office/drawing/2010/main">
+                <a:solidFill>
+                  <a:srgbClr val="FFFFFF"/>
+                </a:solidFill>
+              </a14:hiddenFill>
+            </a:ext>
+          </a:extLst>
+        </p:spPr>
+      </p:pic>
     </p:spTree>
     <p:extLst>
       <p:ext uri="{BB962C8B-B14F-4D97-AF65-F5344CB8AC3E}">
-        <p14:creationId xmlns:p14="http://schemas.microsoft.com/office/powerpoint/2010/main" val="829891487"/>
+        <p14:creationId xmlns:p14="http://schemas.microsoft.com/office/powerpoint/2010/main" val="781096633"/>
       </p:ext>
     </p:extLst>
   </p:cSld>

--- a/instructors/04-Public_repositories.pptx
+++ b/instructors/04-Public_repositories.pptx
@@ -134,6 +134,43 @@
 </p:presentation>
 </file>
 
+<file path=ppt/revisionInfo.xml><?xml version="1.0" encoding="utf-8"?>
+<p1510:revInfo xmlns:a="http://schemas.openxmlformats.org/drawingml/2006/main" xmlns:r="http://schemas.openxmlformats.org/officeDocument/2006/relationships" xmlns:p1510="http://schemas.microsoft.com/office/powerpoint/2015/10/main">
+  <p1510:revLst>
+    <p1510:client id="{3ECFB9FB-EA3B-A2B7-91E9-1DEAFE695B51}" v="8" dt="2022-12-16T16:27:52.886"/>
+  </p1510:revLst>
+</p1510:revInfo>
+</file>
+
+<file path=ppt/changesInfos/changesInfo1.xml><?xml version="1.0" encoding="utf-8"?>
+<pc:chgInfo xmlns:a="http://schemas.openxmlformats.org/drawingml/2006/main" xmlns:r="http://schemas.openxmlformats.org/officeDocument/2006/relationships" xmlns:ac="http://schemas.microsoft.com/office/drawing/2013/main/command" xmlns:pc="http://schemas.microsoft.com/office/powerpoint/2013/main/command">
+  <pc:docChgLst>
+    <pc:chgData name="Tomasz Zielinski" userId="S::tzielins@ed.ac.uk::d5c7bb8c-2ef3-45c1-b942-424604992d56" providerId="AD" clId="Web-{3ECFB9FB-EA3B-A2B7-91E9-1DEAFE695B51}"/>
+    <pc:docChg chg="modSld">
+      <pc:chgData name="Tomasz Zielinski" userId="S::tzielins@ed.ac.uk::d5c7bb8c-2ef3-45c1-b942-424604992d56" providerId="AD" clId="Web-{3ECFB9FB-EA3B-A2B7-91E9-1DEAFE695B51}" dt="2022-12-16T16:27:50.760" v="2" actId="20577"/>
+      <pc:docMkLst>
+        <pc:docMk/>
+      </pc:docMkLst>
+      <pc:sldChg chg="modSp">
+        <pc:chgData name="Tomasz Zielinski" userId="S::tzielins@ed.ac.uk::d5c7bb8c-2ef3-45c1-b942-424604992d56" providerId="AD" clId="Web-{3ECFB9FB-EA3B-A2B7-91E9-1DEAFE695B51}" dt="2022-12-16T16:27:50.760" v="2" actId="20577"/>
+        <pc:sldMkLst>
+          <pc:docMk/>
+          <pc:sldMk cId="1344113615" sldId="292"/>
+        </pc:sldMkLst>
+        <pc:spChg chg="mod">
+          <ac:chgData name="Tomasz Zielinski" userId="S::tzielins@ed.ac.uk::d5c7bb8c-2ef3-45c1-b942-424604992d56" providerId="AD" clId="Web-{3ECFB9FB-EA3B-A2B7-91E9-1DEAFE695B51}" dt="2022-12-16T16:27:50.760" v="2" actId="20577"/>
+          <ac:spMkLst>
+            <pc:docMk/>
+            <pc:sldMk cId="1344113615" sldId="292"/>
+            <ac:spMk id="2" creationId="{00000000-0000-0000-0000-000000000000}"/>
+          </ac:spMkLst>
+        </pc:spChg>
+      </pc:sldChg>
+    </pc:docChg>
+  </pc:docChgLst>
+</pc:chgInfo>
+</file>
+
 <file path=ppt/notesMasters/notesMaster1.xml><?xml version="1.0" encoding="utf-8"?>
 <p:notesMaster xmlns:a="http://schemas.openxmlformats.org/drawingml/2006/main" xmlns:r="http://schemas.openxmlformats.org/officeDocument/2006/relationships" xmlns:p="http://schemas.openxmlformats.org/presentationml/2006/main">
   <p:cSld>
@@ -216,7 +253,7 @@
           <a:p>
             <a:fld id="{585C48AE-4A1E-9A43-835F-510354165F99}" type="datetimeFigureOut">
               <a:rPr lang="en-GB" smtClean="0"/>
-              <a:t>14/12/2022</a:t>
+              <a:t>16/12/2022</a:t>
             </a:fld>
             <a:endParaRPr lang="en-GB" dirty="0"/>
           </a:p>
@@ -528,18 +565,18 @@
           <a:lstStyle/>
           <a:p>
             <a:r>
-              <a:rPr lang="en-GB" smtClean="0"/>
+              <a:rPr lang="en-GB"/>
               <a:t>IN A NUTSHELL:</a:t>
             </a:r>
             <a:r>
-              <a:rPr lang="en-GB" baseline="0" smtClean="0"/>
+              <a:rPr lang="en-GB" baseline="0"/>
               <a:t> </a:t>
             </a:r>
-            <a:endParaRPr lang="en-GB" smtClean="0"/>
-          </a:p>
-          <a:p>
-            <a:r>
-              <a:rPr lang="en-GB" smtClean="0"/>
+            <a:endParaRPr lang="en-GB"/>
+          </a:p>
+          <a:p>
+            <a:r>
+              <a:rPr lang="en-GB"/>
               <a:t>Findable </a:t>
             </a:r>
             <a:r>
@@ -688,7 +725,15 @@
           <a:p>
             <a:r>
               <a:rPr lang="en-GB" dirty="0"/>
-              <a:t>Dryad is an international open-access repository of research data.  It is a nonprofit organization that provides long-term access to its contents at no cost to users. The base DPC per data submission is $120 USD. Access is free.</a:t>
+              <a:t>Dryad is an international open-access repository of research data.  It is a nonprofit organization that provides long-term access to its contents at no cost to users. The base DPC per data submission is $120 USD. Some journals</a:t>
+            </a:r>
+            <a:r>
+              <a:rPr lang="en-GB" baseline="0" dirty="0"/>
+              <a:t> will pay this cost. </a:t>
+            </a:r>
+            <a:r>
+              <a:rPr lang="en-GB" dirty="0"/>
+              <a:t>Access is free.</a:t>
             </a:r>
           </a:p>
           <a:p>
@@ -715,19 +760,27 @@
           <a:p>
             <a:r>
               <a:rPr lang="en-GB" dirty="0"/>
-              <a:t>Dataverse is funded by Harvard with additional support from the Alfred P. Sloan Foundation, National Science Foundation, National Institutes of Health, Helmsley Charitable Trust, IQSS's Henry A. Murray Research Archive, and many others</a:t>
-            </a:r>
-            <a:r>
-              <a:rPr lang="en-GB"/>
-              <a:t>. </a:t>
-            </a:r>
-            <a:r>
-              <a:rPr lang="en-GB" smtClean="0"/>
-              <a:t>There are over</a:t>
-            </a:r>
-            <a:r>
-              <a:rPr lang="en-GB" baseline="0" smtClean="0"/>
-              <a:t> eighty repositories using the DataVerse project's repository software; the Harvard DataVerse repository accepts data from all researchers from any discipline. </a:t>
+              <a:t>Dataverse is funded by Harvard with additional support from the Alfred P. Sloan Foundation, National Science Foundation, National Institutes of Health, Helmsley Charitable Trust, IQSS's Henry A. Murray Research Archive, and many others. There are over</a:t>
+            </a:r>
+            <a:r>
+              <a:rPr lang="en-GB" baseline="0" dirty="0"/>
+              <a:t> eighty repositories using the </a:t>
+            </a:r>
+            <a:r>
+              <a:rPr lang="en-GB" baseline="0" dirty="0" err="1"/>
+              <a:t>DataVerse</a:t>
+            </a:r>
+            <a:r>
+              <a:rPr lang="en-GB" baseline="0" dirty="0"/>
+              <a:t> project's repository software; the Harvard </a:t>
+            </a:r>
+            <a:r>
+              <a:rPr lang="en-GB" baseline="0" dirty="0" err="1"/>
+              <a:t>DataVerse</a:t>
+            </a:r>
+            <a:r>
+              <a:rPr lang="en-GB" baseline="0" dirty="0"/>
+              <a:t> repository accepts data from all researchers from any discipline. </a:t>
             </a:r>
             <a:endParaRPr lang="en-GB" dirty="0"/>
           </a:p>
@@ -918,7 +971,7 @@
           <a:p>
             <a:fld id="{5913FB77-D8DB-4AB9-8EA5-EE8C3B57A5E1}" type="datetimeFigureOut">
               <a:rPr lang="en-GB" smtClean="0"/>
-              <a:t>14/12/2022</a:t>
+              <a:t>16/12/2022</a:t>
             </a:fld>
             <a:endParaRPr lang="en-GB" dirty="0"/>
           </a:p>
@@ -1165,7 +1218,7 @@
           <a:p>
             <a:fld id="{5913FB77-D8DB-4AB9-8EA5-EE8C3B57A5E1}" type="datetimeFigureOut">
               <a:rPr lang="en-GB" smtClean="0"/>
-              <a:t>14/12/2022</a:t>
+              <a:t>16/12/2022</a:t>
             </a:fld>
             <a:endParaRPr lang="en-GB" dirty="0"/>
           </a:p>
@@ -1375,7 +1428,7 @@
           <a:p>
             <a:fld id="{5913FB77-D8DB-4AB9-8EA5-EE8C3B57A5E1}" type="datetimeFigureOut">
               <a:rPr lang="en-GB" smtClean="0"/>
-              <a:t>14/12/2022</a:t>
+              <a:t>16/12/2022</a:t>
             </a:fld>
             <a:endParaRPr lang="en-GB" dirty="0"/>
           </a:p>
@@ -1575,7 +1628,7 @@
           <a:p>
             <a:fld id="{5913FB77-D8DB-4AB9-8EA5-EE8C3B57A5E1}" type="datetimeFigureOut">
               <a:rPr lang="en-GB" smtClean="0"/>
-              <a:t>14/12/2022</a:t>
+              <a:t>16/12/2022</a:t>
             </a:fld>
             <a:endParaRPr lang="en-GB" dirty="0"/>
           </a:p>
@@ -1851,7 +1904,7 @@
           <a:p>
             <a:fld id="{5913FB77-D8DB-4AB9-8EA5-EE8C3B57A5E1}" type="datetimeFigureOut">
               <a:rPr lang="en-GB" smtClean="0"/>
-              <a:t>14/12/2022</a:t>
+              <a:t>16/12/2022</a:t>
             </a:fld>
             <a:endParaRPr lang="en-GB" dirty="0"/>
           </a:p>
@@ -2119,7 +2172,7 @@
           <a:p>
             <a:fld id="{5913FB77-D8DB-4AB9-8EA5-EE8C3B57A5E1}" type="datetimeFigureOut">
               <a:rPr lang="en-GB" smtClean="0"/>
-              <a:t>14/12/2022</a:t>
+              <a:t>16/12/2022</a:t>
             </a:fld>
             <a:endParaRPr lang="en-GB" dirty="0"/>
           </a:p>
@@ -2534,7 +2587,7 @@
           <a:p>
             <a:fld id="{5913FB77-D8DB-4AB9-8EA5-EE8C3B57A5E1}" type="datetimeFigureOut">
               <a:rPr lang="en-GB" smtClean="0"/>
-              <a:t>14/12/2022</a:t>
+              <a:t>16/12/2022</a:t>
             </a:fld>
             <a:endParaRPr lang="en-GB" dirty="0"/>
           </a:p>
@@ -2676,7 +2729,7 @@
           <a:p>
             <a:fld id="{5913FB77-D8DB-4AB9-8EA5-EE8C3B57A5E1}" type="datetimeFigureOut">
               <a:rPr lang="en-GB" smtClean="0"/>
-              <a:t>14/12/2022</a:t>
+              <a:t>16/12/2022</a:t>
             </a:fld>
             <a:endParaRPr lang="en-GB" dirty="0"/>
           </a:p>
@@ -2789,7 +2842,7 @@
           <a:p>
             <a:fld id="{5913FB77-D8DB-4AB9-8EA5-EE8C3B57A5E1}" type="datetimeFigureOut">
               <a:rPr lang="en-GB" smtClean="0"/>
-              <a:t>14/12/2022</a:t>
+              <a:t>16/12/2022</a:t>
             </a:fld>
             <a:endParaRPr lang="en-GB" dirty="0"/>
           </a:p>
@@ -3102,7 +3155,7 @@
           <a:p>
             <a:fld id="{5913FB77-D8DB-4AB9-8EA5-EE8C3B57A5E1}" type="datetimeFigureOut">
               <a:rPr lang="en-GB" smtClean="0"/>
-              <a:t>14/12/2022</a:t>
+              <a:t>16/12/2022</a:t>
             </a:fld>
             <a:endParaRPr lang="en-GB" dirty="0"/>
           </a:p>
@@ -3391,7 +3444,7 @@
           <a:p>
             <a:fld id="{5913FB77-D8DB-4AB9-8EA5-EE8C3B57A5E1}" type="datetimeFigureOut">
               <a:rPr lang="en-GB" smtClean="0"/>
-              <a:t>14/12/2022</a:t>
+              <a:t>16/12/2022</a:t>
             </a:fld>
             <a:endParaRPr lang="en-GB" dirty="0"/>
           </a:p>
@@ -3633,7 +3686,7 @@
             <a:fld id="{5913FB77-D8DB-4AB9-8EA5-EE8C3B57A5E1}" type="datetimeFigureOut">
               <a:rPr lang="en-GB" smtClean="0"/>
               <a:pPr/>
-              <a:t>14/12/2022</a:t>
+              <a:t>16/12/2022</a:t>
             </a:fld>
             <a:endParaRPr lang="en-GB" dirty="0"/>
           </a:p>
@@ -4094,117 +4147,42 @@
           <a:chExt cx="0" cy="0"/>
         </a:xfrm>
       </p:grpSpPr>
-      <p:grpSp>
-        <p:nvGrpSpPr>
-          <p:cNvPr id="3" name="Group 2"/>
-          <p:cNvGrpSpPr/>
+      <p:sp>
+        <p:nvSpPr>
+          <p:cNvPr id="7" name="TextBox 6">
+            <a:extLst>
+              <a:ext uri="{FF2B5EF4-FFF2-40B4-BE49-F238E27FC236}">
+                <a16:creationId xmlns:a16="http://schemas.microsoft.com/office/drawing/2014/main" id="{441D6036-BCDA-4EC7-9653-F205FE226493}"/>
+              </a:ext>
+            </a:extLst>
+          </p:cNvPr>
+          <p:cNvSpPr txBox="1"/>
           <p:nvPr/>
-        </p:nvGrpSpPr>
-        <p:grpSpPr>
+        </p:nvSpPr>
+        <p:spPr>
           <a:xfrm>
-            <a:off x="335498" y="5785681"/>
-            <a:ext cx="7747345" cy="469783"/>
-            <a:chOff x="335498" y="5785681"/>
-            <a:chExt cx="7747345" cy="469783"/>
+            <a:off x="1092764" y="5835907"/>
+            <a:ext cx="6990079" cy="369332"/>
           </a:xfrm>
-        </p:grpSpPr>
-        <p:sp>
-          <p:nvSpPr>
-            <p:cNvPr id="7" name="TextBox 6">
-              <a:extLst>
-                <a:ext uri="{FF2B5EF4-FFF2-40B4-BE49-F238E27FC236}">
-                  <a16:creationId xmlns:a16="http://schemas.microsoft.com/office/drawing/2014/main" id="{441D6036-BCDA-4EC7-9653-F205FE226493}"/>
-                </a:ext>
-              </a:extLst>
-            </p:cNvPr>
-            <p:cNvSpPr txBox="1"/>
-            <p:nvPr/>
-          </p:nvSpPr>
-          <p:spPr>
-            <a:xfrm>
-              <a:off x="1092764" y="5835907"/>
-              <a:ext cx="6990079" cy="369332"/>
-            </a:xfrm>
-            <a:prstGeom prst="rect">
-              <a:avLst/>
-            </a:prstGeom>
-            <a:noFill/>
-          </p:spPr>
-          <p:txBody>
-            <a:bodyPr wrap="square">
-              <a:spAutoFit/>
-            </a:bodyPr>
-            <a:lstStyle/>
-            <a:p>
-              <a:r>
-                <a:rPr lang="en-GB"/>
-                <a:t>Open </a:t>
-              </a:r>
-              <a:r>
-                <a:rPr lang="en-GB" smtClean="0">
-                  <a:hlinkClick r:id="rId2"/>
-                </a:rPr>
-                <a:t>https://pad.carpentries.org/fair-4-leaders-begins-20YY-MM-DD</a:t>
-              </a:r>
-              <a:r>
-                <a:rPr lang="en-GB" smtClean="0"/>
-                <a:t>  </a:t>
-              </a:r>
-              <a:endParaRPr lang="en-GB" dirty="0">
-                <a:highlight>
-                  <a:srgbClr val="FFFF00"/>
-                </a:highlight>
-              </a:endParaRPr>
-            </a:p>
-          </p:txBody>
-        </p:sp>
-        <p:sp>
-          <p:nvSpPr>
-            <p:cNvPr id="8" name="Arrow: Down 7">
-              <a:extLst>
-                <a:ext uri="{FF2B5EF4-FFF2-40B4-BE49-F238E27FC236}">
-                  <a16:creationId xmlns:a16="http://schemas.microsoft.com/office/drawing/2014/main" id="{490697C4-1D52-44B3-9145-1E4126021820}"/>
-                </a:ext>
-              </a:extLst>
-            </p:cNvPr>
-            <p:cNvSpPr/>
-            <p:nvPr/>
-          </p:nvSpPr>
-          <p:spPr>
-            <a:xfrm rot="16200000">
-              <a:off x="410999" y="5710180"/>
-              <a:ext cx="469783" cy="620786"/>
-            </a:xfrm>
-            <a:prstGeom prst="downArrow">
-              <a:avLst/>
-            </a:prstGeom>
-          </p:spPr>
-          <p:style>
-            <a:lnRef idx="2">
-              <a:schemeClr val="accent1">
-                <a:shade val="50000"/>
-              </a:schemeClr>
-            </a:lnRef>
-            <a:fillRef idx="1">
-              <a:schemeClr val="accent1"/>
-            </a:fillRef>
-            <a:effectRef idx="0">
-              <a:schemeClr val="accent1"/>
-            </a:effectRef>
-            <a:fontRef idx="minor">
-              <a:schemeClr val="lt1"/>
-            </a:fontRef>
-          </p:style>
-          <p:txBody>
-            <a:bodyPr rtlCol="0" anchor="ctr"/>
-            <a:lstStyle/>
-            <a:p>
-              <a:pPr algn="ctr"/>
-              <a:endParaRPr lang="en-GB" dirty="0"/>
-            </a:p>
-          </p:txBody>
-        </p:sp>
-      </p:grpSp>
+          <a:prstGeom prst="rect">
+            <a:avLst/>
+          </a:prstGeom>
+          <a:noFill/>
+        </p:spPr>
+        <p:txBody>
+          <a:bodyPr wrap="square">
+            <a:spAutoFit/>
+          </a:bodyPr>
+          <a:lstStyle/>
+          <a:p>
+            <a:endParaRPr lang="en-GB" dirty="0">
+              <a:highlight>
+                <a:srgbClr val="FFFF00"/>
+              </a:highlight>
+            </a:endParaRPr>
+          </a:p>
+        </p:txBody>
+      </p:sp>
       <p:sp>
         <p:nvSpPr>
           <p:cNvPr id="2" name="Rectangle 1"/>
@@ -4252,13 +4230,6 @@
   <p:clrMapOvr>
     <a:masterClrMapping/>
   </p:clrMapOvr>
-  <p:timing>
-    <p:tnLst>
-      <p:par>
-        <p:cTn id="1" dur="indefinite" restart="never" nodeType="tmRoot"/>
-      </p:par>
-    </p:tnLst>
-  </p:timing>
 </p:sld>
 </file>
 
@@ -4376,7 +4347,23 @@
                   <a:srgbClr val="0070C0"/>
                 </a:solidFill>
               </a:rPr>
-              <a:t>Data specific features (e.g. Visulization)</a:t>
+              <a:t>Data specific features (e.g. Visu</a:t>
+            </a:r>
+            <a:r>
+              <a:rPr lang="en-GB" sz="2400" dirty="0">
+                <a:solidFill>
+                  <a:srgbClr val="0070C0"/>
+                </a:solidFill>
+              </a:rPr>
+              <a:t>a</a:t>
+            </a:r>
+            <a:r>
+              <a:rPr lang="pl-PL" sz="2400" dirty="0">
+                <a:solidFill>
+                  <a:srgbClr val="0070C0"/>
+                </a:solidFill>
+              </a:rPr>
+              <a:t>lization)</a:t>
             </a:r>
           </a:p>
           <a:p>
@@ -4404,26 +4391,10 @@
                   <a:srgbClr val="0070C0"/>
                 </a:solidFill>
               </a:rPr>
-              <a:t>API for data retrival </a:t>
-            </a:r>
-            <a:r>
-              <a:rPr lang="pl-PL" sz="2400">
-                <a:solidFill>
-                  <a:srgbClr val="0070C0"/>
-                </a:solidFill>
-              </a:rPr>
-              <a:t>/ </a:t>
-            </a:r>
-            <a:r>
-              <a:rPr lang="pl-PL" sz="2400" smtClean="0">
-                <a:solidFill>
-                  <a:srgbClr val="0070C0"/>
-                </a:solidFill>
-              </a:rPr>
-              <a:t>ag</a:t>
-            </a:r>
-            <a:r>
-              <a:rPr lang="en-GB" sz="2400" smtClean="0">
+              <a:t>API for data retrival / ag</a:t>
+            </a:r>
+            <a:r>
+              <a:rPr lang="en-GB" sz="2400" dirty="0">
                 <a:solidFill>
                   <a:srgbClr val="0070C0"/>
                 </a:solidFill>
@@ -4431,20 +4402,12 @@
               <a:t>g</a:t>
             </a:r>
             <a:r>
-              <a:rPr lang="pl-PL" sz="2400" smtClean="0">
-                <a:solidFill>
-                  <a:srgbClr val="0070C0"/>
-                </a:solidFill>
-              </a:rPr>
-              <a:t>regation </a:t>
-            </a:r>
-            <a:r>
               <a:rPr lang="pl-PL" sz="2400" dirty="0">
                 <a:solidFill>
                   <a:srgbClr val="0070C0"/>
                 </a:solidFill>
               </a:rPr>
-              <a:t>/searching</a:t>
+              <a:t>regation /searching</a:t>
             </a:r>
           </a:p>
           <a:p>
@@ -4531,7 +4494,7 @@
           <a:lstStyle/>
           <a:p>
             <a:r>
-              <a:rPr lang="en-GB" smtClean="0">
+              <a:rPr lang="en-GB">
                 <a:solidFill>
                   <a:srgbClr val="0070C0"/>
                 </a:solidFill>
@@ -4539,7 +4502,7 @@
               <a:t>Advantages of d</a:t>
             </a:r>
             <a:r>
-              <a:rPr lang="pl-PL" smtClean="0">
+              <a:rPr lang="pl-PL">
                 <a:solidFill>
                   <a:srgbClr val="0070C0"/>
                 </a:solidFill>
@@ -4881,7 +4844,7 @@
               <a:buChar char="•"/>
             </a:pPr>
             <a:r>
-              <a:rPr lang="pl-PL" sz="2400" b="0" i="0" dirty="0" smtClean="0">
+              <a:rPr lang="pl-PL" sz="2400" b="0" i="0" dirty="0">
                 <a:solidFill>
                   <a:srgbClr val="333333"/>
                 </a:solidFill>
@@ -4891,24 +4854,14 @@
               <a:t> </a:t>
             </a:r>
             <a:r>
-              <a:rPr lang="en-GB" sz="2400" b="0" i="0" dirty="0" smtClean="0">
+              <a:rPr lang="en-GB" sz="2400" b="0" i="0" dirty="0">
                 <a:solidFill>
                   <a:srgbClr val="333333"/>
                 </a:solidFill>
                 <a:effectLst/>
                 <a:latin typeface="Ubuntu"/>
               </a:rPr>
-              <a:t>The </a:t>
-            </a:r>
-            <a:r>
-              <a:rPr lang="en-GB" sz="2400" b="0" i="0" dirty="0">
-                <a:solidFill>
-                  <a:srgbClr val="333333"/>
-                </a:solidFill>
-                <a:effectLst/>
-                <a:latin typeface="Ubuntu"/>
-              </a:rPr>
-              <a:t>repository is more relevant to your discipline than a generalist one.</a:t>
+              <a:t>The repository is more relevant to your discipline than a generalist one.</a:t>
             </a:r>
           </a:p>
           <a:p>
@@ -4920,7 +4873,7 @@
               <a:buChar char="•"/>
             </a:pPr>
             <a:r>
-              <a:rPr lang="pl-PL" sz="2400" b="0" i="0" dirty="0" smtClean="0">
+              <a:rPr lang="pl-PL" sz="2400" b="0" i="0" dirty="0">
                 <a:solidFill>
                   <a:srgbClr val="333333"/>
                 </a:solidFill>
@@ -4930,24 +4883,14 @@
               <a:t> </a:t>
             </a:r>
             <a:r>
-              <a:rPr lang="en-GB" sz="2400" b="0" i="0" dirty="0" smtClean="0">
+              <a:rPr lang="en-GB" sz="2400" b="0" i="0" dirty="0">
                 <a:solidFill>
                   <a:srgbClr val="333333"/>
                 </a:solidFill>
                 <a:effectLst/>
                 <a:latin typeface="Ubuntu"/>
               </a:rPr>
-              <a:t>Higher </a:t>
-            </a:r>
-            <a:r>
-              <a:rPr lang="en-GB" sz="2400" b="0" i="0" dirty="0">
-                <a:solidFill>
-                  <a:srgbClr val="333333"/>
-                </a:solidFill>
-                <a:effectLst/>
-                <a:latin typeface="Ubuntu"/>
-              </a:rPr>
-              <a:t>exposure (people looking for those specific types of data will usually first look at the specific repository).</a:t>
+              <a:t>Higher exposure (people looking for those specific types of data will usually first look at the specific repository).</a:t>
             </a:r>
           </a:p>
           <a:p>
@@ -4959,7 +4902,7 @@
               <a:buChar char="•"/>
             </a:pPr>
             <a:r>
-              <a:rPr lang="pl-PL" sz="2400" b="0" i="0" dirty="0" smtClean="0">
+              <a:rPr lang="pl-PL" sz="2400" b="0" i="0" dirty="0">
                 <a:solidFill>
                   <a:srgbClr val="333333"/>
                 </a:solidFill>
@@ -4969,24 +4912,14 @@
               <a:t> </a:t>
             </a:r>
             <a:r>
-              <a:rPr lang="en-GB" sz="2400" b="0" i="0" dirty="0" smtClean="0">
+              <a:rPr lang="en-GB" sz="2400" b="0" i="0" dirty="0">
                 <a:solidFill>
                   <a:srgbClr val="333333"/>
                 </a:solidFill>
                 <a:effectLst/>
                 <a:latin typeface="Ubuntu"/>
               </a:rPr>
-              <a:t>Higher </a:t>
-            </a:r>
-            <a:r>
-              <a:rPr lang="en-GB" sz="2400" b="0" i="0" dirty="0">
-                <a:solidFill>
-                  <a:srgbClr val="333333"/>
-                </a:solidFill>
-                <a:effectLst/>
-                <a:latin typeface="Ubuntu"/>
-              </a:rPr>
-              <a:t>number of citations (see above).</a:t>
+              <a:t>Higher number of citations (see above).</a:t>
             </a:r>
           </a:p>
         </p:txBody>
@@ -5047,7 +4980,7 @@
               <a:buChar char="•"/>
             </a:pPr>
             <a:r>
-              <a:rPr lang="en-GB" sz="2000" smtClean="0">
+              <a:rPr lang="en-GB" sz="2000">
                 <a:solidFill>
                   <a:srgbClr val="0070C0"/>
                 </a:solidFill>
@@ -5068,15 +5001,7 @@
                   <a:srgbClr val="0070C0"/>
                 </a:solidFill>
               </a:rPr>
-              <a:t>Springer </a:t>
-            </a:r>
-            <a:r>
-              <a:rPr lang="en-GB" sz="2000" smtClean="0">
-                <a:solidFill>
-                  <a:srgbClr val="0070C0"/>
-                </a:solidFill>
-              </a:rPr>
-              <a:t>Nature </a:t>
+              <a:t>Springer Nature </a:t>
             </a:r>
             <a:r>
               <a:rPr lang="en-GB" sz="2000" dirty="0">
@@ -5095,7 +5020,7 @@
               <a:buChar char="•"/>
             </a:pPr>
             <a:r>
-              <a:rPr lang="en-GB" sz="2000" smtClean="0">
+              <a:rPr lang="en-GB" sz="2000">
                 <a:solidFill>
                   <a:srgbClr val="0070C0"/>
                 </a:solidFill>
@@ -5119,7 +5044,7 @@
               <a:buChar char="•"/>
             </a:pPr>
             <a:r>
-              <a:rPr lang="en-GB" sz="2000" smtClean="0">
+              <a:rPr lang="en-GB" sz="2000">
                 <a:solidFill>
                   <a:srgbClr val="0070C0"/>
                 </a:solidFill>
@@ -5143,7 +5068,7 @@
               <a:buChar char="•"/>
             </a:pPr>
             <a:r>
-              <a:rPr lang="en-GB" sz="2000" smtClean="0">
+              <a:rPr lang="en-GB" sz="2000">
                 <a:solidFill>
                   <a:srgbClr val="0070C0"/>
                 </a:solidFill>
@@ -5167,7 +5092,7 @@
               <a:buChar char="•"/>
             </a:pPr>
             <a:r>
-              <a:rPr lang="en-GB" sz="2000" smtClean="0">
+              <a:rPr lang="en-GB" sz="2000">
                 <a:solidFill>
                   <a:srgbClr val="0070C0"/>
                 </a:solidFill>
@@ -5191,28 +5116,12 @@
               <a:buChar char="•"/>
             </a:pPr>
             <a:r>
-              <a:rPr lang="en-GB" sz="2000" smtClean="0">
-                <a:solidFill>
-                  <a:srgbClr val="0070C0"/>
-                </a:solidFill>
-              </a:rPr>
-              <a:t>GIGAscience </a:t>
-            </a:r>
-            <a:r>
               <a:rPr lang="en-GB" sz="2000">
                 <a:solidFill>
                   <a:srgbClr val="0070C0"/>
                 </a:solidFill>
               </a:rPr>
-              <a:t>- </a:t>
-            </a:r>
-            <a:r>
-              <a:rPr lang="en-GB" sz="2000" smtClean="0">
-                <a:solidFill>
-                  <a:srgbClr val="0070C0"/>
-                </a:solidFill>
-              </a:rPr>
-              <a:t>OUP </a:t>
+              <a:t>GIGAscience - OUP </a:t>
             </a:r>
             <a:r>
               <a:rPr lang="en-GB" sz="2000" dirty="0">
@@ -5231,7 +5140,7 @@
               <a:buChar char="•"/>
             </a:pPr>
             <a:r>
-              <a:rPr lang="en-GB" sz="2000" smtClean="0">
+              <a:rPr lang="en-GB" sz="2000">
                 <a:solidFill>
                   <a:srgbClr val="0070C0"/>
                 </a:solidFill>
@@ -5255,7 +5164,7 @@
               <a:buChar char="•"/>
             </a:pPr>
             <a:r>
-              <a:rPr lang="en-GB" sz="2000" smtClean="0">
+              <a:rPr lang="en-GB" sz="2000">
                 <a:solidFill>
                   <a:srgbClr val="0070C0"/>
                 </a:solidFill>
@@ -5276,15 +5185,7 @@
                   <a:srgbClr val="0070C0"/>
                 </a:solidFill>
               </a:rPr>
-              <a:t>- </a:t>
-            </a:r>
-            <a:r>
-              <a:rPr lang="en-GB" sz="2000" smtClean="0">
-                <a:solidFill>
-                  <a:srgbClr val="0070C0"/>
-                </a:solidFill>
-              </a:rPr>
-              <a:t>Nature </a:t>
+              <a:t>- Nature </a:t>
             </a:r>
             <a:r>
               <a:rPr lang="en-GB" sz="2000" dirty="0">
@@ -5303,28 +5204,12 @@
               <a:buChar char="•"/>
             </a:pPr>
             <a:r>
-              <a:rPr lang="en-GB" sz="2000" smtClean="0">
-                <a:solidFill>
-                  <a:srgbClr val="0070C0"/>
-                </a:solidFill>
-              </a:rPr>
-              <a:t>Taylor </a:t>
-            </a:r>
-            <a:r>
               <a:rPr lang="en-GB" sz="2000">
                 <a:solidFill>
                   <a:srgbClr val="0070C0"/>
                 </a:solidFill>
               </a:rPr>
-              <a:t>and </a:t>
-            </a:r>
-            <a:r>
-              <a:rPr lang="en-GB" sz="2000" smtClean="0">
-                <a:solidFill>
-                  <a:srgbClr val="0070C0"/>
-                </a:solidFill>
-              </a:rPr>
-              <a:t>Francis </a:t>
+              <a:t>Taylor and Francis </a:t>
             </a:r>
             <a:r>
               <a:rPr lang="en-GB" sz="2000" dirty="0">
@@ -5343,7 +5228,7 @@
               <a:buChar char="•"/>
             </a:pPr>
             <a:r>
-              <a:rPr lang="en-GB" sz="2000" smtClean="0">
+              <a:rPr lang="en-GB" sz="2000">
                 <a:solidFill>
                   <a:srgbClr val="0070C0"/>
                 </a:solidFill>
@@ -5367,7 +5252,7 @@
               <a:buChar char="•"/>
             </a:pPr>
             <a:r>
-              <a:rPr lang="en-GB" sz="2000" smtClean="0">
+              <a:rPr lang="en-GB" sz="2000">
                 <a:solidFill>
                   <a:srgbClr val="0070C0"/>
                 </a:solidFill>
@@ -5391,7 +5276,7 @@
               <a:buChar char="•"/>
             </a:pPr>
             <a:r>
-              <a:rPr lang="en-GB" sz="2000" smtClean="0">
+              <a:rPr lang="en-GB" sz="2000">
                 <a:solidFill>
                   <a:srgbClr val="0070C0"/>
                 </a:solidFill>
@@ -5415,28 +5300,12 @@
               <a:buChar char="•"/>
             </a:pPr>
             <a:r>
-              <a:rPr lang="en-GB" sz="2000" smtClean="0">
-                <a:solidFill>
-                  <a:srgbClr val="0070C0"/>
-                </a:solidFill>
-              </a:rPr>
-              <a:t>Wellcome </a:t>
-            </a:r>
-            <a:r>
               <a:rPr lang="en-GB" sz="2000">
                 <a:solidFill>
                   <a:srgbClr val="0070C0"/>
                 </a:solidFill>
               </a:rPr>
-              <a:t>Open </a:t>
-            </a:r>
-            <a:r>
-              <a:rPr lang="en-GB" sz="2000" smtClean="0">
-                <a:solidFill>
-                  <a:srgbClr val="0070C0"/>
-                </a:solidFill>
-              </a:rPr>
-              <a:t>Research </a:t>
+              <a:t>Wellcome Open Research </a:t>
             </a:r>
             <a:r>
               <a:rPr lang="en-GB" sz="2000" dirty="0">
@@ -5478,18 +5347,13 @@
           <a:lstStyle/>
           <a:p>
             <a:r>
-              <a:rPr lang="en-GB" dirty="0" smtClean="0">
+              <a:rPr lang="en-GB" dirty="0">
                 <a:solidFill>
                   <a:srgbClr val="0070C0"/>
                 </a:solidFill>
               </a:rPr>
               <a:t>Finding repositories – use recommendations</a:t>
             </a:r>
-            <a:endParaRPr lang="en-GB" dirty="0">
-              <a:solidFill>
-                <a:srgbClr val="0070C0"/>
-              </a:solidFill>
-            </a:endParaRPr>
           </a:p>
         </p:txBody>
       </p:sp>
@@ -5965,25 +5829,8 @@
                 <a:effectLst/>
                 <a:latin typeface="Ubuntu"/>
               </a:rPr>
-              <a:t>Find a repo for </a:t>
-            </a:r>
-            <a:r>
-              <a:rPr lang="en-GB" sz="2000" b="1" i="0" dirty="0" smtClean="0">
-                <a:solidFill>
-                  <a:srgbClr val="333333"/>
-                </a:solidFill>
-                <a:effectLst/>
-                <a:latin typeface="Ubuntu"/>
-              </a:rPr>
-              <a:t>genomics data:</a:t>
-            </a:r>
-            <a:endParaRPr lang="en-GB" sz="2000" b="1" i="0" dirty="0">
-              <a:solidFill>
-                <a:srgbClr val="333333"/>
-              </a:solidFill>
-              <a:effectLst/>
-              <a:latin typeface="Ubuntu"/>
-            </a:endParaRPr>
+              <a:t>Find a repo for genomics data:</a:t>
+            </a:r>
           </a:p>
           <a:p>
             <a:pPr>
@@ -6056,7 +5903,7 @@
           <a:lstStyle/>
           <a:p>
             <a:r>
-              <a:rPr lang="en-GB" sz="2000" b="1" dirty="0" smtClean="0">
+              <a:rPr lang="en-GB" sz="2000" b="1" dirty="0">
                 <a:solidFill>
                   <a:srgbClr val="0070C0"/>
                 </a:solidFill>
@@ -6081,20 +5928,12 @@
               <a:t>2. </a:t>
             </a:r>
             <a:r>
-              <a:rPr lang="en-GB" sz="2000" b="1" dirty="0" smtClean="0">
-                <a:solidFill>
-                  <a:srgbClr val="0070C0"/>
-                </a:solidFill>
-              </a:rPr>
-              <a:t>Quality </a:t>
-            </a:r>
-            <a:r>
               <a:rPr lang="en-GB" sz="2000" b="1" dirty="0">
                 <a:solidFill>
                   <a:srgbClr val="0070C0"/>
                 </a:solidFill>
               </a:rPr>
-              <a:t>of </a:t>
+              <a:t>Quality of </a:t>
             </a:r>
             <a:r>
               <a:rPr lang="en-GB" sz="2000" b="1">
@@ -6105,7 +5944,7 @@
               <a:t>interaction</a:t>
             </a:r>
             <a:r>
-              <a:rPr lang="pl-PL" sz="2000" b="1" smtClean="0">
+              <a:rPr lang="pl-PL" sz="2000" b="1">
                 <a:solidFill>
                   <a:srgbClr val="0070C0"/>
                 </a:solidFill>
@@ -6113,7 +5952,7 @@
               <a:t>/interface</a:t>
             </a:r>
             <a:r>
-              <a:rPr lang="en-GB" sz="2000" b="1" smtClean="0">
+              <a:rPr lang="en-GB" sz="2000" b="1">
                 <a:solidFill>
                   <a:srgbClr val="0070C0"/>
                 </a:solidFill>
@@ -6152,44 +5991,12 @@
               <a:t>I</a:t>
             </a:r>
             <a:r>
-              <a:rPr lang="en-GB" sz="2000" smtClean="0">
-                <a:solidFill>
-                  <a:srgbClr val="0070C0"/>
-                </a:solidFill>
-              </a:rPr>
-              <a:t>s </a:t>
-            </a:r>
-            <a:r>
               <a:rPr lang="en-GB" sz="2000">
                 <a:solidFill>
                   <a:srgbClr val="0070C0"/>
                 </a:solidFill>
               </a:rPr>
-              <a:t>the </a:t>
-            </a:r>
-            <a:r>
-              <a:rPr lang="en-GB" sz="2000" smtClean="0">
-                <a:solidFill>
-                  <a:srgbClr val="0070C0"/>
-                </a:solidFill>
-              </a:rPr>
-              <a:t>interaction </a:t>
-            </a:r>
-            <a:r>
-              <a:rPr lang="en-GB" sz="2000">
-                <a:solidFill>
-                  <a:srgbClr val="0070C0"/>
-                </a:solidFill>
-              </a:rPr>
-              <a:t>for </a:t>
-            </a:r>
-            <a:r>
-              <a:rPr lang="en-GB" sz="2000" smtClean="0">
-                <a:solidFill>
-                  <a:srgbClr val="0070C0"/>
-                </a:solidFill>
-              </a:rPr>
-              <a:t>the purposes </a:t>
+              <a:t>s the interaction for the purposes </a:t>
             </a:r>
             <a:r>
               <a:rPr lang="en-GB" sz="2000" dirty="0">
@@ -6227,20 +6034,12 @@
               <a:t>3. </a:t>
             </a:r>
             <a:r>
-              <a:rPr lang="en-GB" sz="2000" b="1" dirty="0" smtClean="0">
-                <a:solidFill>
-                  <a:srgbClr val="0070C0"/>
-                </a:solidFill>
-              </a:rPr>
-              <a:t>Take-up </a:t>
-            </a:r>
-            <a:r>
               <a:rPr lang="en-GB" sz="2000" b="1" dirty="0">
                 <a:solidFill>
                   <a:srgbClr val="0070C0"/>
                 </a:solidFill>
               </a:rPr>
-              <a:t>and impact: </a:t>
+              <a:t>Take-up and impact: </a:t>
             </a:r>
             <a:endParaRPr lang="pl-PL" sz="2000" b="1" dirty="0">
               <a:solidFill>
@@ -6258,7 +6057,7 @@
               <a:t>	</a:t>
             </a:r>
             <a:r>
-              <a:rPr lang="en-GB" sz="2000" smtClean="0">
+              <a:rPr lang="en-GB" sz="2000">
                 <a:solidFill>
                   <a:srgbClr val="0070C0"/>
                 </a:solidFill>
@@ -6297,7 +6096,7 @@
               <a:t>	</a:t>
             </a:r>
             <a:r>
-              <a:rPr lang="en-GB" sz="2000" smtClean="0">
+              <a:rPr lang="en-GB" sz="2000">
                 <a:solidFill>
                   <a:srgbClr val="0070C0"/>
                 </a:solidFill>
@@ -6336,7 +6135,7 @@
               <a:t>	</a:t>
             </a:r>
             <a:r>
-              <a:rPr lang="en-GB" sz="2000" smtClean="0">
+              <a:rPr lang="en-GB" sz="2000">
                 <a:solidFill>
                   <a:srgbClr val="0070C0"/>
                 </a:solidFill>
@@ -6375,7 +6174,7 @@
               <a:t>	</a:t>
             </a:r>
             <a:r>
-              <a:rPr lang="en-GB" sz="2000" smtClean="0">
+              <a:rPr lang="en-GB" sz="2000">
                 <a:solidFill>
                   <a:srgbClr val="0070C0"/>
                 </a:solidFill>
@@ -6383,7 +6182,7 @@
               <a:t>I</a:t>
             </a:r>
             <a:r>
-              <a:rPr lang="pl-PL" sz="2000" smtClean="0">
+              <a:rPr lang="pl-PL" sz="2000">
                 <a:solidFill>
                   <a:srgbClr val="0070C0"/>
                 </a:solidFill>
@@ -6391,7 +6190,7 @@
               <a:t>s</a:t>
             </a:r>
             <a:r>
-              <a:rPr lang="en-GB" sz="2000" smtClean="0">
+              <a:rPr lang="en-GB" sz="2000">
                 <a:solidFill>
                   <a:srgbClr val="0070C0"/>
                 </a:solidFill>
@@ -6430,7 +6229,7 @@
               <a:t>	</a:t>
             </a:r>
             <a:r>
-              <a:rPr lang="en-GB" sz="2000" smtClean="0">
+              <a:rPr lang="en-GB" sz="2000">
                 <a:solidFill>
                   <a:srgbClr val="0070C0"/>
                 </a:solidFill>
@@ -6468,20 +6267,12 @@
               <a:t>4. </a:t>
             </a:r>
             <a:r>
-              <a:rPr lang="en-GB" sz="2000" b="1" dirty="0" smtClean="0">
-                <a:solidFill>
-                  <a:srgbClr val="0070C0"/>
-                </a:solidFill>
-              </a:rPr>
-              <a:t>Policy </a:t>
-            </a:r>
-            <a:r>
               <a:rPr lang="en-GB" sz="2000" b="1" dirty="0">
                 <a:solidFill>
                   <a:srgbClr val="0070C0"/>
                 </a:solidFill>
               </a:rPr>
-              <a:t>and process: </a:t>
+              <a:t>Policy and process: </a:t>
             </a:r>
             <a:r>
               <a:rPr lang="pl-PL" sz="2000" dirty="0">
@@ -6515,7 +6306,7 @@
               <a:t>D</a:t>
             </a:r>
             <a:r>
-              <a:rPr lang="en-GB" sz="2000" smtClean="0">
+              <a:rPr lang="en-GB" sz="2000">
                 <a:solidFill>
                   <a:srgbClr val="0070C0"/>
                 </a:solidFill>
@@ -6536,15 +6327,7 @@
                   <a:srgbClr val="0070C0"/>
                 </a:solidFill>
               </a:rPr>
-              <a:t>help </a:t>
-            </a:r>
-            <a:r>
-              <a:rPr lang="en-GB" sz="2000" smtClean="0">
-                <a:solidFill>
-                  <a:srgbClr val="0070C0"/>
-                </a:solidFill>
-              </a:rPr>
-              <a:t>me to meet </a:t>
+              <a:t>help me to meet </a:t>
             </a:r>
             <a:r>
               <a:rPr lang="en-GB" sz="2000" dirty="0">
@@ -6576,15 +6359,7 @@
                   <a:srgbClr val="0070C0"/>
                 </a:solidFill>
               </a:rPr>
-              <a:t>good </a:t>
-            </a:r>
-            <a:r>
-              <a:rPr lang="en-GB" sz="2000" smtClean="0">
-                <a:solidFill>
-                  <a:srgbClr val="0070C0"/>
-                </a:solidFill>
-              </a:rPr>
-              <a:t>practice </a:t>
+              <a:t>good practice </a:t>
             </a:r>
             <a:r>
               <a:rPr lang="pl-PL" sz="2000" dirty="0">
@@ -6626,7 +6401,7 @@
               <a:t>	</a:t>
             </a:r>
             <a:r>
-              <a:rPr lang="en-GB" sz="2000" smtClean="0">
+              <a:rPr lang="en-GB" sz="2000">
                 <a:solidFill>
                   <a:srgbClr val="0070C0"/>
                 </a:solidFill>
@@ -6634,7 +6409,7 @@
               <a:t>I</a:t>
             </a:r>
             <a:r>
-              <a:rPr lang="pl-PL" sz="2000" smtClean="0">
+              <a:rPr lang="pl-PL" sz="2000">
                 <a:solidFill>
                   <a:srgbClr val="0070C0"/>
                 </a:solidFill>
@@ -6642,7 +6417,7 @@
               <a:t>s </a:t>
             </a:r>
             <a:r>
-              <a:rPr lang="en-GB" sz="2000" dirty="0" smtClean="0">
+              <a:rPr lang="en-GB" sz="2000" dirty="0">
                 <a:solidFill>
                   <a:srgbClr val="0070C0"/>
                 </a:solidFill>
@@ -6650,7 +6425,7 @@
               <a:t>it</a:t>
             </a:r>
             <a:r>
-              <a:rPr lang="pl-PL" sz="2000" dirty="0" smtClean="0">
+              <a:rPr lang="pl-PL" sz="2000" dirty="0">
                 <a:solidFill>
                   <a:srgbClr val="0070C0"/>
                 </a:solidFill>
@@ -6658,7 +6433,7 @@
               <a:t> </a:t>
             </a:r>
             <a:r>
-              <a:rPr lang="en-GB" sz="2000" dirty="0" smtClean="0">
+              <a:rPr lang="en-GB" sz="2000" dirty="0">
                 <a:solidFill>
                   <a:srgbClr val="0070C0"/>
                 </a:solidFill>
@@ -6666,20 +6441,12 @@
               <a:t>c</a:t>
             </a:r>
             <a:r>
-              <a:rPr lang="pl-PL" sz="2000" dirty="0" smtClean="0">
-                <a:solidFill>
-                  <a:srgbClr val="0070C0"/>
-                </a:solidFill>
-              </a:rPr>
-              <a:t>urated</a:t>
-            </a:r>
-            <a:r>
               <a:rPr lang="pl-PL" sz="2000" dirty="0">
                 <a:solidFill>
                   <a:srgbClr val="0070C0"/>
                 </a:solidFill>
               </a:rPr>
-              <a:t>?</a:t>
+              <a:t>urated?</a:t>
             </a:r>
           </a:p>
         </p:txBody>
@@ -6778,7 +6545,7 @@
           <a:lstStyle/>
           <a:p>
             <a:r>
-              <a:rPr lang="en-GB" smtClean="0">
+              <a:rPr lang="en-GB">
                 <a:solidFill>
                   <a:srgbClr val="0070C0"/>
                 </a:solidFill>
@@ -6786,7 +6553,7 @@
               <a:t>Using</a:t>
             </a:r>
             <a:r>
-              <a:rPr lang="pl-PL" smtClean="0">
+              <a:rPr lang="pl-PL">
                 <a:solidFill>
                   <a:srgbClr val="0070C0"/>
                 </a:solidFill>
@@ -6794,7 +6561,7 @@
               <a:t> repositor</a:t>
             </a:r>
             <a:r>
-              <a:rPr lang="en-GB" smtClean="0">
+              <a:rPr lang="en-GB">
                 <a:solidFill>
                   <a:srgbClr val="0070C0"/>
                 </a:solidFill>
@@ -6851,15 +6618,7 @@
                   <a:srgbClr val="0070C0"/>
                 </a:solidFill>
               </a:rPr>
-              <a:t> </a:t>
-            </a:r>
-            <a:r>
-              <a:rPr lang="en-GB" sz="4000" dirty="0" smtClean="0">
-                <a:solidFill>
-                  <a:srgbClr val="0070C0"/>
-                </a:solidFill>
-              </a:rPr>
-              <a:t>5</a:t>
+              <a:t> 5</a:t>
             </a:r>
             <a:endParaRPr lang="pl-PL" sz="4000" dirty="0">
               <a:solidFill>
@@ -6939,18 +6698,13 @@
               <a:buChar char="•"/>
             </a:pPr>
             <a:r>
-              <a:rPr lang="en-GB" sz="2400" dirty="0" smtClean="0">
+              <a:rPr lang="en-GB" sz="2400" dirty="0">
                 <a:solidFill>
                   <a:srgbClr val="0070C0"/>
                 </a:solidFill>
               </a:rPr>
               <a:t>Repository records are another form of scientific output!</a:t>
             </a:r>
-            <a:endParaRPr lang="en-GB" sz="2400" dirty="0">
-              <a:solidFill>
-                <a:srgbClr val="0070C0"/>
-              </a:solidFill>
-            </a:endParaRPr>
           </a:p>
           <a:p>
             <a:pPr marL="285750" indent="-285750">
@@ -6961,31 +6715,15 @@
               <a:buChar char="•"/>
             </a:pPr>
             <a:r>
-              <a:rPr lang="en-GB" sz="2400" dirty="0" smtClean="0">
-                <a:solidFill>
-                  <a:srgbClr val="0070C0"/>
-                </a:solidFill>
-              </a:rPr>
-              <a:t>Add a good Data </a:t>
-            </a:r>
-            <a:r>
               <a:rPr lang="en-GB" sz="2400" dirty="0">
                 <a:solidFill>
                   <a:srgbClr val="0070C0"/>
                 </a:solidFill>
               </a:rPr>
-              <a:t>A</a:t>
-            </a:r>
-            <a:r>
-              <a:rPr lang="en-GB" sz="2400" dirty="0" smtClean="0">
-                <a:solidFill>
-                  <a:srgbClr val="0070C0"/>
-                </a:solidFill>
-              </a:rPr>
-              <a:t>vailability</a:t>
-            </a:r>
-            <a:r>
-              <a:rPr lang="pl-PL" sz="2400" dirty="0" smtClean="0">
+              <a:t>Add a good Data Availability</a:t>
+            </a:r>
+            <a:r>
+              <a:rPr lang="pl-PL" sz="2400" dirty="0">
                 <a:solidFill>
                   <a:srgbClr val="0070C0"/>
                 </a:solidFill>
@@ -6998,23 +6736,7 @@
                   <a:srgbClr val="0070C0"/>
                 </a:solidFill>
               </a:rPr>
-              <a:t>S</a:t>
-            </a:r>
-            <a:r>
-              <a:rPr lang="en-GB" sz="2400" dirty="0" smtClean="0">
-                <a:solidFill>
-                  <a:srgbClr val="0070C0"/>
-                </a:solidFill>
-              </a:rPr>
-              <a:t>tatement</a:t>
-            </a:r>
-            <a:r>
-              <a:rPr lang="pl-PL" sz="2400" dirty="0" smtClean="0">
-                <a:solidFill>
-                  <a:srgbClr val="0070C0"/>
-                </a:solidFill>
-              </a:rPr>
-              <a:t> </a:t>
+              <a:t>Statement</a:t>
             </a:r>
             <a:r>
               <a:rPr lang="pl-PL" sz="2400" dirty="0">
@@ -7022,7 +6744,7 @@
                   <a:srgbClr val="0070C0"/>
                 </a:solidFill>
               </a:rPr>
-              <a:t>to your papers and list all the public </a:t>
+              <a:t> to your papers and list all the public </a:t>
             </a:r>
             <a:r>
               <a:rPr lang="en-GB" sz="2400" dirty="0">
@@ -7033,18 +6755,13 @@
               <a:t>r</a:t>
             </a:r>
             <a:r>
-              <a:rPr lang="pl-PL" sz="2400" dirty="0" smtClean="0">
+              <a:rPr lang="pl-PL" sz="2400" dirty="0">
                 <a:solidFill>
                   <a:srgbClr val="0070C0"/>
                 </a:solidFill>
               </a:rPr>
               <a:t>ecords</a:t>
             </a:r>
-            <a:endParaRPr lang="pl-PL" sz="2400" dirty="0">
-              <a:solidFill>
-                <a:srgbClr val="0070C0"/>
-              </a:solidFill>
-            </a:endParaRPr>
           </a:p>
           <a:p>
             <a:pPr marL="285750" indent="-285750">
@@ -7060,15 +6777,15 @@
                   <a:srgbClr val="0070C0"/>
                 </a:solidFill>
               </a:rPr>
-              <a:t>List </a:t>
-            </a:r>
-            <a:r>
-              <a:rPr lang="pl-PL" sz="2400" dirty="0" smtClean="0">
-                <a:solidFill>
-                  <a:srgbClr val="0070C0"/>
-                </a:solidFill>
-              </a:rPr>
-              <a:t>data </a:t>
+              <a:t>List data sets in </a:t>
+            </a:r>
+            <a:r>
+              <a:rPr lang="en-GB" sz="2400" dirty="0">
+                <a:solidFill>
+                  <a:srgbClr val="0070C0"/>
+                </a:solidFill>
+              </a:rPr>
+              <a:t>your </a:t>
             </a:r>
             <a:r>
               <a:rPr lang="pl-PL" sz="2400" dirty="0">
@@ -7076,37 +6793,16 @@
                   <a:srgbClr val="0070C0"/>
                 </a:solidFill>
               </a:rPr>
-              <a:t>sets in </a:t>
-            </a:r>
-            <a:r>
-              <a:rPr lang="en-GB" sz="2400" dirty="0" smtClean="0">
-                <a:solidFill>
-                  <a:srgbClr val="0070C0"/>
-                </a:solidFill>
-              </a:rPr>
-              <a:t>your </a:t>
-            </a:r>
-            <a:r>
-              <a:rPr lang="pl-PL" sz="2400" dirty="0" smtClean="0">
-                <a:solidFill>
-                  <a:srgbClr val="0070C0"/>
-                </a:solidFill>
-              </a:rPr>
               <a:t>ORCID</a:t>
             </a:r>
             <a:r>
-              <a:rPr lang="en-GB" sz="2400" dirty="0" smtClean="0">
+              <a:rPr lang="en-GB" sz="2400" dirty="0">
                 <a:solidFill>
                   <a:srgbClr val="0070C0"/>
                 </a:solidFill>
               </a:rPr>
               <a:t> record</a:t>
             </a:r>
-            <a:endParaRPr lang="en-GB" sz="2400" dirty="0">
-              <a:solidFill>
-                <a:srgbClr val="0070C0"/>
-              </a:solidFill>
-            </a:endParaRPr>
           </a:p>
         </p:txBody>
       </p:sp>
@@ -7239,13 +6935,6 @@
   <p:clrMapOvr>
     <a:masterClrMapping/>
   </p:clrMapOvr>
-  <p:timing>
-    <p:tnLst>
-      <p:par>
-        <p:cTn id="1" dur="indefinite" restart="never" nodeType="tmRoot"/>
-      </p:par>
-    </p:tnLst>
-  </p:timing>
 </p:sld>
 </file>
 
@@ -7300,21 +6989,8 @@
                   <a:srgbClr val="0070C0"/>
                 </a:solidFill>
               </a:rPr>
-              <a:t>Find suitable repository(ies) as soon as </a:t>
-            </a:r>
-            <a:r>
-              <a:rPr lang="en-GB" sz="2400" dirty="0" smtClean="0">
-                <a:solidFill>
-                  <a:srgbClr val="0070C0"/>
-                </a:solidFill>
-              </a:rPr>
-              <a:t>data are generated</a:t>
-            </a:r>
-            <a:endParaRPr lang="en-GB" sz="2400" dirty="0">
-              <a:solidFill>
-                <a:srgbClr val="0070C0"/>
-              </a:solidFill>
-            </a:endParaRPr>
+              <a:t>Find suitable repository(ies) as soon as data are generated</a:t>
+            </a:r>
           </a:p>
           <a:p>
             <a:pPr marL="285750" indent="-285750">
@@ -7325,7 +7001,7 @@
               <a:buChar char="•"/>
             </a:pPr>
             <a:r>
-              <a:rPr lang="en-GB" sz="2400" smtClean="0">
+              <a:rPr lang="en-GB" sz="2400">
                 <a:solidFill>
                   <a:srgbClr val="0070C0"/>
                 </a:solidFill>
@@ -7346,39 +7022,7 @@
                   <a:srgbClr val="0070C0"/>
                 </a:solidFill>
               </a:rPr>
-              <a:t>permits </a:t>
-            </a:r>
-            <a:r>
-              <a:rPr lang="en-GB" sz="2400" smtClean="0">
-                <a:solidFill>
-                  <a:srgbClr val="0070C0"/>
-                </a:solidFill>
-              </a:rPr>
-              <a:t>embargo, </a:t>
-            </a:r>
-            <a:r>
-              <a:rPr lang="en-GB" sz="2400">
-                <a:solidFill>
-                  <a:srgbClr val="0070C0"/>
-                </a:solidFill>
-              </a:rPr>
-              <a:t>deposit </a:t>
-            </a:r>
-            <a:r>
-              <a:rPr lang="en-GB" sz="2400" smtClean="0">
-                <a:solidFill>
-                  <a:srgbClr val="0070C0"/>
-                </a:solidFill>
-              </a:rPr>
-              <a:t>your data </a:t>
-            </a:r>
-            <a:r>
-              <a:rPr lang="en-GB" sz="2400" dirty="0" smtClean="0">
-                <a:solidFill>
-                  <a:srgbClr val="0070C0"/>
-                </a:solidFill>
-              </a:rPr>
-              <a:t>as </a:t>
+              <a:t>permits embargo, deposit your data </a:t>
             </a:r>
             <a:r>
               <a:rPr lang="en-GB" sz="2400" dirty="0">
@@ -7386,49 +7030,25 @@
                   <a:srgbClr val="0070C0"/>
                 </a:solidFill>
               </a:rPr>
-              <a:t>soon as </a:t>
-            </a:r>
-            <a:r>
-              <a:rPr lang="en-GB" sz="2400" dirty="0" smtClean="0">
-                <a:solidFill>
-                  <a:srgbClr val="0070C0"/>
-                </a:solidFill>
-              </a:rPr>
-              <a:t>they are obtained </a:t>
+              <a:t>as soon as they are obtained </a:t>
             </a:r>
             <a:br>
-              <a:rPr lang="en-GB" sz="2400" dirty="0" smtClean="0">
+              <a:rPr lang="en-GB" sz="2400" dirty="0">
                 <a:solidFill>
                   <a:srgbClr val="0070C0"/>
                 </a:solidFill>
               </a:rPr>
             </a:br>
             <a:r>
-              <a:rPr lang="en-GB" sz="2400" dirty="0" smtClean="0">
-                <a:solidFill>
-                  <a:srgbClr val="0070C0"/>
-                </a:solidFill>
-              </a:rPr>
-              <a:t>(</a:t>
-            </a:r>
-            <a:r>
               <a:rPr lang="en-GB" sz="2400" dirty="0">
                 <a:solidFill>
                   <a:srgbClr val="0070C0"/>
                 </a:solidFill>
               </a:rPr>
-              <a:t>especially if analysed </a:t>
-            </a:r>
-            <a:r>
-              <a:rPr lang="en-GB" sz="2400" dirty="0" smtClean="0">
-                <a:solidFill>
-                  <a:srgbClr val="0070C0"/>
-                </a:solidFill>
-              </a:rPr>
-              <a:t>by 3</a:t>
-            </a:r>
-            <a:r>
-              <a:rPr lang="en-GB" sz="2400" baseline="30000" dirty="0" smtClean="0">
+              <a:t>(especially if analysed by 3</a:t>
+            </a:r>
+            <a:r>
+              <a:rPr lang="en-GB" sz="2400" baseline="30000" dirty="0">
                 <a:solidFill>
                   <a:srgbClr val="0070C0"/>
                 </a:solidFill>
@@ -7436,7 +7056,7 @@
               <a:t>rd</a:t>
             </a:r>
             <a:r>
-              <a:rPr lang="en-GB" sz="2400" dirty="0" smtClean="0">
+              <a:rPr lang="en-GB" sz="2400" dirty="0">
                 <a:solidFill>
                   <a:srgbClr val="0070C0"/>
                 </a:solidFill>
@@ -7471,15 +7091,7 @@
                   <a:srgbClr val="0070C0"/>
                 </a:solidFill>
               </a:rPr>
-              <a:t>a </a:t>
-            </a:r>
-            <a:r>
-              <a:rPr lang="en-GB" sz="2400" smtClean="0">
-                <a:solidFill>
-                  <a:srgbClr val="0070C0"/>
-                </a:solidFill>
-              </a:rPr>
-              <a:t>'mainstream</a:t>
+              <a:t>a 'mainstream</a:t>
             </a:r>
             <a:r>
               <a:rPr lang="en-GB" sz="2400" dirty="0">
@@ -7490,20 +7102,12 @@
               <a:t>'</a:t>
             </a:r>
             <a:r>
-              <a:rPr lang="en-GB" sz="2400" smtClean="0">
-                <a:solidFill>
-                  <a:srgbClr val="0070C0"/>
-                </a:solidFill>
-              </a:rPr>
-              <a:t> </a:t>
-            </a:r>
-            <a:r>
               <a:rPr lang="en-GB" sz="2400">
                 <a:solidFill>
                   <a:srgbClr val="0070C0"/>
                 </a:solidFill>
               </a:rPr>
-              <a:t>one</a:t>
+              <a:t> one</a:t>
             </a:r>
             <a:r>
               <a:rPr lang="pl-PL" sz="2400">
@@ -7511,18 +7115,10 @@
                   <a:srgbClr val="0070C0"/>
                 </a:solidFill>
               </a:rPr>
-              <a:t> </a:t>
-            </a:r>
-            <a:r>
-              <a:rPr lang="pl-PL" sz="2400" smtClean="0">
-                <a:solidFill>
-                  <a:srgbClr val="0070C0"/>
-                </a:solidFill>
-              </a:rPr>
-              <a:t>(</a:t>
-            </a:r>
-            <a:r>
-              <a:rPr lang="en-GB" sz="2400" smtClean="0">
+              <a:t> (</a:t>
+            </a:r>
+            <a:r>
+              <a:rPr lang="en-GB" sz="2400">
                 <a:solidFill>
                   <a:srgbClr val="0070C0"/>
                 </a:solidFill>
@@ -7530,7 +7126,7 @@
               <a:t>for </a:t>
             </a:r>
             <a:r>
-              <a:rPr lang="pl-PL" sz="2400" smtClean="0">
+              <a:rPr lang="pl-PL" sz="2400">
                 <a:solidFill>
                   <a:srgbClr val="0070C0"/>
                 </a:solidFill>
@@ -7538,7 +7134,7 @@
               <a:t>better </a:t>
             </a:r>
             <a:r>
-              <a:rPr lang="en-GB" sz="2400" smtClean="0">
+              <a:rPr lang="en-GB" sz="2400">
                 <a:solidFill>
                   <a:srgbClr val="0070C0"/>
                 </a:solidFill>
@@ -7546,7 +7142,7 @@
               <a:t>findability</a:t>
             </a:r>
             <a:r>
-              <a:rPr lang="pl-PL" sz="2400" smtClean="0">
+              <a:rPr lang="pl-PL" sz="2400">
                 <a:solidFill>
                   <a:srgbClr val="0070C0"/>
                 </a:solidFill>
@@ -7573,23 +7169,7 @@
                   <a:srgbClr val="0070C0"/>
                 </a:solidFill>
               </a:rPr>
-              <a:t>Cross link </a:t>
-            </a:r>
-            <a:r>
-              <a:rPr lang="en-GB" sz="2400" dirty="0" smtClean="0">
-                <a:solidFill>
-                  <a:srgbClr val="0070C0"/>
-                </a:solidFill>
-              </a:rPr>
-              <a:t>repositories</a:t>
-            </a:r>
-            <a:r>
-              <a:rPr lang="en-GB" sz="2400" dirty="0">
-                <a:solidFill>
-                  <a:srgbClr val="0070C0"/>
-                </a:solidFill>
-              </a:rPr>
-              <a:t>’ records </a:t>
+              <a:t>Cross link repositories’ records </a:t>
             </a:r>
             <a:endParaRPr lang="pl-PL" sz="2400" dirty="0">
               <a:solidFill>
@@ -7685,8 +7265,8 @@
         </p:nvSpPr>
         <p:spPr>
           <a:xfrm>
-            <a:off x="948099" y="1355649"/>
-            <a:ext cx="8837169" cy="5478423"/>
+            <a:off x="683694" y="1176459"/>
+            <a:ext cx="8837169" cy="4832092"/>
           </a:xfrm>
           <a:prstGeom prst="rect">
             <a:avLst/>
@@ -7705,91 +7285,41 @@
                   <a:srgbClr val="0070C0"/>
                 </a:solidFill>
               </a:rPr>
-              <a:t>Research data repositories are online repositories that enable the preservation, curation and publication of research ‘</a:t>
-            </a:r>
-            <a:r>
-              <a:rPr lang="en-GB" sz="2800">
-                <a:solidFill>
-                  <a:srgbClr val="0070C0"/>
-                </a:solidFill>
-              </a:rPr>
-              <a:t>products</a:t>
-            </a:r>
-            <a:r>
-              <a:rPr lang="en-GB" sz="2800" smtClean="0">
-                <a:solidFill>
-                  <a:srgbClr val="0070C0"/>
-                </a:solidFill>
-              </a:rPr>
-              <a:t>’:</a:t>
+              <a:t>Research data repositories are online </a:t>
+            </a:r>
+            <a:r>
+              <a:rPr lang="en-GB" sz="2800" dirty="0" smtClean="0">
+                <a:solidFill>
+                  <a:srgbClr val="0070C0"/>
+                </a:solidFill>
+              </a:rPr>
+              <a:t>databases </a:t>
+            </a:r>
+            <a:r>
+              <a:rPr lang="en-GB" sz="2800" dirty="0">
+                <a:solidFill>
+                  <a:srgbClr val="0070C0"/>
+                </a:solidFill>
+              </a:rPr>
+              <a:t>that enable the preservation, curation and publication of research ‘products’:</a:t>
             </a:r>
           </a:p>
           <a:p>
             <a:pPr marL="457200" indent="-457200">
               <a:lnSpc>
-                <a:spcPct val="250000"/>
+                <a:spcPct val="200000"/>
               </a:lnSpc>
               <a:buFont typeface="Arial" panose="020B0604020202020204" pitchFamily="34" charset="0"/>
               <a:buChar char="•"/>
             </a:pPr>
             <a:r>
-              <a:rPr lang="pl-PL" sz="2800" smtClean="0">
+              <a:rPr lang="pl-PL" sz="2800" dirty="0">
                 <a:solidFill>
                   <a:srgbClr val="0070C0"/>
                 </a:solidFill>
               </a:rPr>
               <a:t>data</a:t>
             </a:r>
-            <a:endParaRPr lang="en-GB" sz="2800" smtClean="0">
-              <a:solidFill>
-                <a:srgbClr val="0070C0"/>
-              </a:solidFill>
-            </a:endParaRPr>
-          </a:p>
-          <a:p>
-            <a:pPr marL="457200" indent="-457200">
-              <a:lnSpc>
-                <a:spcPct val="250000"/>
-              </a:lnSpc>
-              <a:buFont typeface="Arial" panose="020B0604020202020204" pitchFamily="34" charset="0"/>
-              <a:buChar char="•"/>
-            </a:pPr>
-            <a:r>
-              <a:rPr lang="pl-PL" sz="2800" smtClean="0">
-                <a:solidFill>
-                  <a:srgbClr val="0070C0"/>
-                </a:solidFill>
-              </a:rPr>
-              <a:t>code</a:t>
-            </a:r>
-          </a:p>
-          <a:p>
-            <a:pPr marL="457200" indent="-457200">
-              <a:lnSpc>
-                <a:spcPct val="250000"/>
-              </a:lnSpc>
-              <a:buFont typeface="Arial" panose="020B0604020202020204" pitchFamily="34" charset="0"/>
-              <a:buChar char="•"/>
-            </a:pPr>
-            <a:r>
-              <a:rPr lang="pl-PL" sz="2800" smtClean="0">
-                <a:solidFill>
-                  <a:srgbClr val="0070C0"/>
-                </a:solidFill>
-              </a:rPr>
-              <a:t>protocols</a:t>
-            </a:r>
-            <a:endParaRPr lang="en-GB" sz="2800" smtClean="0">
-              <a:solidFill>
-                <a:srgbClr val="0070C0"/>
-              </a:solidFill>
-            </a:endParaRPr>
-          </a:p>
-          <a:p>
-            <a:pPr marL="457200" indent="-457200">
-              <a:buFont typeface="Arial" panose="020B0604020202020204" pitchFamily="34" charset="0"/>
-              <a:buChar char="•"/>
-            </a:pPr>
             <a:endParaRPr lang="en-GB" sz="2800" dirty="0">
               <a:solidFill>
                 <a:srgbClr val="0070C0"/>
@@ -7797,6 +7327,63 @@
             </a:endParaRPr>
           </a:p>
           <a:p>
+            <a:pPr marL="457200" indent="-457200">
+              <a:lnSpc>
+                <a:spcPct val="200000"/>
+              </a:lnSpc>
+              <a:buFont typeface="Arial" panose="020B0604020202020204" pitchFamily="34" charset="0"/>
+              <a:buChar char="•"/>
+            </a:pPr>
+            <a:r>
+              <a:rPr lang="pl-PL" sz="2800" dirty="0">
+                <a:solidFill>
+                  <a:srgbClr val="0070C0"/>
+                </a:solidFill>
+              </a:rPr>
+              <a:t>code</a:t>
+            </a:r>
+          </a:p>
+          <a:p>
+            <a:pPr marL="457200" indent="-457200">
+              <a:lnSpc>
+                <a:spcPct val="200000"/>
+              </a:lnSpc>
+              <a:buFont typeface="Arial" panose="020B0604020202020204" pitchFamily="34" charset="0"/>
+              <a:buChar char="•"/>
+            </a:pPr>
+            <a:r>
+              <a:rPr lang="en-GB" sz="2800" dirty="0" smtClean="0">
+                <a:solidFill>
+                  <a:srgbClr val="0070C0"/>
+                </a:solidFill>
+              </a:rPr>
+              <a:t>p</a:t>
+            </a:r>
+            <a:r>
+              <a:rPr lang="pl-PL" sz="2800" dirty="0" smtClean="0">
+                <a:solidFill>
+                  <a:srgbClr val="0070C0"/>
+                </a:solidFill>
+              </a:rPr>
+              <a:t>rotocols</a:t>
+            </a:r>
+          </a:p>
+          <a:p>
+            <a:pPr marL="457200" indent="-457200">
+              <a:lnSpc>
+                <a:spcPct val="200000"/>
+              </a:lnSpc>
+              <a:buFont typeface="Arial" panose="020B0604020202020204" pitchFamily="34" charset="0"/>
+              <a:buChar char="•"/>
+            </a:pPr>
+            <a:r>
+              <a:rPr lang="en-GB" sz="2800" dirty="0" smtClean="0">
+                <a:solidFill>
+                  <a:srgbClr val="0070C0"/>
+                </a:solidFill>
+              </a:rPr>
+              <a:t>description of biological materials</a:t>
+            </a:r>
             <a:endParaRPr lang="en-GB" sz="2800" dirty="0">
               <a:solidFill>
                 <a:srgbClr val="0070C0"/>
@@ -7826,7 +7413,7 @@
                 <a14:useLocalDpi xmlns:a14="http://schemas.microsoft.com/office/drawing/2010/main" val="0"/>
               </a:ext>
               <a:ext uri="{96DAC541-7B7A-43D3-8B79-37D633B846F1}">
-                <asvg:svgBlip xmlns:asvg="http://schemas.microsoft.com/office/drawing/2016/SVG/main" xmlns="" r:embed="rId3"/>
+                <asvg:svgBlip xmlns="" xmlns:asvg="http://schemas.microsoft.com/office/drawing/2016/SVG/main" r:embed="rId3"/>
               </a:ext>
             </a:extLst>
           </a:blip>
@@ -7836,7 +7423,7 @@
         </p:blipFill>
         <p:spPr>
           <a:xfrm>
-            <a:off x="2847538" y="2575764"/>
+            <a:off x="3037140" y="2318806"/>
             <a:ext cx="1273699" cy="1273699"/>
           </a:xfrm>
           <a:prstGeom prst="rect">
@@ -7865,7 +7452,7 @@
                 <a14:useLocalDpi xmlns:a14="http://schemas.microsoft.com/office/drawing/2010/main" val="0"/>
               </a:ext>
               <a:ext uri="{96DAC541-7B7A-43D3-8B79-37D633B846F1}">
-                <asvg:svgBlip xmlns:asvg="http://schemas.microsoft.com/office/drawing/2016/SVG/main" xmlns="" r:embed="rId5"/>
+                <asvg:svgBlip xmlns="" xmlns:asvg="http://schemas.microsoft.com/office/drawing/2016/SVG/main" r:embed="rId5"/>
               </a:ext>
             </a:extLst>
           </a:blip>
@@ -7875,7 +7462,7 @@
         </p:blipFill>
         <p:spPr>
           <a:xfrm>
-            <a:off x="2662408" y="3668683"/>
+            <a:off x="4550941" y="2955655"/>
             <a:ext cx="1527248" cy="1527248"/>
           </a:xfrm>
           <a:prstGeom prst="rect">
@@ -7904,7 +7491,7 @@
                 <a14:useLocalDpi xmlns:a14="http://schemas.microsoft.com/office/drawing/2010/main" val="0"/>
               </a:ext>
               <a:ext uri="{96DAC541-7B7A-43D3-8B79-37D633B846F1}">
-                <asvg:svgBlip xmlns:asvg="http://schemas.microsoft.com/office/drawing/2016/SVG/main" xmlns="" r:embed="rId7"/>
+                <asvg:svgBlip xmlns="" xmlns:asvg="http://schemas.microsoft.com/office/drawing/2016/SVG/main" r:embed="rId7"/>
               </a:ext>
             </a:extLst>
           </a:blip>
@@ -7914,8 +7501,38 @@
         </p:blipFill>
         <p:spPr>
           <a:xfrm>
-            <a:off x="2739685" y="5151998"/>
+            <a:off x="3344079" y="4054627"/>
             <a:ext cx="1287440" cy="1287440"/>
+          </a:xfrm>
+          <a:prstGeom prst="rect">
+            <a:avLst/>
+          </a:prstGeom>
+        </p:spPr>
+      </p:pic>
+      <p:pic>
+        <p:nvPicPr>
+          <p:cNvPr id="2" name="Picture 1"/>
+          <p:cNvPicPr>
+            <a:picLocks noChangeAspect="1"/>
+          </p:cNvPicPr>
+          <p:nvPr/>
+        </p:nvPicPr>
+        <p:blipFill>
+          <a:blip r:embed="rId8">
+            <a:extLst>
+              <a:ext uri="{28A0092B-C50C-407E-A947-70E740481C1C}">
+                <a14:useLocalDpi xmlns:a14="http://schemas.microsoft.com/office/drawing/2010/main" val="0"/>
+              </a:ext>
+            </a:extLst>
+          </a:blip>
+          <a:stretch>
+            <a:fillRect/>
+          </a:stretch>
+        </p:blipFill>
+        <p:spPr>
+          <a:xfrm>
+            <a:off x="6236656" y="4482903"/>
+            <a:ext cx="1562870" cy="1562870"/>
           </a:xfrm>
           <a:prstGeom prst="rect">
             <a:avLst/>
@@ -8110,14 +7727,14 @@
         <p:spPr>
           <a:xfrm>
             <a:off x="838201" y="1774196"/>
-            <a:ext cx="10388096" cy="3785652"/>
+            <a:ext cx="10388096" cy="4708981"/>
           </a:xfrm>
           <a:prstGeom prst="rect">
             <a:avLst/>
           </a:prstGeom>
         </p:spPr>
         <p:txBody>
-          <a:bodyPr wrap="square">
+          <a:bodyPr wrap="square" lIns="91440" tIns="45720" rIns="91440" bIns="45720" anchor="t">
             <a:spAutoFit/>
           </a:bodyPr>
           <a:lstStyle/>
@@ -8130,28 +7747,12 @@
               <a:buChar char="•"/>
             </a:pPr>
             <a:r>
-              <a:rPr lang="en-GB" sz="2400" smtClean="0">
-                <a:solidFill>
-                  <a:srgbClr val="0070C0"/>
-                </a:solidFill>
-              </a:rPr>
-              <a:t>Dryad		https</a:t>
-            </a:r>
-            <a:r>
-              <a:rPr lang="en-GB" sz="2400">
-                <a:solidFill>
-                  <a:srgbClr val="0070C0"/>
-                </a:solidFill>
-              </a:rPr>
-              <a:t>://</a:t>
-            </a:r>
-            <a:r>
-              <a:rPr lang="en-GB" sz="2400" smtClean="0">
-                <a:solidFill>
-                  <a:srgbClr val="0070C0"/>
-                </a:solidFill>
-              </a:rPr>
-              <a:t>datadryad.org </a:t>
+              <a:rPr lang="en-GB" sz="2400" dirty="0">
+                <a:solidFill>
+                  <a:srgbClr val="0070C0"/>
+                </a:solidFill>
+              </a:rPr>
+              <a:t>Dryad		https://datadryad.org </a:t>
             </a:r>
             <a:endParaRPr lang="pl-PL" sz="2400" dirty="0">
               <a:solidFill>
@@ -8168,28 +7769,20 @@
               <a:buChar char="•"/>
             </a:pPr>
             <a:r>
-              <a:rPr lang="en-GB" sz="2400" smtClean="0">
-                <a:solidFill>
-                  <a:srgbClr val="0070C0"/>
-                </a:solidFill>
-              </a:rPr>
-              <a:t>Zenodo		https</a:t>
-            </a:r>
-            <a:r>
-              <a:rPr lang="en-GB" sz="2400">
-                <a:solidFill>
-                  <a:srgbClr val="0070C0"/>
-                </a:solidFill>
-              </a:rPr>
-              <a:t>://</a:t>
-            </a:r>
-            <a:r>
-              <a:rPr lang="en-GB" sz="2400" smtClean="0">
-                <a:solidFill>
-                  <a:srgbClr val="0070C0"/>
-                </a:solidFill>
-              </a:rPr>
-              <a:t>zenodo.org </a:t>
+              <a:rPr lang="en-GB" sz="2400" dirty="0" err="1">
+                <a:solidFill>
+                  <a:srgbClr val="0070C0"/>
+                </a:solidFill>
+              </a:rPr>
+              <a:t>Zenodo</a:t>
+            </a:r>
+            <a:r>
+              <a:rPr lang="en-GB" sz="2400" dirty="0">
+                <a:solidFill>
+                  <a:srgbClr val="0070C0"/>
+                </a:solidFill>
+              </a:rPr>
+              <a:t>		https://zenodo.org </a:t>
             </a:r>
             <a:endParaRPr lang="pl-PL" sz="2400" dirty="0">
               <a:solidFill>
@@ -8206,28 +7799,20 @@
               <a:buChar char="•"/>
             </a:pPr>
             <a:r>
-              <a:rPr lang="en-GB" sz="2400" smtClean="0">
-                <a:solidFill>
-                  <a:srgbClr val="0070C0"/>
-                </a:solidFill>
-              </a:rPr>
-              <a:t>FigShare		https</a:t>
-            </a:r>
-            <a:r>
-              <a:rPr lang="en-GB" sz="2400">
-                <a:solidFill>
-                  <a:srgbClr val="0070C0"/>
-                </a:solidFill>
-              </a:rPr>
-              <a:t>://</a:t>
-            </a:r>
-            <a:r>
-              <a:rPr lang="en-GB" sz="2400" smtClean="0">
-                <a:solidFill>
-                  <a:srgbClr val="0070C0"/>
-                </a:solidFill>
-              </a:rPr>
-              <a:t>figshare.com </a:t>
+              <a:rPr lang="en-GB" sz="2400" dirty="0" err="1">
+                <a:solidFill>
+                  <a:srgbClr val="0070C0"/>
+                </a:solidFill>
+              </a:rPr>
+              <a:t>FigShare</a:t>
+            </a:r>
+            <a:r>
+              <a:rPr lang="en-GB" sz="2400" dirty="0">
+                <a:solidFill>
+                  <a:srgbClr val="0070C0"/>
+                </a:solidFill>
+              </a:rPr>
+              <a:t>		https://figshare.com </a:t>
             </a:r>
             <a:endParaRPr lang="pl-PL" sz="2400" dirty="0">
               <a:solidFill>
@@ -8244,28 +7829,75 @@
               <a:buChar char="•"/>
             </a:pPr>
             <a:r>
-              <a:rPr lang="en-GB" sz="2400" smtClean="0">
-                <a:solidFill>
-                  <a:srgbClr val="0070C0"/>
-                </a:solidFill>
-              </a:rPr>
-              <a:t>Harvard Dataverse	</a:t>
-            </a:r>
-            <a:r>
-              <a:rPr lang="en-GB" sz="2400">
-                <a:solidFill>
-                  <a:srgbClr val="0070C0"/>
-                </a:solidFill>
-              </a:rPr>
-              <a:t>https://</a:t>
-            </a:r>
-            <a:r>
-              <a:rPr lang="en-GB" sz="2400" smtClean="0">
-                <a:solidFill>
-                  <a:srgbClr val="0070C0"/>
-                </a:solidFill>
-              </a:rPr>
-              <a:t>dataverse.harvard.edu</a:t>
+              <a:rPr lang="en-GB" sz="2400" dirty="0">
+                <a:solidFill>
+                  <a:srgbClr val="0070C0"/>
+                </a:solidFill>
+              </a:rPr>
+              <a:t>Harvard </a:t>
+            </a:r>
+            <a:r>
+              <a:rPr lang="en-GB" sz="2400" dirty="0" err="1">
+                <a:solidFill>
+                  <a:srgbClr val="0070C0"/>
+                </a:solidFill>
+              </a:rPr>
+              <a:t>Dataverse</a:t>
+            </a:r>
+            <a:r>
+              <a:rPr lang="en-GB" sz="2400" dirty="0">
+                <a:solidFill>
+                  <a:srgbClr val="0070C0"/>
+                </a:solidFill>
+              </a:rPr>
+              <a:t>	</a:t>
+            </a:r>
+            <a:r>
+              <a:rPr lang="en-GB" sz="2400" dirty="0">
+                <a:solidFill>
+                  <a:srgbClr val="0070C0"/>
+                </a:solidFill>
+                <a:hlinkClick r:id="rId4"/>
+              </a:rPr>
+              <a:t>https://dataverse.harvard.edu</a:t>
+            </a:r>
+            <a:endParaRPr lang="en-GB" sz="2400" dirty="0">
+              <a:solidFill>
+                <a:srgbClr val="0070C0"/>
+              </a:solidFill>
+            </a:endParaRPr>
+          </a:p>
+          <a:p>
+            <a:pPr marL="285750" indent="-285750">
+              <a:lnSpc>
+                <a:spcPct val="250000"/>
+              </a:lnSpc>
+              <a:buFont typeface="Arial" panose="020B0604020202020204" pitchFamily="34" charset="0"/>
+              <a:buChar char="•"/>
+            </a:pPr>
+            <a:r>
+              <a:rPr lang="en-GB" sz="2400" dirty="0" smtClean="0">
+                <a:solidFill>
+                  <a:srgbClr val="0070C0"/>
+                </a:solidFill>
+              </a:rPr>
+              <a:t>and </a:t>
+            </a:r>
+            <a:r>
+              <a:rPr lang="en-GB" sz="2400" dirty="0">
+                <a:solidFill>
+                  <a:srgbClr val="0070C0"/>
+                </a:solidFill>
+              </a:rPr>
+              <a:t>your </a:t>
+            </a:r>
+            <a:r>
+              <a:rPr lang="en-GB" sz="2400" dirty="0" smtClean="0">
+                <a:solidFill>
+                  <a:srgbClr val="0070C0"/>
+                </a:solidFill>
+              </a:rPr>
+              <a:t>Institutional repository.</a:t>
             </a:r>
             <a:endParaRPr lang="pl-PL" sz="2400" dirty="0">
               <a:solidFill>
@@ -8318,7 +7950,7 @@
           <p:nvPr/>
         </p:nvPicPr>
         <p:blipFill>
-          <a:blip r:embed="rId4" cstate="hqprint">
+          <a:blip r:embed="rId5" cstate="hqprint">
             <a:extLst>
               <a:ext uri="{28A0092B-C50C-407E-A947-70E740481C1C}">
                 <a14:useLocalDpi xmlns:a14="http://schemas.microsoft.com/office/drawing/2010/main" val="0"/>
@@ -8365,7 +7997,7 @@
           <p:nvPr/>
         </p:nvPicPr>
         <p:blipFill>
-          <a:blip r:embed="rId5" cstate="hqprint">
+          <a:blip r:embed="rId6" cstate="hqprint">
             <a:extLst>
               <a:ext uri="{28A0092B-C50C-407E-A947-70E740481C1C}">
                 <a14:useLocalDpi xmlns:a14="http://schemas.microsoft.com/office/drawing/2010/main" val="0"/>
@@ -8412,7 +8044,7 @@
           <p:nvPr/>
         </p:nvPicPr>
         <p:blipFill>
-          <a:blip r:embed="rId6">
+          <a:blip r:embed="rId7">
             <a:extLst>
               <a:ext uri="{28A0092B-C50C-407E-A947-70E740481C1C}">
                 <a14:useLocalDpi xmlns:a14="http://schemas.microsoft.com/office/drawing/2010/main" val="0"/>
@@ -8459,7 +8091,7 @@
           <p:nvPr/>
         </p:nvPicPr>
         <p:blipFill>
-          <a:blip r:embed="rId7">
+          <a:blip r:embed="rId8">
             <a:extLst>
               <a:ext uri="{28A0092B-C50C-407E-A947-70E740481C1C}">
                 <a14:useLocalDpi xmlns:a14="http://schemas.microsoft.com/office/drawing/2010/main" val="0"/>
@@ -8624,18 +8256,13 @@
           <a:p>
             <a:pPr algn="ctr"/>
             <a:r>
-              <a:rPr lang="pl-PL" sz="4000" dirty="0" smtClean="0">
+              <a:rPr lang="pl-PL" sz="4000" dirty="0">
                 <a:solidFill>
                   <a:srgbClr val="0070C0"/>
                 </a:solidFill>
               </a:rPr>
               <a:t>What makes it FAIR</a:t>
             </a:r>
-            <a:endParaRPr lang="pl-PL" sz="4000" dirty="0">
-              <a:solidFill>
-                <a:srgbClr val="0070C0"/>
-              </a:solidFill>
-            </a:endParaRPr>
           </a:p>
           <a:p>
             <a:pPr marL="285750" indent="-285750" algn="ctr">
@@ -8799,18 +8426,13 @@
               <a:t> </a:t>
             </a:r>
             <a:r>
-              <a:rPr lang="pl-PL" sz="4000" dirty="0" smtClean="0">
+              <a:rPr lang="pl-PL" sz="4000" dirty="0">
                 <a:solidFill>
                   <a:srgbClr val="0070C0"/>
                 </a:solidFill>
               </a:rPr>
               <a:t>2</a:t>
             </a:r>
-            <a:endParaRPr lang="pl-PL" sz="4000" dirty="0">
-              <a:solidFill>
-                <a:srgbClr val="0070C0"/>
-              </a:solidFill>
-            </a:endParaRPr>
           </a:p>
           <a:p>
             <a:pPr marL="285750" indent="-285750" algn="ctr">
@@ -8906,47 +8528,27 @@
                 <a:effectLst/>
                 <a:latin typeface="Ubuntu"/>
               </a:rPr>
-              <a:t>from </a:t>
-            </a:r>
-            <a:r>
-              <a:rPr lang="en-GB" sz="2400" b="0" i="0" smtClean="0">
+              <a:t>from your paper</a:t>
+            </a:r>
+            <a:r>
+              <a:rPr lang="en-GB" sz="2400" b="0" i="0" dirty="0">
                 <a:solidFill>
                   <a:srgbClr val="333333"/>
                 </a:solidFill>
                 <a:effectLst/>
                 <a:latin typeface="Ubuntu"/>
               </a:rPr>
-              <a:t>your paper</a:t>
-            </a:r>
-            <a:r>
-              <a:rPr lang="en-GB" sz="2400" b="0" i="0" dirty="0">
+              <a:t>. It gives access to all files, allowing you to cite the data as well (or instead of) </a:t>
+            </a:r>
+            <a:r>
+              <a:rPr lang="en-GB" sz="2400" b="0" i="0">
                 <a:solidFill>
                   <a:srgbClr val="333333"/>
                 </a:solidFill>
                 <a:effectLst/>
                 <a:latin typeface="Ubuntu"/>
               </a:rPr>
-              <a:t>. It gives access to all files, allowing you to cite the data as well (or instead of) </a:t>
-            </a:r>
-            <a:r>
-              <a:rPr lang="en-GB" sz="2400" b="0" i="0">
-                <a:solidFill>
-                  <a:srgbClr val="333333"/>
-                </a:solidFill>
-                <a:effectLst/>
-                <a:latin typeface="Ubuntu"/>
-              </a:rPr>
-              <a:t>the </a:t>
-            </a:r>
-            <a:r>
-              <a:rPr lang="en-GB" sz="2400" b="0" i="0" smtClean="0">
-                <a:solidFill>
-                  <a:srgbClr val="333333"/>
-                </a:solidFill>
-                <a:effectLst/>
-                <a:latin typeface="Ubuntu"/>
-              </a:rPr>
-              <a:t>paper. </a:t>
+              <a:t>the paper. </a:t>
             </a:r>
           </a:p>
           <a:p>
@@ -8959,7 +8561,7 @@
           </a:p>
           <a:p>
             <a:r>
-              <a:rPr lang="en-GB" sz="2400" b="0" i="0" smtClean="0">
+              <a:rPr lang="en-GB" sz="2400" b="0" i="0">
                 <a:solidFill>
                   <a:srgbClr val="333333"/>
                 </a:solidFill>
@@ -8986,30 +8588,20 @@
                 <a:effectLst/>
                 <a:latin typeface="Ubuntu"/>
               </a:rPr>
-              <a:t>enforce </a:t>
-            </a:r>
-            <a:r>
-              <a:rPr lang="en-GB" sz="2400" b="0" i="0" smtClean="0">
+              <a:t>enforce metadata standards, except that a very few </a:t>
+            </a:r>
+            <a:r>
+              <a:rPr lang="pl-PL" sz="2400" b="0" i="0">
                 <a:solidFill>
                   <a:srgbClr val="333333"/>
                 </a:solidFill>
                 <a:effectLst/>
                 <a:latin typeface="Ubuntu"/>
               </a:rPr>
-              <a:t>metadata standards, except that a very few </a:t>
-            </a:r>
-            <a:r>
-              <a:rPr lang="pl-PL" sz="2400" b="0" i="0" smtClean="0">
-                <a:solidFill>
-                  <a:srgbClr val="333333"/>
-                </a:solidFill>
-                <a:effectLst/>
-                <a:latin typeface="Ubuntu"/>
-              </a:rPr>
               <a:t>m</a:t>
             </a:r>
             <a:r>
-              <a:rPr lang="en-GB" sz="2400" b="0" i="0" smtClean="0">
+              <a:rPr lang="en-GB" sz="2400" b="0" i="0">
                 <a:solidFill>
                   <a:srgbClr val="333333"/>
                 </a:solidFill>
@@ -9129,28 +8721,12 @@
               </a:tabLst>
             </a:pPr>
             <a:r>
-              <a:rPr lang="en-GB" sz="2400" smtClean="0">
-                <a:solidFill>
-                  <a:srgbClr val="0070C0"/>
-                </a:solidFill>
-              </a:rPr>
-              <a:t>UniProt	https</a:t>
-            </a:r>
-            <a:r>
-              <a:rPr lang="en-GB" sz="2400">
-                <a:solidFill>
-                  <a:srgbClr val="0070C0"/>
-                </a:solidFill>
-              </a:rPr>
-              <a:t>://</a:t>
-            </a:r>
-            <a:r>
-              <a:rPr lang="en-GB" sz="2400" smtClean="0">
-                <a:solidFill>
-                  <a:srgbClr val="0070C0"/>
-                </a:solidFill>
-              </a:rPr>
-              <a:t>www.uniprot.org </a:t>
+              <a:rPr lang="en-GB" sz="2400" dirty="0" err="1">
+                <a:solidFill>
+                  <a:srgbClr val="0070C0"/>
+                </a:solidFill>
+              </a:rPr>
+              <a:t>UniProt</a:t>
             </a:r>
             <a:r>
               <a:rPr lang="en-GB" sz="2400" dirty="0">
@@ -9158,7 +8734,7 @@
                   <a:srgbClr val="0070C0"/>
                 </a:solidFill>
               </a:rPr>
-              <a:t>– protein data</a:t>
+              <a:t>	https://www.uniprot.org – protein data</a:t>
             </a:r>
             <a:endParaRPr lang="pl-PL" sz="2400" dirty="0">
               <a:solidFill>
@@ -9178,28 +8754,12 @@
               </a:tabLst>
             </a:pPr>
             <a:r>
-              <a:rPr lang="en-GB" sz="2400" smtClean="0">
-                <a:solidFill>
-                  <a:srgbClr val="0070C0"/>
-                </a:solidFill>
-              </a:rPr>
-              <a:t>GenBank	https</a:t>
-            </a:r>
-            <a:r>
-              <a:rPr lang="en-GB" sz="2400">
-                <a:solidFill>
-                  <a:srgbClr val="0070C0"/>
-                </a:solidFill>
-              </a:rPr>
-              <a:t>://</a:t>
-            </a:r>
-            <a:r>
-              <a:rPr lang="en-GB" sz="2400" smtClean="0">
-                <a:solidFill>
-                  <a:srgbClr val="0070C0"/>
-                </a:solidFill>
-              </a:rPr>
-              <a:t>www.ncbi.nlm.nih.gov/genbank </a:t>
+              <a:rPr lang="en-GB" sz="2400" dirty="0" err="1">
+                <a:solidFill>
+                  <a:srgbClr val="0070C0"/>
+                </a:solidFill>
+              </a:rPr>
+              <a:t>GenBank</a:t>
             </a:r>
             <a:r>
               <a:rPr lang="en-GB" sz="2400" dirty="0">
@@ -9207,7 +8767,7 @@
                   <a:srgbClr val="0070C0"/>
                 </a:solidFill>
               </a:rPr>
-              <a:t>– sequence data</a:t>
+              <a:t>	https://www.ncbi.nlm.nih.gov/genbank – sequence data</a:t>
             </a:r>
             <a:endParaRPr lang="pl-PL" sz="2400" dirty="0">
               <a:solidFill>
@@ -9227,52 +8787,12 @@
               </a:tabLst>
             </a:pPr>
             <a:r>
-              <a:rPr lang="en-GB" sz="2400" smtClean="0">
-                <a:solidFill>
-                  <a:srgbClr val="0070C0"/>
-                </a:solidFill>
-              </a:rPr>
-              <a:t>GitHub	https</a:t>
-            </a:r>
-            <a:r>
-              <a:rPr lang="en-GB" sz="2400">
-                <a:solidFill>
-                  <a:srgbClr val="0070C0"/>
-                </a:solidFill>
-              </a:rPr>
-              <a:t>://</a:t>
-            </a:r>
-            <a:r>
-              <a:rPr lang="en-GB" sz="2400" smtClean="0">
-                <a:solidFill>
-                  <a:srgbClr val="0070C0"/>
-                </a:solidFill>
-              </a:rPr>
-              <a:t>github.com </a:t>
-            </a:r>
-            <a:r>
               <a:rPr lang="en-GB" sz="2400" dirty="0">
                 <a:solidFill>
                   <a:srgbClr val="0070C0"/>
                 </a:solidFill>
               </a:rPr>
-              <a:t>– </a:t>
-            </a:r>
-            <a:r>
-              <a:rPr lang="en-GB" sz="2400">
-                <a:solidFill>
-                  <a:srgbClr val="0070C0"/>
-                </a:solidFill>
-              </a:rPr>
-              <a:t>for </a:t>
-            </a:r>
-            <a:r>
-              <a:rPr lang="en-GB" sz="2400" smtClean="0">
-                <a:solidFill>
-                  <a:srgbClr val="0070C0"/>
-                </a:solidFill>
-              </a:rPr>
-              <a:t>code</a:t>
+              <a:t>GitHub	https://github.com – for code</a:t>
             </a:r>
           </a:p>
           <a:p>
@@ -9287,7 +8807,7 @@
               </a:tabLst>
             </a:pPr>
             <a:r>
-              <a:rPr lang="en-GB" sz="2400" smtClean="0">
+              <a:rPr lang="en-GB" sz="2400" dirty="0" err="1">
                 <a:solidFill>
                   <a:srgbClr val="0070C0"/>
                 </a:solidFill>
@@ -9295,14 +8815,14 @@
               <a:t>MetaboLights</a:t>
             </a:r>
             <a:r>
-              <a:rPr lang="en-GB" sz="2400">
+              <a:rPr lang="en-GB" sz="2400" dirty="0">
                 <a:solidFill>
                   <a:srgbClr val="0070C0"/>
                 </a:solidFill>
               </a:rPr>
               <a:t>	https://www.ebi.ac.uk/metabolights – metabolomics data</a:t>
             </a:r>
-            <a:endParaRPr lang="pl-PL" sz="2400">
+            <a:endParaRPr lang="pl-PL" sz="2400" dirty="0">
               <a:solidFill>
                 <a:srgbClr val="0070C0"/>
               </a:solidFill>
@@ -9349,12 +8869,8 @@
           <a:lstStyle/>
           <a:p>
             <a:r>
-              <a:rPr lang="en-GB" dirty="0" smtClean="0"/>
-              <a:t>“</a:t>
-            </a:r>
-            <a:r>
               <a:rPr lang="en-GB" dirty="0"/>
-              <a:t>domain” (type) specific repositories</a:t>
+              <a:t>“domain” (type) specific repositories</a:t>
             </a:r>
           </a:p>
         </p:txBody>

--- a/instructors/04-Public_repositories.pptx
+++ b/instructors/04-Public_repositories.pptx
@@ -253,7 +253,7 @@
           <a:p>
             <a:fld id="{585C48AE-4A1E-9A43-835F-510354165F99}" type="datetimeFigureOut">
               <a:rPr lang="en-GB" smtClean="0"/>
-              <a:t>16/12/2022</a:t>
+              <a:t>14/01/2024</a:t>
             </a:fld>
             <a:endParaRPr lang="en-GB" dirty="0"/>
           </a:p>
@@ -723,6 +723,90 @@
           <a:bodyPr/>
           <a:lstStyle/>
           <a:p>
+            <a:endParaRPr lang="en-GB" dirty="0"/>
+          </a:p>
+        </p:txBody>
+      </p:sp>
+      <p:sp>
+        <p:nvSpPr>
+          <p:cNvPr id="4" name="Slide Number Placeholder 3"/>
+          <p:cNvSpPr>
+            <a:spLocks noGrp="1"/>
+          </p:cNvSpPr>
+          <p:nvPr>
+            <p:ph type="sldNum" sz="quarter" idx="5"/>
+          </p:nvPr>
+        </p:nvSpPr>
+        <p:spPr/>
+        <p:txBody>
+          <a:bodyPr/>
+          <a:lstStyle/>
+          <a:p>
+            <a:fld id="{B361C124-7373-F149-A166-BB8240B9FE77}" type="slidenum">
+              <a:rPr lang="en-GB" smtClean="0"/>
+              <a:t>3</a:t>
+            </a:fld>
+            <a:endParaRPr lang="en-GB" dirty="0"/>
+          </a:p>
+        </p:txBody>
+      </p:sp>
+    </p:spTree>
+    <p:extLst>
+      <p:ext uri="{BB962C8B-B14F-4D97-AF65-F5344CB8AC3E}">
+        <p14:creationId xmlns:p14="http://schemas.microsoft.com/office/powerpoint/2010/main" val="1847643637"/>
+      </p:ext>
+    </p:extLst>
+  </p:cSld>
+  <p:clrMapOvr>
+    <a:masterClrMapping/>
+  </p:clrMapOvr>
+</p:notes>
+</file>
+
+<file path=ppt/notesSlides/notesSlide3.xml><?xml version="1.0" encoding="utf-8"?>
+<p:notes xmlns:a="http://schemas.openxmlformats.org/drawingml/2006/main" xmlns:r="http://schemas.openxmlformats.org/officeDocument/2006/relationships" xmlns:p="http://schemas.openxmlformats.org/presentationml/2006/main">
+  <p:cSld>
+    <p:spTree>
+      <p:nvGrpSpPr>
+        <p:cNvPr id="1" name=""/>
+        <p:cNvGrpSpPr/>
+        <p:nvPr/>
+      </p:nvGrpSpPr>
+      <p:grpSpPr>
+        <a:xfrm>
+          <a:off x="0" y="0"/>
+          <a:ext cx="0" cy="0"/>
+          <a:chOff x="0" y="0"/>
+          <a:chExt cx="0" cy="0"/>
+        </a:xfrm>
+      </p:grpSpPr>
+      <p:sp>
+        <p:nvSpPr>
+          <p:cNvPr id="2" name="Slide Image Placeholder 1"/>
+          <p:cNvSpPr>
+            <a:spLocks noGrp="1" noRot="1" noChangeAspect="1"/>
+          </p:cNvSpPr>
+          <p:nvPr>
+            <p:ph type="sldImg"/>
+          </p:nvPr>
+        </p:nvSpPr>
+        <p:spPr/>
+      </p:sp>
+      <p:sp>
+        <p:nvSpPr>
+          <p:cNvPr id="3" name="Notes Placeholder 2"/>
+          <p:cNvSpPr>
+            <a:spLocks noGrp="1"/>
+          </p:cNvSpPr>
+          <p:nvPr>
+            <p:ph type="body" idx="1"/>
+          </p:nvPr>
+        </p:nvSpPr>
+        <p:spPr/>
+        <p:txBody>
+          <a:bodyPr/>
+          <a:lstStyle/>
+          <a:p>
             <a:r>
               <a:rPr lang="en-GB" dirty="0"/>
               <a:t>Dryad is an international open-access repository of research data.  It is a nonprofit organization that provides long-term access to its contents at no cost to users. The base DPC per data submission is $120 USD. Some journals</a:t>
@@ -971,7 +1055,7 @@
           <a:p>
             <a:fld id="{5913FB77-D8DB-4AB9-8EA5-EE8C3B57A5E1}" type="datetimeFigureOut">
               <a:rPr lang="en-GB" smtClean="0"/>
-              <a:t>16/12/2022</a:t>
+              <a:t>14/01/2024</a:t>
             </a:fld>
             <a:endParaRPr lang="en-GB" dirty="0"/>
           </a:p>
@@ -1218,7 +1302,7 @@
           <a:p>
             <a:fld id="{5913FB77-D8DB-4AB9-8EA5-EE8C3B57A5E1}" type="datetimeFigureOut">
               <a:rPr lang="en-GB" smtClean="0"/>
-              <a:t>16/12/2022</a:t>
+              <a:t>14/01/2024</a:t>
             </a:fld>
             <a:endParaRPr lang="en-GB" dirty="0"/>
           </a:p>
@@ -1428,7 +1512,7 @@
           <a:p>
             <a:fld id="{5913FB77-D8DB-4AB9-8EA5-EE8C3B57A5E1}" type="datetimeFigureOut">
               <a:rPr lang="en-GB" smtClean="0"/>
-              <a:t>16/12/2022</a:t>
+              <a:t>14/01/2024</a:t>
             </a:fld>
             <a:endParaRPr lang="en-GB" dirty="0"/>
           </a:p>
@@ -1628,7 +1712,7 @@
           <a:p>
             <a:fld id="{5913FB77-D8DB-4AB9-8EA5-EE8C3B57A5E1}" type="datetimeFigureOut">
               <a:rPr lang="en-GB" smtClean="0"/>
-              <a:t>16/12/2022</a:t>
+              <a:t>14/01/2024</a:t>
             </a:fld>
             <a:endParaRPr lang="en-GB" dirty="0"/>
           </a:p>
@@ -1904,7 +1988,7 @@
           <a:p>
             <a:fld id="{5913FB77-D8DB-4AB9-8EA5-EE8C3B57A5E1}" type="datetimeFigureOut">
               <a:rPr lang="en-GB" smtClean="0"/>
-              <a:t>16/12/2022</a:t>
+              <a:t>14/01/2024</a:t>
             </a:fld>
             <a:endParaRPr lang="en-GB" dirty="0"/>
           </a:p>
@@ -2172,7 +2256,7 @@
           <a:p>
             <a:fld id="{5913FB77-D8DB-4AB9-8EA5-EE8C3B57A5E1}" type="datetimeFigureOut">
               <a:rPr lang="en-GB" smtClean="0"/>
-              <a:t>16/12/2022</a:t>
+              <a:t>14/01/2024</a:t>
             </a:fld>
             <a:endParaRPr lang="en-GB" dirty="0"/>
           </a:p>
@@ -2587,7 +2671,7 @@
           <a:p>
             <a:fld id="{5913FB77-D8DB-4AB9-8EA5-EE8C3B57A5E1}" type="datetimeFigureOut">
               <a:rPr lang="en-GB" smtClean="0"/>
-              <a:t>16/12/2022</a:t>
+              <a:t>14/01/2024</a:t>
             </a:fld>
             <a:endParaRPr lang="en-GB" dirty="0"/>
           </a:p>
@@ -2729,7 +2813,7 @@
           <a:p>
             <a:fld id="{5913FB77-D8DB-4AB9-8EA5-EE8C3B57A5E1}" type="datetimeFigureOut">
               <a:rPr lang="en-GB" smtClean="0"/>
-              <a:t>16/12/2022</a:t>
+              <a:t>14/01/2024</a:t>
             </a:fld>
             <a:endParaRPr lang="en-GB" dirty="0"/>
           </a:p>
@@ -2842,7 +2926,7 @@
           <a:p>
             <a:fld id="{5913FB77-D8DB-4AB9-8EA5-EE8C3B57A5E1}" type="datetimeFigureOut">
               <a:rPr lang="en-GB" smtClean="0"/>
-              <a:t>16/12/2022</a:t>
+              <a:t>14/01/2024</a:t>
             </a:fld>
             <a:endParaRPr lang="en-GB" dirty="0"/>
           </a:p>
@@ -3155,7 +3239,7 @@
           <a:p>
             <a:fld id="{5913FB77-D8DB-4AB9-8EA5-EE8C3B57A5E1}" type="datetimeFigureOut">
               <a:rPr lang="en-GB" smtClean="0"/>
-              <a:t>16/12/2022</a:t>
+              <a:t>14/01/2024</a:t>
             </a:fld>
             <a:endParaRPr lang="en-GB" dirty="0"/>
           </a:p>
@@ -3444,7 +3528,7 @@
           <a:p>
             <a:fld id="{5913FB77-D8DB-4AB9-8EA5-EE8C3B57A5E1}" type="datetimeFigureOut">
               <a:rPr lang="en-GB" smtClean="0"/>
-              <a:t>16/12/2022</a:t>
+              <a:t>14/01/2024</a:t>
             </a:fld>
             <a:endParaRPr lang="en-GB" dirty="0"/>
           </a:p>
@@ -3686,7 +3770,7 @@
             <a:fld id="{5913FB77-D8DB-4AB9-8EA5-EE8C3B57A5E1}" type="datetimeFigureOut">
               <a:rPr lang="en-GB" smtClean="0"/>
               <a:pPr/>
-              <a:t>16/12/2022</a:t>
+              <a:t>14/01/2024</a:t>
             </a:fld>
             <a:endParaRPr lang="en-GB" dirty="0"/>
           </a:p>
@@ -4620,54 +4704,18 @@
         </p:nvSpPr>
         <p:spPr>
           <a:xfrm>
-            <a:off x="838200" y="365125"/>
+            <a:off x="453189" y="629820"/>
             <a:ext cx="10515600" cy="1325563"/>
           </a:xfrm>
         </p:spPr>
         <p:txBody>
-          <a:bodyPr/>
-          <a:lstStyle/>
-          <a:p>
-            <a:r>
-              <a:rPr lang="pl-PL" dirty="0">
-                <a:solidFill>
-                  <a:srgbClr val="0070C0"/>
-                </a:solidFill>
-              </a:rPr>
-              <a:t>Domain specific repositories</a:t>
-            </a:r>
-            <a:endParaRPr lang="en-GB" dirty="0">
-              <a:solidFill>
-                <a:srgbClr val="0070C0"/>
-              </a:solidFill>
-            </a:endParaRPr>
-          </a:p>
-        </p:txBody>
-      </p:sp>
-      <p:sp>
-        <p:nvSpPr>
-          <p:cNvPr id="6" name="Rectangle 5"/>
-          <p:cNvSpPr/>
-          <p:nvPr/>
-        </p:nvSpPr>
-        <p:spPr>
-          <a:xfrm>
-            <a:off x="605073" y="1977256"/>
-            <a:ext cx="10981854" cy="1323439"/>
-          </a:xfrm>
-          <a:prstGeom prst="rect">
-            <a:avLst/>
-          </a:prstGeom>
-        </p:spPr>
-        <p:txBody>
-          <a:bodyPr wrap="square">
-            <a:spAutoFit/>
+          <a:bodyPr>
+            <a:noAutofit/>
           </a:bodyPr>
           <a:lstStyle/>
           <a:p>
-            <a:pPr algn="ctr"/>
-            <a:r>
-              <a:rPr lang="pl-PL" sz="4000" dirty="0">
+            <a:r>
+              <a:rPr lang="pl-PL" dirty="0">
                 <a:solidFill>
                   <a:srgbClr val="0070C0"/>
                 </a:solidFill>
@@ -4675,25 +4723,36 @@
               <a:t>Exercise</a:t>
             </a:r>
             <a:r>
-              <a:rPr lang="en-GB" sz="4000" dirty="0">
-                <a:solidFill>
-                  <a:srgbClr val="0070C0"/>
-                </a:solidFill>
-              </a:rPr>
-              <a:t> 3</a:t>
-            </a:r>
-            <a:endParaRPr lang="pl-PL" sz="4000" dirty="0">
-              <a:solidFill>
-                <a:srgbClr val="0070C0"/>
-              </a:solidFill>
-            </a:endParaRPr>
-          </a:p>
-          <a:p>
-            <a:pPr marL="285750" indent="-285750" algn="ctr">
-              <a:buFont typeface="Arial" panose="020B0604020202020204" pitchFamily="34" charset="0"/>
-              <a:buChar char="•"/>
-            </a:pPr>
-            <a:endParaRPr lang="en-GB" sz="4000" dirty="0">
+              <a:rPr lang="en-GB" dirty="0">
+                <a:solidFill>
+                  <a:srgbClr val="0070C0"/>
+                </a:solidFill>
+              </a:rPr>
+              <a:t> 2.</a:t>
+            </a:r>
+            <a:br>
+              <a:rPr lang="en-GB" dirty="0">
+                <a:solidFill>
+                  <a:srgbClr val="0070C0"/>
+                </a:solidFill>
+              </a:rPr>
+            </a:br>
+            <a:br>
+              <a:rPr lang="pl-PL" dirty="0">
+                <a:solidFill>
+                  <a:srgbClr val="0070C0"/>
+                </a:solidFill>
+              </a:rPr>
+            </a:br>
+            <a:r>
+              <a:rPr lang="pl-PL" dirty="0">
+                <a:solidFill>
+                  <a:srgbClr val="0070C0"/>
+                </a:solidFill>
+              </a:rPr>
+              <a:t>Domain specific repositories</a:t>
+            </a:r>
+            <a:endParaRPr lang="en-GB" dirty="0">
               <a:solidFill>
                 <a:srgbClr val="0070C0"/>
               </a:solidFill>
@@ -5626,60 +5685,18 @@
         </p:nvSpPr>
         <p:spPr>
           <a:xfrm>
-            <a:off x="838200" y="365125"/>
+            <a:off x="693616" y="926599"/>
             <a:ext cx="10515600" cy="1325563"/>
           </a:xfrm>
         </p:spPr>
         <p:txBody>
-          <a:bodyPr/>
-          <a:lstStyle/>
-          <a:p>
-            <a:r>
-              <a:rPr lang="pl-PL" dirty="0">
-                <a:solidFill>
-                  <a:srgbClr val="0070C0"/>
-                </a:solidFill>
-              </a:rPr>
-              <a:t>Finding repository</a:t>
-            </a:r>
-            <a:endParaRPr lang="en-GB" dirty="0">
-              <a:solidFill>
-                <a:srgbClr val="0070C0"/>
-              </a:solidFill>
-            </a:endParaRPr>
-          </a:p>
-        </p:txBody>
-      </p:sp>
-      <p:sp>
-        <p:nvSpPr>
-          <p:cNvPr id="6" name="Rectangle 5">
-            <a:extLst>
-              <a:ext uri="{FF2B5EF4-FFF2-40B4-BE49-F238E27FC236}">
-                <a16:creationId xmlns:a16="http://schemas.microsoft.com/office/drawing/2014/main" id="{22F34A1D-F400-3A41-84C5-6FDD05616677}"/>
-              </a:ext>
-            </a:extLst>
-          </p:cNvPr>
-          <p:cNvSpPr/>
-          <p:nvPr/>
-        </p:nvSpPr>
-        <p:spPr>
-          <a:xfrm>
-            <a:off x="693616" y="2951946"/>
-            <a:ext cx="10981854" cy="1323439"/>
-          </a:xfrm>
-          <a:prstGeom prst="rect">
-            <a:avLst/>
-          </a:prstGeom>
-        </p:spPr>
-        <p:txBody>
-          <a:bodyPr wrap="square">
-            <a:spAutoFit/>
+          <a:bodyPr>
+            <a:noAutofit/>
           </a:bodyPr>
           <a:lstStyle/>
           <a:p>
-            <a:pPr algn="ctr"/>
-            <a:r>
-              <a:rPr lang="pl-PL" sz="4000" dirty="0">
+            <a:r>
+              <a:rPr lang="pl-PL" dirty="0">
                 <a:solidFill>
                   <a:srgbClr val="0070C0"/>
                 </a:solidFill>
@@ -5687,25 +5704,38 @@
               <a:t>Exercise</a:t>
             </a:r>
             <a:r>
-              <a:rPr lang="en-GB" sz="4000" dirty="0">
-                <a:solidFill>
-                  <a:srgbClr val="0070C0"/>
-                </a:solidFill>
-              </a:rPr>
-              <a:t> 4</a:t>
-            </a:r>
-            <a:endParaRPr lang="pl-PL" sz="4000" dirty="0">
-              <a:solidFill>
-                <a:srgbClr val="0070C0"/>
-              </a:solidFill>
-            </a:endParaRPr>
-          </a:p>
-          <a:p>
-            <a:pPr marL="285750" indent="-285750" algn="ctr">
-              <a:buFont typeface="Arial" panose="020B0604020202020204" pitchFamily="34" charset="0"/>
-              <a:buChar char="•"/>
-            </a:pPr>
-            <a:endParaRPr lang="en-GB" sz="4000" dirty="0">
+              <a:rPr lang="en-GB" dirty="0">
+                <a:solidFill>
+                  <a:srgbClr val="0070C0"/>
+                </a:solidFill>
+              </a:rPr>
+              <a:t> 3. </a:t>
+            </a:r>
+            <a:r>
+              <a:rPr lang="pl-PL" dirty="0">
+                <a:solidFill>
+                  <a:srgbClr val="0070C0"/>
+                </a:solidFill>
+              </a:rPr>
+              <a:t>Finding </a:t>
+            </a:r>
+            <a:r>
+              <a:rPr lang="en-GB" dirty="0">
+                <a:solidFill>
+                  <a:srgbClr val="0070C0"/>
+                </a:solidFill>
+              </a:rPr>
+              <a:t>a </a:t>
+            </a:r>
+            <a:r>
+              <a:rPr lang="pl-PL" dirty="0">
+                <a:solidFill>
+                  <a:srgbClr val="0070C0"/>
+                </a:solidFill>
+              </a:rPr>
+              <a:t>repository</a:t>
+            </a:r>
+            <a:endParaRPr lang="en-GB" dirty="0">
               <a:solidFill>
                 <a:srgbClr val="0070C0"/>
               </a:solidFill>
@@ -5959,14 +5989,6 @@
               </a:rPr>
               <a:t>/process: </a:t>
             </a:r>
-            <a:r>
-              <a:rPr lang="pl-PL" sz="2000" dirty="0">
-                <a:solidFill>
-                  <a:srgbClr val="0070C0"/>
-                </a:solidFill>
-              </a:rPr>
-              <a:t/>
-            </a:r>
             <a:br>
               <a:rPr lang="pl-PL" sz="2000" dirty="0">
                 <a:solidFill>
@@ -6072,14 +6094,6 @@
               </a:rPr>
               <a:t>can I put in it? </a:t>
             </a:r>
-            <a:r>
-              <a:rPr lang="pl-PL" sz="2000" dirty="0">
-                <a:solidFill>
-                  <a:srgbClr val="0070C0"/>
-                </a:solidFill>
-              </a:rPr>
-              <a:t/>
-            </a:r>
             <a:br>
               <a:rPr lang="pl-PL" sz="2000" dirty="0">
                 <a:solidFill>
@@ -6111,14 +6125,6 @@
               </a:rPr>
               <a:t>anyone else using it? </a:t>
             </a:r>
-            <a:r>
-              <a:rPr lang="pl-PL" sz="2000" dirty="0">
-                <a:solidFill>
-                  <a:srgbClr val="0070C0"/>
-                </a:solidFill>
-              </a:rPr>
-              <a:t/>
-            </a:r>
             <a:br>
               <a:rPr lang="pl-PL" sz="2000" dirty="0">
                 <a:solidFill>
@@ -6149,14 +6155,6 @@
                 </a:solidFill>
               </a:rPr>
               <a:t>others be able to find stuff deposited in it?</a:t>
-            </a:r>
-            <a:r>
-              <a:rPr lang="pl-PL" sz="2000" dirty="0">
-                <a:solidFill>
-                  <a:srgbClr val="0070C0"/>
-                </a:solidFill>
-              </a:rPr>
-              <a:t/>
             </a:r>
             <a:br>
               <a:rPr lang="pl-PL" sz="2000" dirty="0">
@@ -6273,14 +6271,6 @@
                 </a:solidFill>
               </a:rPr>
               <a:t>Policy and process: </a:t>
-            </a:r>
-            <a:r>
-              <a:rPr lang="pl-PL" sz="2000" dirty="0">
-                <a:solidFill>
-                  <a:srgbClr val="0070C0"/>
-                </a:solidFill>
-              </a:rPr>
-              <a:t/>
             </a:r>
             <a:br>
               <a:rPr lang="pl-PL" sz="2000" dirty="0">
@@ -6545,7 +6535,23 @@
           <a:lstStyle/>
           <a:p>
             <a:r>
-              <a:rPr lang="en-GB">
+              <a:rPr lang="pl-PL" sz="4400" dirty="0">
+                <a:solidFill>
+                  <a:srgbClr val="0070C0"/>
+                </a:solidFill>
+              </a:rPr>
+              <a:t>Exercise</a:t>
+            </a:r>
+            <a:r>
+              <a:rPr lang="en-GB" sz="4400" dirty="0">
+                <a:solidFill>
+                  <a:srgbClr val="0070C0"/>
+                </a:solidFill>
+              </a:rPr>
+              <a:t> 4. </a:t>
+            </a:r>
+            <a:r>
+              <a:rPr lang="en-GB" dirty="0">
                 <a:solidFill>
                   <a:srgbClr val="0070C0"/>
                 </a:solidFill>
@@ -6553,7 +6559,7 @@
               <a:t>Using</a:t>
             </a:r>
             <a:r>
-              <a:rPr lang="pl-PL">
+              <a:rPr lang="pl-PL" dirty="0">
                 <a:solidFill>
                   <a:srgbClr val="0070C0"/>
                 </a:solidFill>
@@ -6561,7 +6567,7 @@
               <a:t> repositor</a:t>
             </a:r>
             <a:r>
-              <a:rPr lang="en-GB">
+              <a:rPr lang="en-GB" dirty="0" err="1">
                 <a:solidFill>
                   <a:srgbClr val="0070C0"/>
                 </a:solidFill>
@@ -6569,69 +6575,6 @@
               <a:t>ies</a:t>
             </a:r>
             <a:endParaRPr lang="en-GB" dirty="0">
-              <a:solidFill>
-                <a:srgbClr val="0070C0"/>
-              </a:solidFill>
-            </a:endParaRPr>
-          </a:p>
-        </p:txBody>
-      </p:sp>
-      <p:sp>
-        <p:nvSpPr>
-          <p:cNvPr id="6" name="Rectangle 5">
-            <a:extLst>
-              <a:ext uri="{FF2B5EF4-FFF2-40B4-BE49-F238E27FC236}">
-                <a16:creationId xmlns:a16="http://schemas.microsoft.com/office/drawing/2014/main" id="{22F34A1D-F400-3A41-84C5-6FDD05616677}"/>
-              </a:ext>
-            </a:extLst>
-          </p:cNvPr>
-          <p:cNvSpPr/>
-          <p:nvPr/>
-        </p:nvSpPr>
-        <p:spPr>
-          <a:xfrm>
-            <a:off x="693616" y="2951946"/>
-            <a:ext cx="10981854" cy="1323439"/>
-          </a:xfrm>
-          <a:prstGeom prst="rect">
-            <a:avLst/>
-          </a:prstGeom>
-        </p:spPr>
-        <p:txBody>
-          <a:bodyPr wrap="square">
-            <a:spAutoFit/>
-          </a:bodyPr>
-          <a:lstStyle/>
-          <a:p>
-            <a:pPr algn="ctr"/>
-            <a:r>
-              <a:rPr lang="pl-PL" sz="4000" dirty="0">
-                <a:solidFill>
-                  <a:srgbClr val="0070C0"/>
-                </a:solidFill>
-              </a:rPr>
-              <a:t>Exercise</a:t>
-            </a:r>
-            <a:r>
-              <a:rPr lang="en-GB" sz="4000" dirty="0">
-                <a:solidFill>
-                  <a:srgbClr val="0070C0"/>
-                </a:solidFill>
-              </a:rPr>
-              <a:t> 5</a:t>
-            </a:r>
-            <a:endParaRPr lang="pl-PL" sz="4000" dirty="0">
-              <a:solidFill>
-                <a:srgbClr val="0070C0"/>
-              </a:solidFill>
-            </a:endParaRPr>
-          </a:p>
-          <a:p>
-            <a:pPr marL="285750" indent="-285750" algn="ctr">
-              <a:buFont typeface="Arial" panose="020B0604020202020204" pitchFamily="34" charset="0"/>
-              <a:buChar char="•"/>
-            </a:pPr>
-            <a:endParaRPr lang="en-GB" sz="4000" dirty="0">
               <a:solidFill>
                 <a:srgbClr val="0070C0"/>
               </a:solidFill>
@@ -7285,23 +7228,7 @@
                   <a:srgbClr val="0070C0"/>
                 </a:solidFill>
               </a:rPr>
-              <a:t>Research data repositories are online </a:t>
-            </a:r>
-            <a:r>
-              <a:rPr lang="en-GB" sz="2800" dirty="0" smtClean="0">
-                <a:solidFill>
-                  <a:srgbClr val="0070C0"/>
-                </a:solidFill>
-              </a:rPr>
-              <a:t>databases </a:t>
-            </a:r>
-            <a:r>
-              <a:rPr lang="en-GB" sz="2800" dirty="0">
-                <a:solidFill>
-                  <a:srgbClr val="0070C0"/>
-                </a:solidFill>
-              </a:rPr>
-              <a:t>that enable the preservation, curation and publication of research ‘products’:</a:t>
+              <a:t>Research data repositories are online databases that enable the preservation, curation and publication of research ‘products’:</a:t>
             </a:r>
           </a:p>
           <a:p>
@@ -7320,11 +7247,14 @@
               </a:rPr>
               <a:t>data</a:t>
             </a:r>
-            <a:endParaRPr lang="en-GB" sz="2800" dirty="0">
-              <a:solidFill>
-                <a:srgbClr val="0070C0"/>
-              </a:solidFill>
-            </a:endParaRPr>
+            <a:r>
+              <a:rPr lang="en-GB" sz="2800" dirty="0">
+                <a:solidFill>
+                  <a:srgbClr val="0070C0"/>
+                </a:solidFill>
+              </a:rPr>
+              <a:t>sets</a:t>
+            </a:r>
           </a:p>
           <a:p>
             <a:pPr marL="457200" indent="-457200">
@@ -7352,7 +7282,7 @@
               <a:buChar char="•"/>
             </a:pPr>
             <a:r>
-              <a:rPr lang="en-GB" sz="2800" dirty="0" smtClean="0">
+              <a:rPr lang="en-GB" sz="2800" dirty="0">
                 <a:solidFill>
                   <a:srgbClr val="0070C0"/>
                 </a:solidFill>
@@ -7360,7 +7290,7 @@
               <a:t>p</a:t>
             </a:r>
             <a:r>
-              <a:rPr lang="pl-PL" sz="2800" dirty="0" smtClean="0">
+              <a:rPr lang="pl-PL" sz="2800" dirty="0">
                 <a:solidFill>
                   <a:srgbClr val="0070C0"/>
                 </a:solidFill>
@@ -7377,18 +7307,13 @@
               <a:buChar char="•"/>
             </a:pPr>
             <a:r>
-              <a:rPr lang="en-GB" sz="2800" dirty="0" smtClean="0">
+              <a:rPr lang="en-GB" sz="2800" dirty="0">
                 <a:solidFill>
                   <a:srgbClr val="0070C0"/>
                 </a:solidFill>
               </a:rPr>
               <a:t>description of biological materials</a:t>
             </a:r>
-            <a:endParaRPr lang="en-GB" sz="2800" dirty="0">
-              <a:solidFill>
-                <a:srgbClr val="0070C0"/>
-              </a:solidFill>
-            </a:endParaRPr>
           </a:p>
         </p:txBody>
       </p:sp>
@@ -7407,13 +7332,13 @@
           <p:nvPr/>
         </p:nvPicPr>
         <p:blipFill>
-          <a:blip r:embed="rId2" cstate="hqprint">
+          <a:blip r:embed="rId3" cstate="hqprint">
             <a:extLst>
               <a:ext uri="{28A0092B-C50C-407E-A947-70E740481C1C}">
                 <a14:useLocalDpi xmlns:a14="http://schemas.microsoft.com/office/drawing/2010/main" val="0"/>
               </a:ext>
               <a:ext uri="{96DAC541-7B7A-43D3-8B79-37D633B846F1}">
-                <asvg:svgBlip xmlns="" xmlns:asvg="http://schemas.microsoft.com/office/drawing/2016/SVG/main" r:embed="rId3"/>
+                <asvg:svgBlip xmlns:asvg="http://schemas.microsoft.com/office/drawing/2016/SVG/main" r:embed="rId4"/>
               </a:ext>
             </a:extLst>
           </a:blip>
@@ -7446,13 +7371,13 @@
           <p:nvPr/>
         </p:nvPicPr>
         <p:blipFill>
-          <a:blip r:embed="rId4" cstate="hqprint">
+          <a:blip r:embed="rId5" cstate="hqprint">
             <a:extLst>
               <a:ext uri="{28A0092B-C50C-407E-A947-70E740481C1C}">
                 <a14:useLocalDpi xmlns:a14="http://schemas.microsoft.com/office/drawing/2010/main" val="0"/>
               </a:ext>
               <a:ext uri="{96DAC541-7B7A-43D3-8B79-37D633B846F1}">
-                <asvg:svgBlip xmlns="" xmlns:asvg="http://schemas.microsoft.com/office/drawing/2016/SVG/main" r:embed="rId5"/>
+                <asvg:svgBlip xmlns:asvg="http://schemas.microsoft.com/office/drawing/2016/SVG/main" r:embed="rId6"/>
               </a:ext>
             </a:extLst>
           </a:blip>
@@ -7485,13 +7410,13 @@
           <p:nvPr/>
         </p:nvPicPr>
         <p:blipFill>
-          <a:blip r:embed="rId6" cstate="hqprint">
+          <a:blip r:embed="rId7" cstate="hqprint">
             <a:extLst>
               <a:ext uri="{28A0092B-C50C-407E-A947-70E740481C1C}">
                 <a14:useLocalDpi xmlns:a14="http://schemas.microsoft.com/office/drawing/2010/main" val="0"/>
               </a:ext>
               <a:ext uri="{96DAC541-7B7A-43D3-8B79-37D633B846F1}">
-                <asvg:svgBlip xmlns="" xmlns:asvg="http://schemas.microsoft.com/office/drawing/2016/SVG/main" r:embed="rId7"/>
+                <asvg:svgBlip xmlns:asvg="http://schemas.microsoft.com/office/drawing/2016/SVG/main" r:embed="rId8"/>
               </a:ext>
             </a:extLst>
           </a:blip>
@@ -7518,7 +7443,7 @@
           <p:nvPr/>
         </p:nvPicPr>
         <p:blipFill>
-          <a:blip r:embed="rId8">
+          <a:blip r:embed="rId9">
             <a:extLst>
               <a:ext uri="{28A0092B-C50C-407E-A947-70E740481C1C}">
                 <a14:useLocalDpi xmlns:a14="http://schemas.microsoft.com/office/drawing/2010/main" val="0"/>
@@ -7876,28 +7801,12 @@
               <a:buChar char="•"/>
             </a:pPr>
             <a:r>
-              <a:rPr lang="en-GB" sz="2400" dirty="0" smtClean="0">
-                <a:solidFill>
-                  <a:srgbClr val="0070C0"/>
-                </a:solidFill>
-              </a:rPr>
-              <a:t>and </a:t>
-            </a:r>
-            <a:r>
               <a:rPr lang="en-GB" sz="2400" dirty="0">
                 <a:solidFill>
                   <a:srgbClr val="0070C0"/>
                 </a:solidFill>
               </a:rPr>
-              <a:t>your </a:t>
-            </a:r>
-            <a:r>
-              <a:rPr lang="en-GB" sz="2400" dirty="0" smtClean="0">
-                <a:solidFill>
-                  <a:srgbClr val="0070C0"/>
-                </a:solidFill>
-              </a:rPr>
-              <a:t>Institutional repository.</a:t>
+              <a:t>and your Institutional repository.</a:t>
             </a:r>
             <a:endParaRPr lang="pl-PL" sz="2400" dirty="0">
               <a:solidFill>
@@ -8212,6 +8121,14 @@
           <a:lstStyle/>
           <a:p>
             <a:r>
+              <a:rPr lang="en-GB" dirty="0">
+                <a:solidFill>
+                  <a:srgbClr val="0070C0"/>
+                </a:solidFill>
+              </a:rPr>
+              <a:t>Exercise 1. </a:t>
+            </a:r>
+            <a:r>
               <a:rPr lang="pl-PL" dirty="0">
                 <a:solidFill>
                   <a:srgbClr val="0070C0"/>
@@ -8256,13 +8173,18 @@
           <a:p>
             <a:pPr algn="ctr"/>
             <a:r>
-              <a:rPr lang="pl-PL" sz="4000" dirty="0">
-                <a:solidFill>
-                  <a:srgbClr val="0070C0"/>
-                </a:solidFill>
-              </a:rPr>
-              <a:t>What makes it FAIR</a:t>
-            </a:r>
+              <a:rPr lang="en-GB" sz="4000" dirty="0">
+                <a:solidFill>
+                  <a:srgbClr val="0070C0"/>
+                </a:solidFill>
+              </a:rPr>
+              <a:t>1a. Dataset description</a:t>
+            </a:r>
+            <a:endParaRPr lang="pl-PL" sz="4000" dirty="0">
+              <a:solidFill>
+                <a:srgbClr val="0070C0"/>
+              </a:solidFill>
+            </a:endParaRPr>
           </a:p>
           <a:p>
             <a:pPr marL="285750" indent="-285750" algn="ctr">
@@ -8366,6 +8288,26 @@
           <a:lstStyle/>
           <a:p>
             <a:r>
+              <a:rPr lang="pl-PL" sz="4400" dirty="0">
+                <a:solidFill>
+                  <a:srgbClr val="0070C0"/>
+                </a:solidFill>
+              </a:rPr>
+              <a:t>Exercise</a:t>
+            </a:r>
+            <a:r>
+              <a:rPr lang="en-GB" sz="4400" dirty="0">
+                <a:solidFill>
+                  <a:srgbClr val="0070C0"/>
+                </a:solidFill>
+              </a:rPr>
+              <a:t> </a:t>
+            </a:r>
+            <a:r>
+              <a:rPr lang="en-GB" dirty="0"/>
+              <a:t>1b. </a:t>
+            </a:r>
+            <a:r>
               <a:rPr lang="pl-PL" dirty="0">
                 <a:solidFill>
                   <a:srgbClr val="0070C0"/>
@@ -8374,72 +8316,6 @@
               <a:t>Dataset discovery</a:t>
             </a:r>
             <a:endParaRPr lang="en-GB" dirty="0">
-              <a:solidFill>
-                <a:srgbClr val="0070C0"/>
-              </a:solidFill>
-            </a:endParaRPr>
-          </a:p>
-        </p:txBody>
-      </p:sp>
-      <p:sp>
-        <p:nvSpPr>
-          <p:cNvPr id="4" name="Rectangle 3">
-            <a:extLst>
-              <a:ext uri="{FF2B5EF4-FFF2-40B4-BE49-F238E27FC236}">
-                <a16:creationId xmlns:a16="http://schemas.microsoft.com/office/drawing/2014/main" id="{CAA0BFB8-30CB-4548-8596-047DD833C1C6}"/>
-              </a:ext>
-            </a:extLst>
-          </p:cNvPr>
-          <p:cNvSpPr/>
-          <p:nvPr/>
-        </p:nvSpPr>
-        <p:spPr>
-          <a:xfrm>
-            <a:off x="605073" y="1977256"/>
-            <a:ext cx="10981854" cy="1323439"/>
-          </a:xfrm>
-          <a:prstGeom prst="rect">
-            <a:avLst/>
-          </a:prstGeom>
-        </p:spPr>
-        <p:txBody>
-          <a:bodyPr wrap="square">
-            <a:spAutoFit/>
-          </a:bodyPr>
-          <a:lstStyle/>
-          <a:p>
-            <a:pPr algn="ctr"/>
-            <a:r>
-              <a:rPr lang="pl-PL" sz="4000" dirty="0">
-                <a:solidFill>
-                  <a:srgbClr val="0070C0"/>
-                </a:solidFill>
-              </a:rPr>
-              <a:t>Exercise</a:t>
-            </a:r>
-            <a:r>
-              <a:rPr lang="en-GB" sz="4000" dirty="0">
-                <a:solidFill>
-                  <a:srgbClr val="0070C0"/>
-                </a:solidFill>
-              </a:rPr>
-              <a:t> </a:t>
-            </a:r>
-            <a:r>
-              <a:rPr lang="pl-PL" sz="4000" dirty="0">
-                <a:solidFill>
-                  <a:srgbClr val="0070C0"/>
-                </a:solidFill>
-              </a:rPr>
-              <a:t>2</a:t>
-            </a:r>
-          </a:p>
-          <a:p>
-            <a:pPr marL="285750" indent="-285750" algn="ctr">
-              <a:buFont typeface="Arial" panose="020B0604020202020204" pitchFamily="34" charset="0"/>
-              <a:buChar char="•"/>
-            </a:pPr>
-            <a:endParaRPr lang="en-GB" sz="4000" dirty="0">
               <a:solidFill>
                 <a:srgbClr val="0070C0"/>
               </a:solidFill>
